--- a/Project 1 - Group 4.pptx
+++ b/Project 1 - Group 4.pptx
@@ -1,50 +1,50 @@
 
 <file path=ppt/presentation.xml><?xml version="1.0" encoding="utf-8"?>
-<p:presentation xmlns:a="http://schemas.openxmlformats.org/drawingml/2006/main" xmlns:r="http://schemas.openxmlformats.org/officeDocument/2006/relationships" xmlns:mc="http://schemas.openxmlformats.org/markup-compatibility/2006" xmlns:mv="urn:schemas-microsoft-com:mac:vml" xmlns:p="http://schemas.openxmlformats.org/presentationml/2006/main" xmlns:c="http://schemas.openxmlformats.org/drawingml/2006/chart" xmlns:dgm="http://schemas.openxmlformats.org/drawingml/2006/diagram" xmlns:o="urn:schemas-microsoft-com:office:office" xmlns:v="urn:schemas-microsoft-com:vml" xmlns:pvml="urn:schemas-microsoft-com:office:powerpoint" xmlns:com="http://schemas.openxmlformats.org/drawingml/2006/compatibility" xmlns:p14="http://schemas.microsoft.com/office/powerpoint/2010/main" xmlns:p15="http://schemas.microsoft.com/office/powerpoint/2012/main" xmlns:ahyp="http://schemas.microsoft.com/office/drawing/2018/hyperlinkcolor" autoCompressPictures="0" embedTrueTypeFonts="1" strictFirstAndLastChars="0" saveSubsetFonts="1">
+<p:presentation xmlns:a="http://schemas.openxmlformats.org/drawingml/2006/main" xmlns:r="http://schemas.openxmlformats.org/officeDocument/2006/relationships" xmlns:p="http://schemas.openxmlformats.org/presentationml/2006/main" strictFirstAndLastChars="0" embedTrueTypeFonts="1" saveSubsetFonts="1" autoCompressPictures="0">
   <p:sldMasterIdLst>
-    <p:sldMasterId id="2147483659" r:id="rId4"/>
+    <p:sldMasterId id="2147483659" r:id="rId1"/>
   </p:sldMasterIdLst>
   <p:notesMasterIdLst>
-    <p:notesMasterId r:id="rId5"/>
+    <p:notesMasterId r:id="rId18"/>
   </p:notesMasterIdLst>
   <p:sldIdLst>
-    <p:sldId id="256" r:id="rId6"/>
-    <p:sldId id="257" r:id="rId7"/>
-    <p:sldId id="258" r:id="rId8"/>
-    <p:sldId id="259" r:id="rId9"/>
-    <p:sldId id="260" r:id="rId10"/>
-    <p:sldId id="261" r:id="rId11"/>
-    <p:sldId id="262" r:id="rId12"/>
-    <p:sldId id="263" r:id="rId13"/>
-    <p:sldId id="264" r:id="rId14"/>
-    <p:sldId id="265" r:id="rId15"/>
-    <p:sldId id="266" r:id="rId16"/>
-    <p:sldId id="267" r:id="rId17"/>
-    <p:sldId id="268" r:id="rId18"/>
-    <p:sldId id="269" r:id="rId19"/>
-    <p:sldId id="270" r:id="rId20"/>
-    <p:sldId id="271" r:id="rId21"/>
+    <p:sldId id="256" r:id="rId2"/>
+    <p:sldId id="257" r:id="rId3"/>
+    <p:sldId id="258" r:id="rId4"/>
+    <p:sldId id="259" r:id="rId5"/>
+    <p:sldId id="260" r:id="rId6"/>
+    <p:sldId id="261" r:id="rId7"/>
+    <p:sldId id="262" r:id="rId8"/>
+    <p:sldId id="263" r:id="rId9"/>
+    <p:sldId id="264" r:id="rId10"/>
+    <p:sldId id="265" r:id="rId11"/>
+    <p:sldId id="266" r:id="rId12"/>
+    <p:sldId id="267" r:id="rId13"/>
+    <p:sldId id="268" r:id="rId14"/>
+    <p:sldId id="269" r:id="rId15"/>
+    <p:sldId id="270" r:id="rId16"/>
+    <p:sldId id="271" r:id="rId17"/>
   </p:sldIdLst>
-  <p:sldSz cy="5143500" cx="9144000"/>
+  <p:sldSz cx="9144000" cy="5143500" type="screen16x9"/>
   <p:notesSz cx="6858000" cy="9144000"/>
   <p:embeddedFontLst>
     <p:embeddedFont>
-      <p:font typeface="Montserrat"/>
-      <p:regular r:id="rId22"/>
-      <p:bold r:id="rId23"/>
-      <p:italic r:id="rId24"/>
-      <p:boldItalic r:id="rId25"/>
+      <p:font typeface="Lato" panose="020F0502020204030203" pitchFamily="34" charset="0"/>
+      <p:regular r:id="rId19"/>
+      <p:bold r:id="rId20"/>
+      <p:italic r:id="rId21"/>
+      <p:boldItalic r:id="rId22"/>
     </p:embeddedFont>
     <p:embeddedFont>
-      <p:font typeface="Lato"/>
-      <p:regular r:id="rId26"/>
-      <p:bold r:id="rId27"/>
-      <p:italic r:id="rId28"/>
-      <p:boldItalic r:id="rId29"/>
+      <p:font typeface="Montserrat" panose="00000500000000000000" pitchFamily="2" charset="0"/>
+      <p:regular r:id="rId23"/>
+      <p:bold r:id="rId24"/>
+      <p:italic r:id="rId25"/>
+      <p:boldItalic r:id="rId26"/>
     </p:embeddedFont>
   </p:embeddedFontLst>
   <p:defaultTextStyle>
-    <a:defPPr lvl="0" marR="0" rtl="0" algn="l">
+    <a:defPPr marR="0" lvl="0" algn="l" rtl="0">
       <a:lnSpc>
         <a:spcPct val="100000"/>
       </a:lnSpc>
@@ -55,7 +55,7 @@
         <a:spcPts val="0"/>
       </a:spcAft>
     </a:defPPr>
-    <a:lvl1pPr lvl="0" marR="0" rtl="0" algn="l">
+    <a:lvl1pPr marR="0" lvl="0" algn="l" rtl="0">
       <a:lnSpc>
         <a:spcPct val="100000"/>
       </a:lnSpc>
@@ -69,7 +69,7 @@
         <a:srgbClr val="000000"/>
       </a:buClr>
       <a:buFont typeface="Arial"/>
-      <a:defRPr b="0" i="0" sz="1400" u="none" cap="none" strike="noStrike">
+      <a:defRPr sz="1400" b="0" i="0" u="none" strike="noStrike" cap="none">
         <a:solidFill>
           <a:srgbClr val="000000"/>
         </a:solidFill>
@@ -79,7 +79,7 @@
         <a:sym typeface="Arial"/>
       </a:defRPr>
     </a:lvl1pPr>
-    <a:lvl2pPr lvl="1" marR="0" rtl="0" algn="l">
+    <a:lvl2pPr marR="0" lvl="1" algn="l" rtl="0">
       <a:lnSpc>
         <a:spcPct val="100000"/>
       </a:lnSpc>
@@ -93,7 +93,7 @@
         <a:srgbClr val="000000"/>
       </a:buClr>
       <a:buFont typeface="Arial"/>
-      <a:defRPr b="0" i="0" sz="1400" u="none" cap="none" strike="noStrike">
+      <a:defRPr sz="1400" b="0" i="0" u="none" strike="noStrike" cap="none">
         <a:solidFill>
           <a:srgbClr val="000000"/>
         </a:solidFill>
@@ -103,7 +103,7 @@
         <a:sym typeface="Arial"/>
       </a:defRPr>
     </a:lvl2pPr>
-    <a:lvl3pPr lvl="2" marR="0" rtl="0" algn="l">
+    <a:lvl3pPr marR="0" lvl="2" algn="l" rtl="0">
       <a:lnSpc>
         <a:spcPct val="100000"/>
       </a:lnSpc>
@@ -117,7 +117,7 @@
         <a:srgbClr val="000000"/>
       </a:buClr>
       <a:buFont typeface="Arial"/>
-      <a:defRPr b="0" i="0" sz="1400" u="none" cap="none" strike="noStrike">
+      <a:defRPr sz="1400" b="0" i="0" u="none" strike="noStrike" cap="none">
         <a:solidFill>
           <a:srgbClr val="000000"/>
         </a:solidFill>
@@ -127,7 +127,7 @@
         <a:sym typeface="Arial"/>
       </a:defRPr>
     </a:lvl3pPr>
-    <a:lvl4pPr lvl="3" marR="0" rtl="0" algn="l">
+    <a:lvl4pPr marR="0" lvl="3" algn="l" rtl="0">
       <a:lnSpc>
         <a:spcPct val="100000"/>
       </a:lnSpc>
@@ -141,7 +141,7 @@
         <a:srgbClr val="000000"/>
       </a:buClr>
       <a:buFont typeface="Arial"/>
-      <a:defRPr b="0" i="0" sz="1400" u="none" cap="none" strike="noStrike">
+      <a:defRPr sz="1400" b="0" i="0" u="none" strike="noStrike" cap="none">
         <a:solidFill>
           <a:srgbClr val="000000"/>
         </a:solidFill>
@@ -151,7 +151,7 @@
         <a:sym typeface="Arial"/>
       </a:defRPr>
     </a:lvl4pPr>
-    <a:lvl5pPr lvl="4" marR="0" rtl="0" algn="l">
+    <a:lvl5pPr marR="0" lvl="4" algn="l" rtl="0">
       <a:lnSpc>
         <a:spcPct val="100000"/>
       </a:lnSpc>
@@ -165,7 +165,7 @@
         <a:srgbClr val="000000"/>
       </a:buClr>
       <a:buFont typeface="Arial"/>
-      <a:defRPr b="0" i="0" sz="1400" u="none" cap="none" strike="noStrike">
+      <a:defRPr sz="1400" b="0" i="0" u="none" strike="noStrike" cap="none">
         <a:solidFill>
           <a:srgbClr val="000000"/>
         </a:solidFill>
@@ -175,7 +175,7 @@
         <a:sym typeface="Arial"/>
       </a:defRPr>
     </a:lvl5pPr>
-    <a:lvl6pPr lvl="5" marR="0" rtl="0" algn="l">
+    <a:lvl6pPr marR="0" lvl="5" algn="l" rtl="0">
       <a:lnSpc>
         <a:spcPct val="100000"/>
       </a:lnSpc>
@@ -189,7 +189,7 @@
         <a:srgbClr val="000000"/>
       </a:buClr>
       <a:buFont typeface="Arial"/>
-      <a:defRPr b="0" i="0" sz="1400" u="none" cap="none" strike="noStrike">
+      <a:defRPr sz="1400" b="0" i="0" u="none" strike="noStrike" cap="none">
         <a:solidFill>
           <a:srgbClr val="000000"/>
         </a:solidFill>
@@ -199,7 +199,7 @@
         <a:sym typeface="Arial"/>
       </a:defRPr>
     </a:lvl6pPr>
-    <a:lvl7pPr lvl="6" marR="0" rtl="0" algn="l">
+    <a:lvl7pPr marR="0" lvl="6" algn="l" rtl="0">
       <a:lnSpc>
         <a:spcPct val="100000"/>
       </a:lnSpc>
@@ -213,7 +213,7 @@
         <a:srgbClr val="000000"/>
       </a:buClr>
       <a:buFont typeface="Arial"/>
-      <a:defRPr b="0" i="0" sz="1400" u="none" cap="none" strike="noStrike">
+      <a:defRPr sz="1400" b="0" i="0" u="none" strike="noStrike" cap="none">
         <a:solidFill>
           <a:srgbClr val="000000"/>
         </a:solidFill>
@@ -223,7 +223,7 @@
         <a:sym typeface="Arial"/>
       </a:defRPr>
     </a:lvl7pPr>
-    <a:lvl8pPr lvl="7" marR="0" rtl="0" algn="l">
+    <a:lvl8pPr marR="0" lvl="7" algn="l" rtl="0">
       <a:lnSpc>
         <a:spcPct val="100000"/>
       </a:lnSpc>
@@ -237,7 +237,7 @@
         <a:srgbClr val="000000"/>
       </a:buClr>
       <a:buFont typeface="Arial"/>
-      <a:defRPr b="0" i="0" sz="1400" u="none" cap="none" strike="noStrike">
+      <a:defRPr sz="1400" b="0" i="0" u="none" strike="noStrike" cap="none">
         <a:solidFill>
           <a:srgbClr val="000000"/>
         </a:solidFill>
@@ -247,7 +247,7 @@
         <a:sym typeface="Arial"/>
       </a:defRPr>
     </a:lvl8pPr>
-    <a:lvl9pPr lvl="8" marR="0" rtl="0" algn="l">
+    <a:lvl9pPr marR="0" lvl="8" algn="l" rtl="0">
       <a:lnSpc>
         <a:spcPct val="100000"/>
       </a:lnSpc>
@@ -261,7 +261,7 @@
         <a:srgbClr val="000000"/>
       </a:buClr>
       <a:buFont typeface="Arial"/>
-      <a:defRPr b="0" i="0" sz="1400" u="none" cap="none" strike="noStrike">
+      <a:defRPr sz="1400" b="0" i="0" u="none" strike="noStrike" cap="none">
         <a:solidFill>
           <a:srgbClr val="000000"/>
         </a:solidFill>
@@ -274,7 +274,7 @@
   </p:defaultTextStyle>
   <p:extLst>
     <p:ext uri="{EFAFB233-063F-42B5-8137-9DF3F51BA10A}">
-      <p15:sldGuideLst>
+      <p15:sldGuideLst xmlns:p15="http://schemas.microsoft.com/office/powerpoint/2012/main">
         <p15:guide id="1" orient="horz" pos="1620">
           <p15:clr>
             <a:srgbClr val="747775"/>
@@ -292,11 +292,16 @@
 </file>
 
 <file path=ppt/notesMasters/notesMaster1.xml><?xml version="1.0" encoding="utf-8"?>
-<p:notesMaster xmlns:a="http://schemas.openxmlformats.org/drawingml/2006/main" xmlns:r="http://schemas.openxmlformats.org/officeDocument/2006/relationships" xmlns:mc="http://schemas.openxmlformats.org/markup-compatibility/2006" xmlns:mv="urn:schemas-microsoft-com:mac:vml" xmlns:p="http://schemas.openxmlformats.org/presentationml/2006/main" xmlns:c="http://schemas.openxmlformats.org/drawingml/2006/chart" xmlns:dgm="http://schemas.openxmlformats.org/drawingml/2006/diagram" xmlns:o="urn:schemas-microsoft-com:office:office" xmlns:v="urn:schemas-microsoft-com:vml" xmlns:pvml="urn:schemas-microsoft-com:office:powerpoint" xmlns:com="http://schemas.openxmlformats.org/drawingml/2006/compatibility" xmlns:p14="http://schemas.microsoft.com/office/powerpoint/2010/main" xmlns:p15="http://schemas.microsoft.com/office/powerpoint/2012/main" xmlns:ahyp="http://schemas.microsoft.com/office/drawing/2018/hyperlinkcolor">
+<p:notesMaster xmlns:a="http://schemas.openxmlformats.org/drawingml/2006/main" xmlns:r="http://schemas.openxmlformats.org/officeDocument/2006/relationships" xmlns:p="http://schemas.openxmlformats.org/presentationml/2006/main">
   <p:cSld>
+    <p:bg>
+      <p:bgRef idx="1001">
+        <a:schemeClr val="bg1"/>
+      </p:bgRef>
+    </p:bg>
     <p:spTree>
       <p:nvGrpSpPr>
-        <p:cNvPr id="2" name="Shape 2"/>
+        <p:cNvPr id="1" name="Shape 2"/>
         <p:cNvGrpSpPr/>
         <p:nvPr/>
       </p:nvGrpSpPr>
@@ -311,9 +316,11 @@
       <p:sp>
         <p:nvSpPr>
           <p:cNvPr id="3" name="Google Shape;3;n"/>
-          <p:cNvSpPr/>
+          <p:cNvSpPr>
+            <a:spLocks noGrp="1" noRot="1" noChangeAspect="1"/>
+          </p:cNvSpPr>
           <p:nvPr>
-            <p:ph idx="2" type="sldImg"/>
+            <p:ph type="sldImg" idx="2"/>
           </p:nvPr>
         </p:nvSpPr>
         <p:spPr>
@@ -322,9 +329,13 @@
             <a:ext cx="6096075" cy="3429000"/>
           </a:xfrm>
           <a:custGeom>
-            <a:rect b="b" l="l" r="r" t="t"/>
+            <a:avLst/>
+            <a:gdLst/>
+            <a:ahLst/>
+            <a:cxnLst/>
+            <a:rect l="l" t="t" r="r" b="b"/>
             <a:pathLst>
-              <a:path extrusionOk="0" h="120000" w="120000">
+              <a:path w="120000" h="120000" extrusionOk="0">
                 <a:moveTo>
                   <a:pt x="0" y="0"/>
                 </a:moveTo>
@@ -342,23 +353,25 @@
             </a:pathLst>
           </a:custGeom>
           <a:noFill/>
-          <a:ln cap="flat" cmpd="sng" w="9525">
+          <a:ln w="9525" cap="flat" cmpd="sng">
             <a:solidFill>
               <a:srgbClr val="000000"/>
             </a:solidFill>
             <a:prstDash val="solid"/>
             <a:round/>
-            <a:headEnd len="sm" w="sm" type="none"/>
-            <a:tailEnd len="sm" w="sm" type="none"/>
+            <a:headEnd type="none" w="sm" len="sm"/>
+            <a:tailEnd type="none" w="sm" len="sm"/>
           </a:ln>
         </p:spPr>
       </p:sp>
       <p:sp>
         <p:nvSpPr>
           <p:cNvPr id="4" name="Google Shape;4;n"/>
-          <p:cNvSpPr txBox="1"/>
+          <p:cNvSpPr txBox="1">
+            <a:spLocks noGrp="1"/>
+          </p:cNvSpPr>
           <p:nvPr>
-            <p:ph idx="1" type="body"/>
+            <p:ph type="body" idx="1"/>
           </p:nvPr>
         </p:nvSpPr>
         <p:spPr>
@@ -375,11 +388,11 @@
           </a:ln>
         </p:spPr>
         <p:txBody>
-          <a:bodyPr anchorCtr="0" anchor="t" bIns="91425" lIns="91425" spcFirstLastPara="1" rIns="91425" wrap="square" tIns="91425">
+          <a:bodyPr spcFirstLastPara="1" wrap="square" lIns="91425" tIns="91425" rIns="91425" bIns="91425" anchor="t" anchorCtr="0">
             <a:noAutofit/>
           </a:bodyPr>
           <a:lstStyle>
-            <a:lvl1pPr indent="-298450" lvl="0" marL="457200">
+            <a:lvl1pPr marL="457200" lvl="0" indent="-298450">
               <a:spcBef>
                 <a:spcPts val="0"/>
               </a:spcBef>
@@ -390,7 +403,7 @@
               <a:buChar char="●"/>
               <a:defRPr sz="1100"/>
             </a:lvl1pPr>
-            <a:lvl2pPr indent="-298450" lvl="1" marL="914400">
+            <a:lvl2pPr marL="914400" lvl="1" indent="-298450">
               <a:spcBef>
                 <a:spcPts val="0"/>
               </a:spcBef>
@@ -401,7 +414,7 @@
               <a:buChar char="○"/>
               <a:defRPr sz="1100"/>
             </a:lvl2pPr>
-            <a:lvl3pPr indent="-298450" lvl="2" marL="1371600">
+            <a:lvl3pPr marL="1371600" lvl="2" indent="-298450">
               <a:spcBef>
                 <a:spcPts val="0"/>
               </a:spcBef>
@@ -412,7 +425,7 @@
               <a:buChar char="■"/>
               <a:defRPr sz="1100"/>
             </a:lvl3pPr>
-            <a:lvl4pPr indent="-298450" lvl="3" marL="1828800">
+            <a:lvl4pPr marL="1828800" lvl="3" indent="-298450">
               <a:spcBef>
                 <a:spcPts val="0"/>
               </a:spcBef>
@@ -423,7 +436,7 @@
               <a:buChar char="●"/>
               <a:defRPr sz="1100"/>
             </a:lvl4pPr>
-            <a:lvl5pPr indent="-298450" lvl="4" marL="2286000">
+            <a:lvl5pPr marL="2286000" lvl="4" indent="-298450">
               <a:spcBef>
                 <a:spcPts val="0"/>
               </a:spcBef>
@@ -434,7 +447,7 @@
               <a:buChar char="○"/>
               <a:defRPr sz="1100"/>
             </a:lvl5pPr>
-            <a:lvl6pPr indent="-298450" lvl="5" marL="2743200">
+            <a:lvl6pPr marL="2743200" lvl="5" indent="-298450">
               <a:spcBef>
                 <a:spcPts val="0"/>
               </a:spcBef>
@@ -445,7 +458,7 @@
               <a:buChar char="■"/>
               <a:defRPr sz="1100"/>
             </a:lvl6pPr>
-            <a:lvl7pPr indent="-298450" lvl="6" marL="3200400">
+            <a:lvl7pPr marL="3200400" lvl="6" indent="-298450">
               <a:spcBef>
                 <a:spcPts val="0"/>
               </a:spcBef>
@@ -456,7 +469,7 @@
               <a:buChar char="●"/>
               <a:defRPr sz="1100"/>
             </a:lvl7pPr>
-            <a:lvl8pPr indent="-298450" lvl="7" marL="3657600">
+            <a:lvl8pPr marL="3657600" lvl="7" indent="-298450">
               <a:spcBef>
                 <a:spcPts val="0"/>
               </a:spcBef>
@@ -467,7 +480,7 @@
               <a:buChar char="○"/>
               <a:defRPr sz="1100"/>
             </a:lvl8pPr>
-            <a:lvl9pPr indent="-298450" lvl="8" marL="4114800">
+            <a:lvl9pPr marL="4114800" lvl="8" indent="-298450">
               <a:spcBef>
                 <a:spcPts val="0"/>
               </a:spcBef>
@@ -479,14 +492,16 @@
               <a:defRPr sz="1100"/>
             </a:lvl9pPr>
           </a:lstStyle>
-          <a:p/>
+          <a:p>
+            <a:endParaRPr/>
+          </a:p>
         </p:txBody>
       </p:sp>
     </p:spTree>
   </p:cSld>
-  <p:clrMap accent1="accent1" accent2="accent2" accent3="accent3" accent4="accent4" accent5="accent5" accent6="accent6" bg1="lt1" bg2="dk2" tx1="dk1" tx2="lt2" folHlink="folHlink" hlink="hlink"/>
+  <p:clrMap bg1="lt1" tx1="dk1" bg2="dk2" tx2="lt2" accent1="accent1" accent2="accent2" accent3="accent3" accent4="accent4" accent5="accent5" accent6="accent6" hlink="hlink" folHlink="folHlink"/>
   <p:notesStyle>
-    <a:defPPr lvl="0" marR="0" rtl="0" algn="l">
+    <a:defPPr marR="0" lvl="0" algn="l" rtl="0">
       <a:lnSpc>
         <a:spcPct val="100000"/>
       </a:lnSpc>
@@ -497,7 +512,7 @@
         <a:spcPts val="0"/>
       </a:spcAft>
     </a:defPPr>
-    <a:lvl1pPr lvl="0" marR="0" rtl="0" algn="l">
+    <a:lvl1pPr marR="0" lvl="0" algn="l" rtl="0">
       <a:lnSpc>
         <a:spcPct val="100000"/>
       </a:lnSpc>
@@ -511,7 +526,7 @@
         <a:srgbClr val="000000"/>
       </a:buClr>
       <a:buFont typeface="Arial"/>
-      <a:defRPr b="0" i="0" sz="1400" u="none" cap="none" strike="noStrike">
+      <a:defRPr sz="1400" b="0" i="0" u="none" strike="noStrike" cap="none">
         <a:solidFill>
           <a:srgbClr val="000000"/>
         </a:solidFill>
@@ -521,7 +536,7 @@
         <a:sym typeface="Arial"/>
       </a:defRPr>
     </a:lvl1pPr>
-    <a:lvl2pPr lvl="1" marR="0" rtl="0" algn="l">
+    <a:lvl2pPr marR="0" lvl="1" algn="l" rtl="0">
       <a:lnSpc>
         <a:spcPct val="100000"/>
       </a:lnSpc>
@@ -535,7 +550,7 @@
         <a:srgbClr val="000000"/>
       </a:buClr>
       <a:buFont typeface="Arial"/>
-      <a:defRPr b="0" i="0" sz="1400" u="none" cap="none" strike="noStrike">
+      <a:defRPr sz="1400" b="0" i="0" u="none" strike="noStrike" cap="none">
         <a:solidFill>
           <a:srgbClr val="000000"/>
         </a:solidFill>
@@ -545,7 +560,7 @@
         <a:sym typeface="Arial"/>
       </a:defRPr>
     </a:lvl2pPr>
-    <a:lvl3pPr lvl="2" marR="0" rtl="0" algn="l">
+    <a:lvl3pPr marR="0" lvl="2" algn="l" rtl="0">
       <a:lnSpc>
         <a:spcPct val="100000"/>
       </a:lnSpc>
@@ -559,7 +574,7 @@
         <a:srgbClr val="000000"/>
       </a:buClr>
       <a:buFont typeface="Arial"/>
-      <a:defRPr b="0" i="0" sz="1400" u="none" cap="none" strike="noStrike">
+      <a:defRPr sz="1400" b="0" i="0" u="none" strike="noStrike" cap="none">
         <a:solidFill>
           <a:srgbClr val="000000"/>
         </a:solidFill>
@@ -569,7 +584,7 @@
         <a:sym typeface="Arial"/>
       </a:defRPr>
     </a:lvl3pPr>
-    <a:lvl4pPr lvl="3" marR="0" rtl="0" algn="l">
+    <a:lvl4pPr marR="0" lvl="3" algn="l" rtl="0">
       <a:lnSpc>
         <a:spcPct val="100000"/>
       </a:lnSpc>
@@ -583,7 +598,7 @@
         <a:srgbClr val="000000"/>
       </a:buClr>
       <a:buFont typeface="Arial"/>
-      <a:defRPr b="0" i="0" sz="1400" u="none" cap="none" strike="noStrike">
+      <a:defRPr sz="1400" b="0" i="0" u="none" strike="noStrike" cap="none">
         <a:solidFill>
           <a:srgbClr val="000000"/>
         </a:solidFill>
@@ -593,7 +608,7 @@
         <a:sym typeface="Arial"/>
       </a:defRPr>
     </a:lvl4pPr>
-    <a:lvl5pPr lvl="4" marR="0" rtl="0" algn="l">
+    <a:lvl5pPr marR="0" lvl="4" algn="l" rtl="0">
       <a:lnSpc>
         <a:spcPct val="100000"/>
       </a:lnSpc>
@@ -607,7 +622,7 @@
         <a:srgbClr val="000000"/>
       </a:buClr>
       <a:buFont typeface="Arial"/>
-      <a:defRPr b="0" i="0" sz="1400" u="none" cap="none" strike="noStrike">
+      <a:defRPr sz="1400" b="0" i="0" u="none" strike="noStrike" cap="none">
         <a:solidFill>
           <a:srgbClr val="000000"/>
         </a:solidFill>
@@ -617,7 +632,7 @@
         <a:sym typeface="Arial"/>
       </a:defRPr>
     </a:lvl5pPr>
-    <a:lvl6pPr lvl="5" marR="0" rtl="0" algn="l">
+    <a:lvl6pPr marR="0" lvl="5" algn="l" rtl="0">
       <a:lnSpc>
         <a:spcPct val="100000"/>
       </a:lnSpc>
@@ -631,7 +646,7 @@
         <a:srgbClr val="000000"/>
       </a:buClr>
       <a:buFont typeface="Arial"/>
-      <a:defRPr b="0" i="0" sz="1400" u="none" cap="none" strike="noStrike">
+      <a:defRPr sz="1400" b="0" i="0" u="none" strike="noStrike" cap="none">
         <a:solidFill>
           <a:srgbClr val="000000"/>
         </a:solidFill>
@@ -641,7 +656,7 @@
         <a:sym typeface="Arial"/>
       </a:defRPr>
     </a:lvl6pPr>
-    <a:lvl7pPr lvl="6" marR="0" rtl="0" algn="l">
+    <a:lvl7pPr marR="0" lvl="6" algn="l" rtl="0">
       <a:lnSpc>
         <a:spcPct val="100000"/>
       </a:lnSpc>
@@ -655,7 +670,7 @@
         <a:srgbClr val="000000"/>
       </a:buClr>
       <a:buFont typeface="Arial"/>
-      <a:defRPr b="0" i="0" sz="1400" u="none" cap="none" strike="noStrike">
+      <a:defRPr sz="1400" b="0" i="0" u="none" strike="noStrike" cap="none">
         <a:solidFill>
           <a:srgbClr val="000000"/>
         </a:solidFill>
@@ -665,7 +680,7 @@
         <a:sym typeface="Arial"/>
       </a:defRPr>
     </a:lvl7pPr>
-    <a:lvl8pPr lvl="7" marR="0" rtl="0" algn="l">
+    <a:lvl8pPr marR="0" lvl="7" algn="l" rtl="0">
       <a:lnSpc>
         <a:spcPct val="100000"/>
       </a:lnSpc>
@@ -679,7 +694,7 @@
         <a:srgbClr val="000000"/>
       </a:buClr>
       <a:buFont typeface="Arial"/>
-      <a:defRPr b="0" i="0" sz="1400" u="none" cap="none" strike="noStrike">
+      <a:defRPr sz="1400" b="0" i="0" u="none" strike="noStrike" cap="none">
         <a:solidFill>
           <a:srgbClr val="000000"/>
         </a:solidFill>
@@ -689,7 +704,7 @@
         <a:sym typeface="Arial"/>
       </a:defRPr>
     </a:lvl8pPr>
-    <a:lvl9pPr lvl="8" marR="0" rtl="0" algn="l">
+    <a:lvl9pPr marR="0" lvl="8" algn="l" rtl="0">
       <a:lnSpc>
         <a:spcPct val="100000"/>
       </a:lnSpc>
@@ -703,7 +718,7 @@
         <a:srgbClr val="000000"/>
       </a:buClr>
       <a:buFont typeface="Arial"/>
-      <a:defRPr b="0" i="0" sz="1400" u="none" cap="none" strike="noStrike">
+      <a:defRPr sz="1400" b="0" i="0" u="none" strike="noStrike" cap="none">
         <a:solidFill>
           <a:srgbClr val="000000"/>
         </a:solidFill>
@@ -718,11 +733,11 @@
 </file>
 
 <file path=ppt/notesSlides/notesSlide1.xml><?xml version="1.0" encoding="utf-8"?>
-<p:notes xmlns:a="http://schemas.openxmlformats.org/drawingml/2006/main" xmlns:r="http://schemas.openxmlformats.org/officeDocument/2006/relationships" xmlns:mc="http://schemas.openxmlformats.org/markup-compatibility/2006" xmlns:mv="urn:schemas-microsoft-com:mac:vml" xmlns:p="http://schemas.openxmlformats.org/presentationml/2006/main" xmlns:c="http://schemas.openxmlformats.org/drawingml/2006/chart" xmlns:dgm="http://schemas.openxmlformats.org/drawingml/2006/diagram" xmlns:o="urn:schemas-microsoft-com:office:office" xmlns:v="urn:schemas-microsoft-com:vml" xmlns:pvml="urn:schemas-microsoft-com:office:powerpoint" xmlns:com="http://schemas.openxmlformats.org/drawingml/2006/compatibility" xmlns:p14="http://schemas.microsoft.com/office/powerpoint/2010/main" xmlns:p15="http://schemas.microsoft.com/office/powerpoint/2012/main" xmlns:ahyp="http://schemas.microsoft.com/office/drawing/2018/hyperlinkcolor" showMasterPhAnim="0" showMasterSp="0">
+<p:notes xmlns:a="http://schemas.openxmlformats.org/drawingml/2006/main" xmlns:r="http://schemas.openxmlformats.org/officeDocument/2006/relationships" xmlns:p="http://schemas.openxmlformats.org/presentationml/2006/main" showMasterSp="0" showMasterPhAnim="0">
   <p:cSld>
     <p:spTree>
       <p:nvGrpSpPr>
-        <p:cNvPr id="130" name="Shape 130"/>
+        <p:cNvPr id="1" name="Shape 130"/>
         <p:cNvGrpSpPr/>
         <p:nvPr/>
       </p:nvGrpSpPr>
@@ -737,9 +752,11 @@
       <p:sp>
         <p:nvSpPr>
           <p:cNvPr id="131" name="Google Shape;131;p:notes"/>
-          <p:cNvSpPr/>
+          <p:cNvSpPr>
+            <a:spLocks noGrp="1" noRot="1" noChangeAspect="1"/>
+          </p:cNvSpPr>
           <p:nvPr>
-            <p:ph idx="2" type="sldImg"/>
+            <p:ph type="sldImg" idx="2"/>
           </p:nvPr>
         </p:nvSpPr>
         <p:spPr>
@@ -748,9 +765,13 @@
             <a:ext cx="6096075" cy="3429000"/>
           </a:xfrm>
           <a:custGeom>
-            <a:rect b="b" l="l" r="r" t="t"/>
+            <a:avLst/>
+            <a:gdLst/>
+            <a:ahLst/>
+            <a:cxnLst/>
+            <a:rect l="l" t="t" r="r" b="b"/>
             <a:pathLst>
-              <a:path extrusionOk="0" h="120000" w="120000">
+              <a:path w="120000" h="120000" extrusionOk="0">
                 <a:moveTo>
                   <a:pt x="0" y="0"/>
                 </a:moveTo>
@@ -772,9 +793,11 @@
       <p:sp>
         <p:nvSpPr>
           <p:cNvPr id="132" name="Google Shape;132;p:notes"/>
-          <p:cNvSpPr txBox="1"/>
+          <p:cNvSpPr txBox="1">
+            <a:spLocks noGrp="1"/>
+          </p:cNvSpPr>
           <p:nvPr>
-            <p:ph idx="1" type="body"/>
+            <p:ph type="body" idx="1"/>
           </p:nvPr>
         </p:nvSpPr>
         <p:spPr>
@@ -787,12 +810,12 @@
           </a:prstGeom>
         </p:spPr>
         <p:txBody>
-          <a:bodyPr anchorCtr="0" anchor="t" bIns="91425" lIns="91425" spcFirstLastPara="1" rIns="91425" wrap="square" tIns="91425">
+          <a:bodyPr spcFirstLastPara="1" wrap="square" lIns="91425" tIns="91425" rIns="91425" bIns="91425" anchor="t" anchorCtr="0">
             <a:noAutofit/>
           </a:bodyPr>
           <a:lstStyle/>
           <a:p>
-            <a:pPr indent="0" lvl="0" marL="0" rtl="0" algn="l">
+            <a:pPr marL="0" lvl="0" indent="0" algn="l" rtl="0">
               <a:spcBef>
                 <a:spcPts val="0"/>
               </a:spcBef>
@@ -801,9 +824,6 @@
               </a:spcAft>
               <a:buNone/>
             </a:pPr>
-            <a:r>
-              <a:t/>
-            </a:r>
             <a:endParaRPr/>
           </a:p>
         </p:txBody>
@@ -817,11 +837,11 @@
 </file>
 
 <file path=ppt/notesSlides/notesSlide10.xml><?xml version="1.0" encoding="utf-8"?>
-<p:notes xmlns:a="http://schemas.openxmlformats.org/drawingml/2006/main" xmlns:r="http://schemas.openxmlformats.org/officeDocument/2006/relationships" xmlns:mc="http://schemas.openxmlformats.org/markup-compatibility/2006" xmlns:mv="urn:schemas-microsoft-com:mac:vml" xmlns:p="http://schemas.openxmlformats.org/presentationml/2006/main" xmlns:c="http://schemas.openxmlformats.org/drawingml/2006/chart" xmlns:dgm="http://schemas.openxmlformats.org/drawingml/2006/diagram" xmlns:o="urn:schemas-microsoft-com:office:office" xmlns:v="urn:schemas-microsoft-com:vml" xmlns:pvml="urn:schemas-microsoft-com:office:powerpoint" xmlns:com="http://schemas.openxmlformats.org/drawingml/2006/compatibility" xmlns:p14="http://schemas.microsoft.com/office/powerpoint/2010/main" xmlns:p15="http://schemas.microsoft.com/office/powerpoint/2012/main" xmlns:ahyp="http://schemas.microsoft.com/office/drawing/2018/hyperlinkcolor" showMasterPhAnim="0" showMasterSp="0">
+<p:notes xmlns:a="http://schemas.openxmlformats.org/drawingml/2006/main" xmlns:r="http://schemas.openxmlformats.org/officeDocument/2006/relationships" xmlns:p="http://schemas.openxmlformats.org/presentationml/2006/main" showMasterSp="0" showMasterPhAnim="0">
   <p:cSld>
     <p:spTree>
       <p:nvGrpSpPr>
-        <p:cNvPr id="188" name="Shape 188"/>
+        <p:cNvPr id="1" name="Shape 188"/>
         <p:cNvGrpSpPr/>
         <p:nvPr/>
       </p:nvGrpSpPr>
@@ -836,9 +856,11 @@
       <p:sp>
         <p:nvSpPr>
           <p:cNvPr id="189" name="Google Shape;189;g25c56f69c88_0_445:notes"/>
-          <p:cNvSpPr/>
+          <p:cNvSpPr>
+            <a:spLocks noGrp="1" noRot="1" noChangeAspect="1"/>
+          </p:cNvSpPr>
           <p:nvPr>
-            <p:ph idx="2" type="sldImg"/>
+            <p:ph type="sldImg" idx="2"/>
           </p:nvPr>
         </p:nvSpPr>
         <p:spPr>
@@ -847,9 +869,13 @@
             <a:ext cx="6096000" cy="3429000"/>
           </a:xfrm>
           <a:custGeom>
-            <a:rect b="b" l="l" r="r" t="t"/>
+            <a:avLst/>
+            <a:gdLst/>
+            <a:ahLst/>
+            <a:cxnLst/>
+            <a:rect l="l" t="t" r="r" b="b"/>
             <a:pathLst>
-              <a:path extrusionOk="0" h="120000" w="120000">
+              <a:path w="120000" h="120000" extrusionOk="0">
                 <a:moveTo>
                   <a:pt x="0" y="0"/>
                 </a:moveTo>
@@ -871,9 +897,11 @@
       <p:sp>
         <p:nvSpPr>
           <p:cNvPr id="190" name="Google Shape;190;g25c56f69c88_0_445:notes"/>
-          <p:cNvSpPr txBox="1"/>
+          <p:cNvSpPr txBox="1">
+            <a:spLocks noGrp="1"/>
+          </p:cNvSpPr>
           <p:nvPr>
-            <p:ph idx="1" type="body"/>
+            <p:ph type="body" idx="1"/>
           </p:nvPr>
         </p:nvSpPr>
         <p:spPr>
@@ -886,12 +914,12 @@
           </a:prstGeom>
         </p:spPr>
         <p:txBody>
-          <a:bodyPr anchorCtr="0" anchor="t" bIns="91425" lIns="91425" spcFirstLastPara="1" rIns="91425" wrap="square" tIns="91425">
+          <a:bodyPr spcFirstLastPara="1" wrap="square" lIns="91425" tIns="91425" rIns="91425" bIns="91425" anchor="t" anchorCtr="0">
             <a:noAutofit/>
           </a:bodyPr>
           <a:lstStyle/>
           <a:p>
-            <a:pPr indent="0" lvl="0" marL="0" rtl="0" algn="l">
+            <a:pPr marL="0" lvl="0" indent="0" algn="l" rtl="0">
               <a:spcBef>
                 <a:spcPts val="0"/>
               </a:spcBef>
@@ -907,7 +935,7 @@
             <a:endParaRPr/>
           </a:p>
           <a:p>
-            <a:pPr indent="0" lvl="0" marL="0" rtl="0" algn="l">
+            <a:pPr marL="0" lvl="0" indent="0" algn="l" rtl="0">
               <a:spcBef>
                 <a:spcPts val="0"/>
               </a:spcBef>
@@ -918,11 +946,7 @@
             </a:pPr>
             <a:r>
               <a:rPr lang="en"/>
-              <a:t>Very weak </a:t>
-            </a:r>
-            <a:r>
-              <a:rPr lang="en"/>
-              <a:t>correlation existed between tuition cost and debt at graduation as possibly due to the fact that Debt at graduation can also be influenced by other factors such as savings/family supports, financial aid…  </a:t>
+              <a:t>Very weak correlation existed between tuition cost and debt at graduation as possibly due to the fact that Debt at graduation can also be influenced by other factors such as savings/family supports, financial aid…  </a:t>
             </a:r>
             <a:endParaRPr/>
           </a:p>
@@ -937,11 +961,11 @@
 </file>
 
 <file path=ppt/notesSlides/notesSlide11.xml><?xml version="1.0" encoding="utf-8"?>
-<p:notes xmlns:a="http://schemas.openxmlformats.org/drawingml/2006/main" xmlns:r="http://schemas.openxmlformats.org/officeDocument/2006/relationships" xmlns:mc="http://schemas.openxmlformats.org/markup-compatibility/2006" xmlns:mv="urn:schemas-microsoft-com:mac:vml" xmlns:p="http://schemas.openxmlformats.org/presentationml/2006/main" xmlns:c="http://schemas.openxmlformats.org/drawingml/2006/chart" xmlns:dgm="http://schemas.openxmlformats.org/drawingml/2006/diagram" xmlns:o="urn:schemas-microsoft-com:office:office" xmlns:v="urn:schemas-microsoft-com:vml" xmlns:pvml="urn:schemas-microsoft-com:office:powerpoint" xmlns:com="http://schemas.openxmlformats.org/drawingml/2006/compatibility" xmlns:p14="http://schemas.microsoft.com/office/powerpoint/2010/main" xmlns:p15="http://schemas.microsoft.com/office/powerpoint/2012/main" xmlns:ahyp="http://schemas.microsoft.com/office/drawing/2018/hyperlinkcolor" showMasterPhAnim="0" showMasterSp="0">
+<p:notes xmlns:a="http://schemas.openxmlformats.org/drawingml/2006/main" xmlns:r="http://schemas.openxmlformats.org/officeDocument/2006/relationships" xmlns:p="http://schemas.openxmlformats.org/presentationml/2006/main" showMasterSp="0" showMasterPhAnim="0">
   <p:cSld>
     <p:spTree>
       <p:nvGrpSpPr>
-        <p:cNvPr id="195" name="Shape 195"/>
+        <p:cNvPr id="1" name="Shape 195"/>
         <p:cNvGrpSpPr/>
         <p:nvPr/>
       </p:nvGrpSpPr>
@@ -956,9 +980,11 @@
       <p:sp>
         <p:nvSpPr>
           <p:cNvPr id="196" name="Google Shape;196;g25ea571ffd5_2_6:notes"/>
-          <p:cNvSpPr/>
+          <p:cNvSpPr>
+            <a:spLocks noGrp="1" noRot="1" noChangeAspect="1"/>
+          </p:cNvSpPr>
           <p:nvPr>
-            <p:ph idx="2" type="sldImg"/>
+            <p:ph type="sldImg" idx="2"/>
           </p:nvPr>
         </p:nvSpPr>
         <p:spPr>
@@ -967,9 +993,13 @@
             <a:ext cx="6096000" cy="3429000"/>
           </a:xfrm>
           <a:custGeom>
-            <a:rect b="b" l="l" r="r" t="t"/>
+            <a:avLst/>
+            <a:gdLst/>
+            <a:ahLst/>
+            <a:cxnLst/>
+            <a:rect l="l" t="t" r="r" b="b"/>
             <a:pathLst>
-              <a:path extrusionOk="0" h="120000" w="120000">
+              <a:path w="120000" h="120000" extrusionOk="0">
                 <a:moveTo>
                   <a:pt x="0" y="0"/>
                 </a:moveTo>
@@ -991,9 +1021,11 @@
       <p:sp>
         <p:nvSpPr>
           <p:cNvPr id="197" name="Google Shape;197;g25ea571ffd5_2_6:notes"/>
-          <p:cNvSpPr txBox="1"/>
+          <p:cNvSpPr txBox="1">
+            <a:spLocks noGrp="1"/>
+          </p:cNvSpPr>
           <p:nvPr>
-            <p:ph idx="1" type="body"/>
+            <p:ph type="body" idx="1"/>
           </p:nvPr>
         </p:nvSpPr>
         <p:spPr>
@@ -1006,12 +1038,12 @@
           </a:prstGeom>
         </p:spPr>
         <p:txBody>
-          <a:bodyPr anchorCtr="0" anchor="t" bIns="91425" lIns="91425" spcFirstLastPara="1" rIns="91425" wrap="square" tIns="91425">
+          <a:bodyPr spcFirstLastPara="1" wrap="square" lIns="91425" tIns="91425" rIns="91425" bIns="91425" anchor="t" anchorCtr="0">
             <a:noAutofit/>
           </a:bodyPr>
           <a:lstStyle/>
           <a:p>
-            <a:pPr indent="0" lvl="0" marL="0" rtl="0" algn="l">
+            <a:pPr marL="0" lvl="0" indent="0" algn="l" rtl="0">
               <a:spcBef>
                 <a:spcPts val="0"/>
               </a:spcBef>
@@ -1037,11 +1069,11 @@
 </file>
 
 <file path=ppt/notesSlides/notesSlide12.xml><?xml version="1.0" encoding="utf-8"?>
-<p:notes xmlns:a="http://schemas.openxmlformats.org/drawingml/2006/main" xmlns:r="http://schemas.openxmlformats.org/officeDocument/2006/relationships" xmlns:mc="http://schemas.openxmlformats.org/markup-compatibility/2006" xmlns:mv="urn:schemas-microsoft-com:mac:vml" xmlns:p="http://schemas.openxmlformats.org/presentationml/2006/main" xmlns:c="http://schemas.openxmlformats.org/drawingml/2006/chart" xmlns:dgm="http://schemas.openxmlformats.org/drawingml/2006/diagram" xmlns:o="urn:schemas-microsoft-com:office:office" xmlns:v="urn:schemas-microsoft-com:vml" xmlns:pvml="urn:schemas-microsoft-com:office:powerpoint" xmlns:com="http://schemas.openxmlformats.org/drawingml/2006/compatibility" xmlns:p14="http://schemas.microsoft.com/office/powerpoint/2010/main" xmlns:p15="http://schemas.microsoft.com/office/powerpoint/2012/main" xmlns:ahyp="http://schemas.microsoft.com/office/drawing/2018/hyperlinkcolor" showMasterPhAnim="0" showMasterSp="0">
+<p:notes xmlns:a="http://schemas.openxmlformats.org/drawingml/2006/main" xmlns:r="http://schemas.openxmlformats.org/officeDocument/2006/relationships" xmlns:p="http://schemas.openxmlformats.org/presentationml/2006/main" showMasterSp="0" showMasterPhAnim="0">
   <p:cSld>
     <p:spTree>
       <p:nvGrpSpPr>
-        <p:cNvPr id="202" name="Shape 202"/>
+        <p:cNvPr id="1" name="Shape 202"/>
         <p:cNvGrpSpPr/>
         <p:nvPr/>
       </p:nvGrpSpPr>
@@ -1056,9 +1088,11 @@
       <p:sp>
         <p:nvSpPr>
           <p:cNvPr id="203" name="Google Shape;203;g25ea571ffd5_1_43:notes"/>
-          <p:cNvSpPr/>
+          <p:cNvSpPr>
+            <a:spLocks noGrp="1" noRot="1" noChangeAspect="1"/>
+          </p:cNvSpPr>
           <p:nvPr>
-            <p:ph idx="2" type="sldImg"/>
+            <p:ph type="sldImg" idx="2"/>
           </p:nvPr>
         </p:nvSpPr>
         <p:spPr>
@@ -1067,9 +1101,13 @@
             <a:ext cx="6096000" cy="3429000"/>
           </a:xfrm>
           <a:custGeom>
-            <a:rect b="b" l="l" r="r" t="t"/>
+            <a:avLst/>
+            <a:gdLst/>
+            <a:ahLst/>
+            <a:cxnLst/>
+            <a:rect l="l" t="t" r="r" b="b"/>
             <a:pathLst>
-              <a:path extrusionOk="0" h="120000" w="120000">
+              <a:path w="120000" h="120000" extrusionOk="0">
                 <a:moveTo>
                   <a:pt x="0" y="0"/>
                 </a:moveTo>
@@ -1091,9 +1129,11 @@
       <p:sp>
         <p:nvSpPr>
           <p:cNvPr id="204" name="Google Shape;204;g25ea571ffd5_1_43:notes"/>
-          <p:cNvSpPr txBox="1"/>
+          <p:cNvSpPr txBox="1">
+            <a:spLocks noGrp="1"/>
+          </p:cNvSpPr>
           <p:nvPr>
-            <p:ph idx="1" type="body"/>
+            <p:ph type="body" idx="1"/>
           </p:nvPr>
         </p:nvSpPr>
         <p:spPr>
@@ -1106,12 +1146,12 @@
           </a:prstGeom>
         </p:spPr>
         <p:txBody>
-          <a:bodyPr anchorCtr="0" anchor="t" bIns="91425" lIns="91425" spcFirstLastPara="1" rIns="91425" wrap="square" tIns="91425">
+          <a:bodyPr spcFirstLastPara="1" wrap="square" lIns="91425" tIns="91425" rIns="91425" bIns="91425" anchor="t" anchorCtr="0">
             <a:noAutofit/>
           </a:bodyPr>
           <a:lstStyle/>
           <a:p>
-            <a:pPr indent="0" lvl="0" marL="0" rtl="0" algn="l">
+            <a:pPr marL="0" lvl="0" indent="0" algn="l" rtl="0">
               <a:spcBef>
                 <a:spcPts val="0"/>
               </a:spcBef>
@@ -1137,11 +1177,11 @@
 </file>
 
 <file path=ppt/notesSlides/notesSlide13.xml><?xml version="1.0" encoding="utf-8"?>
-<p:notes xmlns:a="http://schemas.openxmlformats.org/drawingml/2006/main" xmlns:r="http://schemas.openxmlformats.org/officeDocument/2006/relationships" xmlns:mc="http://schemas.openxmlformats.org/markup-compatibility/2006" xmlns:mv="urn:schemas-microsoft-com:mac:vml" xmlns:p="http://schemas.openxmlformats.org/presentationml/2006/main" xmlns:c="http://schemas.openxmlformats.org/drawingml/2006/chart" xmlns:dgm="http://schemas.openxmlformats.org/drawingml/2006/diagram" xmlns:o="urn:schemas-microsoft-com:office:office" xmlns:v="urn:schemas-microsoft-com:vml" xmlns:pvml="urn:schemas-microsoft-com:office:powerpoint" xmlns:com="http://schemas.openxmlformats.org/drawingml/2006/compatibility" xmlns:p14="http://schemas.microsoft.com/office/powerpoint/2010/main" xmlns:p15="http://schemas.microsoft.com/office/powerpoint/2012/main" xmlns:ahyp="http://schemas.microsoft.com/office/drawing/2018/hyperlinkcolor" showMasterPhAnim="0" showMasterSp="0">
+<p:notes xmlns:a="http://schemas.openxmlformats.org/drawingml/2006/main" xmlns:r="http://schemas.openxmlformats.org/officeDocument/2006/relationships" xmlns:p="http://schemas.openxmlformats.org/presentationml/2006/main" showMasterSp="0" showMasterPhAnim="0">
   <p:cSld>
     <p:spTree>
       <p:nvGrpSpPr>
-        <p:cNvPr id="210" name="Shape 210"/>
+        <p:cNvPr id="1" name="Shape 210"/>
         <p:cNvGrpSpPr/>
         <p:nvPr/>
       </p:nvGrpSpPr>
@@ -1156,9 +1196,11 @@
       <p:sp>
         <p:nvSpPr>
           <p:cNvPr id="211" name="Google Shape;211;g25c56f69c88_0_440:notes"/>
-          <p:cNvSpPr/>
+          <p:cNvSpPr>
+            <a:spLocks noGrp="1" noRot="1" noChangeAspect="1"/>
+          </p:cNvSpPr>
           <p:nvPr>
-            <p:ph idx="2" type="sldImg"/>
+            <p:ph type="sldImg" idx="2"/>
           </p:nvPr>
         </p:nvSpPr>
         <p:spPr>
@@ -1167,9 +1209,13 @@
             <a:ext cx="6096000" cy="3429000"/>
           </a:xfrm>
           <a:custGeom>
-            <a:rect b="b" l="l" r="r" t="t"/>
+            <a:avLst/>
+            <a:gdLst/>
+            <a:ahLst/>
+            <a:cxnLst/>
+            <a:rect l="l" t="t" r="r" b="b"/>
             <a:pathLst>
-              <a:path extrusionOk="0" h="120000" w="120000">
+              <a:path w="120000" h="120000" extrusionOk="0">
                 <a:moveTo>
                   <a:pt x="0" y="0"/>
                 </a:moveTo>
@@ -1191,9 +1237,11 @@
       <p:sp>
         <p:nvSpPr>
           <p:cNvPr id="212" name="Google Shape;212;g25c56f69c88_0_440:notes"/>
-          <p:cNvSpPr txBox="1"/>
+          <p:cNvSpPr txBox="1">
+            <a:spLocks noGrp="1"/>
+          </p:cNvSpPr>
           <p:nvPr>
-            <p:ph idx="1" type="body"/>
+            <p:ph type="body" idx="1"/>
           </p:nvPr>
         </p:nvSpPr>
         <p:spPr>
@@ -1206,12 +1254,12 @@
           </a:prstGeom>
         </p:spPr>
         <p:txBody>
-          <a:bodyPr anchorCtr="0" anchor="t" bIns="91425" lIns="91425" spcFirstLastPara="1" rIns="91425" wrap="square" tIns="91425">
+          <a:bodyPr spcFirstLastPara="1" wrap="square" lIns="91425" tIns="91425" rIns="91425" bIns="91425" anchor="t" anchorCtr="0">
             <a:noAutofit/>
           </a:bodyPr>
           <a:lstStyle/>
           <a:p>
-            <a:pPr indent="0" lvl="0" marL="0" rtl="0" algn="l">
+            <a:pPr marL="0" lvl="0" indent="0" algn="l" rtl="0">
               <a:spcBef>
                 <a:spcPts val="0"/>
               </a:spcBef>
@@ -1227,7 +1275,7 @@
             <a:endParaRPr/>
           </a:p>
           <a:p>
-            <a:pPr indent="0" lvl="0" marL="0" rtl="0" algn="l">
+            <a:pPr marL="0" lvl="0" indent="0" algn="l" rtl="0">
               <a:spcBef>
                 <a:spcPts val="0"/>
               </a:spcBef>
@@ -1253,11 +1301,11 @@
 </file>
 
 <file path=ppt/notesSlides/notesSlide14.xml><?xml version="1.0" encoding="utf-8"?>
-<p:notes xmlns:a="http://schemas.openxmlformats.org/drawingml/2006/main" xmlns:r="http://schemas.openxmlformats.org/officeDocument/2006/relationships" xmlns:mc="http://schemas.openxmlformats.org/markup-compatibility/2006" xmlns:mv="urn:schemas-microsoft-com:mac:vml" xmlns:p="http://schemas.openxmlformats.org/presentationml/2006/main" xmlns:c="http://schemas.openxmlformats.org/drawingml/2006/chart" xmlns:dgm="http://schemas.openxmlformats.org/drawingml/2006/diagram" xmlns:o="urn:schemas-microsoft-com:office:office" xmlns:v="urn:schemas-microsoft-com:vml" xmlns:pvml="urn:schemas-microsoft-com:office:powerpoint" xmlns:com="http://schemas.openxmlformats.org/drawingml/2006/compatibility" xmlns:p14="http://schemas.microsoft.com/office/powerpoint/2010/main" xmlns:p15="http://schemas.microsoft.com/office/powerpoint/2012/main" xmlns:ahyp="http://schemas.microsoft.com/office/drawing/2018/hyperlinkcolor" showMasterPhAnim="0" showMasterSp="0">
+<p:notes xmlns:a="http://schemas.openxmlformats.org/drawingml/2006/main" xmlns:r="http://schemas.openxmlformats.org/officeDocument/2006/relationships" xmlns:p="http://schemas.openxmlformats.org/presentationml/2006/main" showMasterSp="0" showMasterPhAnim="0">
   <p:cSld>
     <p:spTree>
       <p:nvGrpSpPr>
-        <p:cNvPr id="217" name="Shape 217"/>
+        <p:cNvPr id="1" name="Shape 217"/>
         <p:cNvGrpSpPr/>
         <p:nvPr/>
       </p:nvGrpSpPr>
@@ -1272,9 +1320,11 @@
       <p:sp>
         <p:nvSpPr>
           <p:cNvPr id="218" name="Google Shape;218;g25c56f69c88_0_417:notes"/>
-          <p:cNvSpPr/>
+          <p:cNvSpPr>
+            <a:spLocks noGrp="1" noRot="1" noChangeAspect="1"/>
+          </p:cNvSpPr>
           <p:nvPr>
-            <p:ph idx="2" type="sldImg"/>
+            <p:ph type="sldImg" idx="2"/>
           </p:nvPr>
         </p:nvSpPr>
         <p:spPr>
@@ -1283,9 +1333,13 @@
             <a:ext cx="6096000" cy="3429000"/>
           </a:xfrm>
           <a:custGeom>
-            <a:rect b="b" l="l" r="r" t="t"/>
+            <a:avLst/>
+            <a:gdLst/>
+            <a:ahLst/>
+            <a:cxnLst/>
+            <a:rect l="l" t="t" r="r" b="b"/>
             <a:pathLst>
-              <a:path extrusionOk="0" h="120000" w="120000">
+              <a:path w="120000" h="120000" extrusionOk="0">
                 <a:moveTo>
                   <a:pt x="0" y="0"/>
                 </a:moveTo>
@@ -1307,9 +1361,11 @@
       <p:sp>
         <p:nvSpPr>
           <p:cNvPr id="219" name="Google Shape;219;g25c56f69c88_0_417:notes"/>
-          <p:cNvSpPr txBox="1"/>
+          <p:cNvSpPr txBox="1">
+            <a:spLocks noGrp="1"/>
+          </p:cNvSpPr>
           <p:nvPr>
-            <p:ph idx="1" type="body"/>
+            <p:ph type="body" idx="1"/>
           </p:nvPr>
         </p:nvSpPr>
         <p:spPr>
@@ -1322,12 +1378,12 @@
           </a:prstGeom>
         </p:spPr>
         <p:txBody>
-          <a:bodyPr anchorCtr="0" anchor="t" bIns="91425" lIns="91425" spcFirstLastPara="1" rIns="91425" wrap="square" tIns="91425">
+          <a:bodyPr spcFirstLastPara="1" wrap="square" lIns="91425" tIns="91425" rIns="91425" bIns="91425" anchor="t" anchorCtr="0">
             <a:noAutofit/>
           </a:bodyPr>
           <a:lstStyle/>
           <a:p>
-            <a:pPr indent="0" lvl="0" marL="0" rtl="0" algn="l">
+            <a:pPr marL="0" lvl="0" indent="0" algn="l" rtl="0">
               <a:spcBef>
                 <a:spcPts val="0"/>
               </a:spcBef>
@@ -1336,9 +1392,6 @@
               </a:spcAft>
               <a:buNone/>
             </a:pPr>
-            <a:r>
-              <a:t/>
-            </a:r>
             <a:endParaRPr/>
           </a:p>
         </p:txBody>
@@ -1352,11 +1405,11 @@
 </file>
 
 <file path=ppt/notesSlides/notesSlide15.xml><?xml version="1.0" encoding="utf-8"?>
-<p:notes xmlns:a="http://schemas.openxmlformats.org/drawingml/2006/main" xmlns:r="http://schemas.openxmlformats.org/officeDocument/2006/relationships" xmlns:mc="http://schemas.openxmlformats.org/markup-compatibility/2006" xmlns:mv="urn:schemas-microsoft-com:mac:vml" xmlns:p="http://schemas.openxmlformats.org/presentationml/2006/main" xmlns:c="http://schemas.openxmlformats.org/drawingml/2006/chart" xmlns:dgm="http://schemas.openxmlformats.org/drawingml/2006/diagram" xmlns:o="urn:schemas-microsoft-com:office:office" xmlns:v="urn:schemas-microsoft-com:vml" xmlns:pvml="urn:schemas-microsoft-com:office:powerpoint" xmlns:com="http://schemas.openxmlformats.org/drawingml/2006/compatibility" xmlns:p14="http://schemas.microsoft.com/office/powerpoint/2010/main" xmlns:p15="http://schemas.microsoft.com/office/powerpoint/2012/main" xmlns:ahyp="http://schemas.microsoft.com/office/drawing/2018/hyperlinkcolor" showMasterPhAnim="0" showMasterSp="0">
+<p:notes xmlns:a="http://schemas.openxmlformats.org/drawingml/2006/main" xmlns:r="http://schemas.openxmlformats.org/officeDocument/2006/relationships" xmlns:p="http://schemas.openxmlformats.org/presentationml/2006/main" showMasterSp="0" showMasterPhAnim="0">
   <p:cSld>
     <p:spTree>
       <p:nvGrpSpPr>
-        <p:cNvPr id="222" name="Shape 222"/>
+        <p:cNvPr id="1" name="Shape 222"/>
         <p:cNvGrpSpPr/>
         <p:nvPr/>
       </p:nvGrpSpPr>
@@ -1371,20 +1424,26 @@
       <p:sp>
         <p:nvSpPr>
           <p:cNvPr id="223" name="Google Shape;223;g25c56f69c88_0_421:notes"/>
-          <p:cNvSpPr/>
+          <p:cNvSpPr>
+            <a:spLocks noGrp="1" noRot="1" noChangeAspect="1"/>
+          </p:cNvSpPr>
           <p:nvPr>
-            <p:ph idx="2" type="sldImg"/>
+            <p:ph type="sldImg" idx="2"/>
           </p:nvPr>
         </p:nvSpPr>
         <p:spPr>
           <a:xfrm>
-            <a:off x="381300" y="685800"/>
+            <a:off x="381000" y="685800"/>
             <a:ext cx="6096000" cy="3429000"/>
           </a:xfrm>
           <a:custGeom>
-            <a:rect b="b" l="l" r="r" t="t"/>
+            <a:avLst/>
+            <a:gdLst/>
+            <a:ahLst/>
+            <a:cxnLst/>
+            <a:rect l="l" t="t" r="r" b="b"/>
             <a:pathLst>
-              <a:path extrusionOk="0" h="120000" w="120000">
+              <a:path w="120000" h="120000" extrusionOk="0">
                 <a:moveTo>
                   <a:pt x="0" y="0"/>
                 </a:moveTo>
@@ -1406,9 +1465,11 @@
       <p:sp>
         <p:nvSpPr>
           <p:cNvPr id="224" name="Google Shape;224;g25c56f69c88_0_421:notes"/>
-          <p:cNvSpPr txBox="1"/>
+          <p:cNvSpPr txBox="1">
+            <a:spLocks noGrp="1"/>
+          </p:cNvSpPr>
           <p:nvPr>
-            <p:ph idx="1" type="body"/>
+            <p:ph type="body" idx="1"/>
           </p:nvPr>
         </p:nvSpPr>
         <p:spPr>
@@ -1421,12 +1482,12 @@
           </a:prstGeom>
         </p:spPr>
         <p:txBody>
-          <a:bodyPr anchorCtr="0" anchor="t" bIns="91425" lIns="91425" spcFirstLastPara="1" rIns="91425" wrap="square" tIns="91425">
+          <a:bodyPr spcFirstLastPara="1" wrap="square" lIns="91425" tIns="91425" rIns="91425" bIns="91425" anchor="t" anchorCtr="0">
             <a:noAutofit/>
           </a:bodyPr>
           <a:lstStyle/>
           <a:p>
-            <a:pPr indent="0" lvl="0" marL="0" rtl="0" algn="l">
+            <a:pPr marL="0" lvl="0" indent="0" algn="l" rtl="0">
               <a:spcBef>
                 <a:spcPts val="0"/>
               </a:spcBef>
@@ -1435,9 +1496,6 @@
               </a:spcAft>
               <a:buNone/>
             </a:pPr>
-            <a:r>
-              <a:t/>
-            </a:r>
             <a:endParaRPr/>
           </a:p>
         </p:txBody>
@@ -1451,11 +1509,11 @@
 </file>
 
 <file path=ppt/notesSlides/notesSlide16.xml><?xml version="1.0" encoding="utf-8"?>
-<p:notes xmlns:a="http://schemas.openxmlformats.org/drawingml/2006/main" xmlns:r="http://schemas.openxmlformats.org/officeDocument/2006/relationships" xmlns:mc="http://schemas.openxmlformats.org/markup-compatibility/2006" xmlns:mv="urn:schemas-microsoft-com:mac:vml" xmlns:p="http://schemas.openxmlformats.org/presentationml/2006/main" xmlns:c="http://schemas.openxmlformats.org/drawingml/2006/chart" xmlns:dgm="http://schemas.openxmlformats.org/drawingml/2006/diagram" xmlns:o="urn:schemas-microsoft-com:office:office" xmlns:v="urn:schemas-microsoft-com:vml" xmlns:pvml="urn:schemas-microsoft-com:office:powerpoint" xmlns:com="http://schemas.openxmlformats.org/drawingml/2006/compatibility" xmlns:p14="http://schemas.microsoft.com/office/powerpoint/2010/main" xmlns:p15="http://schemas.microsoft.com/office/powerpoint/2012/main" xmlns:ahyp="http://schemas.microsoft.com/office/drawing/2018/hyperlinkcolor" showMasterPhAnim="0" showMasterSp="0">
+<p:notes xmlns:a="http://schemas.openxmlformats.org/drawingml/2006/main" xmlns:r="http://schemas.openxmlformats.org/officeDocument/2006/relationships" xmlns:p="http://schemas.openxmlformats.org/presentationml/2006/main" showMasterSp="0" showMasterPhAnim="0">
   <p:cSld>
     <p:spTree>
       <p:nvGrpSpPr>
-        <p:cNvPr id="228" name="Shape 228"/>
+        <p:cNvPr id="1" name="Shape 228"/>
         <p:cNvGrpSpPr/>
         <p:nvPr/>
       </p:nvGrpSpPr>
@@ -1470,9 +1528,11 @@
       <p:sp>
         <p:nvSpPr>
           <p:cNvPr id="229" name="Google Shape;229;g25c56f69c88_0_426:notes"/>
-          <p:cNvSpPr/>
+          <p:cNvSpPr>
+            <a:spLocks noGrp="1" noRot="1" noChangeAspect="1"/>
+          </p:cNvSpPr>
           <p:nvPr>
-            <p:ph idx="2" type="sldImg"/>
+            <p:ph type="sldImg" idx="2"/>
           </p:nvPr>
         </p:nvSpPr>
         <p:spPr>
@@ -1481,9 +1541,13 @@
             <a:ext cx="6096000" cy="3429000"/>
           </a:xfrm>
           <a:custGeom>
-            <a:rect b="b" l="l" r="r" t="t"/>
+            <a:avLst/>
+            <a:gdLst/>
+            <a:ahLst/>
+            <a:cxnLst/>
+            <a:rect l="l" t="t" r="r" b="b"/>
             <a:pathLst>
-              <a:path extrusionOk="0" h="120000" w="120000">
+              <a:path w="120000" h="120000" extrusionOk="0">
                 <a:moveTo>
                   <a:pt x="0" y="0"/>
                 </a:moveTo>
@@ -1505,9 +1569,11 @@
       <p:sp>
         <p:nvSpPr>
           <p:cNvPr id="230" name="Google Shape;230;g25c56f69c88_0_426:notes"/>
-          <p:cNvSpPr txBox="1"/>
+          <p:cNvSpPr txBox="1">
+            <a:spLocks noGrp="1"/>
+          </p:cNvSpPr>
           <p:nvPr>
-            <p:ph idx="1" type="body"/>
+            <p:ph type="body" idx="1"/>
           </p:nvPr>
         </p:nvSpPr>
         <p:spPr>
@@ -1520,12 +1586,12 @@
           </a:prstGeom>
         </p:spPr>
         <p:txBody>
-          <a:bodyPr anchorCtr="0" anchor="t" bIns="91425" lIns="91425" spcFirstLastPara="1" rIns="91425" wrap="square" tIns="91425">
+          <a:bodyPr spcFirstLastPara="1" wrap="square" lIns="91425" tIns="91425" rIns="91425" bIns="91425" anchor="t" anchorCtr="0">
             <a:noAutofit/>
           </a:bodyPr>
           <a:lstStyle/>
           <a:p>
-            <a:pPr indent="0" lvl="0" marL="0" rtl="0" algn="l">
+            <a:pPr marL="0" lvl="0" indent="0" algn="l" rtl="0">
               <a:spcBef>
                 <a:spcPts val="0"/>
               </a:spcBef>
@@ -1534,9 +1600,6 @@
               </a:spcAft>
               <a:buNone/>
             </a:pPr>
-            <a:r>
-              <a:t/>
-            </a:r>
             <a:endParaRPr/>
           </a:p>
         </p:txBody>
@@ -1550,11 +1613,11 @@
 </file>
 
 <file path=ppt/notesSlides/notesSlide2.xml><?xml version="1.0" encoding="utf-8"?>
-<p:notes xmlns:a="http://schemas.openxmlformats.org/drawingml/2006/main" xmlns:r="http://schemas.openxmlformats.org/officeDocument/2006/relationships" xmlns:mc="http://schemas.openxmlformats.org/markup-compatibility/2006" xmlns:mv="urn:schemas-microsoft-com:mac:vml" xmlns:p="http://schemas.openxmlformats.org/presentationml/2006/main" xmlns:c="http://schemas.openxmlformats.org/drawingml/2006/chart" xmlns:dgm="http://schemas.openxmlformats.org/drawingml/2006/diagram" xmlns:o="urn:schemas-microsoft-com:office:office" xmlns:v="urn:schemas-microsoft-com:vml" xmlns:pvml="urn:schemas-microsoft-com:office:powerpoint" xmlns:com="http://schemas.openxmlformats.org/drawingml/2006/compatibility" xmlns:p14="http://schemas.microsoft.com/office/powerpoint/2010/main" xmlns:p15="http://schemas.microsoft.com/office/powerpoint/2012/main" xmlns:ahyp="http://schemas.microsoft.com/office/drawing/2018/hyperlinkcolor" showMasterPhAnim="0" showMasterSp="0">
+<p:notes xmlns:a="http://schemas.openxmlformats.org/drawingml/2006/main" xmlns:r="http://schemas.openxmlformats.org/officeDocument/2006/relationships" xmlns:p="http://schemas.openxmlformats.org/presentationml/2006/main" showMasterSp="0" showMasterPhAnim="0">
   <p:cSld>
     <p:spTree>
       <p:nvGrpSpPr>
-        <p:cNvPr id="136" name="Shape 136"/>
+        <p:cNvPr id="1" name="Shape 136"/>
         <p:cNvGrpSpPr/>
         <p:nvPr/>
       </p:nvGrpSpPr>
@@ -1569,9 +1632,11 @@
       <p:sp>
         <p:nvSpPr>
           <p:cNvPr id="137" name="Google Shape;137;g25c56f69c88_0_268:notes"/>
-          <p:cNvSpPr/>
+          <p:cNvSpPr>
+            <a:spLocks noGrp="1" noRot="1" noChangeAspect="1"/>
+          </p:cNvSpPr>
           <p:nvPr>
-            <p:ph idx="2" type="sldImg"/>
+            <p:ph type="sldImg" idx="2"/>
           </p:nvPr>
         </p:nvSpPr>
         <p:spPr>
@@ -1580,9 +1645,13 @@
             <a:ext cx="6096000" cy="3429000"/>
           </a:xfrm>
           <a:custGeom>
-            <a:rect b="b" l="l" r="r" t="t"/>
+            <a:avLst/>
+            <a:gdLst/>
+            <a:ahLst/>
+            <a:cxnLst/>
+            <a:rect l="l" t="t" r="r" b="b"/>
             <a:pathLst>
-              <a:path extrusionOk="0" h="120000" w="120000">
+              <a:path w="120000" h="120000" extrusionOk="0">
                 <a:moveTo>
                   <a:pt x="0" y="0"/>
                 </a:moveTo>
@@ -1604,9 +1673,11 @@
       <p:sp>
         <p:nvSpPr>
           <p:cNvPr id="138" name="Google Shape;138;g25c56f69c88_0_268:notes"/>
-          <p:cNvSpPr txBox="1"/>
+          <p:cNvSpPr txBox="1">
+            <a:spLocks noGrp="1"/>
+          </p:cNvSpPr>
           <p:nvPr>
-            <p:ph idx="1" type="body"/>
+            <p:ph type="body" idx="1"/>
           </p:nvPr>
         </p:nvSpPr>
         <p:spPr>
@@ -1619,12 +1690,12 @@
           </a:prstGeom>
         </p:spPr>
         <p:txBody>
-          <a:bodyPr anchorCtr="0" anchor="t" bIns="91425" lIns="91425" spcFirstLastPara="1" rIns="91425" wrap="square" tIns="91425">
+          <a:bodyPr spcFirstLastPara="1" wrap="square" lIns="91425" tIns="91425" rIns="91425" bIns="91425" anchor="t" anchorCtr="0">
             <a:noAutofit/>
           </a:bodyPr>
           <a:lstStyle/>
           <a:p>
-            <a:pPr indent="0" lvl="0" marL="0" rtl="0" algn="l">
+            <a:pPr marL="0" lvl="0" indent="0" algn="l" rtl="0">
               <a:spcBef>
                 <a:spcPts val="0"/>
               </a:spcBef>
@@ -1633,9 +1704,6 @@
               </a:spcAft>
               <a:buNone/>
             </a:pPr>
-            <a:r>
-              <a:t/>
-            </a:r>
             <a:endParaRPr/>
           </a:p>
         </p:txBody>
@@ -1649,11 +1717,11 @@
 </file>
 
 <file path=ppt/notesSlides/notesSlide3.xml><?xml version="1.0" encoding="utf-8"?>
-<p:notes xmlns:a="http://schemas.openxmlformats.org/drawingml/2006/main" xmlns:r="http://schemas.openxmlformats.org/officeDocument/2006/relationships" xmlns:mc="http://schemas.openxmlformats.org/markup-compatibility/2006" xmlns:mv="urn:schemas-microsoft-com:mac:vml" xmlns:p="http://schemas.openxmlformats.org/presentationml/2006/main" xmlns:c="http://schemas.openxmlformats.org/drawingml/2006/chart" xmlns:dgm="http://schemas.openxmlformats.org/drawingml/2006/diagram" xmlns:o="urn:schemas-microsoft-com:office:office" xmlns:v="urn:schemas-microsoft-com:vml" xmlns:pvml="urn:schemas-microsoft-com:office:powerpoint" xmlns:com="http://schemas.openxmlformats.org/drawingml/2006/compatibility" xmlns:p14="http://schemas.microsoft.com/office/powerpoint/2010/main" xmlns:p15="http://schemas.microsoft.com/office/powerpoint/2012/main" xmlns:ahyp="http://schemas.microsoft.com/office/drawing/2018/hyperlinkcolor" showMasterPhAnim="0" showMasterSp="0">
+<p:notes xmlns:a="http://schemas.openxmlformats.org/drawingml/2006/main" xmlns:r="http://schemas.openxmlformats.org/officeDocument/2006/relationships" xmlns:p="http://schemas.openxmlformats.org/presentationml/2006/main" showMasterSp="0" showMasterPhAnim="0">
   <p:cSld>
     <p:spTree>
       <p:nvGrpSpPr>
-        <p:cNvPr id="142" name="Shape 142"/>
+        <p:cNvPr id="1" name="Shape 142"/>
         <p:cNvGrpSpPr/>
         <p:nvPr/>
       </p:nvGrpSpPr>
@@ -1668,9 +1736,11 @@
       <p:sp>
         <p:nvSpPr>
           <p:cNvPr id="143" name="Google Shape;143;g25c56f69c88_0_278:notes"/>
-          <p:cNvSpPr/>
+          <p:cNvSpPr>
+            <a:spLocks noGrp="1" noRot="1" noChangeAspect="1"/>
+          </p:cNvSpPr>
           <p:nvPr>
-            <p:ph idx="2" type="sldImg"/>
+            <p:ph type="sldImg" idx="2"/>
           </p:nvPr>
         </p:nvSpPr>
         <p:spPr>
@@ -1679,9 +1749,13 @@
             <a:ext cx="6096000" cy="3429000"/>
           </a:xfrm>
           <a:custGeom>
-            <a:rect b="b" l="l" r="r" t="t"/>
+            <a:avLst/>
+            <a:gdLst/>
+            <a:ahLst/>
+            <a:cxnLst/>
+            <a:rect l="l" t="t" r="r" b="b"/>
             <a:pathLst>
-              <a:path extrusionOk="0" h="120000" w="120000">
+              <a:path w="120000" h="120000" extrusionOk="0">
                 <a:moveTo>
                   <a:pt x="0" y="0"/>
                 </a:moveTo>
@@ -1703,9 +1777,11 @@
       <p:sp>
         <p:nvSpPr>
           <p:cNvPr id="144" name="Google Shape;144;g25c56f69c88_0_278:notes"/>
-          <p:cNvSpPr txBox="1"/>
+          <p:cNvSpPr txBox="1">
+            <a:spLocks noGrp="1"/>
+          </p:cNvSpPr>
           <p:nvPr>
-            <p:ph idx="1" type="body"/>
+            <p:ph type="body" idx="1"/>
           </p:nvPr>
         </p:nvSpPr>
         <p:spPr>
@@ -1718,12 +1794,12 @@
           </a:prstGeom>
         </p:spPr>
         <p:txBody>
-          <a:bodyPr anchorCtr="0" anchor="t" bIns="91425" lIns="91425" spcFirstLastPara="1" rIns="91425" wrap="square" tIns="91425">
+          <a:bodyPr spcFirstLastPara="1" wrap="square" lIns="91425" tIns="91425" rIns="91425" bIns="91425" anchor="t" anchorCtr="0">
             <a:noAutofit/>
           </a:bodyPr>
           <a:lstStyle/>
           <a:p>
-            <a:pPr indent="0" lvl="0" marL="0" rtl="0" algn="l">
+            <a:pPr marL="0" lvl="0" indent="0" algn="l" rtl="0">
               <a:spcBef>
                 <a:spcPts val="0"/>
               </a:spcBef>
@@ -1732,9 +1808,6 @@
               </a:spcAft>
               <a:buNone/>
             </a:pPr>
-            <a:r>
-              <a:t/>
-            </a:r>
             <a:endParaRPr/>
           </a:p>
         </p:txBody>
@@ -1748,11 +1821,11 @@
 </file>
 
 <file path=ppt/notesSlides/notesSlide4.xml><?xml version="1.0" encoding="utf-8"?>
-<p:notes xmlns:a="http://schemas.openxmlformats.org/drawingml/2006/main" xmlns:r="http://schemas.openxmlformats.org/officeDocument/2006/relationships" xmlns:mc="http://schemas.openxmlformats.org/markup-compatibility/2006" xmlns:mv="urn:schemas-microsoft-com:mac:vml" xmlns:p="http://schemas.openxmlformats.org/presentationml/2006/main" xmlns:c="http://schemas.openxmlformats.org/drawingml/2006/chart" xmlns:dgm="http://schemas.openxmlformats.org/drawingml/2006/diagram" xmlns:o="urn:schemas-microsoft-com:office:office" xmlns:v="urn:schemas-microsoft-com:vml" xmlns:pvml="urn:schemas-microsoft-com:office:powerpoint" xmlns:com="http://schemas.openxmlformats.org/drawingml/2006/compatibility" xmlns:p14="http://schemas.microsoft.com/office/powerpoint/2010/main" xmlns:p15="http://schemas.microsoft.com/office/powerpoint/2012/main" xmlns:ahyp="http://schemas.microsoft.com/office/drawing/2018/hyperlinkcolor" showMasterPhAnim="0" showMasterSp="0">
+<p:notes xmlns:a="http://schemas.openxmlformats.org/drawingml/2006/main" xmlns:r="http://schemas.openxmlformats.org/officeDocument/2006/relationships" xmlns:p="http://schemas.openxmlformats.org/presentationml/2006/main" showMasterSp="0" showMasterPhAnim="0">
   <p:cSld>
     <p:spTree>
       <p:nvGrpSpPr>
-        <p:cNvPr id="148" name="Shape 148"/>
+        <p:cNvPr id="1" name="Shape 148"/>
         <p:cNvGrpSpPr/>
         <p:nvPr/>
       </p:nvGrpSpPr>
@@ -1767,9 +1840,11 @@
       <p:sp>
         <p:nvSpPr>
           <p:cNvPr id="149" name="Google Shape;149;g25ea571ffd5_0_4:notes"/>
-          <p:cNvSpPr/>
+          <p:cNvSpPr>
+            <a:spLocks noGrp="1" noRot="1" noChangeAspect="1"/>
+          </p:cNvSpPr>
           <p:nvPr>
-            <p:ph idx="2" type="sldImg"/>
+            <p:ph type="sldImg" idx="2"/>
           </p:nvPr>
         </p:nvSpPr>
         <p:spPr>
@@ -1778,9 +1853,13 @@
             <a:ext cx="6096000" cy="3429000"/>
           </a:xfrm>
           <a:custGeom>
-            <a:rect b="b" l="l" r="r" t="t"/>
+            <a:avLst/>
+            <a:gdLst/>
+            <a:ahLst/>
+            <a:cxnLst/>
+            <a:rect l="l" t="t" r="r" b="b"/>
             <a:pathLst>
-              <a:path extrusionOk="0" h="120000" w="120000">
+              <a:path w="120000" h="120000" extrusionOk="0">
                 <a:moveTo>
                   <a:pt x="0" y="0"/>
                 </a:moveTo>
@@ -1802,9 +1881,11 @@
       <p:sp>
         <p:nvSpPr>
           <p:cNvPr id="150" name="Google Shape;150;g25ea571ffd5_0_4:notes"/>
-          <p:cNvSpPr txBox="1"/>
+          <p:cNvSpPr txBox="1">
+            <a:spLocks noGrp="1"/>
+          </p:cNvSpPr>
           <p:nvPr>
-            <p:ph idx="1" type="body"/>
+            <p:ph type="body" idx="1"/>
           </p:nvPr>
         </p:nvSpPr>
         <p:spPr>
@@ -1817,12 +1898,12 @@
           </a:prstGeom>
         </p:spPr>
         <p:txBody>
-          <a:bodyPr anchorCtr="0" anchor="t" bIns="91425" lIns="91425" spcFirstLastPara="1" rIns="91425" wrap="square" tIns="91425">
+          <a:bodyPr spcFirstLastPara="1" wrap="square" lIns="91425" tIns="91425" rIns="91425" bIns="91425" anchor="t" anchorCtr="0">
             <a:noAutofit/>
           </a:bodyPr>
           <a:lstStyle/>
           <a:p>
-            <a:pPr indent="0" lvl="0" marL="0" rtl="0" algn="l">
+            <a:pPr marL="0" lvl="0" indent="0" algn="l" rtl="0">
               <a:spcBef>
                 <a:spcPts val="0"/>
               </a:spcBef>
@@ -1831,9 +1912,6 @@
               </a:spcAft>
               <a:buNone/>
             </a:pPr>
-            <a:r>
-              <a:t/>
-            </a:r>
             <a:endParaRPr/>
           </a:p>
         </p:txBody>
@@ -1847,11 +1925,11 @@
 </file>
 
 <file path=ppt/notesSlides/notesSlide5.xml><?xml version="1.0" encoding="utf-8"?>
-<p:notes xmlns:a="http://schemas.openxmlformats.org/drawingml/2006/main" xmlns:r="http://schemas.openxmlformats.org/officeDocument/2006/relationships" xmlns:mc="http://schemas.openxmlformats.org/markup-compatibility/2006" xmlns:mv="urn:schemas-microsoft-com:mac:vml" xmlns:p="http://schemas.openxmlformats.org/presentationml/2006/main" xmlns:c="http://schemas.openxmlformats.org/drawingml/2006/chart" xmlns:dgm="http://schemas.openxmlformats.org/drawingml/2006/diagram" xmlns:o="urn:schemas-microsoft-com:office:office" xmlns:v="urn:schemas-microsoft-com:vml" xmlns:pvml="urn:schemas-microsoft-com:office:powerpoint" xmlns:com="http://schemas.openxmlformats.org/drawingml/2006/compatibility" xmlns:p14="http://schemas.microsoft.com/office/powerpoint/2010/main" xmlns:p15="http://schemas.microsoft.com/office/powerpoint/2012/main" xmlns:ahyp="http://schemas.microsoft.com/office/drawing/2018/hyperlinkcolor" showMasterPhAnim="0" showMasterSp="0">
+<p:notes xmlns:a="http://schemas.openxmlformats.org/drawingml/2006/main" xmlns:r="http://schemas.openxmlformats.org/officeDocument/2006/relationships" xmlns:p="http://schemas.openxmlformats.org/presentationml/2006/main" showMasterSp="0" showMasterPhAnim="0">
   <p:cSld>
     <p:spTree>
       <p:nvGrpSpPr>
-        <p:cNvPr id="155" name="Shape 155"/>
+        <p:cNvPr id="1" name="Shape 155"/>
         <p:cNvGrpSpPr/>
         <p:nvPr/>
       </p:nvGrpSpPr>
@@ -1866,9 +1944,11 @@
       <p:sp>
         <p:nvSpPr>
           <p:cNvPr id="156" name="Google Shape;156;g25c56f69c88_0_413:notes"/>
-          <p:cNvSpPr/>
+          <p:cNvSpPr>
+            <a:spLocks noGrp="1" noRot="1" noChangeAspect="1"/>
+          </p:cNvSpPr>
           <p:nvPr>
-            <p:ph idx="2" type="sldImg"/>
+            <p:ph type="sldImg" idx="2"/>
           </p:nvPr>
         </p:nvSpPr>
         <p:spPr>
@@ -1877,9 +1957,13 @@
             <a:ext cx="6096000" cy="3429000"/>
           </a:xfrm>
           <a:custGeom>
-            <a:rect b="b" l="l" r="r" t="t"/>
+            <a:avLst/>
+            <a:gdLst/>
+            <a:ahLst/>
+            <a:cxnLst/>
+            <a:rect l="l" t="t" r="r" b="b"/>
             <a:pathLst>
-              <a:path extrusionOk="0" h="120000" w="120000">
+              <a:path w="120000" h="120000" extrusionOk="0">
                 <a:moveTo>
                   <a:pt x="0" y="0"/>
                 </a:moveTo>
@@ -1901,9 +1985,11 @@
       <p:sp>
         <p:nvSpPr>
           <p:cNvPr id="157" name="Google Shape;157;g25c56f69c88_0_413:notes"/>
-          <p:cNvSpPr txBox="1"/>
+          <p:cNvSpPr txBox="1">
+            <a:spLocks noGrp="1"/>
+          </p:cNvSpPr>
           <p:nvPr>
-            <p:ph idx="1" type="body"/>
+            <p:ph type="body" idx="1"/>
           </p:nvPr>
         </p:nvSpPr>
         <p:spPr>
@@ -1916,12 +2002,12 @@
           </a:prstGeom>
         </p:spPr>
         <p:txBody>
-          <a:bodyPr anchorCtr="0" anchor="t" bIns="91425" lIns="91425" spcFirstLastPara="1" rIns="91425" wrap="square" tIns="91425">
+          <a:bodyPr spcFirstLastPara="1" wrap="square" lIns="91425" tIns="91425" rIns="91425" bIns="91425" anchor="t" anchorCtr="0">
             <a:noAutofit/>
           </a:bodyPr>
           <a:lstStyle/>
           <a:p>
-            <a:pPr indent="0" lvl="0" marL="0" rtl="0" algn="l">
+            <a:pPr marL="0" lvl="0" indent="0" algn="l" rtl="0">
               <a:spcBef>
                 <a:spcPts val="0"/>
               </a:spcBef>
@@ -1930,9 +2016,6 @@
               </a:spcAft>
               <a:buNone/>
             </a:pPr>
-            <a:r>
-              <a:t/>
-            </a:r>
             <a:endParaRPr/>
           </a:p>
         </p:txBody>
@@ -1946,11 +2029,11 @@
 </file>
 
 <file path=ppt/notesSlides/notesSlide6.xml><?xml version="1.0" encoding="utf-8"?>
-<p:notes xmlns:a="http://schemas.openxmlformats.org/drawingml/2006/main" xmlns:r="http://schemas.openxmlformats.org/officeDocument/2006/relationships" xmlns:mc="http://schemas.openxmlformats.org/markup-compatibility/2006" xmlns:mv="urn:schemas-microsoft-com:mac:vml" xmlns:p="http://schemas.openxmlformats.org/presentationml/2006/main" xmlns:c="http://schemas.openxmlformats.org/drawingml/2006/chart" xmlns:dgm="http://schemas.openxmlformats.org/drawingml/2006/diagram" xmlns:o="urn:schemas-microsoft-com:office:office" xmlns:v="urn:schemas-microsoft-com:vml" xmlns:pvml="urn:schemas-microsoft-com:office:powerpoint" xmlns:com="http://schemas.openxmlformats.org/drawingml/2006/compatibility" xmlns:p14="http://schemas.microsoft.com/office/powerpoint/2010/main" xmlns:p15="http://schemas.microsoft.com/office/powerpoint/2012/main" xmlns:ahyp="http://schemas.microsoft.com/office/drawing/2018/hyperlinkcolor" showMasterPhAnim="0" showMasterSp="0">
+<p:notes xmlns:a="http://schemas.openxmlformats.org/drawingml/2006/main" xmlns:r="http://schemas.openxmlformats.org/officeDocument/2006/relationships" xmlns:p="http://schemas.openxmlformats.org/presentationml/2006/main" showMasterSp="0" showMasterPhAnim="0">
   <p:cSld>
     <p:spTree>
       <p:nvGrpSpPr>
-        <p:cNvPr id="160" name="Shape 160"/>
+        <p:cNvPr id="1" name="Shape 160"/>
         <p:cNvGrpSpPr/>
         <p:nvPr/>
       </p:nvGrpSpPr>
@@ -1965,9 +2048,11 @@
       <p:sp>
         <p:nvSpPr>
           <p:cNvPr id="161" name="Google Shape;161;g25c56f69c88_0_408:notes"/>
-          <p:cNvSpPr/>
+          <p:cNvSpPr>
+            <a:spLocks noGrp="1" noRot="1" noChangeAspect="1"/>
+          </p:cNvSpPr>
           <p:nvPr>
-            <p:ph idx="2" type="sldImg"/>
+            <p:ph type="sldImg" idx="2"/>
           </p:nvPr>
         </p:nvSpPr>
         <p:spPr>
@@ -1976,9 +2061,13 @@
             <a:ext cx="6096000" cy="3429000"/>
           </a:xfrm>
           <a:custGeom>
-            <a:rect b="b" l="l" r="r" t="t"/>
+            <a:avLst/>
+            <a:gdLst/>
+            <a:ahLst/>
+            <a:cxnLst/>
+            <a:rect l="l" t="t" r="r" b="b"/>
             <a:pathLst>
-              <a:path extrusionOk="0" h="120000" w="120000">
+              <a:path w="120000" h="120000" extrusionOk="0">
                 <a:moveTo>
                   <a:pt x="0" y="0"/>
                 </a:moveTo>
@@ -2000,9 +2089,11 @@
       <p:sp>
         <p:nvSpPr>
           <p:cNvPr id="162" name="Google Shape;162;g25c56f69c88_0_408:notes"/>
-          <p:cNvSpPr txBox="1"/>
+          <p:cNvSpPr txBox="1">
+            <a:spLocks noGrp="1"/>
+          </p:cNvSpPr>
           <p:nvPr>
-            <p:ph idx="1" type="body"/>
+            <p:ph type="body" idx="1"/>
           </p:nvPr>
         </p:nvSpPr>
         <p:spPr>
@@ -2015,12 +2106,12 @@
           </a:prstGeom>
         </p:spPr>
         <p:txBody>
-          <a:bodyPr anchorCtr="0" anchor="t" bIns="91425" lIns="91425" spcFirstLastPara="1" rIns="91425" wrap="square" tIns="91425">
+          <a:bodyPr spcFirstLastPara="1" wrap="square" lIns="91425" tIns="91425" rIns="91425" bIns="91425" anchor="t" anchorCtr="0">
             <a:noAutofit/>
           </a:bodyPr>
           <a:lstStyle/>
           <a:p>
-            <a:pPr indent="0" lvl="0" marL="0" rtl="0" algn="l">
+            <a:pPr marL="0" lvl="0" indent="0" algn="l" rtl="0">
               <a:lnSpc>
                 <a:spcPct val="115000"/>
               </a:lnSpc>
@@ -2039,7 +2130,7 @@
             <a:endParaRPr/>
           </a:p>
           <a:p>
-            <a:pPr indent="0" lvl="0" marL="0" rtl="0" algn="l">
+            <a:pPr marL="0" lvl="0" indent="0" algn="l" rtl="0">
               <a:lnSpc>
                 <a:spcPct val="115000"/>
               </a:lnSpc>
@@ -2068,11 +2159,11 @@
 </file>
 
 <file path=ppt/notesSlides/notesSlide7.xml><?xml version="1.0" encoding="utf-8"?>
-<p:notes xmlns:a="http://schemas.openxmlformats.org/drawingml/2006/main" xmlns:r="http://schemas.openxmlformats.org/officeDocument/2006/relationships" xmlns:mc="http://schemas.openxmlformats.org/markup-compatibility/2006" xmlns:mv="urn:schemas-microsoft-com:mac:vml" xmlns:p="http://schemas.openxmlformats.org/presentationml/2006/main" xmlns:c="http://schemas.openxmlformats.org/drawingml/2006/chart" xmlns:dgm="http://schemas.openxmlformats.org/drawingml/2006/diagram" xmlns:o="urn:schemas-microsoft-com:office:office" xmlns:v="urn:schemas-microsoft-com:vml" xmlns:pvml="urn:schemas-microsoft-com:office:powerpoint" xmlns:com="http://schemas.openxmlformats.org/drawingml/2006/compatibility" xmlns:p14="http://schemas.microsoft.com/office/powerpoint/2010/main" xmlns:p15="http://schemas.microsoft.com/office/powerpoint/2012/main" xmlns:ahyp="http://schemas.microsoft.com/office/drawing/2018/hyperlinkcolor" showMasterPhAnim="0" showMasterSp="0">
+<p:notes xmlns:a="http://schemas.openxmlformats.org/drawingml/2006/main" xmlns:r="http://schemas.openxmlformats.org/officeDocument/2006/relationships" xmlns:p="http://schemas.openxmlformats.org/presentationml/2006/main" showMasterSp="0" showMasterPhAnim="0">
   <p:cSld>
     <p:spTree>
       <p:nvGrpSpPr>
-        <p:cNvPr id="167" name="Shape 167"/>
+        <p:cNvPr id="1" name="Shape 167"/>
         <p:cNvGrpSpPr/>
         <p:nvPr/>
       </p:nvGrpSpPr>
@@ -2087,9 +2178,11 @@
       <p:sp>
         <p:nvSpPr>
           <p:cNvPr id="168" name="Google Shape;168;g25ea571ffd5_1_0:notes"/>
-          <p:cNvSpPr/>
+          <p:cNvSpPr>
+            <a:spLocks noGrp="1" noRot="1" noChangeAspect="1"/>
+          </p:cNvSpPr>
           <p:nvPr>
-            <p:ph idx="2" type="sldImg"/>
+            <p:ph type="sldImg" idx="2"/>
           </p:nvPr>
         </p:nvSpPr>
         <p:spPr>
@@ -2098,9 +2191,13 @@
             <a:ext cx="6096000" cy="3429000"/>
           </a:xfrm>
           <a:custGeom>
-            <a:rect b="b" l="l" r="r" t="t"/>
+            <a:avLst/>
+            <a:gdLst/>
+            <a:ahLst/>
+            <a:cxnLst/>
+            <a:rect l="l" t="t" r="r" b="b"/>
             <a:pathLst>
-              <a:path extrusionOk="0" h="120000" w="120000">
+              <a:path w="120000" h="120000" extrusionOk="0">
                 <a:moveTo>
                   <a:pt x="0" y="0"/>
                 </a:moveTo>
@@ -2122,9 +2219,11 @@
       <p:sp>
         <p:nvSpPr>
           <p:cNvPr id="169" name="Google Shape;169;g25ea571ffd5_1_0:notes"/>
-          <p:cNvSpPr txBox="1"/>
+          <p:cNvSpPr txBox="1">
+            <a:spLocks noGrp="1"/>
+          </p:cNvSpPr>
           <p:nvPr>
-            <p:ph idx="1" type="body"/>
+            <p:ph type="body" idx="1"/>
           </p:nvPr>
         </p:nvSpPr>
         <p:spPr>
@@ -2137,12 +2236,12 @@
           </a:prstGeom>
         </p:spPr>
         <p:txBody>
-          <a:bodyPr anchorCtr="0" anchor="t" bIns="91425" lIns="91425" spcFirstLastPara="1" rIns="91425" wrap="square" tIns="91425">
+          <a:bodyPr spcFirstLastPara="1" wrap="square" lIns="91425" tIns="91425" rIns="91425" bIns="91425" anchor="t" anchorCtr="0">
             <a:noAutofit/>
           </a:bodyPr>
           <a:lstStyle/>
           <a:p>
-            <a:pPr indent="0" lvl="0" marL="0" rtl="0" algn="l">
+            <a:pPr marL="0" lvl="0" indent="0" algn="l" rtl="0">
               <a:spcBef>
                 <a:spcPts val="0"/>
               </a:spcBef>
@@ -2168,11 +2267,11 @@
 </file>
 
 <file path=ppt/notesSlides/notesSlide8.xml><?xml version="1.0" encoding="utf-8"?>
-<p:notes xmlns:a="http://schemas.openxmlformats.org/drawingml/2006/main" xmlns:r="http://schemas.openxmlformats.org/officeDocument/2006/relationships" xmlns:mc="http://schemas.openxmlformats.org/markup-compatibility/2006" xmlns:mv="urn:schemas-microsoft-com:mac:vml" xmlns:p="http://schemas.openxmlformats.org/presentationml/2006/main" xmlns:c="http://schemas.openxmlformats.org/drawingml/2006/chart" xmlns:dgm="http://schemas.openxmlformats.org/drawingml/2006/diagram" xmlns:o="urn:schemas-microsoft-com:office:office" xmlns:v="urn:schemas-microsoft-com:vml" xmlns:pvml="urn:schemas-microsoft-com:office:powerpoint" xmlns:com="http://schemas.openxmlformats.org/drawingml/2006/compatibility" xmlns:p14="http://schemas.microsoft.com/office/powerpoint/2010/main" xmlns:p15="http://schemas.microsoft.com/office/powerpoint/2012/main" xmlns:ahyp="http://schemas.microsoft.com/office/drawing/2018/hyperlinkcolor" showMasterPhAnim="0" showMasterSp="0">
+<p:notes xmlns:a="http://schemas.openxmlformats.org/drawingml/2006/main" xmlns:r="http://schemas.openxmlformats.org/officeDocument/2006/relationships" xmlns:p="http://schemas.openxmlformats.org/presentationml/2006/main" showMasterSp="0" showMasterPhAnim="0">
   <p:cSld>
     <p:spTree>
       <p:nvGrpSpPr>
-        <p:cNvPr id="174" name="Shape 174"/>
+        <p:cNvPr id="1" name="Shape 174"/>
         <p:cNvGrpSpPr/>
         <p:nvPr/>
       </p:nvGrpSpPr>
@@ -2187,9 +2286,11 @@
       <p:sp>
         <p:nvSpPr>
           <p:cNvPr id="175" name="Google Shape;175;g25ea571ffd5_1_15:notes"/>
-          <p:cNvSpPr/>
+          <p:cNvSpPr>
+            <a:spLocks noGrp="1" noRot="1" noChangeAspect="1"/>
+          </p:cNvSpPr>
           <p:nvPr>
-            <p:ph idx="2" type="sldImg"/>
+            <p:ph type="sldImg" idx="2"/>
           </p:nvPr>
         </p:nvSpPr>
         <p:spPr>
@@ -2198,9 +2299,13 @@
             <a:ext cx="6096000" cy="3429000"/>
           </a:xfrm>
           <a:custGeom>
-            <a:rect b="b" l="l" r="r" t="t"/>
+            <a:avLst/>
+            <a:gdLst/>
+            <a:ahLst/>
+            <a:cxnLst/>
+            <a:rect l="l" t="t" r="r" b="b"/>
             <a:pathLst>
-              <a:path extrusionOk="0" h="120000" w="120000">
+              <a:path w="120000" h="120000" extrusionOk="0">
                 <a:moveTo>
                   <a:pt x="0" y="0"/>
                 </a:moveTo>
@@ -2222,9 +2327,11 @@
       <p:sp>
         <p:nvSpPr>
           <p:cNvPr id="176" name="Google Shape;176;g25ea571ffd5_1_15:notes"/>
-          <p:cNvSpPr txBox="1"/>
+          <p:cNvSpPr txBox="1">
+            <a:spLocks noGrp="1"/>
+          </p:cNvSpPr>
           <p:nvPr>
-            <p:ph idx="1" type="body"/>
+            <p:ph type="body" idx="1"/>
           </p:nvPr>
         </p:nvSpPr>
         <p:spPr>
@@ -2237,12 +2344,12 @@
           </a:prstGeom>
         </p:spPr>
         <p:txBody>
-          <a:bodyPr anchorCtr="0" anchor="t" bIns="91425" lIns="91425" spcFirstLastPara="1" rIns="91425" wrap="square" tIns="91425">
+          <a:bodyPr spcFirstLastPara="1" wrap="square" lIns="91425" tIns="91425" rIns="91425" bIns="91425" anchor="t" anchorCtr="0">
             <a:noAutofit/>
           </a:bodyPr>
           <a:lstStyle/>
           <a:p>
-            <a:pPr indent="0" lvl="0" marL="0" rtl="0" algn="l">
+            <a:pPr marL="0" lvl="0" indent="0" algn="l" rtl="0">
               <a:spcBef>
                 <a:spcPts val="0"/>
               </a:spcBef>
@@ -2268,11 +2375,11 @@
 </file>
 
 <file path=ppt/notesSlides/notesSlide9.xml><?xml version="1.0" encoding="utf-8"?>
-<p:notes xmlns:a="http://schemas.openxmlformats.org/drawingml/2006/main" xmlns:r="http://schemas.openxmlformats.org/officeDocument/2006/relationships" xmlns:mc="http://schemas.openxmlformats.org/markup-compatibility/2006" xmlns:mv="urn:schemas-microsoft-com:mac:vml" xmlns:p="http://schemas.openxmlformats.org/presentationml/2006/main" xmlns:c="http://schemas.openxmlformats.org/drawingml/2006/chart" xmlns:dgm="http://schemas.openxmlformats.org/drawingml/2006/diagram" xmlns:o="urn:schemas-microsoft-com:office:office" xmlns:v="urn:schemas-microsoft-com:vml" xmlns:pvml="urn:schemas-microsoft-com:office:powerpoint" xmlns:com="http://schemas.openxmlformats.org/drawingml/2006/compatibility" xmlns:p14="http://schemas.microsoft.com/office/powerpoint/2010/main" xmlns:p15="http://schemas.microsoft.com/office/powerpoint/2012/main" xmlns:ahyp="http://schemas.microsoft.com/office/drawing/2018/hyperlinkcolor" showMasterPhAnim="0" showMasterSp="0">
+<p:notes xmlns:a="http://schemas.openxmlformats.org/drawingml/2006/main" xmlns:r="http://schemas.openxmlformats.org/officeDocument/2006/relationships" xmlns:p="http://schemas.openxmlformats.org/presentationml/2006/main" showMasterSp="0" showMasterPhAnim="0">
   <p:cSld>
     <p:spTree>
       <p:nvGrpSpPr>
-        <p:cNvPr id="181" name="Shape 181"/>
+        <p:cNvPr id="1" name="Shape 181"/>
         <p:cNvGrpSpPr/>
         <p:nvPr/>
       </p:nvGrpSpPr>
@@ -2287,9 +2394,11 @@
       <p:sp>
         <p:nvSpPr>
           <p:cNvPr id="182" name="Google Shape;182;g25c56f69c88_0_435:notes"/>
-          <p:cNvSpPr/>
+          <p:cNvSpPr>
+            <a:spLocks noGrp="1" noRot="1" noChangeAspect="1"/>
+          </p:cNvSpPr>
           <p:nvPr>
-            <p:ph idx="2" type="sldImg"/>
+            <p:ph type="sldImg" idx="2"/>
           </p:nvPr>
         </p:nvSpPr>
         <p:spPr>
@@ -2298,9 +2407,13 @@
             <a:ext cx="6096000" cy="3429000"/>
           </a:xfrm>
           <a:custGeom>
-            <a:rect b="b" l="l" r="r" t="t"/>
+            <a:avLst/>
+            <a:gdLst/>
+            <a:ahLst/>
+            <a:cxnLst/>
+            <a:rect l="l" t="t" r="r" b="b"/>
             <a:pathLst>
-              <a:path extrusionOk="0" h="120000" w="120000">
+              <a:path w="120000" h="120000" extrusionOk="0">
                 <a:moveTo>
                   <a:pt x="0" y="0"/>
                 </a:moveTo>
@@ -2322,9 +2435,11 @@
       <p:sp>
         <p:nvSpPr>
           <p:cNvPr id="183" name="Google Shape;183;g25c56f69c88_0_435:notes"/>
-          <p:cNvSpPr txBox="1"/>
+          <p:cNvSpPr txBox="1">
+            <a:spLocks noGrp="1"/>
+          </p:cNvSpPr>
           <p:nvPr>
-            <p:ph idx="1" type="body"/>
+            <p:ph type="body" idx="1"/>
           </p:nvPr>
         </p:nvSpPr>
         <p:spPr>
@@ -2337,12 +2452,12 @@
           </a:prstGeom>
         </p:spPr>
         <p:txBody>
-          <a:bodyPr anchorCtr="0" anchor="t" bIns="91425" lIns="91425" spcFirstLastPara="1" rIns="91425" wrap="square" tIns="91425">
+          <a:bodyPr spcFirstLastPara="1" wrap="square" lIns="91425" tIns="91425" rIns="91425" bIns="91425" anchor="t" anchorCtr="0">
             <a:noAutofit/>
           </a:bodyPr>
           <a:lstStyle/>
           <a:p>
-            <a:pPr indent="0" lvl="0" marL="0" rtl="0" algn="l">
+            <a:pPr marL="0" lvl="0" indent="0" algn="l" rtl="0">
               <a:spcBef>
                 <a:spcPts val="0"/>
               </a:spcBef>
@@ -2368,11 +2483,11 @@
 </file>
 
 <file path=ppt/slideLayouts/slideLayout1.xml><?xml version="1.0" encoding="utf-8"?>
-<p:sldLayout xmlns:a="http://schemas.openxmlformats.org/drawingml/2006/main" xmlns:r="http://schemas.openxmlformats.org/officeDocument/2006/relationships" xmlns:mc="http://schemas.openxmlformats.org/markup-compatibility/2006" xmlns:mv="urn:schemas-microsoft-com:mac:vml" xmlns:p="http://schemas.openxmlformats.org/presentationml/2006/main" xmlns:c="http://schemas.openxmlformats.org/drawingml/2006/chart" xmlns:dgm="http://schemas.openxmlformats.org/drawingml/2006/diagram" xmlns:o="urn:schemas-microsoft-com:office:office" xmlns:v="urn:schemas-microsoft-com:vml" xmlns:pvml="urn:schemas-microsoft-com:office:powerpoint" xmlns:com="http://schemas.openxmlformats.org/drawingml/2006/compatibility" xmlns:p14="http://schemas.microsoft.com/office/powerpoint/2010/main" xmlns:p15="http://schemas.microsoft.com/office/powerpoint/2012/main" xmlns:ahyp="http://schemas.microsoft.com/office/drawing/2018/hyperlinkcolor" matchingName="Title slide" type="title">
+<p:sldLayout xmlns:a="http://schemas.openxmlformats.org/drawingml/2006/main" xmlns:r="http://schemas.openxmlformats.org/officeDocument/2006/relationships" xmlns:p="http://schemas.openxmlformats.org/presentationml/2006/main" matchingName="Title slide" type="title">
   <p:cSld name="TITLE">
     <p:spTree>
       <p:nvGrpSpPr>
-        <p:cNvPr id="9" name="Shape 9"/>
+        <p:cNvPr id="1" name="Shape 9"/>
         <p:cNvGrpSpPr/>
         <p:nvPr/>
       </p:nvGrpSpPr>
@@ -2397,7 +2512,7 @@
           </a:xfrm>
           <a:prstGeom prst="diagStripe">
             <a:avLst>
-              <a:gd fmla="val 0" name="adj"/>
+              <a:gd name="adj" fmla="val 0"/>
             </a:avLst>
           </a:prstGeom>
           <a:solidFill>
@@ -2410,12 +2525,12 @@
           </a:ln>
         </p:spPr>
         <p:txBody>
-          <a:bodyPr anchorCtr="0" anchor="ctr" bIns="91425" lIns="91425" spcFirstLastPara="1" rIns="91425" wrap="square" tIns="91425">
+          <a:bodyPr spcFirstLastPara="1" wrap="square" lIns="91425" tIns="91425" rIns="91425" bIns="91425" anchor="ctr" anchorCtr="0">
             <a:noAutofit/>
           </a:bodyPr>
           <a:lstStyle/>
           <a:p>
-            <a:pPr indent="0" lvl="0" marL="0" rtl="0" algn="l">
+            <a:pPr marL="0" lvl="0" indent="0" algn="l" rtl="0">
               <a:spcBef>
                 <a:spcPts val="0"/>
               </a:spcBef>
@@ -2424,9 +2539,6 @@
               </a:spcAft>
               <a:buNone/>
             </a:pPr>
-            <a:r>
-              <a:t/>
-            </a:r>
             <a:endParaRPr/>
           </a:p>
         </p:txBody>
@@ -2458,7 +2570,7 @@
             </a:xfrm>
             <a:prstGeom prst="diagStripe">
               <a:avLst>
-                <a:gd fmla="val 50000" name="adj"/>
+                <a:gd name="adj" fmla="val 50000"/>
               </a:avLst>
             </a:prstGeom>
             <a:solidFill>
@@ -2471,12 +2583,12 @@
             </a:ln>
           </p:spPr>
           <p:txBody>
-            <a:bodyPr anchorCtr="0" anchor="ctr" bIns="91425" lIns="91425" spcFirstLastPara="1" rIns="91425" wrap="square" tIns="91425">
+            <a:bodyPr spcFirstLastPara="1" wrap="square" lIns="91425" tIns="91425" rIns="91425" bIns="91425" anchor="ctr" anchorCtr="0">
               <a:noAutofit/>
             </a:bodyPr>
             <a:lstStyle/>
             <a:p>
-              <a:pPr indent="0" lvl="0" marL="0" rtl="0" algn="l">
+              <a:pPr marL="0" lvl="0" indent="0" algn="l" rtl="0">
                 <a:spcBef>
                   <a:spcPts val="0"/>
                 </a:spcBef>
@@ -2485,9 +2597,6 @@
                 </a:spcAft>
                 <a:buNone/>
               </a:pPr>
-              <a:r>
-                <a:t/>
-              </a:r>
               <a:endParaRPr/>
             </a:p>
           </p:txBody>
@@ -2505,7 +2614,7 @@
             </a:xfrm>
             <a:prstGeom prst="diagStripe">
               <a:avLst>
-                <a:gd fmla="val 58774" name="adj"/>
+                <a:gd name="adj" fmla="val 58774"/>
               </a:avLst>
             </a:prstGeom>
             <a:solidFill>
@@ -2518,12 +2627,12 @@
             </a:ln>
           </p:spPr>
           <p:txBody>
-            <a:bodyPr anchorCtr="0" anchor="ctr" bIns="91425" lIns="91425" spcFirstLastPara="1" rIns="91425" wrap="square" tIns="91425">
+            <a:bodyPr spcFirstLastPara="1" wrap="square" lIns="91425" tIns="91425" rIns="91425" bIns="91425" anchor="ctr" anchorCtr="0">
               <a:noAutofit/>
             </a:bodyPr>
             <a:lstStyle/>
             <a:p>
-              <a:pPr indent="0" lvl="0" marL="0" rtl="0" algn="l">
+              <a:pPr marL="0" lvl="0" indent="0" algn="l" rtl="0">
                 <a:spcBef>
                   <a:spcPts val="0"/>
                 </a:spcBef>
@@ -2532,9 +2641,6 @@
                 </a:spcAft>
                 <a:buNone/>
               </a:pPr>
-              <a:r>
-                <a:t/>
-              </a:r>
               <a:endParaRPr/>
             </a:p>
           </p:txBody>
@@ -2552,7 +2658,7 @@
             </a:xfrm>
             <a:prstGeom prst="diagStripe">
               <a:avLst>
-                <a:gd fmla="val 50000" name="adj"/>
+                <a:gd name="adj" fmla="val 50000"/>
               </a:avLst>
             </a:prstGeom>
             <a:solidFill>
@@ -2563,12 +2669,12 @@
             </a:ln>
           </p:spPr>
           <p:txBody>
-            <a:bodyPr anchorCtr="0" anchor="ctr" bIns="91425" lIns="91425" spcFirstLastPara="1" rIns="91425" wrap="square" tIns="91425">
+            <a:bodyPr spcFirstLastPara="1" wrap="square" lIns="91425" tIns="91425" rIns="91425" bIns="91425" anchor="ctr" anchorCtr="0">
               <a:noAutofit/>
             </a:bodyPr>
             <a:lstStyle/>
             <a:p>
-              <a:pPr indent="0" lvl="0" marL="0" rtl="0" algn="l">
+              <a:pPr marL="0" lvl="0" indent="0" algn="l" rtl="0">
                 <a:spcBef>
                   <a:spcPts val="0"/>
                 </a:spcBef>
@@ -2577,9 +2683,6 @@
                 </a:spcAft>
                 <a:buNone/>
               </a:pPr>
-              <a:r>
-                <a:t/>
-              </a:r>
               <a:endParaRPr/>
             </a:p>
           </p:txBody>
@@ -2597,7 +2700,7 @@
             </a:xfrm>
             <a:prstGeom prst="diagStripe">
               <a:avLst>
-                <a:gd fmla="val 50000" name="adj"/>
+                <a:gd name="adj" fmla="val 50000"/>
               </a:avLst>
             </a:prstGeom>
             <a:solidFill>
@@ -2608,12 +2711,12 @@
             </a:ln>
           </p:spPr>
           <p:txBody>
-            <a:bodyPr anchorCtr="0" anchor="ctr" bIns="91425" lIns="91425" spcFirstLastPara="1" rIns="91425" wrap="square" tIns="91425">
+            <a:bodyPr spcFirstLastPara="1" wrap="square" lIns="91425" tIns="91425" rIns="91425" bIns="91425" anchor="ctr" anchorCtr="0">
               <a:noAutofit/>
             </a:bodyPr>
             <a:lstStyle/>
             <a:p>
-              <a:pPr indent="0" lvl="0" marL="0" rtl="0" algn="l">
+              <a:pPr marL="0" lvl="0" indent="0" algn="l" rtl="0">
                 <a:spcBef>
                   <a:spcPts val="0"/>
                 </a:spcBef>
@@ -2622,9 +2725,6 @@
                 </a:spcAft>
                 <a:buNone/>
               </a:pPr>
-              <a:r>
-                <a:t/>
-              </a:r>
               <a:endParaRPr/>
             </a:p>
           </p:txBody>
@@ -2633,7 +2733,9 @@
       <p:sp>
         <p:nvSpPr>
           <p:cNvPr id="16" name="Google Shape;16;p2"/>
-          <p:cNvSpPr txBox="1"/>
+          <p:cNvSpPr txBox="1">
+            <a:spLocks noGrp="1"/>
+          </p:cNvSpPr>
           <p:nvPr>
             <p:ph type="ctrTitle"/>
           </p:nvPr>
@@ -2648,7 +2750,7 @@
           </a:prstGeom>
         </p:spPr>
         <p:txBody>
-          <a:bodyPr anchorCtr="0" anchor="t" bIns="91425" lIns="91425" spcFirstLastPara="1" rIns="91425" wrap="square" tIns="91425">
+          <a:bodyPr spcFirstLastPara="1" wrap="square" lIns="91425" tIns="91425" rIns="91425" bIns="91425" anchor="t" anchorCtr="0">
             <a:normAutofit/>
           </a:bodyPr>
           <a:lstStyle>
@@ -2752,15 +2854,19 @@
               <a:defRPr sz="4000"/>
             </a:lvl9pPr>
           </a:lstStyle>
-          <a:p/>
+          <a:p>
+            <a:endParaRPr/>
+          </a:p>
         </p:txBody>
       </p:sp>
       <p:sp>
         <p:nvSpPr>
           <p:cNvPr id="17" name="Google Shape;17;p2"/>
-          <p:cNvSpPr txBox="1"/>
+          <p:cNvSpPr txBox="1">
+            <a:spLocks noGrp="1"/>
+          </p:cNvSpPr>
           <p:nvPr>
-            <p:ph idx="1" type="subTitle"/>
+            <p:ph type="subTitle" idx="1"/>
           </p:nvPr>
         </p:nvSpPr>
         <p:spPr>
@@ -2773,7 +2879,7 @@
           </a:prstGeom>
         </p:spPr>
         <p:txBody>
-          <a:bodyPr anchorCtr="0" anchor="t" bIns="91425" lIns="91425" spcFirstLastPara="1" rIns="91425" wrap="square" tIns="91425">
+          <a:bodyPr spcFirstLastPara="1" wrap="square" lIns="91425" tIns="91425" rIns="91425" bIns="91425" anchor="t" anchorCtr="0">
             <a:normAutofit/>
           </a:bodyPr>
           <a:lstStyle>
@@ -2904,15 +3010,19 @@
               <a:defRPr sz="1300"/>
             </a:lvl9pPr>
           </a:lstStyle>
-          <a:p/>
+          <a:p>
+            <a:endParaRPr/>
+          </a:p>
         </p:txBody>
       </p:sp>
       <p:sp>
         <p:nvSpPr>
           <p:cNvPr id="18" name="Google Shape;18;p2"/>
-          <p:cNvSpPr txBox="1"/>
+          <p:cNvSpPr txBox="1">
+            <a:spLocks noGrp="1"/>
+          </p:cNvSpPr>
           <p:nvPr>
-            <p:ph idx="12" type="sldNum"/>
+            <p:ph type="sldNum" idx="12"/>
           </p:nvPr>
         </p:nvSpPr>
         <p:spPr>
@@ -2925,7 +3035,7 @@
           </a:prstGeom>
         </p:spPr>
         <p:txBody>
-          <a:bodyPr anchorCtr="0" anchor="ctr" bIns="91425" lIns="91425" spcFirstLastPara="1" rIns="91425" wrap="square" tIns="91425">
+          <a:bodyPr spcFirstLastPara="1" wrap="square" lIns="91425" tIns="91425" rIns="91425" bIns="91425" anchor="ctr" anchorCtr="0">
             <a:normAutofit/>
           </a:bodyPr>
           <a:lstStyle>
@@ -2967,7 +3077,7 @@
             </a:lvl9pPr>
           </a:lstStyle>
           <a:p>
-            <a:pPr indent="0" lvl="0" marL="0" rtl="0" algn="r">
+            <a:pPr marL="0" lvl="0" indent="0" algn="r" rtl="0">
               <a:spcBef>
                 <a:spcPts val="0"/>
               </a:spcBef>
@@ -2993,11 +3103,11 @@
 </file>
 
 <file path=ppt/slideLayouts/slideLayout10.xml><?xml version="1.0" encoding="utf-8"?>
-<p:sldLayout xmlns:a="http://schemas.openxmlformats.org/drawingml/2006/main" xmlns:r="http://schemas.openxmlformats.org/officeDocument/2006/relationships" xmlns:mc="http://schemas.openxmlformats.org/markup-compatibility/2006" xmlns:mv="urn:schemas-microsoft-com:mac:vml" xmlns:p="http://schemas.openxmlformats.org/presentationml/2006/main" xmlns:c="http://schemas.openxmlformats.org/drawingml/2006/chart" xmlns:dgm="http://schemas.openxmlformats.org/drawingml/2006/diagram" xmlns:o="urn:schemas-microsoft-com:office:office" xmlns:v="urn:schemas-microsoft-com:vml" xmlns:pvml="urn:schemas-microsoft-com:office:powerpoint" xmlns:com="http://schemas.openxmlformats.org/drawingml/2006/compatibility" xmlns:p14="http://schemas.microsoft.com/office/powerpoint/2010/main" xmlns:p15="http://schemas.microsoft.com/office/powerpoint/2012/main" xmlns:ahyp="http://schemas.microsoft.com/office/drawing/2018/hyperlinkcolor" matchingName="Big number">
+<p:sldLayout xmlns:a="http://schemas.openxmlformats.org/drawingml/2006/main" xmlns:r="http://schemas.openxmlformats.org/officeDocument/2006/relationships" xmlns:p="http://schemas.openxmlformats.org/presentationml/2006/main" matchingName="Big number">
   <p:cSld name="BIG_NUMBER">
     <p:spTree>
       <p:nvGrpSpPr>
-        <p:cNvPr id="105" name="Shape 105"/>
+        <p:cNvPr id="1" name="Shape 105"/>
         <p:cNvGrpSpPr/>
         <p:nvPr/>
       </p:nvGrpSpPr>
@@ -3036,7 +3146,7 @@
             </a:xfrm>
             <a:prstGeom prst="diagStripe">
               <a:avLst>
-                <a:gd fmla="val 49469" name="adj"/>
+                <a:gd name="adj" fmla="val 49469"/>
               </a:avLst>
             </a:prstGeom>
             <a:solidFill>
@@ -3049,12 +3159,12 @@
             </a:ln>
           </p:spPr>
           <p:txBody>
-            <a:bodyPr anchorCtr="0" anchor="ctr" bIns="91425" lIns="91425" spcFirstLastPara="1" rIns="91425" wrap="square" tIns="91425">
+            <a:bodyPr spcFirstLastPara="1" wrap="square" lIns="91425" tIns="91425" rIns="91425" bIns="91425" anchor="ctr" anchorCtr="0">
               <a:noAutofit/>
             </a:bodyPr>
             <a:lstStyle/>
             <a:p>
-              <a:pPr indent="0" lvl="0" marL="0" rtl="0" algn="l">
+              <a:pPr marL="0" lvl="0" indent="0" algn="l" rtl="0">
                 <a:spcBef>
                   <a:spcPts val="0"/>
                 </a:spcBef>
@@ -3063,9 +3173,6 @@
                 </a:spcAft>
                 <a:buNone/>
               </a:pPr>
-              <a:r>
-                <a:t/>
-              </a:r>
               <a:endParaRPr/>
             </a:p>
           </p:txBody>
@@ -3083,7 +3190,7 @@
             </a:xfrm>
             <a:prstGeom prst="diagStripe">
               <a:avLst>
-                <a:gd fmla="val 0" name="adj"/>
+                <a:gd name="adj" fmla="val 0"/>
               </a:avLst>
             </a:prstGeom>
             <a:solidFill>
@@ -3096,12 +3203,12 @@
             </a:ln>
           </p:spPr>
           <p:txBody>
-            <a:bodyPr anchorCtr="0" anchor="ctr" bIns="91425" lIns="91425" spcFirstLastPara="1" rIns="91425" wrap="square" tIns="91425">
+            <a:bodyPr spcFirstLastPara="1" wrap="square" lIns="91425" tIns="91425" rIns="91425" bIns="91425" anchor="ctr" anchorCtr="0">
               <a:noAutofit/>
             </a:bodyPr>
             <a:lstStyle/>
             <a:p>
-              <a:pPr indent="0" lvl="0" marL="0" rtl="0" algn="l">
+              <a:pPr marL="0" lvl="0" indent="0" algn="l" rtl="0">
                 <a:spcBef>
                   <a:spcPts val="0"/>
                 </a:spcBef>
@@ -3110,9 +3217,6 @@
                 </a:spcAft>
                 <a:buNone/>
               </a:pPr>
-              <a:r>
-                <a:t/>
-              </a:r>
               <a:endParaRPr/>
             </a:p>
           </p:txBody>
@@ -3130,7 +3234,7 @@
             </a:xfrm>
             <a:prstGeom prst="diagStripe">
               <a:avLst>
-                <a:gd fmla="val 50000" name="adj"/>
+                <a:gd name="adj" fmla="val 50000"/>
               </a:avLst>
             </a:prstGeom>
             <a:solidFill>
@@ -3143,12 +3247,12 @@
             </a:ln>
           </p:spPr>
           <p:txBody>
-            <a:bodyPr anchorCtr="0" anchor="ctr" bIns="91425" lIns="91425" spcFirstLastPara="1" rIns="91425" wrap="square" tIns="91425">
+            <a:bodyPr spcFirstLastPara="1" wrap="square" lIns="91425" tIns="91425" rIns="91425" bIns="91425" anchor="ctr" anchorCtr="0">
               <a:noAutofit/>
             </a:bodyPr>
             <a:lstStyle/>
             <a:p>
-              <a:pPr indent="0" lvl="0" marL="0" rtl="0" algn="l">
+              <a:pPr marL="0" lvl="0" indent="0" algn="l" rtl="0">
                 <a:spcBef>
                   <a:spcPts val="0"/>
                 </a:spcBef>
@@ -3157,9 +3261,6 @@
                 </a:spcAft>
                 <a:buNone/>
               </a:pPr>
-              <a:r>
-                <a:t/>
-              </a:r>
               <a:endParaRPr/>
             </a:p>
           </p:txBody>
@@ -3177,7 +3278,7 @@
             </a:xfrm>
             <a:prstGeom prst="diagStripe">
               <a:avLst>
-                <a:gd fmla="val 50000" name="adj"/>
+                <a:gd name="adj" fmla="val 50000"/>
               </a:avLst>
             </a:prstGeom>
             <a:solidFill>
@@ -3190,12 +3291,12 @@
             </a:ln>
           </p:spPr>
           <p:txBody>
-            <a:bodyPr anchorCtr="0" anchor="ctr" bIns="91425" lIns="91425" spcFirstLastPara="1" rIns="91425" wrap="square" tIns="91425">
+            <a:bodyPr spcFirstLastPara="1" wrap="square" lIns="91425" tIns="91425" rIns="91425" bIns="91425" anchor="ctr" anchorCtr="0">
               <a:noAutofit/>
             </a:bodyPr>
             <a:lstStyle/>
             <a:p>
-              <a:pPr indent="0" lvl="0" marL="0" rtl="0" algn="l">
+              <a:pPr marL="0" lvl="0" indent="0" algn="l" rtl="0">
                 <a:spcBef>
                   <a:spcPts val="0"/>
                 </a:spcBef>
@@ -3204,9 +3305,6 @@
                 </a:spcAft>
                 <a:buNone/>
               </a:pPr>
-              <a:r>
-                <a:t/>
-              </a:r>
               <a:endParaRPr/>
             </a:p>
           </p:txBody>
@@ -3224,7 +3322,7 @@
             </a:xfrm>
             <a:prstGeom prst="diagStripe">
               <a:avLst>
-                <a:gd fmla="val 50000" name="adj"/>
+                <a:gd name="adj" fmla="val 50000"/>
               </a:avLst>
             </a:prstGeom>
             <a:solidFill>
@@ -3237,12 +3335,12 @@
             </a:ln>
           </p:spPr>
           <p:txBody>
-            <a:bodyPr anchorCtr="0" anchor="ctr" bIns="91425" lIns="91425" spcFirstLastPara="1" rIns="91425" wrap="square" tIns="91425">
+            <a:bodyPr spcFirstLastPara="1" wrap="square" lIns="91425" tIns="91425" rIns="91425" bIns="91425" anchor="ctr" anchorCtr="0">
               <a:noAutofit/>
             </a:bodyPr>
             <a:lstStyle/>
             <a:p>
-              <a:pPr indent="0" lvl="0" marL="0" rtl="0" algn="l">
+              <a:pPr marL="0" lvl="0" indent="0" algn="l" rtl="0">
                 <a:spcBef>
                   <a:spcPts val="0"/>
                 </a:spcBef>
@@ -3251,9 +3349,6 @@
                 </a:spcAft>
                 <a:buNone/>
               </a:pPr>
-              <a:r>
-                <a:t/>
-              </a:r>
               <a:endParaRPr/>
             </a:p>
           </p:txBody>
@@ -3271,7 +3366,7 @@
             </a:xfrm>
             <a:prstGeom prst="diagStripe">
               <a:avLst>
-                <a:gd fmla="val 50000" name="adj"/>
+                <a:gd name="adj" fmla="val 50000"/>
               </a:avLst>
             </a:prstGeom>
             <a:solidFill>
@@ -3284,12 +3379,12 @@
             </a:ln>
           </p:spPr>
           <p:txBody>
-            <a:bodyPr anchorCtr="0" anchor="ctr" bIns="91425" lIns="91425" spcFirstLastPara="1" rIns="91425" wrap="square" tIns="91425">
+            <a:bodyPr spcFirstLastPara="1" wrap="square" lIns="91425" tIns="91425" rIns="91425" bIns="91425" anchor="ctr" anchorCtr="0">
               <a:noAutofit/>
             </a:bodyPr>
             <a:lstStyle/>
             <a:p>
-              <a:pPr indent="0" lvl="0" marL="0" rtl="0" algn="l">
+              <a:pPr marL="0" lvl="0" indent="0" algn="l" rtl="0">
                 <a:spcBef>
                   <a:spcPts val="0"/>
                 </a:spcBef>
@@ -3298,9 +3393,6 @@
                 </a:spcAft>
                 <a:buNone/>
               </a:pPr>
-              <a:r>
-                <a:t/>
-              </a:r>
               <a:endParaRPr/>
             </a:p>
           </p:txBody>
@@ -3318,7 +3410,7 @@
             </a:xfrm>
             <a:prstGeom prst="diagStripe">
               <a:avLst>
-                <a:gd fmla="val 50000" name="adj"/>
+                <a:gd name="adj" fmla="val 50000"/>
               </a:avLst>
             </a:prstGeom>
             <a:solidFill>
@@ -3331,12 +3423,12 @@
             </a:ln>
           </p:spPr>
           <p:txBody>
-            <a:bodyPr anchorCtr="0" anchor="ctr" bIns="91425" lIns="91425" spcFirstLastPara="1" rIns="91425" wrap="square" tIns="91425">
+            <a:bodyPr spcFirstLastPara="1" wrap="square" lIns="91425" tIns="91425" rIns="91425" bIns="91425" anchor="ctr" anchorCtr="0">
               <a:noAutofit/>
             </a:bodyPr>
             <a:lstStyle/>
             <a:p>
-              <a:pPr indent="0" lvl="0" marL="0" rtl="0" algn="l">
+              <a:pPr marL="0" lvl="0" indent="0" algn="l" rtl="0">
                 <a:spcBef>
                   <a:spcPts val="0"/>
                 </a:spcBef>
@@ -3345,9 +3437,6 @@
                 </a:spcAft>
                 <a:buNone/>
               </a:pPr>
-              <a:r>
-                <a:t/>
-              </a:r>
               <a:endParaRPr/>
             </a:p>
           </p:txBody>
@@ -3365,7 +3454,7 @@
             </a:xfrm>
             <a:prstGeom prst="diagStripe">
               <a:avLst>
-                <a:gd fmla="val 50000" name="adj"/>
+                <a:gd name="adj" fmla="val 50000"/>
               </a:avLst>
             </a:prstGeom>
             <a:solidFill>
@@ -3376,12 +3465,12 @@
             </a:ln>
           </p:spPr>
           <p:txBody>
-            <a:bodyPr anchorCtr="0" anchor="ctr" bIns="91425" lIns="91425" spcFirstLastPara="1" rIns="91425" wrap="square" tIns="91425">
+            <a:bodyPr spcFirstLastPara="1" wrap="square" lIns="91425" tIns="91425" rIns="91425" bIns="91425" anchor="ctr" anchorCtr="0">
               <a:noAutofit/>
             </a:bodyPr>
             <a:lstStyle/>
             <a:p>
-              <a:pPr indent="0" lvl="0" marL="0" rtl="0" algn="l">
+              <a:pPr marL="0" lvl="0" indent="0" algn="l" rtl="0">
                 <a:spcBef>
                   <a:spcPts val="0"/>
                 </a:spcBef>
@@ -3390,9 +3479,6 @@
                 </a:spcAft>
                 <a:buNone/>
               </a:pPr>
-              <a:r>
-                <a:t/>
-              </a:r>
               <a:endParaRPr/>
             </a:p>
           </p:txBody>
@@ -3410,7 +3496,7 @@
             </a:xfrm>
             <a:prstGeom prst="diagStripe">
               <a:avLst>
-                <a:gd fmla="val 50000" name="adj"/>
+                <a:gd name="adj" fmla="val 50000"/>
               </a:avLst>
             </a:prstGeom>
             <a:solidFill>
@@ -3423,12 +3509,12 @@
             </a:ln>
           </p:spPr>
           <p:txBody>
-            <a:bodyPr anchorCtr="0" anchor="ctr" bIns="91425" lIns="91425" spcFirstLastPara="1" rIns="91425" wrap="square" tIns="91425">
+            <a:bodyPr spcFirstLastPara="1" wrap="square" lIns="91425" tIns="91425" rIns="91425" bIns="91425" anchor="ctr" anchorCtr="0">
               <a:noAutofit/>
             </a:bodyPr>
             <a:lstStyle/>
             <a:p>
-              <a:pPr indent="0" lvl="0" marL="0" rtl="0" algn="l">
+              <a:pPr marL="0" lvl="0" indent="0" algn="l" rtl="0">
                 <a:spcBef>
                   <a:spcPts val="0"/>
                 </a:spcBef>
@@ -3437,9 +3523,6 @@
                 </a:spcAft>
                 <a:buNone/>
               </a:pPr>
-              <a:r>
-                <a:t/>
-              </a:r>
               <a:endParaRPr/>
             </a:p>
           </p:txBody>
@@ -3457,7 +3540,7 @@
             </a:xfrm>
             <a:prstGeom prst="diagStripe">
               <a:avLst>
-                <a:gd fmla="val 50000" name="adj"/>
+                <a:gd name="adj" fmla="val 50000"/>
               </a:avLst>
             </a:prstGeom>
             <a:solidFill>
@@ -3470,12 +3553,12 @@
             </a:ln>
           </p:spPr>
           <p:txBody>
-            <a:bodyPr anchorCtr="0" anchor="ctr" bIns="91425" lIns="91425" spcFirstLastPara="1" rIns="91425" wrap="square" tIns="91425">
+            <a:bodyPr spcFirstLastPara="1" wrap="square" lIns="91425" tIns="91425" rIns="91425" bIns="91425" anchor="ctr" anchorCtr="0">
               <a:noAutofit/>
             </a:bodyPr>
             <a:lstStyle/>
             <a:p>
-              <a:pPr indent="0" lvl="0" marL="0" rtl="0" algn="l">
+              <a:pPr marL="0" lvl="0" indent="0" algn="l" rtl="0">
                 <a:spcBef>
                   <a:spcPts val="0"/>
                 </a:spcBef>
@@ -3484,9 +3567,6 @@
                 </a:spcAft>
                 <a:buNone/>
               </a:pPr>
-              <a:r>
-                <a:t/>
-              </a:r>
               <a:endParaRPr/>
             </a:p>
           </p:txBody>
@@ -3504,7 +3584,7 @@
             </a:xfrm>
             <a:prstGeom prst="diagStripe">
               <a:avLst>
-                <a:gd fmla="val 50000" name="adj"/>
+                <a:gd name="adj" fmla="val 50000"/>
               </a:avLst>
             </a:prstGeom>
             <a:solidFill>
@@ -3517,12 +3597,12 @@
             </a:ln>
           </p:spPr>
           <p:txBody>
-            <a:bodyPr anchorCtr="0" anchor="ctr" bIns="91425" lIns="91425" spcFirstLastPara="1" rIns="91425" wrap="square" tIns="91425">
+            <a:bodyPr spcFirstLastPara="1" wrap="square" lIns="91425" tIns="91425" rIns="91425" bIns="91425" anchor="ctr" anchorCtr="0">
               <a:noAutofit/>
             </a:bodyPr>
             <a:lstStyle/>
             <a:p>
-              <a:pPr indent="0" lvl="0" marL="0" rtl="0" algn="l">
+              <a:pPr marL="0" lvl="0" indent="0" algn="l" rtl="0">
                 <a:spcBef>
                   <a:spcPts val="0"/>
                 </a:spcBef>
@@ -3531,9 +3611,6 @@
                 </a:spcAft>
                 <a:buNone/>
               </a:pPr>
-              <a:r>
-                <a:t/>
-              </a:r>
               <a:endParaRPr/>
             </a:p>
           </p:txBody>
@@ -3551,7 +3628,7 @@
             </a:xfrm>
             <a:prstGeom prst="diagStripe">
               <a:avLst>
-                <a:gd fmla="val 50000" name="adj"/>
+                <a:gd name="adj" fmla="val 50000"/>
               </a:avLst>
             </a:prstGeom>
             <a:solidFill>
@@ -3564,12 +3641,12 @@
             </a:ln>
           </p:spPr>
           <p:txBody>
-            <a:bodyPr anchorCtr="0" anchor="ctr" bIns="91425" lIns="91425" spcFirstLastPara="1" rIns="91425" wrap="square" tIns="91425">
+            <a:bodyPr spcFirstLastPara="1" wrap="square" lIns="91425" tIns="91425" rIns="91425" bIns="91425" anchor="ctr" anchorCtr="0">
               <a:noAutofit/>
             </a:bodyPr>
             <a:lstStyle/>
             <a:p>
-              <a:pPr indent="0" lvl="0" marL="0" rtl="0" algn="l">
+              <a:pPr marL="0" lvl="0" indent="0" algn="l" rtl="0">
                 <a:spcBef>
                   <a:spcPts val="0"/>
                 </a:spcBef>
@@ -3578,9 +3655,6 @@
                 </a:spcAft>
                 <a:buNone/>
               </a:pPr>
-              <a:r>
-                <a:t/>
-              </a:r>
               <a:endParaRPr/>
             </a:p>
           </p:txBody>
@@ -3598,7 +3672,7 @@
             </a:xfrm>
             <a:prstGeom prst="diagStripe">
               <a:avLst>
-                <a:gd fmla="val 50000" name="adj"/>
+                <a:gd name="adj" fmla="val 50000"/>
               </a:avLst>
             </a:prstGeom>
             <a:solidFill>
@@ -3611,12 +3685,12 @@
             </a:ln>
           </p:spPr>
           <p:txBody>
-            <a:bodyPr anchorCtr="0" anchor="ctr" bIns="91425" lIns="91425" spcFirstLastPara="1" rIns="91425" wrap="square" tIns="91425">
+            <a:bodyPr spcFirstLastPara="1" wrap="square" lIns="91425" tIns="91425" rIns="91425" bIns="91425" anchor="ctr" anchorCtr="0">
               <a:noAutofit/>
             </a:bodyPr>
             <a:lstStyle/>
             <a:p>
-              <a:pPr indent="0" lvl="0" marL="0" rtl="0" algn="l">
+              <a:pPr marL="0" lvl="0" indent="0" algn="l" rtl="0">
                 <a:spcBef>
                   <a:spcPts val="0"/>
                 </a:spcBef>
@@ -3625,9 +3699,6 @@
                 </a:spcAft>
                 <a:buNone/>
               </a:pPr>
-              <a:r>
-                <a:t/>
-              </a:r>
               <a:endParaRPr/>
             </a:p>
           </p:txBody>
@@ -3645,7 +3716,7 @@
             </a:xfrm>
             <a:prstGeom prst="diagStripe">
               <a:avLst>
-                <a:gd fmla="val 50000" name="adj"/>
+                <a:gd name="adj" fmla="val 50000"/>
               </a:avLst>
             </a:prstGeom>
             <a:solidFill>
@@ -3656,12 +3727,12 @@
             </a:ln>
           </p:spPr>
           <p:txBody>
-            <a:bodyPr anchorCtr="0" anchor="ctr" bIns="91425" lIns="91425" spcFirstLastPara="1" rIns="91425" wrap="square" tIns="91425">
+            <a:bodyPr spcFirstLastPara="1" wrap="square" lIns="91425" tIns="91425" rIns="91425" bIns="91425" anchor="ctr" anchorCtr="0">
               <a:noAutofit/>
             </a:bodyPr>
             <a:lstStyle/>
             <a:p>
-              <a:pPr indent="0" lvl="0" marL="0" rtl="0" algn="l">
+              <a:pPr marL="0" lvl="0" indent="0" algn="l" rtl="0">
                 <a:spcBef>
                   <a:spcPts val="0"/>
                 </a:spcBef>
@@ -3670,9 +3741,6 @@
                 </a:spcAft>
                 <a:buNone/>
               </a:pPr>
-              <a:r>
-                <a:t/>
-              </a:r>
               <a:endParaRPr/>
             </a:p>
           </p:txBody>
@@ -3690,7 +3758,7 @@
             </a:xfrm>
             <a:prstGeom prst="diagStripe">
               <a:avLst>
-                <a:gd fmla="val 50000" name="adj"/>
+                <a:gd name="adj" fmla="val 50000"/>
               </a:avLst>
             </a:prstGeom>
             <a:solidFill>
@@ -3703,12 +3771,12 @@
             </a:ln>
           </p:spPr>
           <p:txBody>
-            <a:bodyPr anchorCtr="0" anchor="ctr" bIns="91425" lIns="91425" spcFirstLastPara="1" rIns="91425" wrap="square" tIns="91425">
+            <a:bodyPr spcFirstLastPara="1" wrap="square" lIns="91425" tIns="91425" rIns="91425" bIns="91425" anchor="ctr" anchorCtr="0">
               <a:noAutofit/>
             </a:bodyPr>
             <a:lstStyle/>
             <a:p>
-              <a:pPr indent="0" lvl="0" marL="0" rtl="0" algn="l">
+              <a:pPr marL="0" lvl="0" indent="0" algn="l" rtl="0">
                 <a:spcBef>
                   <a:spcPts val="0"/>
                 </a:spcBef>
@@ -3717,9 +3785,6 @@
                 </a:spcAft>
                 <a:buNone/>
               </a:pPr>
-              <a:r>
-                <a:t/>
-              </a:r>
               <a:endParaRPr/>
             </a:p>
           </p:txBody>
@@ -3737,7 +3802,7 @@
             </a:xfrm>
             <a:prstGeom prst="diagStripe">
               <a:avLst>
-                <a:gd fmla="val 50000" name="adj"/>
+                <a:gd name="adj" fmla="val 50000"/>
               </a:avLst>
             </a:prstGeom>
             <a:solidFill>
@@ -3750,12 +3815,12 @@
             </a:ln>
           </p:spPr>
           <p:txBody>
-            <a:bodyPr anchorCtr="0" anchor="ctr" bIns="91425" lIns="91425" spcFirstLastPara="1" rIns="91425" wrap="square" tIns="91425">
+            <a:bodyPr spcFirstLastPara="1" wrap="square" lIns="91425" tIns="91425" rIns="91425" bIns="91425" anchor="ctr" anchorCtr="0">
               <a:noAutofit/>
             </a:bodyPr>
             <a:lstStyle/>
             <a:p>
-              <a:pPr indent="0" lvl="0" marL="0" rtl="0" algn="l">
+              <a:pPr marL="0" lvl="0" indent="0" algn="l" rtl="0">
                 <a:spcBef>
                   <a:spcPts val="0"/>
                 </a:spcBef>
@@ -3764,9 +3829,6 @@
                 </a:spcAft>
                 <a:buNone/>
               </a:pPr>
-              <a:r>
-                <a:t/>
-              </a:r>
               <a:endParaRPr/>
             </a:p>
           </p:txBody>
@@ -3784,7 +3846,7 @@
             </a:xfrm>
             <a:prstGeom prst="diagStripe">
               <a:avLst>
-                <a:gd fmla="val 50000" name="adj"/>
+                <a:gd name="adj" fmla="val 50000"/>
               </a:avLst>
             </a:prstGeom>
             <a:solidFill>
@@ -3797,12 +3859,12 @@
             </a:ln>
           </p:spPr>
           <p:txBody>
-            <a:bodyPr anchorCtr="0" anchor="ctr" bIns="91425" lIns="91425" spcFirstLastPara="1" rIns="91425" wrap="square" tIns="91425">
+            <a:bodyPr spcFirstLastPara="1" wrap="square" lIns="91425" tIns="91425" rIns="91425" bIns="91425" anchor="ctr" anchorCtr="0">
               <a:noAutofit/>
             </a:bodyPr>
             <a:lstStyle/>
             <a:p>
-              <a:pPr indent="0" lvl="0" marL="0" rtl="0" algn="l">
+              <a:pPr marL="0" lvl="0" indent="0" algn="l" rtl="0">
                 <a:spcBef>
                   <a:spcPts val="0"/>
                 </a:spcBef>
@@ -3811,9 +3873,6 @@
                 </a:spcAft>
                 <a:buNone/>
               </a:pPr>
-              <a:r>
-                <a:t/>
-              </a:r>
               <a:endParaRPr/>
             </a:p>
           </p:txBody>
@@ -3831,7 +3890,7 @@
             </a:xfrm>
             <a:prstGeom prst="diagStripe">
               <a:avLst>
-                <a:gd fmla="val 50000" name="adj"/>
+                <a:gd name="adj" fmla="val 50000"/>
               </a:avLst>
             </a:prstGeom>
             <a:solidFill>
@@ -3844,12 +3903,12 @@
             </a:ln>
           </p:spPr>
           <p:txBody>
-            <a:bodyPr anchorCtr="0" anchor="ctr" bIns="91425" lIns="91425" spcFirstLastPara="1" rIns="91425" wrap="square" tIns="91425">
+            <a:bodyPr spcFirstLastPara="1" wrap="square" lIns="91425" tIns="91425" rIns="91425" bIns="91425" anchor="ctr" anchorCtr="0">
               <a:noAutofit/>
             </a:bodyPr>
             <a:lstStyle/>
             <a:p>
-              <a:pPr indent="0" lvl="0" marL="0" rtl="0" algn="l">
+              <a:pPr marL="0" lvl="0" indent="0" algn="l" rtl="0">
                 <a:spcBef>
                   <a:spcPts val="0"/>
                 </a:spcBef>
@@ -3858,9 +3917,6 @@
                 </a:spcAft>
                 <a:buNone/>
               </a:pPr>
-              <a:r>
-                <a:t/>
-              </a:r>
               <a:endParaRPr/>
             </a:p>
           </p:txBody>
@@ -3869,9 +3925,11 @@
       <p:sp>
         <p:nvSpPr>
           <p:cNvPr id="125" name="Google Shape;125;p11"/>
-          <p:cNvSpPr txBox="1"/>
+          <p:cNvSpPr txBox="1">
+            <a:spLocks noGrp="1"/>
+          </p:cNvSpPr>
           <p:nvPr>
-            <p:ph hasCustomPrompt="1" type="title"/>
+            <p:ph type="title" hasCustomPrompt="1"/>
           </p:nvPr>
         </p:nvSpPr>
         <p:spPr>
@@ -3884,7 +3942,7 @@
           </a:prstGeom>
         </p:spPr>
         <p:txBody>
-          <a:bodyPr anchorCtr="0" anchor="t" bIns="91425" lIns="91425" spcFirstLastPara="1" rIns="91425" wrap="square" tIns="91425">
+          <a:bodyPr spcFirstLastPara="1" wrap="square" lIns="91425" tIns="91425" rIns="91425" bIns="91425" anchor="t" anchorCtr="0">
             <a:normAutofit/>
           </a:bodyPr>
           <a:lstStyle>
@@ -3998,9 +4056,11 @@
       <p:sp>
         <p:nvSpPr>
           <p:cNvPr id="126" name="Google Shape;126;p11"/>
-          <p:cNvSpPr txBox="1"/>
+          <p:cNvSpPr txBox="1">
+            <a:spLocks noGrp="1"/>
+          </p:cNvSpPr>
           <p:nvPr>
-            <p:ph idx="1" type="body"/>
+            <p:ph type="body" idx="1"/>
           </p:nvPr>
         </p:nvSpPr>
         <p:spPr>
@@ -4013,11 +4073,11 @@
           </a:prstGeom>
         </p:spPr>
         <p:txBody>
-          <a:bodyPr anchorCtr="0" anchor="t" bIns="91425" lIns="91425" spcFirstLastPara="1" rIns="91425" wrap="square" tIns="91425">
+          <a:bodyPr spcFirstLastPara="1" wrap="square" lIns="91425" tIns="91425" rIns="91425" bIns="91425" anchor="t" anchorCtr="0">
             <a:normAutofit/>
           </a:bodyPr>
           <a:lstStyle>
-            <a:lvl1pPr indent="-311150" lvl="0" marL="457200">
+            <a:lvl1pPr marL="457200" lvl="0" indent="-311150">
               <a:spcBef>
                 <a:spcPts val="0"/>
               </a:spcBef>
@@ -4028,7 +4088,7 @@
               <a:buChar char="●"/>
               <a:defRPr/>
             </a:lvl1pPr>
-            <a:lvl2pPr indent="-298450" lvl="1" marL="914400">
+            <a:lvl2pPr marL="914400" lvl="1" indent="-298450">
               <a:spcBef>
                 <a:spcPts val="0"/>
               </a:spcBef>
@@ -4039,7 +4099,7 @@
               <a:buChar char="○"/>
               <a:defRPr/>
             </a:lvl2pPr>
-            <a:lvl3pPr indent="-298450" lvl="2" marL="1371600">
+            <a:lvl3pPr marL="1371600" lvl="2" indent="-298450">
               <a:spcBef>
                 <a:spcPts val="0"/>
               </a:spcBef>
@@ -4050,7 +4110,7 @@
               <a:buChar char="■"/>
               <a:defRPr/>
             </a:lvl3pPr>
-            <a:lvl4pPr indent="-298450" lvl="3" marL="1828800">
+            <a:lvl4pPr marL="1828800" lvl="3" indent="-298450">
               <a:spcBef>
                 <a:spcPts val="0"/>
               </a:spcBef>
@@ -4061,7 +4121,7 @@
               <a:buChar char="●"/>
               <a:defRPr/>
             </a:lvl4pPr>
-            <a:lvl5pPr indent="-298450" lvl="4" marL="2286000">
+            <a:lvl5pPr marL="2286000" lvl="4" indent="-298450">
               <a:spcBef>
                 <a:spcPts val="0"/>
               </a:spcBef>
@@ -4072,7 +4132,7 @@
               <a:buChar char="○"/>
               <a:defRPr/>
             </a:lvl5pPr>
-            <a:lvl6pPr indent="-298450" lvl="5" marL="2743200">
+            <a:lvl6pPr marL="2743200" lvl="5" indent="-298450">
               <a:spcBef>
                 <a:spcPts val="0"/>
               </a:spcBef>
@@ -4083,7 +4143,7 @@
               <a:buChar char="■"/>
               <a:defRPr/>
             </a:lvl6pPr>
-            <a:lvl7pPr indent="-298450" lvl="6" marL="3200400">
+            <a:lvl7pPr marL="3200400" lvl="6" indent="-298450">
               <a:spcBef>
                 <a:spcPts val="0"/>
               </a:spcBef>
@@ -4094,7 +4154,7 @@
               <a:buChar char="●"/>
               <a:defRPr/>
             </a:lvl7pPr>
-            <a:lvl8pPr indent="-298450" lvl="7" marL="3657600">
+            <a:lvl8pPr marL="3657600" lvl="7" indent="-298450">
               <a:spcBef>
                 <a:spcPts val="0"/>
               </a:spcBef>
@@ -4105,7 +4165,7 @@
               <a:buChar char="○"/>
               <a:defRPr/>
             </a:lvl8pPr>
-            <a:lvl9pPr indent="-298450" lvl="8" marL="4114800">
+            <a:lvl9pPr marL="4114800" lvl="8" indent="-298450">
               <a:spcBef>
                 <a:spcPts val="0"/>
               </a:spcBef>
@@ -4117,15 +4177,19 @@
               <a:defRPr/>
             </a:lvl9pPr>
           </a:lstStyle>
-          <a:p/>
+          <a:p>
+            <a:endParaRPr/>
+          </a:p>
         </p:txBody>
       </p:sp>
       <p:sp>
         <p:nvSpPr>
           <p:cNvPr id="127" name="Google Shape;127;p11"/>
-          <p:cNvSpPr txBox="1"/>
+          <p:cNvSpPr txBox="1">
+            <a:spLocks noGrp="1"/>
+          </p:cNvSpPr>
           <p:nvPr>
-            <p:ph idx="12" type="sldNum"/>
+            <p:ph type="sldNum" idx="12"/>
           </p:nvPr>
         </p:nvSpPr>
         <p:spPr>
@@ -4138,7 +4202,7 @@
           </a:prstGeom>
         </p:spPr>
         <p:txBody>
-          <a:bodyPr anchorCtr="0" anchor="ctr" bIns="91425" lIns="91425" spcFirstLastPara="1" rIns="91425" wrap="square" tIns="91425">
+          <a:bodyPr spcFirstLastPara="1" wrap="square" lIns="91425" tIns="91425" rIns="91425" bIns="91425" anchor="ctr" anchorCtr="0">
             <a:normAutofit/>
           </a:bodyPr>
           <a:lstStyle>
@@ -4180,7 +4244,7 @@
             </a:lvl9pPr>
           </a:lstStyle>
           <a:p>
-            <a:pPr indent="0" lvl="0" marL="0" rtl="0" algn="r">
+            <a:pPr marL="0" lvl="0" indent="0" algn="r" rtl="0">
               <a:spcBef>
                 <a:spcPts val="0"/>
               </a:spcBef>
@@ -4206,11 +4270,11 @@
 </file>
 
 <file path=ppt/slideLayouts/slideLayout11.xml><?xml version="1.0" encoding="utf-8"?>
-<p:sldLayout xmlns:a="http://schemas.openxmlformats.org/drawingml/2006/main" xmlns:r="http://schemas.openxmlformats.org/officeDocument/2006/relationships" xmlns:mc="http://schemas.openxmlformats.org/markup-compatibility/2006" xmlns:mv="urn:schemas-microsoft-com:mac:vml" xmlns:p="http://schemas.openxmlformats.org/presentationml/2006/main" xmlns:c="http://schemas.openxmlformats.org/drawingml/2006/chart" xmlns:dgm="http://schemas.openxmlformats.org/drawingml/2006/diagram" xmlns:o="urn:schemas-microsoft-com:office:office" xmlns:v="urn:schemas-microsoft-com:vml" xmlns:pvml="urn:schemas-microsoft-com:office:powerpoint" xmlns:com="http://schemas.openxmlformats.org/drawingml/2006/compatibility" xmlns:p14="http://schemas.microsoft.com/office/powerpoint/2010/main" xmlns:p15="http://schemas.microsoft.com/office/powerpoint/2012/main" xmlns:ahyp="http://schemas.microsoft.com/office/drawing/2018/hyperlinkcolor" matchingName="Blank" type="blank">
+<p:sldLayout xmlns:a="http://schemas.openxmlformats.org/drawingml/2006/main" xmlns:r="http://schemas.openxmlformats.org/officeDocument/2006/relationships" xmlns:p="http://schemas.openxmlformats.org/presentationml/2006/main" matchingName="Blank" type="blank">
   <p:cSld name="BLANK">
     <p:spTree>
       <p:nvGrpSpPr>
-        <p:cNvPr id="128" name="Shape 128"/>
+        <p:cNvPr id="1" name="Shape 128"/>
         <p:cNvGrpSpPr/>
         <p:nvPr/>
       </p:nvGrpSpPr>
@@ -4225,9 +4289,11 @@
       <p:sp>
         <p:nvSpPr>
           <p:cNvPr id="129" name="Google Shape;129;p12"/>
-          <p:cNvSpPr txBox="1"/>
+          <p:cNvSpPr txBox="1">
+            <a:spLocks noGrp="1"/>
+          </p:cNvSpPr>
           <p:nvPr>
-            <p:ph idx="12" type="sldNum"/>
+            <p:ph type="sldNum" idx="12"/>
           </p:nvPr>
         </p:nvSpPr>
         <p:spPr>
@@ -4240,7 +4306,7 @@
           </a:prstGeom>
         </p:spPr>
         <p:txBody>
-          <a:bodyPr anchorCtr="0" anchor="ctr" bIns="91425" lIns="91425" spcFirstLastPara="1" rIns="91425" wrap="square" tIns="91425">
+          <a:bodyPr spcFirstLastPara="1" wrap="square" lIns="91425" tIns="91425" rIns="91425" bIns="91425" anchor="ctr" anchorCtr="0">
             <a:normAutofit/>
           </a:bodyPr>
           <a:lstStyle>
@@ -4282,7 +4348,7 @@
             </a:lvl9pPr>
           </a:lstStyle>
           <a:p>
-            <a:pPr indent="0" lvl="0" marL="0" rtl="0" algn="r">
+            <a:pPr marL="0" lvl="0" indent="0" algn="r" rtl="0">
               <a:spcBef>
                 <a:spcPts val="0"/>
               </a:spcBef>
@@ -4308,11 +4374,11 @@
 </file>
 
 <file path=ppt/slideLayouts/slideLayout2.xml><?xml version="1.0" encoding="utf-8"?>
-<p:sldLayout xmlns:a="http://schemas.openxmlformats.org/drawingml/2006/main" xmlns:r="http://schemas.openxmlformats.org/officeDocument/2006/relationships" xmlns:mc="http://schemas.openxmlformats.org/markup-compatibility/2006" xmlns:mv="urn:schemas-microsoft-com:mac:vml" xmlns:p="http://schemas.openxmlformats.org/presentationml/2006/main" xmlns:c="http://schemas.openxmlformats.org/drawingml/2006/chart" xmlns:dgm="http://schemas.openxmlformats.org/drawingml/2006/diagram" xmlns:o="urn:schemas-microsoft-com:office:office" xmlns:v="urn:schemas-microsoft-com:vml" xmlns:pvml="urn:schemas-microsoft-com:office:powerpoint" xmlns:com="http://schemas.openxmlformats.org/drawingml/2006/compatibility" xmlns:p14="http://schemas.microsoft.com/office/powerpoint/2010/main" xmlns:p15="http://schemas.microsoft.com/office/powerpoint/2012/main" xmlns:ahyp="http://schemas.microsoft.com/office/drawing/2018/hyperlinkcolor" matchingName="Section header" type="secHead">
+<p:sldLayout xmlns:a="http://schemas.openxmlformats.org/drawingml/2006/main" xmlns:r="http://schemas.openxmlformats.org/officeDocument/2006/relationships" xmlns:p="http://schemas.openxmlformats.org/presentationml/2006/main" matchingName="Section header" type="secHead">
   <p:cSld name="SECTION_HEADER">
     <p:spTree>
       <p:nvGrpSpPr>
-        <p:cNvPr id="19" name="Shape 19"/>
+        <p:cNvPr id="1" name="Shape 19"/>
         <p:cNvGrpSpPr/>
         <p:nvPr/>
       </p:nvGrpSpPr>
@@ -4351,7 +4417,7 @@
             </a:xfrm>
             <a:prstGeom prst="diagStripe">
               <a:avLst>
-                <a:gd fmla="val 49469" name="adj"/>
+                <a:gd name="adj" fmla="val 49469"/>
               </a:avLst>
             </a:prstGeom>
             <a:solidFill>
@@ -4364,12 +4430,12 @@
             </a:ln>
           </p:spPr>
           <p:txBody>
-            <a:bodyPr anchorCtr="0" anchor="ctr" bIns="91425" lIns="91425" spcFirstLastPara="1" rIns="91425" wrap="square" tIns="91425">
+            <a:bodyPr spcFirstLastPara="1" wrap="square" lIns="91425" tIns="91425" rIns="91425" bIns="91425" anchor="ctr" anchorCtr="0">
               <a:noAutofit/>
             </a:bodyPr>
             <a:lstStyle/>
             <a:p>
-              <a:pPr indent="0" lvl="0" marL="0" rtl="0" algn="l">
+              <a:pPr marL="0" lvl="0" indent="0" algn="l" rtl="0">
                 <a:spcBef>
                   <a:spcPts val="0"/>
                 </a:spcBef>
@@ -4378,9 +4444,6 @@
                 </a:spcAft>
                 <a:buNone/>
               </a:pPr>
-              <a:r>
-                <a:t/>
-              </a:r>
               <a:endParaRPr/>
             </a:p>
           </p:txBody>
@@ -4398,7 +4461,7 @@
             </a:xfrm>
             <a:prstGeom prst="diagStripe">
               <a:avLst>
-                <a:gd fmla="val 0" name="adj"/>
+                <a:gd name="adj" fmla="val 0"/>
               </a:avLst>
             </a:prstGeom>
             <a:solidFill>
@@ -4411,12 +4474,12 @@
             </a:ln>
           </p:spPr>
           <p:txBody>
-            <a:bodyPr anchorCtr="0" anchor="ctr" bIns="91425" lIns="91425" spcFirstLastPara="1" rIns="91425" wrap="square" tIns="91425">
+            <a:bodyPr spcFirstLastPara="1" wrap="square" lIns="91425" tIns="91425" rIns="91425" bIns="91425" anchor="ctr" anchorCtr="0">
               <a:noAutofit/>
             </a:bodyPr>
             <a:lstStyle/>
             <a:p>
-              <a:pPr indent="0" lvl="0" marL="0" rtl="0" algn="l">
+              <a:pPr marL="0" lvl="0" indent="0" algn="l" rtl="0">
                 <a:spcBef>
                   <a:spcPts val="0"/>
                 </a:spcBef>
@@ -4425,9 +4488,6 @@
                 </a:spcAft>
                 <a:buNone/>
               </a:pPr>
-              <a:r>
-                <a:t/>
-              </a:r>
               <a:endParaRPr/>
             </a:p>
           </p:txBody>
@@ -4445,7 +4505,7 @@
             </a:xfrm>
             <a:prstGeom prst="diagStripe">
               <a:avLst>
-                <a:gd fmla="val 50000" name="adj"/>
+                <a:gd name="adj" fmla="val 50000"/>
               </a:avLst>
             </a:prstGeom>
             <a:solidFill>
@@ -4458,12 +4518,12 @@
             </a:ln>
           </p:spPr>
           <p:txBody>
-            <a:bodyPr anchorCtr="0" anchor="ctr" bIns="91425" lIns="91425" spcFirstLastPara="1" rIns="91425" wrap="square" tIns="91425">
+            <a:bodyPr spcFirstLastPara="1" wrap="square" lIns="91425" tIns="91425" rIns="91425" bIns="91425" anchor="ctr" anchorCtr="0">
               <a:noAutofit/>
             </a:bodyPr>
             <a:lstStyle/>
             <a:p>
-              <a:pPr indent="0" lvl="0" marL="0" rtl="0" algn="l">
+              <a:pPr marL="0" lvl="0" indent="0" algn="l" rtl="0">
                 <a:spcBef>
                   <a:spcPts val="0"/>
                 </a:spcBef>
@@ -4472,9 +4532,6 @@
                 </a:spcAft>
                 <a:buNone/>
               </a:pPr>
-              <a:r>
-                <a:t/>
-              </a:r>
               <a:endParaRPr/>
             </a:p>
           </p:txBody>
@@ -4492,7 +4549,7 @@
             </a:xfrm>
             <a:prstGeom prst="diagStripe">
               <a:avLst>
-                <a:gd fmla="val 50000" name="adj"/>
+                <a:gd name="adj" fmla="val 50000"/>
               </a:avLst>
             </a:prstGeom>
             <a:solidFill>
@@ -4505,12 +4562,12 @@
             </a:ln>
           </p:spPr>
           <p:txBody>
-            <a:bodyPr anchorCtr="0" anchor="ctr" bIns="91425" lIns="91425" spcFirstLastPara="1" rIns="91425" wrap="square" tIns="91425">
+            <a:bodyPr spcFirstLastPara="1" wrap="square" lIns="91425" tIns="91425" rIns="91425" bIns="91425" anchor="ctr" anchorCtr="0">
               <a:noAutofit/>
             </a:bodyPr>
             <a:lstStyle/>
             <a:p>
-              <a:pPr indent="0" lvl="0" marL="0" rtl="0" algn="l">
+              <a:pPr marL="0" lvl="0" indent="0" algn="l" rtl="0">
                 <a:spcBef>
                   <a:spcPts val="0"/>
                 </a:spcBef>
@@ -4519,9 +4576,6 @@
                 </a:spcAft>
                 <a:buNone/>
               </a:pPr>
-              <a:r>
-                <a:t/>
-              </a:r>
               <a:endParaRPr/>
             </a:p>
           </p:txBody>
@@ -4539,7 +4593,7 @@
             </a:xfrm>
             <a:prstGeom prst="diagStripe">
               <a:avLst>
-                <a:gd fmla="val 50000" name="adj"/>
+                <a:gd name="adj" fmla="val 50000"/>
               </a:avLst>
             </a:prstGeom>
             <a:solidFill>
@@ -4552,12 +4606,12 @@
             </a:ln>
           </p:spPr>
           <p:txBody>
-            <a:bodyPr anchorCtr="0" anchor="ctr" bIns="91425" lIns="91425" spcFirstLastPara="1" rIns="91425" wrap="square" tIns="91425">
+            <a:bodyPr spcFirstLastPara="1" wrap="square" lIns="91425" tIns="91425" rIns="91425" bIns="91425" anchor="ctr" anchorCtr="0">
               <a:noAutofit/>
             </a:bodyPr>
             <a:lstStyle/>
             <a:p>
-              <a:pPr indent="0" lvl="0" marL="0" rtl="0" algn="l">
+              <a:pPr marL="0" lvl="0" indent="0" algn="l" rtl="0">
                 <a:spcBef>
                   <a:spcPts val="0"/>
                 </a:spcBef>
@@ -4566,9 +4620,6 @@
                 </a:spcAft>
                 <a:buNone/>
               </a:pPr>
-              <a:r>
-                <a:t/>
-              </a:r>
               <a:endParaRPr/>
             </a:p>
           </p:txBody>
@@ -4586,7 +4637,7 @@
             </a:xfrm>
             <a:prstGeom prst="diagStripe">
               <a:avLst>
-                <a:gd fmla="val 50000" name="adj"/>
+                <a:gd name="adj" fmla="val 50000"/>
               </a:avLst>
             </a:prstGeom>
             <a:solidFill>
@@ -4599,12 +4650,12 @@
             </a:ln>
           </p:spPr>
           <p:txBody>
-            <a:bodyPr anchorCtr="0" anchor="ctr" bIns="91425" lIns="91425" spcFirstLastPara="1" rIns="91425" wrap="square" tIns="91425">
+            <a:bodyPr spcFirstLastPara="1" wrap="square" lIns="91425" tIns="91425" rIns="91425" bIns="91425" anchor="ctr" anchorCtr="0">
               <a:noAutofit/>
             </a:bodyPr>
             <a:lstStyle/>
             <a:p>
-              <a:pPr indent="0" lvl="0" marL="0" rtl="0" algn="l">
+              <a:pPr marL="0" lvl="0" indent="0" algn="l" rtl="0">
                 <a:spcBef>
                   <a:spcPts val="0"/>
                 </a:spcBef>
@@ -4613,9 +4664,6 @@
                 </a:spcAft>
                 <a:buNone/>
               </a:pPr>
-              <a:r>
-                <a:t/>
-              </a:r>
               <a:endParaRPr/>
             </a:p>
           </p:txBody>
@@ -4633,7 +4681,7 @@
             </a:xfrm>
             <a:prstGeom prst="diagStripe">
               <a:avLst>
-                <a:gd fmla="val 50000" name="adj"/>
+                <a:gd name="adj" fmla="val 50000"/>
               </a:avLst>
             </a:prstGeom>
             <a:solidFill>
@@ -4646,12 +4694,12 @@
             </a:ln>
           </p:spPr>
           <p:txBody>
-            <a:bodyPr anchorCtr="0" anchor="ctr" bIns="91425" lIns="91425" spcFirstLastPara="1" rIns="91425" wrap="square" tIns="91425">
+            <a:bodyPr spcFirstLastPara="1" wrap="square" lIns="91425" tIns="91425" rIns="91425" bIns="91425" anchor="ctr" anchorCtr="0">
               <a:noAutofit/>
             </a:bodyPr>
             <a:lstStyle/>
             <a:p>
-              <a:pPr indent="0" lvl="0" marL="0" rtl="0" algn="l">
+              <a:pPr marL="0" lvl="0" indent="0" algn="l" rtl="0">
                 <a:spcBef>
                   <a:spcPts val="0"/>
                 </a:spcBef>
@@ -4660,9 +4708,6 @@
                 </a:spcAft>
                 <a:buNone/>
               </a:pPr>
-              <a:r>
-                <a:t/>
-              </a:r>
               <a:endParaRPr/>
             </a:p>
           </p:txBody>
@@ -4680,7 +4725,7 @@
             </a:xfrm>
             <a:prstGeom prst="diagStripe">
               <a:avLst>
-                <a:gd fmla="val 50000" name="adj"/>
+                <a:gd name="adj" fmla="val 50000"/>
               </a:avLst>
             </a:prstGeom>
             <a:solidFill>
@@ -4691,12 +4736,12 @@
             </a:ln>
           </p:spPr>
           <p:txBody>
-            <a:bodyPr anchorCtr="0" anchor="ctr" bIns="91425" lIns="91425" spcFirstLastPara="1" rIns="91425" wrap="square" tIns="91425">
+            <a:bodyPr spcFirstLastPara="1" wrap="square" lIns="91425" tIns="91425" rIns="91425" bIns="91425" anchor="ctr" anchorCtr="0">
               <a:noAutofit/>
             </a:bodyPr>
             <a:lstStyle/>
             <a:p>
-              <a:pPr indent="0" lvl="0" marL="0" rtl="0" algn="l">
+              <a:pPr marL="0" lvl="0" indent="0" algn="l" rtl="0">
                 <a:spcBef>
                   <a:spcPts val="0"/>
                 </a:spcBef>
@@ -4705,9 +4750,6 @@
                 </a:spcAft>
                 <a:buNone/>
               </a:pPr>
-              <a:r>
-                <a:t/>
-              </a:r>
               <a:endParaRPr/>
             </a:p>
           </p:txBody>
@@ -4725,7 +4767,7 @@
             </a:xfrm>
             <a:prstGeom prst="diagStripe">
               <a:avLst>
-                <a:gd fmla="val 50000" name="adj"/>
+                <a:gd name="adj" fmla="val 50000"/>
               </a:avLst>
             </a:prstGeom>
             <a:solidFill>
@@ -4738,12 +4780,12 @@
             </a:ln>
           </p:spPr>
           <p:txBody>
-            <a:bodyPr anchorCtr="0" anchor="ctr" bIns="91425" lIns="91425" spcFirstLastPara="1" rIns="91425" wrap="square" tIns="91425">
+            <a:bodyPr spcFirstLastPara="1" wrap="square" lIns="91425" tIns="91425" rIns="91425" bIns="91425" anchor="ctr" anchorCtr="0">
               <a:noAutofit/>
             </a:bodyPr>
             <a:lstStyle/>
             <a:p>
-              <a:pPr indent="0" lvl="0" marL="0" rtl="0" algn="l">
+              <a:pPr marL="0" lvl="0" indent="0" algn="l" rtl="0">
                 <a:spcBef>
                   <a:spcPts val="0"/>
                 </a:spcBef>
@@ -4752,9 +4794,6 @@
                 </a:spcAft>
                 <a:buNone/>
               </a:pPr>
-              <a:r>
-                <a:t/>
-              </a:r>
               <a:endParaRPr/>
             </a:p>
           </p:txBody>
@@ -4772,7 +4811,7 @@
             </a:xfrm>
             <a:prstGeom prst="diagStripe">
               <a:avLst>
-                <a:gd fmla="val 50000" name="adj"/>
+                <a:gd name="adj" fmla="val 50000"/>
               </a:avLst>
             </a:prstGeom>
             <a:solidFill>
@@ -4785,12 +4824,12 @@
             </a:ln>
           </p:spPr>
           <p:txBody>
-            <a:bodyPr anchorCtr="0" anchor="ctr" bIns="91425" lIns="91425" spcFirstLastPara="1" rIns="91425" wrap="square" tIns="91425">
+            <a:bodyPr spcFirstLastPara="1" wrap="square" lIns="91425" tIns="91425" rIns="91425" bIns="91425" anchor="ctr" anchorCtr="0">
               <a:noAutofit/>
             </a:bodyPr>
             <a:lstStyle/>
             <a:p>
-              <a:pPr indent="0" lvl="0" marL="0" rtl="0" algn="l">
+              <a:pPr marL="0" lvl="0" indent="0" algn="l" rtl="0">
                 <a:spcBef>
                   <a:spcPts val="0"/>
                 </a:spcBef>
@@ -4799,9 +4838,6 @@
                 </a:spcAft>
                 <a:buNone/>
               </a:pPr>
-              <a:r>
-                <a:t/>
-              </a:r>
               <a:endParaRPr/>
             </a:p>
           </p:txBody>
@@ -4819,7 +4855,7 @@
             </a:xfrm>
             <a:prstGeom prst="diagStripe">
               <a:avLst>
-                <a:gd fmla="val 50000" name="adj"/>
+                <a:gd name="adj" fmla="val 50000"/>
               </a:avLst>
             </a:prstGeom>
             <a:solidFill>
@@ -4832,12 +4868,12 @@
             </a:ln>
           </p:spPr>
           <p:txBody>
-            <a:bodyPr anchorCtr="0" anchor="ctr" bIns="91425" lIns="91425" spcFirstLastPara="1" rIns="91425" wrap="square" tIns="91425">
+            <a:bodyPr spcFirstLastPara="1" wrap="square" lIns="91425" tIns="91425" rIns="91425" bIns="91425" anchor="ctr" anchorCtr="0">
               <a:noAutofit/>
             </a:bodyPr>
             <a:lstStyle/>
             <a:p>
-              <a:pPr indent="0" lvl="0" marL="0" rtl="0" algn="l">
+              <a:pPr marL="0" lvl="0" indent="0" algn="l" rtl="0">
                 <a:spcBef>
                   <a:spcPts val="0"/>
                 </a:spcBef>
@@ -4846,9 +4882,6 @@
                 </a:spcAft>
                 <a:buNone/>
               </a:pPr>
-              <a:r>
-                <a:t/>
-              </a:r>
               <a:endParaRPr/>
             </a:p>
           </p:txBody>
@@ -4866,7 +4899,7 @@
             </a:xfrm>
             <a:prstGeom prst="diagStripe">
               <a:avLst>
-                <a:gd fmla="val 50000" name="adj"/>
+                <a:gd name="adj" fmla="val 50000"/>
               </a:avLst>
             </a:prstGeom>
             <a:solidFill>
@@ -4879,12 +4912,12 @@
             </a:ln>
           </p:spPr>
           <p:txBody>
-            <a:bodyPr anchorCtr="0" anchor="ctr" bIns="91425" lIns="91425" spcFirstLastPara="1" rIns="91425" wrap="square" tIns="91425">
+            <a:bodyPr spcFirstLastPara="1" wrap="square" lIns="91425" tIns="91425" rIns="91425" bIns="91425" anchor="ctr" anchorCtr="0">
               <a:noAutofit/>
             </a:bodyPr>
             <a:lstStyle/>
             <a:p>
-              <a:pPr indent="0" lvl="0" marL="0" rtl="0" algn="l">
+              <a:pPr marL="0" lvl="0" indent="0" algn="l" rtl="0">
                 <a:spcBef>
                   <a:spcPts val="0"/>
                 </a:spcBef>
@@ -4893,9 +4926,6 @@
                 </a:spcAft>
                 <a:buNone/>
               </a:pPr>
-              <a:r>
-                <a:t/>
-              </a:r>
               <a:endParaRPr/>
             </a:p>
           </p:txBody>
@@ -4913,7 +4943,7 @@
             </a:xfrm>
             <a:prstGeom prst="diagStripe">
               <a:avLst>
-                <a:gd fmla="val 50000" name="adj"/>
+                <a:gd name="adj" fmla="val 50000"/>
               </a:avLst>
             </a:prstGeom>
             <a:solidFill>
@@ -4926,12 +4956,12 @@
             </a:ln>
           </p:spPr>
           <p:txBody>
-            <a:bodyPr anchorCtr="0" anchor="ctr" bIns="91425" lIns="91425" spcFirstLastPara="1" rIns="91425" wrap="square" tIns="91425">
+            <a:bodyPr spcFirstLastPara="1" wrap="square" lIns="91425" tIns="91425" rIns="91425" bIns="91425" anchor="ctr" anchorCtr="0">
               <a:noAutofit/>
             </a:bodyPr>
             <a:lstStyle/>
             <a:p>
-              <a:pPr indent="0" lvl="0" marL="0" rtl="0" algn="l">
+              <a:pPr marL="0" lvl="0" indent="0" algn="l" rtl="0">
                 <a:spcBef>
                   <a:spcPts val="0"/>
                 </a:spcBef>
@@ -4940,9 +4970,6 @@
                 </a:spcAft>
                 <a:buNone/>
               </a:pPr>
-              <a:r>
-                <a:t/>
-              </a:r>
               <a:endParaRPr/>
             </a:p>
           </p:txBody>
@@ -4960,7 +4987,7 @@
             </a:xfrm>
             <a:prstGeom prst="diagStripe">
               <a:avLst>
-                <a:gd fmla="val 50000" name="adj"/>
+                <a:gd name="adj" fmla="val 50000"/>
               </a:avLst>
             </a:prstGeom>
             <a:solidFill>
@@ -4971,12 +4998,12 @@
             </a:ln>
           </p:spPr>
           <p:txBody>
-            <a:bodyPr anchorCtr="0" anchor="ctr" bIns="91425" lIns="91425" spcFirstLastPara="1" rIns="91425" wrap="square" tIns="91425">
+            <a:bodyPr spcFirstLastPara="1" wrap="square" lIns="91425" tIns="91425" rIns="91425" bIns="91425" anchor="ctr" anchorCtr="0">
               <a:noAutofit/>
             </a:bodyPr>
             <a:lstStyle/>
             <a:p>
-              <a:pPr indent="0" lvl="0" marL="0" rtl="0" algn="l">
+              <a:pPr marL="0" lvl="0" indent="0" algn="l" rtl="0">
                 <a:spcBef>
                   <a:spcPts val="0"/>
                 </a:spcBef>
@@ -4985,9 +5012,6 @@
                 </a:spcAft>
                 <a:buNone/>
               </a:pPr>
-              <a:r>
-                <a:t/>
-              </a:r>
               <a:endParaRPr/>
             </a:p>
           </p:txBody>
@@ -5005,7 +5029,7 @@
             </a:xfrm>
             <a:prstGeom prst="diagStripe">
               <a:avLst>
-                <a:gd fmla="val 50000" name="adj"/>
+                <a:gd name="adj" fmla="val 50000"/>
               </a:avLst>
             </a:prstGeom>
             <a:solidFill>
@@ -5018,12 +5042,12 @@
             </a:ln>
           </p:spPr>
           <p:txBody>
-            <a:bodyPr anchorCtr="0" anchor="ctr" bIns="91425" lIns="91425" spcFirstLastPara="1" rIns="91425" wrap="square" tIns="91425">
+            <a:bodyPr spcFirstLastPara="1" wrap="square" lIns="91425" tIns="91425" rIns="91425" bIns="91425" anchor="ctr" anchorCtr="0">
               <a:noAutofit/>
             </a:bodyPr>
             <a:lstStyle/>
             <a:p>
-              <a:pPr indent="0" lvl="0" marL="0" rtl="0" algn="l">
+              <a:pPr marL="0" lvl="0" indent="0" algn="l" rtl="0">
                 <a:spcBef>
                   <a:spcPts val="0"/>
                 </a:spcBef>
@@ -5032,9 +5056,6 @@
                 </a:spcAft>
                 <a:buNone/>
               </a:pPr>
-              <a:r>
-                <a:t/>
-              </a:r>
               <a:endParaRPr/>
             </a:p>
           </p:txBody>
@@ -5052,7 +5073,7 @@
             </a:xfrm>
             <a:prstGeom prst="diagStripe">
               <a:avLst>
-                <a:gd fmla="val 50000" name="adj"/>
+                <a:gd name="adj" fmla="val 50000"/>
               </a:avLst>
             </a:prstGeom>
             <a:solidFill>
@@ -5065,12 +5086,12 @@
             </a:ln>
           </p:spPr>
           <p:txBody>
-            <a:bodyPr anchorCtr="0" anchor="ctr" bIns="91425" lIns="91425" spcFirstLastPara="1" rIns="91425" wrap="square" tIns="91425">
+            <a:bodyPr spcFirstLastPara="1" wrap="square" lIns="91425" tIns="91425" rIns="91425" bIns="91425" anchor="ctr" anchorCtr="0">
               <a:noAutofit/>
             </a:bodyPr>
             <a:lstStyle/>
             <a:p>
-              <a:pPr indent="0" lvl="0" marL="0" rtl="0" algn="l">
+              <a:pPr marL="0" lvl="0" indent="0" algn="l" rtl="0">
                 <a:spcBef>
                   <a:spcPts val="0"/>
                 </a:spcBef>
@@ -5079,9 +5100,6 @@
                 </a:spcAft>
                 <a:buNone/>
               </a:pPr>
-              <a:r>
-                <a:t/>
-              </a:r>
               <a:endParaRPr/>
             </a:p>
           </p:txBody>
@@ -5099,7 +5117,7 @@
             </a:xfrm>
             <a:prstGeom prst="diagStripe">
               <a:avLst>
-                <a:gd fmla="val 50000" name="adj"/>
+                <a:gd name="adj" fmla="val 50000"/>
               </a:avLst>
             </a:prstGeom>
             <a:solidFill>
@@ -5112,12 +5130,12 @@
             </a:ln>
           </p:spPr>
           <p:txBody>
-            <a:bodyPr anchorCtr="0" anchor="ctr" bIns="91425" lIns="91425" spcFirstLastPara="1" rIns="91425" wrap="square" tIns="91425">
+            <a:bodyPr spcFirstLastPara="1" wrap="square" lIns="91425" tIns="91425" rIns="91425" bIns="91425" anchor="ctr" anchorCtr="0">
               <a:noAutofit/>
             </a:bodyPr>
             <a:lstStyle/>
             <a:p>
-              <a:pPr indent="0" lvl="0" marL="0" rtl="0" algn="l">
+              <a:pPr marL="0" lvl="0" indent="0" algn="l" rtl="0">
                 <a:spcBef>
                   <a:spcPts val="0"/>
                 </a:spcBef>
@@ -5126,9 +5144,6 @@
                 </a:spcAft>
                 <a:buNone/>
               </a:pPr>
-              <a:r>
-                <a:t/>
-              </a:r>
               <a:endParaRPr/>
             </a:p>
           </p:txBody>
@@ -5146,7 +5161,7 @@
             </a:xfrm>
             <a:prstGeom prst="diagStripe">
               <a:avLst>
-                <a:gd fmla="val 50000" name="adj"/>
+                <a:gd name="adj" fmla="val 50000"/>
               </a:avLst>
             </a:prstGeom>
             <a:solidFill>
@@ -5159,12 +5174,12 @@
             </a:ln>
           </p:spPr>
           <p:txBody>
-            <a:bodyPr anchorCtr="0" anchor="ctr" bIns="91425" lIns="91425" spcFirstLastPara="1" rIns="91425" wrap="square" tIns="91425">
+            <a:bodyPr spcFirstLastPara="1" wrap="square" lIns="91425" tIns="91425" rIns="91425" bIns="91425" anchor="ctr" anchorCtr="0">
               <a:noAutofit/>
             </a:bodyPr>
             <a:lstStyle/>
             <a:p>
-              <a:pPr indent="0" lvl="0" marL="0" rtl="0" algn="l">
+              <a:pPr marL="0" lvl="0" indent="0" algn="l" rtl="0">
                 <a:spcBef>
                   <a:spcPts val="0"/>
                 </a:spcBef>
@@ -5173,9 +5188,6 @@
                 </a:spcAft>
                 <a:buNone/>
               </a:pPr>
-              <a:r>
-                <a:t/>
-              </a:r>
               <a:endParaRPr/>
             </a:p>
           </p:txBody>
@@ -5184,7 +5196,9 @@
       <p:sp>
         <p:nvSpPr>
           <p:cNvPr id="39" name="Google Shape;39;p3"/>
-          <p:cNvSpPr txBox="1"/>
+          <p:cNvSpPr txBox="1">
+            <a:spLocks noGrp="1"/>
+          </p:cNvSpPr>
           <p:nvPr>
             <p:ph type="title"/>
           </p:nvPr>
@@ -5199,7 +5213,7 @@
           </a:prstGeom>
         </p:spPr>
         <p:txBody>
-          <a:bodyPr anchorCtr="0" anchor="ctr" bIns="91425" lIns="91425" spcFirstLastPara="1" rIns="91425" wrap="square" tIns="91425">
+          <a:bodyPr spcFirstLastPara="1" wrap="square" lIns="91425" tIns="91425" rIns="91425" bIns="91425" anchor="ctr" anchorCtr="0">
             <a:normAutofit/>
           </a:bodyPr>
           <a:lstStyle>
@@ -5303,15 +5317,19 @@
               <a:defRPr/>
             </a:lvl9pPr>
           </a:lstStyle>
-          <a:p/>
+          <a:p>
+            <a:endParaRPr/>
+          </a:p>
         </p:txBody>
       </p:sp>
       <p:sp>
         <p:nvSpPr>
           <p:cNvPr id="40" name="Google Shape;40;p3"/>
-          <p:cNvSpPr txBox="1"/>
+          <p:cNvSpPr txBox="1">
+            <a:spLocks noGrp="1"/>
+          </p:cNvSpPr>
           <p:nvPr>
-            <p:ph idx="12" type="sldNum"/>
+            <p:ph type="sldNum" idx="12"/>
           </p:nvPr>
         </p:nvSpPr>
         <p:spPr>
@@ -5324,7 +5342,7 @@
           </a:prstGeom>
         </p:spPr>
         <p:txBody>
-          <a:bodyPr anchorCtr="0" anchor="ctr" bIns="91425" lIns="91425" spcFirstLastPara="1" rIns="91425" wrap="square" tIns="91425">
+          <a:bodyPr spcFirstLastPara="1" wrap="square" lIns="91425" tIns="91425" rIns="91425" bIns="91425" anchor="ctr" anchorCtr="0">
             <a:normAutofit/>
           </a:bodyPr>
           <a:lstStyle>
@@ -5366,7 +5384,7 @@
             </a:lvl9pPr>
           </a:lstStyle>
           <a:p>
-            <a:pPr indent="0" lvl="0" marL="0" rtl="0" algn="r">
+            <a:pPr marL="0" lvl="0" indent="0" algn="r" rtl="0">
               <a:spcBef>
                 <a:spcPts val="0"/>
               </a:spcBef>
@@ -5392,11 +5410,11 @@
 </file>
 
 <file path=ppt/slideLayouts/slideLayout3.xml><?xml version="1.0" encoding="utf-8"?>
-<p:sldLayout xmlns:a="http://schemas.openxmlformats.org/drawingml/2006/main" xmlns:r="http://schemas.openxmlformats.org/officeDocument/2006/relationships" xmlns:mc="http://schemas.openxmlformats.org/markup-compatibility/2006" xmlns:mv="urn:schemas-microsoft-com:mac:vml" xmlns:p="http://schemas.openxmlformats.org/presentationml/2006/main" xmlns:c="http://schemas.openxmlformats.org/drawingml/2006/chart" xmlns:dgm="http://schemas.openxmlformats.org/drawingml/2006/diagram" xmlns:o="urn:schemas-microsoft-com:office:office" xmlns:v="urn:schemas-microsoft-com:vml" xmlns:pvml="urn:schemas-microsoft-com:office:powerpoint" xmlns:com="http://schemas.openxmlformats.org/drawingml/2006/compatibility" xmlns:p14="http://schemas.microsoft.com/office/powerpoint/2010/main" xmlns:p15="http://schemas.microsoft.com/office/powerpoint/2012/main" xmlns:ahyp="http://schemas.microsoft.com/office/drawing/2018/hyperlinkcolor" matchingName="Title and body" type="tx">
+<p:sldLayout xmlns:a="http://schemas.openxmlformats.org/drawingml/2006/main" xmlns:r="http://schemas.openxmlformats.org/officeDocument/2006/relationships" xmlns:p="http://schemas.openxmlformats.org/presentationml/2006/main" matchingName="Title and body" type="tx">
   <p:cSld name="TITLE_AND_BODY">
     <p:spTree>
       <p:nvGrpSpPr>
-        <p:cNvPr id="41" name="Shape 41"/>
+        <p:cNvPr id="1" name="Shape 41"/>
         <p:cNvGrpSpPr/>
         <p:nvPr/>
       </p:nvGrpSpPr>
@@ -5435,7 +5453,7 @@
             </a:xfrm>
             <a:prstGeom prst="diagStripe">
               <a:avLst>
-                <a:gd fmla="val 50000" name="adj"/>
+                <a:gd name="adj" fmla="val 50000"/>
               </a:avLst>
             </a:prstGeom>
             <a:solidFill>
@@ -5446,12 +5464,12 @@
             </a:ln>
           </p:spPr>
           <p:txBody>
-            <a:bodyPr anchorCtr="0" anchor="ctr" bIns="91425" lIns="91425" spcFirstLastPara="1" rIns="91425" wrap="square" tIns="91425">
+            <a:bodyPr spcFirstLastPara="1" wrap="square" lIns="91425" tIns="91425" rIns="91425" bIns="91425" anchor="ctr" anchorCtr="0">
               <a:noAutofit/>
             </a:bodyPr>
             <a:lstStyle/>
             <a:p>
-              <a:pPr indent="0" lvl="0" marL="0" rtl="0" algn="l">
+              <a:pPr marL="0" lvl="0" indent="0" algn="l" rtl="0">
                 <a:spcBef>
                   <a:spcPts val="0"/>
                 </a:spcBef>
@@ -5460,9 +5478,6 @@
                 </a:spcAft>
                 <a:buNone/>
               </a:pPr>
-              <a:r>
-                <a:t/>
-              </a:r>
               <a:endParaRPr/>
             </a:p>
           </p:txBody>
@@ -5480,7 +5495,7 @@
             </a:xfrm>
             <a:prstGeom prst="diagStripe">
               <a:avLst>
-                <a:gd fmla="val 50000" name="adj"/>
+                <a:gd name="adj" fmla="val 50000"/>
               </a:avLst>
             </a:prstGeom>
             <a:solidFill>
@@ -5491,12 +5506,12 @@
             </a:ln>
           </p:spPr>
           <p:txBody>
-            <a:bodyPr anchorCtr="0" anchor="ctr" bIns="91425" lIns="91425" spcFirstLastPara="1" rIns="91425" wrap="square" tIns="91425">
+            <a:bodyPr spcFirstLastPara="1" wrap="square" lIns="91425" tIns="91425" rIns="91425" bIns="91425" anchor="ctr" anchorCtr="0">
               <a:noAutofit/>
             </a:bodyPr>
             <a:lstStyle/>
             <a:p>
-              <a:pPr indent="0" lvl="0" marL="0" rtl="0" algn="l">
+              <a:pPr marL="0" lvl="0" indent="0" algn="l" rtl="0">
                 <a:spcBef>
                   <a:spcPts val="0"/>
                 </a:spcBef>
@@ -5505,9 +5520,6 @@
                 </a:spcAft>
                 <a:buNone/>
               </a:pPr>
-              <a:r>
-                <a:t/>
-              </a:r>
               <a:endParaRPr/>
             </a:p>
           </p:txBody>
@@ -5516,7 +5528,9 @@
       <p:sp>
         <p:nvSpPr>
           <p:cNvPr id="45" name="Google Shape;45;p4"/>
-          <p:cNvSpPr txBox="1"/>
+          <p:cNvSpPr txBox="1">
+            <a:spLocks noGrp="1"/>
+          </p:cNvSpPr>
           <p:nvPr>
             <p:ph type="title"/>
           </p:nvPr>
@@ -5531,7 +5545,7 @@
           </a:prstGeom>
         </p:spPr>
         <p:txBody>
-          <a:bodyPr anchorCtr="0" anchor="t" bIns="91425" lIns="91425" spcFirstLastPara="1" rIns="91425" wrap="square" tIns="91425">
+          <a:bodyPr spcFirstLastPara="1" wrap="square" lIns="91425" tIns="91425" rIns="91425" bIns="91425" anchor="t" anchorCtr="0">
             <a:normAutofit/>
           </a:bodyPr>
           <a:lstStyle>
@@ -5635,15 +5649,19 @@
               <a:defRPr sz="2400"/>
             </a:lvl9pPr>
           </a:lstStyle>
-          <a:p/>
+          <a:p>
+            <a:endParaRPr/>
+          </a:p>
         </p:txBody>
       </p:sp>
       <p:sp>
         <p:nvSpPr>
           <p:cNvPr id="46" name="Google Shape;46;p4"/>
-          <p:cNvSpPr txBox="1"/>
+          <p:cNvSpPr txBox="1">
+            <a:spLocks noGrp="1"/>
+          </p:cNvSpPr>
           <p:nvPr>
-            <p:ph idx="1" type="body"/>
+            <p:ph type="body" idx="1"/>
           </p:nvPr>
         </p:nvSpPr>
         <p:spPr>
@@ -5656,11 +5674,11 @@
           </a:prstGeom>
         </p:spPr>
         <p:txBody>
-          <a:bodyPr anchorCtr="0" anchor="t" bIns="91425" lIns="91425" spcFirstLastPara="1" rIns="91425" wrap="square" tIns="91425">
+          <a:bodyPr spcFirstLastPara="1" wrap="square" lIns="91425" tIns="91425" rIns="91425" bIns="91425" anchor="t" anchorCtr="0">
             <a:normAutofit/>
           </a:bodyPr>
           <a:lstStyle>
-            <a:lvl1pPr indent="-311150" lvl="0" marL="457200">
+            <a:lvl1pPr marL="457200" lvl="0" indent="-311150">
               <a:spcBef>
                 <a:spcPts val="0"/>
               </a:spcBef>
@@ -5671,7 +5689,7 @@
               <a:buChar char="●"/>
               <a:defRPr/>
             </a:lvl1pPr>
-            <a:lvl2pPr indent="-298450" lvl="1" marL="914400">
+            <a:lvl2pPr marL="914400" lvl="1" indent="-298450">
               <a:spcBef>
                 <a:spcPts val="0"/>
               </a:spcBef>
@@ -5682,7 +5700,7 @@
               <a:buChar char="○"/>
               <a:defRPr/>
             </a:lvl2pPr>
-            <a:lvl3pPr indent="-298450" lvl="2" marL="1371600">
+            <a:lvl3pPr marL="1371600" lvl="2" indent="-298450">
               <a:spcBef>
                 <a:spcPts val="0"/>
               </a:spcBef>
@@ -5693,7 +5711,7 @@
               <a:buChar char="■"/>
               <a:defRPr/>
             </a:lvl3pPr>
-            <a:lvl4pPr indent="-298450" lvl="3" marL="1828800">
+            <a:lvl4pPr marL="1828800" lvl="3" indent="-298450">
               <a:spcBef>
                 <a:spcPts val="0"/>
               </a:spcBef>
@@ -5704,7 +5722,7 @@
               <a:buChar char="●"/>
               <a:defRPr/>
             </a:lvl4pPr>
-            <a:lvl5pPr indent="-298450" lvl="4" marL="2286000">
+            <a:lvl5pPr marL="2286000" lvl="4" indent="-298450">
               <a:spcBef>
                 <a:spcPts val="0"/>
               </a:spcBef>
@@ -5715,7 +5733,7 @@
               <a:buChar char="○"/>
               <a:defRPr/>
             </a:lvl5pPr>
-            <a:lvl6pPr indent="-298450" lvl="5" marL="2743200">
+            <a:lvl6pPr marL="2743200" lvl="5" indent="-298450">
               <a:spcBef>
                 <a:spcPts val="0"/>
               </a:spcBef>
@@ -5726,7 +5744,7 @@
               <a:buChar char="■"/>
               <a:defRPr/>
             </a:lvl6pPr>
-            <a:lvl7pPr indent="-298450" lvl="6" marL="3200400">
+            <a:lvl7pPr marL="3200400" lvl="6" indent="-298450">
               <a:spcBef>
                 <a:spcPts val="0"/>
               </a:spcBef>
@@ -5737,7 +5755,7 @@
               <a:buChar char="●"/>
               <a:defRPr/>
             </a:lvl7pPr>
-            <a:lvl8pPr indent="-298450" lvl="7" marL="3657600">
+            <a:lvl8pPr marL="3657600" lvl="7" indent="-298450">
               <a:spcBef>
                 <a:spcPts val="0"/>
               </a:spcBef>
@@ -5748,7 +5766,7 @@
               <a:buChar char="○"/>
               <a:defRPr/>
             </a:lvl8pPr>
-            <a:lvl9pPr indent="-298450" lvl="8" marL="4114800">
+            <a:lvl9pPr marL="4114800" lvl="8" indent="-298450">
               <a:spcBef>
                 <a:spcPts val="0"/>
               </a:spcBef>
@@ -5760,15 +5778,19 @@
               <a:defRPr/>
             </a:lvl9pPr>
           </a:lstStyle>
-          <a:p/>
+          <a:p>
+            <a:endParaRPr/>
+          </a:p>
         </p:txBody>
       </p:sp>
       <p:sp>
         <p:nvSpPr>
           <p:cNvPr id="47" name="Google Shape;47;p4"/>
-          <p:cNvSpPr txBox="1"/>
+          <p:cNvSpPr txBox="1">
+            <a:spLocks noGrp="1"/>
+          </p:cNvSpPr>
           <p:nvPr>
-            <p:ph idx="12" type="sldNum"/>
+            <p:ph type="sldNum" idx="12"/>
           </p:nvPr>
         </p:nvSpPr>
         <p:spPr>
@@ -5781,7 +5803,7 @@
           </a:prstGeom>
         </p:spPr>
         <p:txBody>
-          <a:bodyPr anchorCtr="0" anchor="ctr" bIns="91425" lIns="91425" spcFirstLastPara="1" rIns="91425" wrap="square" tIns="91425">
+          <a:bodyPr spcFirstLastPara="1" wrap="square" lIns="91425" tIns="91425" rIns="91425" bIns="91425" anchor="ctr" anchorCtr="0">
             <a:normAutofit/>
           </a:bodyPr>
           <a:lstStyle>
@@ -5823,7 +5845,7 @@
             </a:lvl9pPr>
           </a:lstStyle>
           <a:p>
-            <a:pPr indent="0" lvl="0" marL="0" rtl="0" algn="r">
+            <a:pPr marL="0" lvl="0" indent="0" algn="r" rtl="0">
               <a:spcBef>
                 <a:spcPts val="0"/>
               </a:spcBef>
@@ -5849,11 +5871,11 @@
 </file>
 
 <file path=ppt/slideLayouts/slideLayout4.xml><?xml version="1.0" encoding="utf-8"?>
-<p:sldLayout xmlns:a="http://schemas.openxmlformats.org/drawingml/2006/main" xmlns:r="http://schemas.openxmlformats.org/officeDocument/2006/relationships" xmlns:mc="http://schemas.openxmlformats.org/markup-compatibility/2006" xmlns:mv="urn:schemas-microsoft-com:mac:vml" xmlns:p="http://schemas.openxmlformats.org/presentationml/2006/main" xmlns:c="http://schemas.openxmlformats.org/drawingml/2006/chart" xmlns:dgm="http://schemas.openxmlformats.org/drawingml/2006/diagram" xmlns:o="urn:schemas-microsoft-com:office:office" xmlns:v="urn:schemas-microsoft-com:vml" xmlns:pvml="urn:schemas-microsoft-com:office:powerpoint" xmlns:com="http://schemas.openxmlformats.org/drawingml/2006/compatibility" xmlns:p14="http://schemas.microsoft.com/office/powerpoint/2010/main" xmlns:p15="http://schemas.microsoft.com/office/powerpoint/2012/main" xmlns:ahyp="http://schemas.microsoft.com/office/drawing/2018/hyperlinkcolor" matchingName="Title and two columns" type="twoColTx">
+<p:sldLayout xmlns:a="http://schemas.openxmlformats.org/drawingml/2006/main" xmlns:r="http://schemas.openxmlformats.org/officeDocument/2006/relationships" xmlns:p="http://schemas.openxmlformats.org/presentationml/2006/main" matchingName="Title and two columns" type="twoColTx">
   <p:cSld name="TITLE_AND_TWO_COLUMNS">
     <p:spTree>
       <p:nvGrpSpPr>
-        <p:cNvPr id="48" name="Shape 48"/>
+        <p:cNvPr id="1" name="Shape 48"/>
         <p:cNvGrpSpPr/>
         <p:nvPr/>
       </p:nvGrpSpPr>
@@ -5892,7 +5914,7 @@
             </a:xfrm>
             <a:prstGeom prst="diagStripe">
               <a:avLst>
-                <a:gd fmla="val 50000" name="adj"/>
+                <a:gd name="adj" fmla="val 50000"/>
               </a:avLst>
             </a:prstGeom>
             <a:solidFill>
@@ -5903,12 +5925,12 @@
             </a:ln>
           </p:spPr>
           <p:txBody>
-            <a:bodyPr anchorCtr="0" anchor="ctr" bIns="91425" lIns="91425" spcFirstLastPara="1" rIns="91425" wrap="square" tIns="91425">
+            <a:bodyPr spcFirstLastPara="1" wrap="square" lIns="91425" tIns="91425" rIns="91425" bIns="91425" anchor="ctr" anchorCtr="0">
               <a:noAutofit/>
             </a:bodyPr>
             <a:lstStyle/>
             <a:p>
-              <a:pPr indent="0" lvl="0" marL="0" rtl="0" algn="l">
+              <a:pPr marL="0" lvl="0" indent="0" algn="l" rtl="0">
                 <a:spcBef>
                   <a:spcPts val="0"/>
                 </a:spcBef>
@@ -5917,9 +5939,6 @@
                 </a:spcAft>
                 <a:buNone/>
               </a:pPr>
-              <a:r>
-                <a:t/>
-              </a:r>
               <a:endParaRPr/>
             </a:p>
           </p:txBody>
@@ -5937,7 +5956,7 @@
             </a:xfrm>
             <a:prstGeom prst="diagStripe">
               <a:avLst>
-                <a:gd fmla="val 50000" name="adj"/>
+                <a:gd name="adj" fmla="val 50000"/>
               </a:avLst>
             </a:prstGeom>
             <a:solidFill>
@@ -5948,12 +5967,12 @@
             </a:ln>
           </p:spPr>
           <p:txBody>
-            <a:bodyPr anchorCtr="0" anchor="ctr" bIns="91425" lIns="91425" spcFirstLastPara="1" rIns="91425" wrap="square" tIns="91425">
+            <a:bodyPr spcFirstLastPara="1" wrap="square" lIns="91425" tIns="91425" rIns="91425" bIns="91425" anchor="ctr" anchorCtr="0">
               <a:noAutofit/>
             </a:bodyPr>
             <a:lstStyle/>
             <a:p>
-              <a:pPr indent="0" lvl="0" marL="0" rtl="0" algn="l">
+              <a:pPr marL="0" lvl="0" indent="0" algn="l" rtl="0">
                 <a:spcBef>
                   <a:spcPts val="0"/>
                 </a:spcBef>
@@ -5962,9 +5981,6 @@
                 </a:spcAft>
                 <a:buNone/>
               </a:pPr>
-              <a:r>
-                <a:t/>
-              </a:r>
               <a:endParaRPr/>
             </a:p>
           </p:txBody>
@@ -5973,7 +5989,9 @@
       <p:sp>
         <p:nvSpPr>
           <p:cNvPr id="52" name="Google Shape;52;p5"/>
-          <p:cNvSpPr txBox="1"/>
+          <p:cNvSpPr txBox="1">
+            <a:spLocks noGrp="1"/>
+          </p:cNvSpPr>
           <p:nvPr>
             <p:ph type="title"/>
           </p:nvPr>
@@ -5988,7 +6006,7 @@
           </a:prstGeom>
         </p:spPr>
         <p:txBody>
-          <a:bodyPr anchorCtr="0" anchor="t" bIns="91425" lIns="91425" spcFirstLastPara="1" rIns="91425" wrap="square" tIns="91425">
+          <a:bodyPr spcFirstLastPara="1" wrap="square" lIns="91425" tIns="91425" rIns="91425" bIns="91425" anchor="t" anchorCtr="0">
             <a:normAutofit/>
           </a:bodyPr>
           <a:lstStyle>
@@ -6092,15 +6110,19 @@
               <a:defRPr sz="2400"/>
             </a:lvl9pPr>
           </a:lstStyle>
-          <a:p/>
+          <a:p>
+            <a:endParaRPr/>
+          </a:p>
         </p:txBody>
       </p:sp>
       <p:sp>
         <p:nvSpPr>
           <p:cNvPr id="53" name="Google Shape;53;p5"/>
-          <p:cNvSpPr txBox="1"/>
+          <p:cNvSpPr txBox="1">
+            <a:spLocks noGrp="1"/>
+          </p:cNvSpPr>
           <p:nvPr>
-            <p:ph idx="1" type="body"/>
+            <p:ph type="body" idx="1"/>
           </p:nvPr>
         </p:nvSpPr>
         <p:spPr>
@@ -6113,11 +6135,11 @@
           </a:prstGeom>
         </p:spPr>
         <p:txBody>
-          <a:bodyPr anchorCtr="0" anchor="t" bIns="91425" lIns="91425" spcFirstLastPara="1" rIns="91425" wrap="square" tIns="91425">
+          <a:bodyPr spcFirstLastPara="1" wrap="square" lIns="91425" tIns="91425" rIns="91425" bIns="91425" anchor="t" anchorCtr="0">
             <a:normAutofit/>
           </a:bodyPr>
           <a:lstStyle>
-            <a:lvl1pPr indent="-311150" lvl="0" marL="457200">
+            <a:lvl1pPr marL="457200" lvl="0" indent="-311150">
               <a:spcBef>
                 <a:spcPts val="0"/>
               </a:spcBef>
@@ -6128,7 +6150,7 @@
               <a:buChar char="●"/>
               <a:defRPr/>
             </a:lvl1pPr>
-            <a:lvl2pPr indent="-298450" lvl="1" marL="914400">
+            <a:lvl2pPr marL="914400" lvl="1" indent="-298450">
               <a:spcBef>
                 <a:spcPts val="0"/>
               </a:spcBef>
@@ -6139,7 +6161,7 @@
               <a:buChar char="○"/>
               <a:defRPr/>
             </a:lvl2pPr>
-            <a:lvl3pPr indent="-298450" lvl="2" marL="1371600">
+            <a:lvl3pPr marL="1371600" lvl="2" indent="-298450">
               <a:spcBef>
                 <a:spcPts val="0"/>
               </a:spcBef>
@@ -6150,7 +6172,7 @@
               <a:buChar char="■"/>
               <a:defRPr/>
             </a:lvl3pPr>
-            <a:lvl4pPr indent="-298450" lvl="3" marL="1828800">
+            <a:lvl4pPr marL="1828800" lvl="3" indent="-298450">
               <a:spcBef>
                 <a:spcPts val="0"/>
               </a:spcBef>
@@ -6161,7 +6183,7 @@
               <a:buChar char="●"/>
               <a:defRPr/>
             </a:lvl4pPr>
-            <a:lvl5pPr indent="-298450" lvl="4" marL="2286000">
+            <a:lvl5pPr marL="2286000" lvl="4" indent="-298450">
               <a:spcBef>
                 <a:spcPts val="0"/>
               </a:spcBef>
@@ -6172,7 +6194,7 @@
               <a:buChar char="○"/>
               <a:defRPr/>
             </a:lvl5pPr>
-            <a:lvl6pPr indent="-298450" lvl="5" marL="2743200">
+            <a:lvl6pPr marL="2743200" lvl="5" indent="-298450">
               <a:spcBef>
                 <a:spcPts val="0"/>
               </a:spcBef>
@@ -6183,7 +6205,7 @@
               <a:buChar char="■"/>
               <a:defRPr/>
             </a:lvl6pPr>
-            <a:lvl7pPr indent="-298450" lvl="6" marL="3200400">
+            <a:lvl7pPr marL="3200400" lvl="6" indent="-298450">
               <a:spcBef>
                 <a:spcPts val="0"/>
               </a:spcBef>
@@ -6194,7 +6216,7 @@
               <a:buChar char="●"/>
               <a:defRPr/>
             </a:lvl7pPr>
-            <a:lvl8pPr indent="-298450" lvl="7" marL="3657600">
+            <a:lvl8pPr marL="3657600" lvl="7" indent="-298450">
               <a:spcBef>
                 <a:spcPts val="0"/>
               </a:spcBef>
@@ -6205,7 +6227,7 @@
               <a:buChar char="○"/>
               <a:defRPr/>
             </a:lvl8pPr>
-            <a:lvl9pPr indent="-298450" lvl="8" marL="4114800">
+            <a:lvl9pPr marL="4114800" lvl="8" indent="-298450">
               <a:spcBef>
                 <a:spcPts val="0"/>
               </a:spcBef>
@@ -6217,15 +6239,19 @@
               <a:defRPr/>
             </a:lvl9pPr>
           </a:lstStyle>
-          <a:p/>
+          <a:p>
+            <a:endParaRPr/>
+          </a:p>
         </p:txBody>
       </p:sp>
       <p:sp>
         <p:nvSpPr>
           <p:cNvPr id="54" name="Google Shape;54;p5"/>
-          <p:cNvSpPr txBox="1"/>
+          <p:cNvSpPr txBox="1">
+            <a:spLocks noGrp="1"/>
+          </p:cNvSpPr>
           <p:nvPr>
-            <p:ph idx="2" type="body"/>
+            <p:ph type="body" idx="2"/>
           </p:nvPr>
         </p:nvSpPr>
         <p:spPr>
@@ -6238,11 +6264,11 @@
           </a:prstGeom>
         </p:spPr>
         <p:txBody>
-          <a:bodyPr anchorCtr="0" anchor="t" bIns="91425" lIns="91425" spcFirstLastPara="1" rIns="91425" wrap="square" tIns="91425">
+          <a:bodyPr spcFirstLastPara="1" wrap="square" lIns="91425" tIns="91425" rIns="91425" bIns="91425" anchor="t" anchorCtr="0">
             <a:normAutofit/>
           </a:bodyPr>
           <a:lstStyle>
-            <a:lvl1pPr indent="-311150" lvl="0" marL="457200">
+            <a:lvl1pPr marL="457200" lvl="0" indent="-311150">
               <a:spcBef>
                 <a:spcPts val="0"/>
               </a:spcBef>
@@ -6253,7 +6279,7 @@
               <a:buChar char="●"/>
               <a:defRPr/>
             </a:lvl1pPr>
-            <a:lvl2pPr indent="-298450" lvl="1" marL="914400">
+            <a:lvl2pPr marL="914400" lvl="1" indent="-298450">
               <a:spcBef>
                 <a:spcPts val="0"/>
               </a:spcBef>
@@ -6264,7 +6290,7 @@
               <a:buChar char="○"/>
               <a:defRPr/>
             </a:lvl2pPr>
-            <a:lvl3pPr indent="-298450" lvl="2" marL="1371600">
+            <a:lvl3pPr marL="1371600" lvl="2" indent="-298450">
               <a:spcBef>
                 <a:spcPts val="0"/>
               </a:spcBef>
@@ -6275,7 +6301,7 @@
               <a:buChar char="■"/>
               <a:defRPr/>
             </a:lvl3pPr>
-            <a:lvl4pPr indent="-298450" lvl="3" marL="1828800">
+            <a:lvl4pPr marL="1828800" lvl="3" indent="-298450">
               <a:spcBef>
                 <a:spcPts val="0"/>
               </a:spcBef>
@@ -6286,7 +6312,7 @@
               <a:buChar char="●"/>
               <a:defRPr/>
             </a:lvl4pPr>
-            <a:lvl5pPr indent="-298450" lvl="4" marL="2286000">
+            <a:lvl5pPr marL="2286000" lvl="4" indent="-298450">
               <a:spcBef>
                 <a:spcPts val="0"/>
               </a:spcBef>
@@ -6297,7 +6323,7 @@
               <a:buChar char="○"/>
               <a:defRPr/>
             </a:lvl5pPr>
-            <a:lvl6pPr indent="-298450" lvl="5" marL="2743200">
+            <a:lvl6pPr marL="2743200" lvl="5" indent="-298450">
               <a:spcBef>
                 <a:spcPts val="0"/>
               </a:spcBef>
@@ -6308,7 +6334,7 @@
               <a:buChar char="■"/>
               <a:defRPr/>
             </a:lvl6pPr>
-            <a:lvl7pPr indent="-298450" lvl="6" marL="3200400">
+            <a:lvl7pPr marL="3200400" lvl="6" indent="-298450">
               <a:spcBef>
                 <a:spcPts val="0"/>
               </a:spcBef>
@@ -6319,7 +6345,7 @@
               <a:buChar char="●"/>
               <a:defRPr/>
             </a:lvl7pPr>
-            <a:lvl8pPr indent="-298450" lvl="7" marL="3657600">
+            <a:lvl8pPr marL="3657600" lvl="7" indent="-298450">
               <a:spcBef>
                 <a:spcPts val="0"/>
               </a:spcBef>
@@ -6330,7 +6356,7 @@
               <a:buChar char="○"/>
               <a:defRPr/>
             </a:lvl8pPr>
-            <a:lvl9pPr indent="-298450" lvl="8" marL="4114800">
+            <a:lvl9pPr marL="4114800" lvl="8" indent="-298450">
               <a:spcBef>
                 <a:spcPts val="0"/>
               </a:spcBef>
@@ -6342,15 +6368,19 @@
               <a:defRPr/>
             </a:lvl9pPr>
           </a:lstStyle>
-          <a:p/>
+          <a:p>
+            <a:endParaRPr/>
+          </a:p>
         </p:txBody>
       </p:sp>
       <p:sp>
         <p:nvSpPr>
           <p:cNvPr id="55" name="Google Shape;55;p5"/>
-          <p:cNvSpPr txBox="1"/>
+          <p:cNvSpPr txBox="1">
+            <a:spLocks noGrp="1"/>
+          </p:cNvSpPr>
           <p:nvPr>
-            <p:ph idx="12" type="sldNum"/>
+            <p:ph type="sldNum" idx="12"/>
           </p:nvPr>
         </p:nvSpPr>
         <p:spPr>
@@ -6363,7 +6393,7 @@
           </a:prstGeom>
         </p:spPr>
         <p:txBody>
-          <a:bodyPr anchorCtr="0" anchor="ctr" bIns="91425" lIns="91425" spcFirstLastPara="1" rIns="91425" wrap="square" tIns="91425">
+          <a:bodyPr spcFirstLastPara="1" wrap="square" lIns="91425" tIns="91425" rIns="91425" bIns="91425" anchor="ctr" anchorCtr="0">
             <a:normAutofit/>
           </a:bodyPr>
           <a:lstStyle>
@@ -6405,7 +6435,7 @@
             </a:lvl9pPr>
           </a:lstStyle>
           <a:p>
-            <a:pPr indent="0" lvl="0" marL="0" rtl="0" algn="r">
+            <a:pPr marL="0" lvl="0" indent="0" algn="r" rtl="0">
               <a:spcBef>
                 <a:spcPts val="0"/>
               </a:spcBef>
@@ -6431,11 +6461,11 @@
 </file>
 
 <file path=ppt/slideLayouts/slideLayout5.xml><?xml version="1.0" encoding="utf-8"?>
-<p:sldLayout xmlns:a="http://schemas.openxmlformats.org/drawingml/2006/main" xmlns:r="http://schemas.openxmlformats.org/officeDocument/2006/relationships" xmlns:mc="http://schemas.openxmlformats.org/markup-compatibility/2006" xmlns:mv="urn:schemas-microsoft-com:mac:vml" xmlns:p="http://schemas.openxmlformats.org/presentationml/2006/main" xmlns:c="http://schemas.openxmlformats.org/drawingml/2006/chart" xmlns:dgm="http://schemas.openxmlformats.org/drawingml/2006/diagram" xmlns:o="urn:schemas-microsoft-com:office:office" xmlns:v="urn:schemas-microsoft-com:vml" xmlns:pvml="urn:schemas-microsoft-com:office:powerpoint" xmlns:com="http://schemas.openxmlformats.org/drawingml/2006/compatibility" xmlns:p14="http://schemas.microsoft.com/office/powerpoint/2010/main" xmlns:p15="http://schemas.microsoft.com/office/powerpoint/2012/main" xmlns:ahyp="http://schemas.microsoft.com/office/drawing/2018/hyperlinkcolor" matchingName="Title only" type="titleOnly">
+<p:sldLayout xmlns:a="http://schemas.openxmlformats.org/drawingml/2006/main" xmlns:r="http://schemas.openxmlformats.org/officeDocument/2006/relationships" xmlns:p="http://schemas.openxmlformats.org/presentationml/2006/main" matchingName="Title only" type="titleOnly">
   <p:cSld name="TITLE_ONLY">
     <p:spTree>
       <p:nvGrpSpPr>
-        <p:cNvPr id="56" name="Shape 56"/>
+        <p:cNvPr id="1" name="Shape 56"/>
         <p:cNvGrpSpPr/>
         <p:nvPr/>
       </p:nvGrpSpPr>
@@ -6474,7 +6504,7 @@
             </a:xfrm>
             <a:prstGeom prst="diagStripe">
               <a:avLst>
-                <a:gd fmla="val 50000" name="adj"/>
+                <a:gd name="adj" fmla="val 50000"/>
               </a:avLst>
             </a:prstGeom>
             <a:solidFill>
@@ -6485,12 +6515,12 @@
             </a:ln>
           </p:spPr>
           <p:txBody>
-            <a:bodyPr anchorCtr="0" anchor="ctr" bIns="91425" lIns="91425" spcFirstLastPara="1" rIns="91425" wrap="square" tIns="91425">
+            <a:bodyPr spcFirstLastPara="1" wrap="square" lIns="91425" tIns="91425" rIns="91425" bIns="91425" anchor="ctr" anchorCtr="0">
               <a:noAutofit/>
             </a:bodyPr>
             <a:lstStyle/>
             <a:p>
-              <a:pPr indent="0" lvl="0" marL="0" rtl="0" algn="l">
+              <a:pPr marL="0" lvl="0" indent="0" algn="l" rtl="0">
                 <a:spcBef>
                   <a:spcPts val="0"/>
                 </a:spcBef>
@@ -6499,9 +6529,6 @@
                 </a:spcAft>
                 <a:buNone/>
               </a:pPr>
-              <a:r>
-                <a:t/>
-              </a:r>
               <a:endParaRPr/>
             </a:p>
           </p:txBody>
@@ -6519,7 +6546,7 @@
             </a:xfrm>
             <a:prstGeom prst="diagStripe">
               <a:avLst>
-                <a:gd fmla="val 50000" name="adj"/>
+                <a:gd name="adj" fmla="val 50000"/>
               </a:avLst>
             </a:prstGeom>
             <a:solidFill>
@@ -6530,12 +6557,12 @@
             </a:ln>
           </p:spPr>
           <p:txBody>
-            <a:bodyPr anchorCtr="0" anchor="ctr" bIns="91425" lIns="91425" spcFirstLastPara="1" rIns="91425" wrap="square" tIns="91425">
+            <a:bodyPr spcFirstLastPara="1" wrap="square" lIns="91425" tIns="91425" rIns="91425" bIns="91425" anchor="ctr" anchorCtr="0">
               <a:noAutofit/>
             </a:bodyPr>
             <a:lstStyle/>
             <a:p>
-              <a:pPr indent="0" lvl="0" marL="0" rtl="0" algn="l">
+              <a:pPr marL="0" lvl="0" indent="0" algn="l" rtl="0">
                 <a:spcBef>
                   <a:spcPts val="0"/>
                 </a:spcBef>
@@ -6544,9 +6571,6 @@
                 </a:spcAft>
                 <a:buNone/>
               </a:pPr>
-              <a:r>
-                <a:t/>
-              </a:r>
               <a:endParaRPr/>
             </a:p>
           </p:txBody>
@@ -6555,7 +6579,9 @@
       <p:sp>
         <p:nvSpPr>
           <p:cNvPr id="60" name="Google Shape;60;p6"/>
-          <p:cNvSpPr txBox="1"/>
+          <p:cNvSpPr txBox="1">
+            <a:spLocks noGrp="1"/>
+          </p:cNvSpPr>
           <p:nvPr>
             <p:ph type="title"/>
           </p:nvPr>
@@ -6570,7 +6596,7 @@
           </a:prstGeom>
         </p:spPr>
         <p:txBody>
-          <a:bodyPr anchorCtr="0" anchor="t" bIns="91425" lIns="91425" spcFirstLastPara="1" rIns="91425" wrap="square" tIns="91425">
+          <a:bodyPr spcFirstLastPara="1" wrap="square" lIns="91425" tIns="91425" rIns="91425" bIns="91425" anchor="t" anchorCtr="0">
             <a:normAutofit/>
           </a:bodyPr>
           <a:lstStyle>
@@ -6674,15 +6700,19 @@
               <a:defRPr sz="2400"/>
             </a:lvl9pPr>
           </a:lstStyle>
-          <a:p/>
+          <a:p>
+            <a:endParaRPr/>
+          </a:p>
         </p:txBody>
       </p:sp>
       <p:sp>
         <p:nvSpPr>
           <p:cNvPr id="61" name="Google Shape;61;p6"/>
-          <p:cNvSpPr txBox="1"/>
+          <p:cNvSpPr txBox="1">
+            <a:spLocks noGrp="1"/>
+          </p:cNvSpPr>
           <p:nvPr>
-            <p:ph idx="12" type="sldNum"/>
+            <p:ph type="sldNum" idx="12"/>
           </p:nvPr>
         </p:nvSpPr>
         <p:spPr>
@@ -6695,7 +6725,7 @@
           </a:prstGeom>
         </p:spPr>
         <p:txBody>
-          <a:bodyPr anchorCtr="0" anchor="ctr" bIns="91425" lIns="91425" spcFirstLastPara="1" rIns="91425" wrap="square" tIns="91425">
+          <a:bodyPr spcFirstLastPara="1" wrap="square" lIns="91425" tIns="91425" rIns="91425" bIns="91425" anchor="ctr" anchorCtr="0">
             <a:normAutofit/>
           </a:bodyPr>
           <a:lstStyle>
@@ -6737,7 +6767,7 @@
             </a:lvl9pPr>
           </a:lstStyle>
           <a:p>
-            <a:pPr indent="0" lvl="0" marL="0" rtl="0" algn="r">
+            <a:pPr marL="0" lvl="0" indent="0" algn="r" rtl="0">
               <a:spcBef>
                 <a:spcPts val="0"/>
               </a:spcBef>
@@ -6763,11 +6793,11 @@
 </file>
 
 <file path=ppt/slideLayouts/slideLayout6.xml><?xml version="1.0" encoding="utf-8"?>
-<p:sldLayout xmlns:a="http://schemas.openxmlformats.org/drawingml/2006/main" xmlns:r="http://schemas.openxmlformats.org/officeDocument/2006/relationships" xmlns:mc="http://schemas.openxmlformats.org/markup-compatibility/2006" xmlns:mv="urn:schemas-microsoft-com:mac:vml" xmlns:p="http://schemas.openxmlformats.org/presentationml/2006/main" xmlns:c="http://schemas.openxmlformats.org/drawingml/2006/chart" xmlns:dgm="http://schemas.openxmlformats.org/drawingml/2006/diagram" xmlns:o="urn:schemas-microsoft-com:office:office" xmlns:v="urn:schemas-microsoft-com:vml" xmlns:pvml="urn:schemas-microsoft-com:office:powerpoint" xmlns:com="http://schemas.openxmlformats.org/drawingml/2006/compatibility" xmlns:p14="http://schemas.microsoft.com/office/powerpoint/2010/main" xmlns:p15="http://schemas.microsoft.com/office/powerpoint/2012/main" xmlns:ahyp="http://schemas.microsoft.com/office/drawing/2018/hyperlinkcolor" matchingName="One column text">
+<p:sldLayout xmlns:a="http://schemas.openxmlformats.org/drawingml/2006/main" xmlns:r="http://schemas.openxmlformats.org/officeDocument/2006/relationships" xmlns:p="http://schemas.openxmlformats.org/presentationml/2006/main" matchingName="One column text">
   <p:cSld name="ONE_COLUMN_TEXT">
     <p:spTree>
       <p:nvGrpSpPr>
-        <p:cNvPr id="62" name="Shape 62"/>
+        <p:cNvPr id="1" name="Shape 62"/>
         <p:cNvGrpSpPr/>
         <p:nvPr/>
       </p:nvGrpSpPr>
@@ -6806,7 +6836,7 @@
             </a:xfrm>
             <a:prstGeom prst="diagStripe">
               <a:avLst>
-                <a:gd fmla="val 50000" name="adj"/>
+                <a:gd name="adj" fmla="val 50000"/>
               </a:avLst>
             </a:prstGeom>
             <a:solidFill>
@@ -6817,12 +6847,12 @@
             </a:ln>
           </p:spPr>
           <p:txBody>
-            <a:bodyPr anchorCtr="0" anchor="ctr" bIns="91425" lIns="91425" spcFirstLastPara="1" rIns="91425" wrap="square" tIns="91425">
+            <a:bodyPr spcFirstLastPara="1" wrap="square" lIns="91425" tIns="91425" rIns="91425" bIns="91425" anchor="ctr" anchorCtr="0">
               <a:noAutofit/>
             </a:bodyPr>
             <a:lstStyle/>
             <a:p>
-              <a:pPr indent="0" lvl="0" marL="0" rtl="0" algn="l">
+              <a:pPr marL="0" lvl="0" indent="0" algn="l" rtl="0">
                 <a:spcBef>
                   <a:spcPts val="0"/>
                 </a:spcBef>
@@ -6831,9 +6861,6 @@
                 </a:spcAft>
                 <a:buNone/>
               </a:pPr>
-              <a:r>
-                <a:t/>
-              </a:r>
               <a:endParaRPr/>
             </a:p>
           </p:txBody>
@@ -6851,7 +6878,7 @@
             </a:xfrm>
             <a:prstGeom prst="diagStripe">
               <a:avLst>
-                <a:gd fmla="val 50000" name="adj"/>
+                <a:gd name="adj" fmla="val 50000"/>
               </a:avLst>
             </a:prstGeom>
             <a:solidFill>
@@ -6862,12 +6889,12 @@
             </a:ln>
           </p:spPr>
           <p:txBody>
-            <a:bodyPr anchorCtr="0" anchor="ctr" bIns="91425" lIns="91425" spcFirstLastPara="1" rIns="91425" wrap="square" tIns="91425">
+            <a:bodyPr spcFirstLastPara="1" wrap="square" lIns="91425" tIns="91425" rIns="91425" bIns="91425" anchor="ctr" anchorCtr="0">
               <a:noAutofit/>
             </a:bodyPr>
             <a:lstStyle/>
             <a:p>
-              <a:pPr indent="0" lvl="0" marL="0" rtl="0" algn="l">
+              <a:pPr marL="0" lvl="0" indent="0" algn="l" rtl="0">
                 <a:spcBef>
                   <a:spcPts val="0"/>
                 </a:spcBef>
@@ -6876,9 +6903,6 @@
                 </a:spcAft>
                 <a:buNone/>
               </a:pPr>
-              <a:r>
-                <a:t/>
-              </a:r>
               <a:endParaRPr/>
             </a:p>
           </p:txBody>
@@ -6887,7 +6911,9 @@
       <p:sp>
         <p:nvSpPr>
           <p:cNvPr id="66" name="Google Shape;66;p7"/>
-          <p:cNvSpPr txBox="1"/>
+          <p:cNvSpPr txBox="1">
+            <a:spLocks noGrp="1"/>
+          </p:cNvSpPr>
           <p:nvPr>
             <p:ph type="title"/>
           </p:nvPr>
@@ -6902,7 +6928,7 @@
           </a:prstGeom>
         </p:spPr>
         <p:txBody>
-          <a:bodyPr anchorCtr="0" anchor="t" bIns="91425" lIns="91425" spcFirstLastPara="1" rIns="91425" wrap="square" tIns="91425">
+          <a:bodyPr spcFirstLastPara="1" wrap="square" lIns="91425" tIns="91425" rIns="91425" bIns="91425" anchor="t" anchorCtr="0">
             <a:normAutofit/>
           </a:bodyPr>
           <a:lstStyle>
@@ -7006,15 +7032,19 @@
               <a:defRPr sz="2400"/>
             </a:lvl9pPr>
           </a:lstStyle>
-          <a:p/>
+          <a:p>
+            <a:endParaRPr/>
+          </a:p>
         </p:txBody>
       </p:sp>
       <p:sp>
         <p:nvSpPr>
           <p:cNvPr id="67" name="Google Shape;67;p7"/>
-          <p:cNvSpPr txBox="1"/>
+          <p:cNvSpPr txBox="1">
+            <a:spLocks noGrp="1"/>
+          </p:cNvSpPr>
           <p:nvPr>
-            <p:ph idx="1" type="body"/>
+            <p:ph type="body" idx="1"/>
           </p:nvPr>
         </p:nvSpPr>
         <p:spPr>
@@ -7027,11 +7057,11 @@
           </a:prstGeom>
         </p:spPr>
         <p:txBody>
-          <a:bodyPr anchorCtr="0" anchor="t" bIns="91425" lIns="91425" spcFirstLastPara="1" rIns="91425" wrap="square" tIns="91425">
+          <a:bodyPr spcFirstLastPara="1" wrap="square" lIns="91425" tIns="91425" rIns="91425" bIns="91425" anchor="t" anchorCtr="0">
             <a:normAutofit/>
           </a:bodyPr>
           <a:lstStyle>
-            <a:lvl1pPr indent="-311150" lvl="0" marL="457200">
+            <a:lvl1pPr marL="457200" lvl="0" indent="-311150">
               <a:spcBef>
                 <a:spcPts val="0"/>
               </a:spcBef>
@@ -7042,7 +7072,7 @@
               <a:buChar char="●"/>
               <a:defRPr/>
             </a:lvl1pPr>
-            <a:lvl2pPr indent="-298450" lvl="1" marL="914400">
+            <a:lvl2pPr marL="914400" lvl="1" indent="-298450">
               <a:spcBef>
                 <a:spcPts val="0"/>
               </a:spcBef>
@@ -7053,7 +7083,7 @@
               <a:buChar char="○"/>
               <a:defRPr/>
             </a:lvl2pPr>
-            <a:lvl3pPr indent="-298450" lvl="2" marL="1371600">
+            <a:lvl3pPr marL="1371600" lvl="2" indent="-298450">
               <a:spcBef>
                 <a:spcPts val="0"/>
               </a:spcBef>
@@ -7064,7 +7094,7 @@
               <a:buChar char="■"/>
               <a:defRPr/>
             </a:lvl3pPr>
-            <a:lvl4pPr indent="-298450" lvl="3" marL="1828800">
+            <a:lvl4pPr marL="1828800" lvl="3" indent="-298450">
               <a:spcBef>
                 <a:spcPts val="0"/>
               </a:spcBef>
@@ -7075,7 +7105,7 @@
               <a:buChar char="●"/>
               <a:defRPr/>
             </a:lvl4pPr>
-            <a:lvl5pPr indent="-298450" lvl="4" marL="2286000">
+            <a:lvl5pPr marL="2286000" lvl="4" indent="-298450">
               <a:spcBef>
                 <a:spcPts val="0"/>
               </a:spcBef>
@@ -7086,7 +7116,7 @@
               <a:buChar char="○"/>
               <a:defRPr/>
             </a:lvl5pPr>
-            <a:lvl6pPr indent="-298450" lvl="5" marL="2743200">
+            <a:lvl6pPr marL="2743200" lvl="5" indent="-298450">
               <a:spcBef>
                 <a:spcPts val="0"/>
               </a:spcBef>
@@ -7097,7 +7127,7 @@
               <a:buChar char="■"/>
               <a:defRPr/>
             </a:lvl6pPr>
-            <a:lvl7pPr indent="-298450" lvl="6" marL="3200400">
+            <a:lvl7pPr marL="3200400" lvl="6" indent="-298450">
               <a:spcBef>
                 <a:spcPts val="0"/>
               </a:spcBef>
@@ -7108,7 +7138,7 @@
               <a:buChar char="●"/>
               <a:defRPr/>
             </a:lvl7pPr>
-            <a:lvl8pPr indent="-298450" lvl="7" marL="3657600">
+            <a:lvl8pPr marL="3657600" lvl="7" indent="-298450">
               <a:spcBef>
                 <a:spcPts val="0"/>
               </a:spcBef>
@@ -7119,7 +7149,7 @@
               <a:buChar char="○"/>
               <a:defRPr/>
             </a:lvl8pPr>
-            <a:lvl9pPr indent="-298450" lvl="8" marL="4114800">
+            <a:lvl9pPr marL="4114800" lvl="8" indent="-298450">
               <a:spcBef>
                 <a:spcPts val="0"/>
               </a:spcBef>
@@ -7131,15 +7161,19 @@
               <a:defRPr/>
             </a:lvl9pPr>
           </a:lstStyle>
-          <a:p/>
+          <a:p>
+            <a:endParaRPr/>
+          </a:p>
         </p:txBody>
       </p:sp>
       <p:sp>
         <p:nvSpPr>
           <p:cNvPr id="68" name="Google Shape;68;p7"/>
-          <p:cNvSpPr txBox="1"/>
+          <p:cNvSpPr txBox="1">
+            <a:spLocks noGrp="1"/>
+          </p:cNvSpPr>
           <p:nvPr>
-            <p:ph idx="12" type="sldNum"/>
+            <p:ph type="sldNum" idx="12"/>
           </p:nvPr>
         </p:nvSpPr>
         <p:spPr>
@@ -7152,7 +7186,7 @@
           </a:prstGeom>
         </p:spPr>
         <p:txBody>
-          <a:bodyPr anchorCtr="0" anchor="ctr" bIns="91425" lIns="91425" spcFirstLastPara="1" rIns="91425" wrap="square" tIns="91425">
+          <a:bodyPr spcFirstLastPara="1" wrap="square" lIns="91425" tIns="91425" rIns="91425" bIns="91425" anchor="ctr" anchorCtr="0">
             <a:normAutofit/>
           </a:bodyPr>
           <a:lstStyle>
@@ -7194,7 +7228,7 @@
             </a:lvl9pPr>
           </a:lstStyle>
           <a:p>
-            <a:pPr indent="0" lvl="0" marL="0" rtl="0" algn="r">
+            <a:pPr marL="0" lvl="0" indent="0" algn="r" rtl="0">
               <a:spcBef>
                 <a:spcPts val="0"/>
               </a:spcBef>
@@ -7220,11 +7254,11 @@
 </file>
 
 <file path=ppt/slideLayouts/slideLayout7.xml><?xml version="1.0" encoding="utf-8"?>
-<p:sldLayout xmlns:a="http://schemas.openxmlformats.org/drawingml/2006/main" xmlns:r="http://schemas.openxmlformats.org/officeDocument/2006/relationships" xmlns:mc="http://schemas.openxmlformats.org/markup-compatibility/2006" xmlns:mv="urn:schemas-microsoft-com:mac:vml" xmlns:p="http://schemas.openxmlformats.org/presentationml/2006/main" xmlns:c="http://schemas.openxmlformats.org/drawingml/2006/chart" xmlns:dgm="http://schemas.openxmlformats.org/drawingml/2006/diagram" xmlns:o="urn:schemas-microsoft-com:office:office" xmlns:v="urn:schemas-microsoft-com:vml" xmlns:pvml="urn:schemas-microsoft-com:office:powerpoint" xmlns:com="http://schemas.openxmlformats.org/drawingml/2006/compatibility" xmlns:p14="http://schemas.microsoft.com/office/powerpoint/2010/main" xmlns:p15="http://schemas.microsoft.com/office/powerpoint/2012/main" xmlns:ahyp="http://schemas.microsoft.com/office/drawing/2018/hyperlinkcolor" matchingName="Main point">
+<p:sldLayout xmlns:a="http://schemas.openxmlformats.org/drawingml/2006/main" xmlns:r="http://schemas.openxmlformats.org/officeDocument/2006/relationships" xmlns:p="http://schemas.openxmlformats.org/presentationml/2006/main" matchingName="Main point">
   <p:cSld name="MAIN_POINT">
     <p:spTree>
       <p:nvGrpSpPr>
-        <p:cNvPr id="69" name="Shape 69"/>
+        <p:cNvPr id="1" name="Shape 69"/>
         <p:cNvGrpSpPr/>
         <p:nvPr/>
       </p:nvGrpSpPr>
@@ -7263,7 +7297,7 @@
             </a:xfrm>
             <a:prstGeom prst="diagStripe">
               <a:avLst>
-                <a:gd fmla="val 49469" name="adj"/>
+                <a:gd name="adj" fmla="val 49469"/>
               </a:avLst>
             </a:prstGeom>
             <a:solidFill>
@@ -7276,12 +7310,12 @@
             </a:ln>
           </p:spPr>
           <p:txBody>
-            <a:bodyPr anchorCtr="0" anchor="ctr" bIns="91425" lIns="91425" spcFirstLastPara="1" rIns="91425" wrap="square" tIns="91425">
+            <a:bodyPr spcFirstLastPara="1" wrap="square" lIns="91425" tIns="91425" rIns="91425" bIns="91425" anchor="ctr" anchorCtr="0">
               <a:noAutofit/>
             </a:bodyPr>
             <a:lstStyle/>
             <a:p>
-              <a:pPr indent="0" lvl="0" marL="0" rtl="0" algn="l">
+              <a:pPr marL="0" lvl="0" indent="0" algn="l" rtl="0">
                 <a:spcBef>
                   <a:spcPts val="0"/>
                 </a:spcBef>
@@ -7290,9 +7324,6 @@
                 </a:spcAft>
                 <a:buNone/>
               </a:pPr>
-              <a:r>
-                <a:t/>
-              </a:r>
               <a:endParaRPr/>
             </a:p>
           </p:txBody>
@@ -7310,7 +7341,7 @@
             </a:xfrm>
             <a:prstGeom prst="diagStripe">
               <a:avLst>
-                <a:gd fmla="val 0" name="adj"/>
+                <a:gd name="adj" fmla="val 0"/>
               </a:avLst>
             </a:prstGeom>
             <a:solidFill>
@@ -7323,12 +7354,12 @@
             </a:ln>
           </p:spPr>
           <p:txBody>
-            <a:bodyPr anchorCtr="0" anchor="ctr" bIns="91425" lIns="91425" spcFirstLastPara="1" rIns="91425" wrap="square" tIns="91425">
+            <a:bodyPr spcFirstLastPara="1" wrap="square" lIns="91425" tIns="91425" rIns="91425" bIns="91425" anchor="ctr" anchorCtr="0">
               <a:noAutofit/>
             </a:bodyPr>
             <a:lstStyle/>
             <a:p>
-              <a:pPr indent="0" lvl="0" marL="0" rtl="0" algn="l">
+              <a:pPr marL="0" lvl="0" indent="0" algn="l" rtl="0">
                 <a:spcBef>
                   <a:spcPts val="0"/>
                 </a:spcBef>
@@ -7337,9 +7368,6 @@
                 </a:spcAft>
                 <a:buNone/>
               </a:pPr>
-              <a:r>
-                <a:t/>
-              </a:r>
               <a:endParaRPr/>
             </a:p>
           </p:txBody>
@@ -7357,7 +7385,7 @@
             </a:xfrm>
             <a:prstGeom prst="diagStripe">
               <a:avLst>
-                <a:gd fmla="val 50000" name="adj"/>
+                <a:gd name="adj" fmla="val 50000"/>
               </a:avLst>
             </a:prstGeom>
             <a:solidFill>
@@ -7370,12 +7398,12 @@
             </a:ln>
           </p:spPr>
           <p:txBody>
-            <a:bodyPr anchorCtr="0" anchor="ctr" bIns="91425" lIns="91425" spcFirstLastPara="1" rIns="91425" wrap="square" tIns="91425">
+            <a:bodyPr spcFirstLastPara="1" wrap="square" lIns="91425" tIns="91425" rIns="91425" bIns="91425" anchor="ctr" anchorCtr="0">
               <a:noAutofit/>
             </a:bodyPr>
             <a:lstStyle/>
             <a:p>
-              <a:pPr indent="0" lvl="0" marL="0" rtl="0" algn="l">
+              <a:pPr marL="0" lvl="0" indent="0" algn="l" rtl="0">
                 <a:spcBef>
                   <a:spcPts val="0"/>
                 </a:spcBef>
@@ -7384,9 +7412,6 @@
                 </a:spcAft>
                 <a:buNone/>
               </a:pPr>
-              <a:r>
-                <a:t/>
-              </a:r>
               <a:endParaRPr/>
             </a:p>
           </p:txBody>
@@ -7404,7 +7429,7 @@
             </a:xfrm>
             <a:prstGeom prst="diagStripe">
               <a:avLst>
-                <a:gd fmla="val 50000" name="adj"/>
+                <a:gd name="adj" fmla="val 50000"/>
               </a:avLst>
             </a:prstGeom>
             <a:solidFill>
@@ -7417,12 +7442,12 @@
             </a:ln>
           </p:spPr>
           <p:txBody>
-            <a:bodyPr anchorCtr="0" anchor="ctr" bIns="91425" lIns="91425" spcFirstLastPara="1" rIns="91425" wrap="square" tIns="91425">
+            <a:bodyPr spcFirstLastPara="1" wrap="square" lIns="91425" tIns="91425" rIns="91425" bIns="91425" anchor="ctr" anchorCtr="0">
               <a:noAutofit/>
             </a:bodyPr>
             <a:lstStyle/>
             <a:p>
-              <a:pPr indent="0" lvl="0" marL="0" rtl="0" algn="l">
+              <a:pPr marL="0" lvl="0" indent="0" algn="l" rtl="0">
                 <a:spcBef>
                   <a:spcPts val="0"/>
                 </a:spcBef>
@@ -7431,9 +7456,6 @@
                 </a:spcAft>
                 <a:buNone/>
               </a:pPr>
-              <a:r>
-                <a:t/>
-              </a:r>
               <a:endParaRPr/>
             </a:p>
           </p:txBody>
@@ -7451,7 +7473,7 @@
             </a:xfrm>
             <a:prstGeom prst="diagStripe">
               <a:avLst>
-                <a:gd fmla="val 50000" name="adj"/>
+                <a:gd name="adj" fmla="val 50000"/>
               </a:avLst>
             </a:prstGeom>
             <a:solidFill>
@@ -7464,12 +7486,12 @@
             </a:ln>
           </p:spPr>
           <p:txBody>
-            <a:bodyPr anchorCtr="0" anchor="ctr" bIns="91425" lIns="91425" spcFirstLastPara="1" rIns="91425" wrap="square" tIns="91425">
+            <a:bodyPr spcFirstLastPara="1" wrap="square" lIns="91425" tIns="91425" rIns="91425" bIns="91425" anchor="ctr" anchorCtr="0">
               <a:noAutofit/>
             </a:bodyPr>
             <a:lstStyle/>
             <a:p>
-              <a:pPr indent="0" lvl="0" marL="0" rtl="0" algn="l">
+              <a:pPr marL="0" lvl="0" indent="0" algn="l" rtl="0">
                 <a:spcBef>
                   <a:spcPts val="0"/>
                 </a:spcBef>
@@ -7478,9 +7500,6 @@
                 </a:spcAft>
                 <a:buNone/>
               </a:pPr>
-              <a:r>
-                <a:t/>
-              </a:r>
               <a:endParaRPr/>
             </a:p>
           </p:txBody>
@@ -7498,7 +7517,7 @@
             </a:xfrm>
             <a:prstGeom prst="diagStripe">
               <a:avLst>
-                <a:gd fmla="val 50000" name="adj"/>
+                <a:gd name="adj" fmla="val 50000"/>
               </a:avLst>
             </a:prstGeom>
             <a:solidFill>
@@ -7511,12 +7530,12 @@
             </a:ln>
           </p:spPr>
           <p:txBody>
-            <a:bodyPr anchorCtr="0" anchor="ctr" bIns="91425" lIns="91425" spcFirstLastPara="1" rIns="91425" wrap="square" tIns="91425">
+            <a:bodyPr spcFirstLastPara="1" wrap="square" lIns="91425" tIns="91425" rIns="91425" bIns="91425" anchor="ctr" anchorCtr="0">
               <a:noAutofit/>
             </a:bodyPr>
             <a:lstStyle/>
             <a:p>
-              <a:pPr indent="0" lvl="0" marL="0" rtl="0" algn="l">
+              <a:pPr marL="0" lvl="0" indent="0" algn="l" rtl="0">
                 <a:spcBef>
                   <a:spcPts val="0"/>
                 </a:spcBef>
@@ -7525,9 +7544,6 @@
                 </a:spcAft>
                 <a:buNone/>
               </a:pPr>
-              <a:r>
-                <a:t/>
-              </a:r>
               <a:endParaRPr/>
             </a:p>
           </p:txBody>
@@ -7545,7 +7561,7 @@
             </a:xfrm>
             <a:prstGeom prst="diagStripe">
               <a:avLst>
-                <a:gd fmla="val 50000" name="adj"/>
+                <a:gd name="adj" fmla="val 50000"/>
               </a:avLst>
             </a:prstGeom>
             <a:solidFill>
@@ -7558,12 +7574,12 @@
             </a:ln>
           </p:spPr>
           <p:txBody>
-            <a:bodyPr anchorCtr="0" anchor="ctr" bIns="91425" lIns="91425" spcFirstLastPara="1" rIns="91425" wrap="square" tIns="91425">
+            <a:bodyPr spcFirstLastPara="1" wrap="square" lIns="91425" tIns="91425" rIns="91425" bIns="91425" anchor="ctr" anchorCtr="0">
               <a:noAutofit/>
             </a:bodyPr>
             <a:lstStyle/>
             <a:p>
-              <a:pPr indent="0" lvl="0" marL="0" rtl="0" algn="l">
+              <a:pPr marL="0" lvl="0" indent="0" algn="l" rtl="0">
                 <a:spcBef>
                   <a:spcPts val="0"/>
                 </a:spcBef>
@@ -7572,9 +7588,6 @@
                 </a:spcAft>
                 <a:buNone/>
               </a:pPr>
-              <a:r>
-                <a:t/>
-              </a:r>
               <a:endParaRPr/>
             </a:p>
           </p:txBody>
@@ -7592,7 +7605,7 @@
             </a:xfrm>
             <a:prstGeom prst="diagStripe">
               <a:avLst>
-                <a:gd fmla="val 50000" name="adj"/>
+                <a:gd name="adj" fmla="val 50000"/>
               </a:avLst>
             </a:prstGeom>
             <a:solidFill>
@@ -7603,12 +7616,12 @@
             </a:ln>
           </p:spPr>
           <p:txBody>
-            <a:bodyPr anchorCtr="0" anchor="ctr" bIns="91425" lIns="91425" spcFirstLastPara="1" rIns="91425" wrap="square" tIns="91425">
+            <a:bodyPr spcFirstLastPara="1" wrap="square" lIns="91425" tIns="91425" rIns="91425" bIns="91425" anchor="ctr" anchorCtr="0">
               <a:noAutofit/>
             </a:bodyPr>
             <a:lstStyle/>
             <a:p>
-              <a:pPr indent="0" lvl="0" marL="0" rtl="0" algn="l">
+              <a:pPr marL="0" lvl="0" indent="0" algn="l" rtl="0">
                 <a:spcBef>
                   <a:spcPts val="0"/>
                 </a:spcBef>
@@ -7617,9 +7630,6 @@
                 </a:spcAft>
                 <a:buNone/>
               </a:pPr>
-              <a:r>
-                <a:t/>
-              </a:r>
               <a:endParaRPr/>
             </a:p>
           </p:txBody>
@@ -7637,7 +7647,7 @@
             </a:xfrm>
             <a:prstGeom prst="diagStripe">
               <a:avLst>
-                <a:gd fmla="val 50000" name="adj"/>
+                <a:gd name="adj" fmla="val 50000"/>
               </a:avLst>
             </a:prstGeom>
             <a:solidFill>
@@ -7650,12 +7660,12 @@
             </a:ln>
           </p:spPr>
           <p:txBody>
-            <a:bodyPr anchorCtr="0" anchor="ctr" bIns="91425" lIns="91425" spcFirstLastPara="1" rIns="91425" wrap="square" tIns="91425">
+            <a:bodyPr spcFirstLastPara="1" wrap="square" lIns="91425" tIns="91425" rIns="91425" bIns="91425" anchor="ctr" anchorCtr="0">
               <a:noAutofit/>
             </a:bodyPr>
             <a:lstStyle/>
             <a:p>
-              <a:pPr indent="0" lvl="0" marL="0" rtl="0" algn="l">
+              <a:pPr marL="0" lvl="0" indent="0" algn="l" rtl="0">
                 <a:spcBef>
                   <a:spcPts val="0"/>
                 </a:spcBef>
@@ -7664,9 +7674,6 @@
                 </a:spcAft>
                 <a:buNone/>
               </a:pPr>
-              <a:r>
-                <a:t/>
-              </a:r>
               <a:endParaRPr/>
             </a:p>
           </p:txBody>
@@ -7684,7 +7691,7 @@
             </a:xfrm>
             <a:prstGeom prst="diagStripe">
               <a:avLst>
-                <a:gd fmla="val 50000" name="adj"/>
+                <a:gd name="adj" fmla="val 50000"/>
               </a:avLst>
             </a:prstGeom>
             <a:solidFill>
@@ -7697,12 +7704,12 @@
             </a:ln>
           </p:spPr>
           <p:txBody>
-            <a:bodyPr anchorCtr="0" anchor="ctr" bIns="91425" lIns="91425" spcFirstLastPara="1" rIns="91425" wrap="square" tIns="91425">
+            <a:bodyPr spcFirstLastPara="1" wrap="square" lIns="91425" tIns="91425" rIns="91425" bIns="91425" anchor="ctr" anchorCtr="0">
               <a:noAutofit/>
             </a:bodyPr>
             <a:lstStyle/>
             <a:p>
-              <a:pPr indent="0" lvl="0" marL="0" rtl="0" algn="l">
+              <a:pPr marL="0" lvl="0" indent="0" algn="l" rtl="0">
                 <a:spcBef>
                   <a:spcPts val="0"/>
                 </a:spcBef>
@@ -7711,9 +7718,6 @@
                 </a:spcAft>
                 <a:buNone/>
               </a:pPr>
-              <a:r>
-                <a:t/>
-              </a:r>
               <a:endParaRPr/>
             </a:p>
           </p:txBody>
@@ -7731,7 +7735,7 @@
             </a:xfrm>
             <a:prstGeom prst="diagStripe">
               <a:avLst>
-                <a:gd fmla="val 50000" name="adj"/>
+                <a:gd name="adj" fmla="val 50000"/>
               </a:avLst>
             </a:prstGeom>
             <a:solidFill>
@@ -7744,12 +7748,12 @@
             </a:ln>
           </p:spPr>
           <p:txBody>
-            <a:bodyPr anchorCtr="0" anchor="ctr" bIns="91425" lIns="91425" spcFirstLastPara="1" rIns="91425" wrap="square" tIns="91425">
+            <a:bodyPr spcFirstLastPara="1" wrap="square" lIns="91425" tIns="91425" rIns="91425" bIns="91425" anchor="ctr" anchorCtr="0">
               <a:noAutofit/>
             </a:bodyPr>
             <a:lstStyle/>
             <a:p>
-              <a:pPr indent="0" lvl="0" marL="0" rtl="0" algn="l">
+              <a:pPr marL="0" lvl="0" indent="0" algn="l" rtl="0">
                 <a:spcBef>
                   <a:spcPts val="0"/>
                 </a:spcBef>
@@ -7758,9 +7762,6 @@
                 </a:spcAft>
                 <a:buNone/>
               </a:pPr>
-              <a:r>
-                <a:t/>
-              </a:r>
               <a:endParaRPr/>
             </a:p>
           </p:txBody>
@@ -7778,7 +7779,7 @@
             </a:xfrm>
             <a:prstGeom prst="diagStripe">
               <a:avLst>
-                <a:gd fmla="val 50000" name="adj"/>
+                <a:gd name="adj" fmla="val 50000"/>
               </a:avLst>
             </a:prstGeom>
             <a:solidFill>
@@ -7791,12 +7792,12 @@
             </a:ln>
           </p:spPr>
           <p:txBody>
-            <a:bodyPr anchorCtr="0" anchor="ctr" bIns="91425" lIns="91425" spcFirstLastPara="1" rIns="91425" wrap="square" tIns="91425">
+            <a:bodyPr spcFirstLastPara="1" wrap="square" lIns="91425" tIns="91425" rIns="91425" bIns="91425" anchor="ctr" anchorCtr="0">
               <a:noAutofit/>
             </a:bodyPr>
             <a:lstStyle/>
             <a:p>
-              <a:pPr indent="0" lvl="0" marL="0" rtl="0" algn="l">
+              <a:pPr marL="0" lvl="0" indent="0" algn="l" rtl="0">
                 <a:spcBef>
                   <a:spcPts val="0"/>
                 </a:spcBef>
@@ -7805,9 +7806,6 @@
                 </a:spcAft>
                 <a:buNone/>
               </a:pPr>
-              <a:r>
-                <a:t/>
-              </a:r>
               <a:endParaRPr/>
             </a:p>
           </p:txBody>
@@ -7825,7 +7823,7 @@
             </a:xfrm>
             <a:prstGeom prst="diagStripe">
               <a:avLst>
-                <a:gd fmla="val 50000" name="adj"/>
+                <a:gd name="adj" fmla="val 50000"/>
               </a:avLst>
             </a:prstGeom>
             <a:solidFill>
@@ -7838,12 +7836,12 @@
             </a:ln>
           </p:spPr>
           <p:txBody>
-            <a:bodyPr anchorCtr="0" anchor="ctr" bIns="91425" lIns="91425" spcFirstLastPara="1" rIns="91425" wrap="square" tIns="91425">
+            <a:bodyPr spcFirstLastPara="1" wrap="square" lIns="91425" tIns="91425" rIns="91425" bIns="91425" anchor="ctr" anchorCtr="0">
               <a:noAutofit/>
             </a:bodyPr>
             <a:lstStyle/>
             <a:p>
-              <a:pPr indent="0" lvl="0" marL="0" rtl="0" algn="l">
+              <a:pPr marL="0" lvl="0" indent="0" algn="l" rtl="0">
                 <a:spcBef>
                   <a:spcPts val="0"/>
                 </a:spcBef>
@@ -7852,9 +7850,6 @@
                 </a:spcAft>
                 <a:buNone/>
               </a:pPr>
-              <a:r>
-                <a:t/>
-              </a:r>
               <a:endParaRPr/>
             </a:p>
           </p:txBody>
@@ -7872,7 +7867,7 @@
             </a:xfrm>
             <a:prstGeom prst="diagStripe">
               <a:avLst>
-                <a:gd fmla="val 50000" name="adj"/>
+                <a:gd name="adj" fmla="val 50000"/>
               </a:avLst>
             </a:prstGeom>
             <a:solidFill>
@@ -7883,12 +7878,12 @@
             </a:ln>
           </p:spPr>
           <p:txBody>
-            <a:bodyPr anchorCtr="0" anchor="ctr" bIns="91425" lIns="91425" spcFirstLastPara="1" rIns="91425" wrap="square" tIns="91425">
+            <a:bodyPr spcFirstLastPara="1" wrap="square" lIns="91425" tIns="91425" rIns="91425" bIns="91425" anchor="ctr" anchorCtr="0">
               <a:noAutofit/>
             </a:bodyPr>
             <a:lstStyle/>
             <a:p>
-              <a:pPr indent="0" lvl="0" marL="0" rtl="0" algn="l">
+              <a:pPr marL="0" lvl="0" indent="0" algn="l" rtl="0">
                 <a:spcBef>
                   <a:spcPts val="0"/>
                 </a:spcBef>
@@ -7897,9 +7892,6 @@
                 </a:spcAft>
                 <a:buNone/>
               </a:pPr>
-              <a:r>
-                <a:t/>
-              </a:r>
               <a:endParaRPr/>
             </a:p>
           </p:txBody>
@@ -7917,7 +7909,7 @@
             </a:xfrm>
             <a:prstGeom prst="diagStripe">
               <a:avLst>
-                <a:gd fmla="val 50000" name="adj"/>
+                <a:gd name="adj" fmla="val 50000"/>
               </a:avLst>
             </a:prstGeom>
             <a:solidFill>
@@ -7930,12 +7922,12 @@
             </a:ln>
           </p:spPr>
           <p:txBody>
-            <a:bodyPr anchorCtr="0" anchor="ctr" bIns="91425" lIns="91425" spcFirstLastPara="1" rIns="91425" wrap="square" tIns="91425">
+            <a:bodyPr spcFirstLastPara="1" wrap="square" lIns="91425" tIns="91425" rIns="91425" bIns="91425" anchor="ctr" anchorCtr="0">
               <a:noAutofit/>
             </a:bodyPr>
             <a:lstStyle/>
             <a:p>
-              <a:pPr indent="0" lvl="0" marL="0" rtl="0" algn="l">
+              <a:pPr marL="0" lvl="0" indent="0" algn="l" rtl="0">
                 <a:spcBef>
                   <a:spcPts val="0"/>
                 </a:spcBef>
@@ -7944,9 +7936,6 @@
                 </a:spcAft>
                 <a:buNone/>
               </a:pPr>
-              <a:r>
-                <a:t/>
-              </a:r>
               <a:endParaRPr/>
             </a:p>
           </p:txBody>
@@ -7964,7 +7953,7 @@
             </a:xfrm>
             <a:prstGeom prst="diagStripe">
               <a:avLst>
-                <a:gd fmla="val 50000" name="adj"/>
+                <a:gd name="adj" fmla="val 50000"/>
               </a:avLst>
             </a:prstGeom>
             <a:solidFill>
@@ -7977,12 +7966,12 @@
             </a:ln>
           </p:spPr>
           <p:txBody>
-            <a:bodyPr anchorCtr="0" anchor="ctr" bIns="91425" lIns="91425" spcFirstLastPara="1" rIns="91425" wrap="square" tIns="91425">
+            <a:bodyPr spcFirstLastPara="1" wrap="square" lIns="91425" tIns="91425" rIns="91425" bIns="91425" anchor="ctr" anchorCtr="0">
               <a:noAutofit/>
             </a:bodyPr>
             <a:lstStyle/>
             <a:p>
-              <a:pPr indent="0" lvl="0" marL="0" rtl="0" algn="l">
+              <a:pPr marL="0" lvl="0" indent="0" algn="l" rtl="0">
                 <a:spcBef>
                   <a:spcPts val="0"/>
                 </a:spcBef>
@@ -7991,9 +7980,6 @@
                 </a:spcAft>
                 <a:buNone/>
               </a:pPr>
-              <a:r>
-                <a:t/>
-              </a:r>
               <a:endParaRPr/>
             </a:p>
           </p:txBody>
@@ -8011,7 +7997,7 @@
             </a:xfrm>
             <a:prstGeom prst="diagStripe">
               <a:avLst>
-                <a:gd fmla="val 50000" name="adj"/>
+                <a:gd name="adj" fmla="val 50000"/>
               </a:avLst>
             </a:prstGeom>
             <a:solidFill>
@@ -8024,12 +8010,12 @@
             </a:ln>
           </p:spPr>
           <p:txBody>
-            <a:bodyPr anchorCtr="0" anchor="ctr" bIns="91425" lIns="91425" spcFirstLastPara="1" rIns="91425" wrap="square" tIns="91425">
+            <a:bodyPr spcFirstLastPara="1" wrap="square" lIns="91425" tIns="91425" rIns="91425" bIns="91425" anchor="ctr" anchorCtr="0">
               <a:noAutofit/>
             </a:bodyPr>
             <a:lstStyle/>
             <a:p>
-              <a:pPr indent="0" lvl="0" marL="0" rtl="0" algn="l">
+              <a:pPr marL="0" lvl="0" indent="0" algn="l" rtl="0">
                 <a:spcBef>
                   <a:spcPts val="0"/>
                 </a:spcBef>
@@ -8038,9 +8024,6 @@
                 </a:spcAft>
                 <a:buNone/>
               </a:pPr>
-              <a:r>
-                <a:t/>
-              </a:r>
               <a:endParaRPr/>
             </a:p>
           </p:txBody>
@@ -8058,7 +8041,7 @@
             </a:xfrm>
             <a:prstGeom prst="diagStripe">
               <a:avLst>
-                <a:gd fmla="val 50000" name="adj"/>
+                <a:gd name="adj" fmla="val 50000"/>
               </a:avLst>
             </a:prstGeom>
             <a:solidFill>
@@ -8071,12 +8054,12 @@
             </a:ln>
           </p:spPr>
           <p:txBody>
-            <a:bodyPr anchorCtr="0" anchor="ctr" bIns="91425" lIns="91425" spcFirstLastPara="1" rIns="91425" wrap="square" tIns="91425">
+            <a:bodyPr spcFirstLastPara="1" wrap="square" lIns="91425" tIns="91425" rIns="91425" bIns="91425" anchor="ctr" anchorCtr="0">
               <a:noAutofit/>
             </a:bodyPr>
             <a:lstStyle/>
             <a:p>
-              <a:pPr indent="0" lvl="0" marL="0" rtl="0" algn="l">
+              <a:pPr marL="0" lvl="0" indent="0" algn="l" rtl="0">
                 <a:spcBef>
                   <a:spcPts val="0"/>
                 </a:spcBef>
@@ -8085,9 +8068,6 @@
                 </a:spcAft>
                 <a:buNone/>
               </a:pPr>
-              <a:r>
-                <a:t/>
-              </a:r>
               <a:endParaRPr/>
             </a:p>
           </p:txBody>
@@ -8096,7 +8076,9 @@
       <p:sp>
         <p:nvSpPr>
           <p:cNvPr id="89" name="Google Shape;89;p8"/>
-          <p:cNvSpPr txBox="1"/>
+          <p:cNvSpPr txBox="1">
+            <a:spLocks noGrp="1"/>
+          </p:cNvSpPr>
           <p:nvPr>
             <p:ph type="title"/>
           </p:nvPr>
@@ -8111,7 +8093,7 @@
           </a:prstGeom>
         </p:spPr>
         <p:txBody>
-          <a:bodyPr anchorCtr="0" anchor="ctr" bIns="91425" lIns="91425" spcFirstLastPara="1" rIns="91425" wrap="square" tIns="91425">
+          <a:bodyPr spcFirstLastPara="1" wrap="square" lIns="91425" tIns="91425" rIns="91425" bIns="91425" anchor="ctr" anchorCtr="0">
             <a:normAutofit/>
           </a:bodyPr>
           <a:lstStyle>
@@ -8215,15 +8197,19 @@
               <a:defRPr/>
             </a:lvl9pPr>
           </a:lstStyle>
-          <a:p/>
+          <a:p>
+            <a:endParaRPr/>
+          </a:p>
         </p:txBody>
       </p:sp>
       <p:sp>
         <p:nvSpPr>
           <p:cNvPr id="90" name="Google Shape;90;p8"/>
-          <p:cNvSpPr txBox="1"/>
+          <p:cNvSpPr txBox="1">
+            <a:spLocks noGrp="1"/>
+          </p:cNvSpPr>
           <p:nvPr>
-            <p:ph idx="12" type="sldNum"/>
+            <p:ph type="sldNum" idx="12"/>
           </p:nvPr>
         </p:nvSpPr>
         <p:spPr>
@@ -8236,7 +8222,7 @@
           </a:prstGeom>
         </p:spPr>
         <p:txBody>
-          <a:bodyPr anchorCtr="0" anchor="ctr" bIns="91425" lIns="91425" spcFirstLastPara="1" rIns="91425" wrap="square" tIns="91425">
+          <a:bodyPr spcFirstLastPara="1" wrap="square" lIns="91425" tIns="91425" rIns="91425" bIns="91425" anchor="ctr" anchorCtr="0">
             <a:normAutofit/>
           </a:bodyPr>
           <a:lstStyle>
@@ -8278,7 +8264,7 @@
             </a:lvl9pPr>
           </a:lstStyle>
           <a:p>
-            <a:pPr indent="0" lvl="0" marL="0" rtl="0" algn="r">
+            <a:pPr marL="0" lvl="0" indent="0" algn="r" rtl="0">
               <a:spcBef>
                 <a:spcPts val="0"/>
               </a:spcBef>
@@ -8304,11 +8290,11 @@
 </file>
 
 <file path=ppt/slideLayouts/slideLayout8.xml><?xml version="1.0" encoding="utf-8"?>
-<p:sldLayout xmlns:a="http://schemas.openxmlformats.org/drawingml/2006/main" xmlns:r="http://schemas.openxmlformats.org/officeDocument/2006/relationships" xmlns:mc="http://schemas.openxmlformats.org/markup-compatibility/2006" xmlns:mv="urn:schemas-microsoft-com:mac:vml" xmlns:p="http://schemas.openxmlformats.org/presentationml/2006/main" xmlns:c="http://schemas.openxmlformats.org/drawingml/2006/chart" xmlns:dgm="http://schemas.openxmlformats.org/drawingml/2006/diagram" xmlns:o="urn:schemas-microsoft-com:office:office" xmlns:v="urn:schemas-microsoft-com:vml" xmlns:pvml="urn:schemas-microsoft-com:office:powerpoint" xmlns:com="http://schemas.openxmlformats.org/drawingml/2006/compatibility" xmlns:p14="http://schemas.microsoft.com/office/powerpoint/2010/main" xmlns:p15="http://schemas.microsoft.com/office/powerpoint/2012/main" xmlns:ahyp="http://schemas.microsoft.com/office/drawing/2018/hyperlinkcolor" matchingName="Section title and description">
+<p:sldLayout xmlns:a="http://schemas.openxmlformats.org/drawingml/2006/main" xmlns:r="http://schemas.openxmlformats.org/officeDocument/2006/relationships" xmlns:p="http://schemas.openxmlformats.org/presentationml/2006/main" matchingName="Section title and description">
   <p:cSld name="SECTION_TITLE_AND_DESCRIPTION">
     <p:spTree>
       <p:nvGrpSpPr>
-        <p:cNvPr id="91" name="Shape 91"/>
+        <p:cNvPr id="1" name="Shape 91"/>
         <p:cNvGrpSpPr/>
         <p:nvPr/>
       </p:nvGrpSpPr>
@@ -8347,7 +8333,7 @@
             </a:xfrm>
             <a:prstGeom prst="diagStripe">
               <a:avLst>
-                <a:gd fmla="val 50000" name="adj"/>
+                <a:gd name="adj" fmla="val 50000"/>
               </a:avLst>
             </a:prstGeom>
             <a:solidFill>
@@ -8358,12 +8344,12 @@
             </a:ln>
           </p:spPr>
           <p:txBody>
-            <a:bodyPr anchorCtr="0" anchor="ctr" bIns="91425" lIns="91425" spcFirstLastPara="1" rIns="91425" wrap="square" tIns="91425">
+            <a:bodyPr spcFirstLastPara="1" wrap="square" lIns="91425" tIns="91425" rIns="91425" bIns="91425" anchor="ctr" anchorCtr="0">
               <a:noAutofit/>
             </a:bodyPr>
             <a:lstStyle/>
             <a:p>
-              <a:pPr indent="0" lvl="0" marL="0" rtl="0" algn="l">
+              <a:pPr marL="0" lvl="0" indent="0" algn="l" rtl="0">
                 <a:spcBef>
                   <a:spcPts val="0"/>
                 </a:spcBef>
@@ -8372,9 +8358,6 @@
                 </a:spcAft>
                 <a:buNone/>
               </a:pPr>
-              <a:r>
-                <a:t/>
-              </a:r>
               <a:endParaRPr/>
             </a:p>
           </p:txBody>
@@ -8392,7 +8375,7 @@
             </a:xfrm>
             <a:prstGeom prst="diagStripe">
               <a:avLst>
-                <a:gd fmla="val 50000" name="adj"/>
+                <a:gd name="adj" fmla="val 50000"/>
               </a:avLst>
             </a:prstGeom>
             <a:solidFill>
@@ -8403,12 +8386,12 @@
             </a:ln>
           </p:spPr>
           <p:txBody>
-            <a:bodyPr anchorCtr="0" anchor="ctr" bIns="91425" lIns="91425" spcFirstLastPara="1" rIns="91425" wrap="square" tIns="91425">
+            <a:bodyPr spcFirstLastPara="1" wrap="square" lIns="91425" tIns="91425" rIns="91425" bIns="91425" anchor="ctr" anchorCtr="0">
               <a:noAutofit/>
             </a:bodyPr>
             <a:lstStyle/>
             <a:p>
-              <a:pPr indent="0" lvl="0" marL="0" rtl="0" algn="l">
+              <a:pPr marL="0" lvl="0" indent="0" algn="l" rtl="0">
                 <a:spcBef>
                   <a:spcPts val="0"/>
                 </a:spcBef>
@@ -8417,9 +8400,6 @@
                 </a:spcAft>
                 <a:buNone/>
               </a:pPr>
-              <a:r>
-                <a:t/>
-              </a:r>
               <a:endParaRPr/>
             </a:p>
           </p:txBody>
@@ -8428,7 +8408,9 @@
       <p:sp>
         <p:nvSpPr>
           <p:cNvPr id="95" name="Google Shape;95;p9"/>
-          <p:cNvSpPr txBox="1"/>
+          <p:cNvSpPr txBox="1">
+            <a:spLocks noGrp="1"/>
+          </p:cNvSpPr>
           <p:nvPr>
             <p:ph type="title"/>
           </p:nvPr>
@@ -8443,7 +8425,7 @@
           </a:prstGeom>
         </p:spPr>
         <p:txBody>
-          <a:bodyPr anchorCtr="0" anchor="t" bIns="91425" lIns="91425" spcFirstLastPara="1" rIns="91425" wrap="square" tIns="91425">
+          <a:bodyPr spcFirstLastPara="1" wrap="square" lIns="91425" tIns="91425" rIns="91425" bIns="91425" anchor="t" anchorCtr="0">
             <a:normAutofit/>
           </a:bodyPr>
           <a:lstStyle>
@@ -8547,15 +8529,19 @@
               <a:defRPr sz="2400"/>
             </a:lvl9pPr>
           </a:lstStyle>
-          <a:p/>
+          <a:p>
+            <a:endParaRPr/>
+          </a:p>
         </p:txBody>
       </p:sp>
       <p:sp>
         <p:nvSpPr>
           <p:cNvPr id="96" name="Google Shape;96;p9"/>
-          <p:cNvSpPr txBox="1"/>
+          <p:cNvSpPr txBox="1">
+            <a:spLocks noGrp="1"/>
+          </p:cNvSpPr>
           <p:nvPr>
-            <p:ph idx="1" type="subTitle"/>
+            <p:ph type="subTitle" idx="1"/>
           </p:nvPr>
         </p:nvSpPr>
         <p:spPr>
@@ -8568,7 +8554,7 @@
           </a:prstGeom>
         </p:spPr>
         <p:txBody>
-          <a:bodyPr anchorCtr="0" anchor="t" bIns="91425" lIns="91425" spcFirstLastPara="1" rIns="91425" wrap="square" tIns="91425">
+          <a:bodyPr spcFirstLastPara="1" wrap="square" lIns="91425" tIns="91425" rIns="91425" bIns="91425" anchor="t" anchorCtr="0">
             <a:normAutofit/>
           </a:bodyPr>
           <a:lstStyle>
@@ -8699,15 +8685,19 @@
               <a:defRPr sz="1300"/>
             </a:lvl9pPr>
           </a:lstStyle>
-          <a:p/>
+          <a:p>
+            <a:endParaRPr/>
+          </a:p>
         </p:txBody>
       </p:sp>
       <p:sp>
         <p:nvSpPr>
           <p:cNvPr id="97" name="Google Shape;97;p9"/>
-          <p:cNvSpPr txBox="1"/>
+          <p:cNvSpPr txBox="1">
+            <a:spLocks noGrp="1"/>
+          </p:cNvSpPr>
           <p:nvPr>
-            <p:ph idx="2" type="body"/>
+            <p:ph type="body" idx="2"/>
           </p:nvPr>
         </p:nvSpPr>
         <p:spPr>
@@ -8720,11 +8710,11 @@
           </a:prstGeom>
         </p:spPr>
         <p:txBody>
-          <a:bodyPr anchorCtr="0" anchor="t" bIns="91425" lIns="91425" spcFirstLastPara="1" rIns="91425" wrap="square" tIns="91425">
+          <a:bodyPr spcFirstLastPara="1" wrap="square" lIns="91425" tIns="91425" rIns="91425" bIns="91425" anchor="t" anchorCtr="0">
             <a:normAutofit/>
           </a:bodyPr>
           <a:lstStyle>
-            <a:lvl1pPr indent="-311150" lvl="0" marL="457200">
+            <a:lvl1pPr marL="457200" lvl="0" indent="-311150">
               <a:spcBef>
                 <a:spcPts val="0"/>
               </a:spcBef>
@@ -8735,7 +8725,7 @@
               <a:buChar char="●"/>
               <a:defRPr/>
             </a:lvl1pPr>
-            <a:lvl2pPr indent="-298450" lvl="1" marL="914400">
+            <a:lvl2pPr marL="914400" lvl="1" indent="-298450">
               <a:spcBef>
                 <a:spcPts val="0"/>
               </a:spcBef>
@@ -8746,7 +8736,7 @@
               <a:buChar char="○"/>
               <a:defRPr/>
             </a:lvl2pPr>
-            <a:lvl3pPr indent="-298450" lvl="2" marL="1371600">
+            <a:lvl3pPr marL="1371600" lvl="2" indent="-298450">
               <a:spcBef>
                 <a:spcPts val="0"/>
               </a:spcBef>
@@ -8757,7 +8747,7 @@
               <a:buChar char="■"/>
               <a:defRPr/>
             </a:lvl3pPr>
-            <a:lvl4pPr indent="-298450" lvl="3" marL="1828800">
+            <a:lvl4pPr marL="1828800" lvl="3" indent="-298450">
               <a:spcBef>
                 <a:spcPts val="0"/>
               </a:spcBef>
@@ -8768,7 +8758,7 @@
               <a:buChar char="●"/>
               <a:defRPr/>
             </a:lvl4pPr>
-            <a:lvl5pPr indent="-298450" lvl="4" marL="2286000">
+            <a:lvl5pPr marL="2286000" lvl="4" indent="-298450">
               <a:spcBef>
                 <a:spcPts val="0"/>
               </a:spcBef>
@@ -8779,7 +8769,7 @@
               <a:buChar char="○"/>
               <a:defRPr/>
             </a:lvl5pPr>
-            <a:lvl6pPr indent="-298450" lvl="5" marL="2743200">
+            <a:lvl6pPr marL="2743200" lvl="5" indent="-298450">
               <a:spcBef>
                 <a:spcPts val="0"/>
               </a:spcBef>
@@ -8790,7 +8780,7 @@
               <a:buChar char="■"/>
               <a:defRPr/>
             </a:lvl6pPr>
-            <a:lvl7pPr indent="-298450" lvl="6" marL="3200400">
+            <a:lvl7pPr marL="3200400" lvl="6" indent="-298450">
               <a:spcBef>
                 <a:spcPts val="0"/>
               </a:spcBef>
@@ -8801,7 +8791,7 @@
               <a:buChar char="●"/>
               <a:defRPr/>
             </a:lvl7pPr>
-            <a:lvl8pPr indent="-298450" lvl="7" marL="3657600">
+            <a:lvl8pPr marL="3657600" lvl="7" indent="-298450">
               <a:spcBef>
                 <a:spcPts val="0"/>
               </a:spcBef>
@@ -8812,7 +8802,7 @@
               <a:buChar char="○"/>
               <a:defRPr/>
             </a:lvl8pPr>
-            <a:lvl9pPr indent="-298450" lvl="8" marL="4114800">
+            <a:lvl9pPr marL="4114800" lvl="8" indent="-298450">
               <a:spcBef>
                 <a:spcPts val="0"/>
               </a:spcBef>
@@ -8824,15 +8814,19 @@
               <a:defRPr/>
             </a:lvl9pPr>
           </a:lstStyle>
-          <a:p/>
+          <a:p>
+            <a:endParaRPr/>
+          </a:p>
         </p:txBody>
       </p:sp>
       <p:sp>
         <p:nvSpPr>
           <p:cNvPr id="98" name="Google Shape;98;p9"/>
-          <p:cNvSpPr txBox="1"/>
+          <p:cNvSpPr txBox="1">
+            <a:spLocks noGrp="1"/>
+          </p:cNvSpPr>
           <p:nvPr>
-            <p:ph idx="12" type="sldNum"/>
+            <p:ph type="sldNum" idx="12"/>
           </p:nvPr>
         </p:nvSpPr>
         <p:spPr>
@@ -8845,7 +8839,7 @@
           </a:prstGeom>
         </p:spPr>
         <p:txBody>
-          <a:bodyPr anchorCtr="0" anchor="ctr" bIns="91425" lIns="91425" spcFirstLastPara="1" rIns="91425" wrap="square" tIns="91425">
+          <a:bodyPr spcFirstLastPara="1" wrap="square" lIns="91425" tIns="91425" rIns="91425" bIns="91425" anchor="ctr" anchorCtr="0">
             <a:normAutofit/>
           </a:bodyPr>
           <a:lstStyle>
@@ -8887,7 +8881,7 @@
             </a:lvl9pPr>
           </a:lstStyle>
           <a:p>
-            <a:pPr indent="0" lvl="0" marL="0" rtl="0" algn="r">
+            <a:pPr marL="0" lvl="0" indent="0" algn="r" rtl="0">
               <a:spcBef>
                 <a:spcPts val="0"/>
               </a:spcBef>
@@ -8913,11 +8907,11 @@
 </file>
 
 <file path=ppt/slideLayouts/slideLayout9.xml><?xml version="1.0" encoding="utf-8"?>
-<p:sldLayout xmlns:a="http://schemas.openxmlformats.org/drawingml/2006/main" xmlns:r="http://schemas.openxmlformats.org/officeDocument/2006/relationships" xmlns:mc="http://schemas.openxmlformats.org/markup-compatibility/2006" xmlns:mv="urn:schemas-microsoft-com:mac:vml" xmlns:p="http://schemas.openxmlformats.org/presentationml/2006/main" xmlns:c="http://schemas.openxmlformats.org/drawingml/2006/chart" xmlns:dgm="http://schemas.openxmlformats.org/drawingml/2006/diagram" xmlns:o="urn:schemas-microsoft-com:office:office" xmlns:v="urn:schemas-microsoft-com:vml" xmlns:pvml="urn:schemas-microsoft-com:office:powerpoint" xmlns:com="http://schemas.openxmlformats.org/drawingml/2006/compatibility" xmlns:p14="http://schemas.microsoft.com/office/powerpoint/2010/main" xmlns:p15="http://schemas.microsoft.com/office/powerpoint/2012/main" xmlns:ahyp="http://schemas.microsoft.com/office/drawing/2018/hyperlinkcolor" matchingName="Caption">
+<p:sldLayout xmlns:a="http://schemas.openxmlformats.org/drawingml/2006/main" xmlns:r="http://schemas.openxmlformats.org/officeDocument/2006/relationships" xmlns:p="http://schemas.openxmlformats.org/presentationml/2006/main" matchingName="Caption">
   <p:cSld name="CAPTION_ONLY">
     <p:spTree>
       <p:nvGrpSpPr>
-        <p:cNvPr id="99" name="Shape 99"/>
+        <p:cNvPr id="1" name="Shape 99"/>
         <p:cNvGrpSpPr/>
         <p:nvPr/>
       </p:nvGrpSpPr>
@@ -8956,7 +8950,7 @@
             </a:xfrm>
             <a:prstGeom prst="diagStripe">
               <a:avLst>
-                <a:gd fmla="val 50000" name="adj"/>
+                <a:gd name="adj" fmla="val 50000"/>
               </a:avLst>
             </a:prstGeom>
             <a:solidFill>
@@ -8969,12 +8963,12 @@
             </a:ln>
           </p:spPr>
           <p:txBody>
-            <a:bodyPr anchorCtr="0" anchor="ctr" bIns="91425" lIns="91425" spcFirstLastPara="1" rIns="91425" wrap="square" tIns="91425">
+            <a:bodyPr spcFirstLastPara="1" wrap="square" lIns="91425" tIns="91425" rIns="91425" bIns="91425" anchor="ctr" anchorCtr="0">
               <a:noAutofit/>
             </a:bodyPr>
             <a:lstStyle/>
             <a:p>
-              <a:pPr indent="0" lvl="0" marL="0" rtl="0" algn="l">
+              <a:pPr marL="0" lvl="0" indent="0" algn="l" rtl="0">
                 <a:spcBef>
                   <a:spcPts val="0"/>
                 </a:spcBef>
@@ -8983,9 +8977,6 @@
                 </a:spcAft>
                 <a:buNone/>
               </a:pPr>
-              <a:r>
-                <a:t/>
-              </a:r>
               <a:endParaRPr/>
             </a:p>
           </p:txBody>
@@ -9003,7 +8994,7 @@
             </a:xfrm>
             <a:prstGeom prst="diagStripe">
               <a:avLst>
-                <a:gd fmla="val 50000" name="adj"/>
+                <a:gd name="adj" fmla="val 50000"/>
               </a:avLst>
             </a:prstGeom>
             <a:solidFill>
@@ -9016,12 +9007,12 @@
             </a:ln>
           </p:spPr>
           <p:txBody>
-            <a:bodyPr anchorCtr="0" anchor="ctr" bIns="91425" lIns="91425" spcFirstLastPara="1" rIns="91425" wrap="square" tIns="91425">
+            <a:bodyPr spcFirstLastPara="1" wrap="square" lIns="91425" tIns="91425" rIns="91425" bIns="91425" anchor="ctr" anchorCtr="0">
               <a:noAutofit/>
             </a:bodyPr>
             <a:lstStyle/>
             <a:p>
-              <a:pPr indent="0" lvl="0" marL="0" rtl="0" algn="l">
+              <a:pPr marL="0" lvl="0" indent="0" algn="l" rtl="0">
                 <a:spcBef>
                   <a:spcPts val="0"/>
                 </a:spcBef>
@@ -9030,9 +9021,6 @@
                 </a:spcAft>
                 <a:buNone/>
               </a:pPr>
-              <a:r>
-                <a:t/>
-              </a:r>
               <a:endParaRPr/>
             </a:p>
           </p:txBody>
@@ -9041,9 +9029,11 @@
       <p:sp>
         <p:nvSpPr>
           <p:cNvPr id="103" name="Google Shape;103;p10"/>
-          <p:cNvSpPr txBox="1"/>
+          <p:cNvSpPr txBox="1">
+            <a:spLocks noGrp="1"/>
+          </p:cNvSpPr>
           <p:nvPr>
-            <p:ph idx="1" type="body"/>
+            <p:ph type="body" idx="1"/>
           </p:nvPr>
         </p:nvSpPr>
         <p:spPr>
@@ -9056,11 +9046,11 @@
           </a:prstGeom>
         </p:spPr>
         <p:txBody>
-          <a:bodyPr anchorCtr="0" anchor="ctr" bIns="91425" lIns="91425" spcFirstLastPara="1" rIns="91425" wrap="square" tIns="91425">
+          <a:bodyPr spcFirstLastPara="1" wrap="square" lIns="91425" tIns="91425" rIns="91425" bIns="91425" anchor="ctr" anchorCtr="0">
             <a:normAutofit/>
           </a:bodyPr>
           <a:lstStyle>
-            <a:lvl1pPr indent="-228600" lvl="0" marL="457200">
+            <a:lvl1pPr marL="457200" lvl="0" indent="-228600">
               <a:lnSpc>
                 <a:spcPct val="100000"/>
               </a:lnSpc>
@@ -9075,15 +9065,19 @@
               <a:defRPr/>
             </a:lvl1pPr>
           </a:lstStyle>
-          <a:p/>
+          <a:p>
+            <a:endParaRPr/>
+          </a:p>
         </p:txBody>
       </p:sp>
       <p:sp>
         <p:nvSpPr>
           <p:cNvPr id="104" name="Google Shape;104;p10"/>
-          <p:cNvSpPr txBox="1"/>
+          <p:cNvSpPr txBox="1">
+            <a:spLocks noGrp="1"/>
+          </p:cNvSpPr>
           <p:nvPr>
-            <p:ph idx="12" type="sldNum"/>
+            <p:ph type="sldNum" idx="12"/>
           </p:nvPr>
         </p:nvSpPr>
         <p:spPr>
@@ -9096,7 +9090,7 @@
           </a:prstGeom>
         </p:spPr>
         <p:txBody>
-          <a:bodyPr anchorCtr="0" anchor="ctr" bIns="91425" lIns="91425" spcFirstLastPara="1" rIns="91425" wrap="square" tIns="91425">
+          <a:bodyPr spcFirstLastPara="1" wrap="square" lIns="91425" tIns="91425" rIns="91425" bIns="91425" anchor="ctr" anchorCtr="0">
             <a:normAutofit/>
           </a:bodyPr>
           <a:lstStyle>
@@ -9138,7 +9132,7 @@
             </a:lvl9pPr>
           </a:lstStyle>
           <a:p>
-            <a:pPr indent="0" lvl="0" marL="0" rtl="0" algn="r">
+            <a:pPr marL="0" lvl="0" indent="0" algn="r" rtl="0">
               <a:spcBef>
                 <a:spcPts val="0"/>
               </a:spcBef>
@@ -9164,18 +9158,19 @@
 </file>
 
 <file path=ppt/slideMasters/slideMaster1.xml><?xml version="1.0" encoding="utf-8"?>
-<p:sldMaster xmlns:a="http://schemas.openxmlformats.org/drawingml/2006/main" xmlns:r="http://schemas.openxmlformats.org/officeDocument/2006/relationships" xmlns:mc="http://schemas.openxmlformats.org/markup-compatibility/2006" xmlns:mv="urn:schemas-microsoft-com:mac:vml" xmlns:p="http://schemas.openxmlformats.org/presentationml/2006/main" xmlns:c="http://schemas.openxmlformats.org/drawingml/2006/chart" xmlns:dgm="http://schemas.openxmlformats.org/drawingml/2006/diagram" xmlns:o="urn:schemas-microsoft-com:office:office" xmlns:v="urn:schemas-microsoft-com:vml" xmlns:pvml="urn:schemas-microsoft-com:office:powerpoint" xmlns:com="http://schemas.openxmlformats.org/drawingml/2006/compatibility" xmlns:p14="http://schemas.microsoft.com/office/powerpoint/2010/main" xmlns:p15="http://schemas.microsoft.com/office/powerpoint/2012/main" xmlns:ahyp="http://schemas.microsoft.com/office/drawing/2018/hyperlinkcolor">
+<p:sldMaster xmlns:a="http://schemas.openxmlformats.org/drawingml/2006/main" xmlns:r="http://schemas.openxmlformats.org/officeDocument/2006/relationships" xmlns:p="http://schemas.openxmlformats.org/presentationml/2006/main">
   <p:cSld name="focus">
     <p:bg>
       <p:bgPr>
         <a:solidFill>
           <a:schemeClr val="dk1"/>
         </a:solidFill>
+        <a:effectLst/>
       </p:bgPr>
     </p:bg>
     <p:spTree>
       <p:nvGrpSpPr>
-        <p:cNvPr id="5" name="Shape 5"/>
+        <p:cNvPr id="1" name="Shape 5"/>
         <p:cNvGrpSpPr/>
         <p:nvPr/>
       </p:nvGrpSpPr>
@@ -9190,7 +9185,9 @@
       <p:sp>
         <p:nvSpPr>
           <p:cNvPr id="6" name="Google Shape;6;p1"/>
-          <p:cNvSpPr txBox="1"/>
+          <p:cNvSpPr txBox="1">
+            <a:spLocks noGrp="1"/>
+          </p:cNvSpPr>
           <p:nvPr>
             <p:ph type="title"/>
           </p:nvPr>
@@ -9209,7 +9206,7 @@
           </a:ln>
         </p:spPr>
         <p:txBody>
-          <a:bodyPr anchorCtr="0" anchor="t" bIns="91425" lIns="91425" spcFirstLastPara="1" rIns="91425" wrap="square" tIns="91425">
+          <a:bodyPr spcFirstLastPara="1" wrap="square" lIns="91425" tIns="91425" rIns="91425" bIns="91425" anchor="t" anchorCtr="0">
             <a:normAutofit/>
           </a:bodyPr>
           <a:lstStyle>
@@ -9421,15 +9418,19 @@
               </a:defRPr>
             </a:lvl9pPr>
           </a:lstStyle>
-          <a:p/>
+          <a:p>
+            <a:endParaRPr/>
+          </a:p>
         </p:txBody>
       </p:sp>
       <p:sp>
         <p:nvSpPr>
           <p:cNvPr id="7" name="Google Shape;7;p1"/>
-          <p:cNvSpPr txBox="1"/>
+          <p:cNvSpPr txBox="1">
+            <a:spLocks noGrp="1"/>
+          </p:cNvSpPr>
           <p:nvPr>
-            <p:ph idx="1" type="body"/>
+            <p:ph type="body" idx="1"/>
           </p:nvPr>
         </p:nvSpPr>
         <p:spPr>
@@ -9446,11 +9447,11 @@
           </a:ln>
         </p:spPr>
         <p:txBody>
-          <a:bodyPr anchorCtr="0" anchor="t" bIns="91425" lIns="91425" spcFirstLastPara="1" rIns="91425" wrap="square" tIns="91425">
+          <a:bodyPr spcFirstLastPara="1" wrap="square" lIns="91425" tIns="91425" rIns="91425" bIns="91425" anchor="t" anchorCtr="0">
             <a:normAutofit/>
           </a:bodyPr>
           <a:lstStyle>
-            <a:lvl1pPr indent="-311150" lvl="0" marL="457200">
+            <a:lvl1pPr marL="457200" lvl="0" indent="-311150">
               <a:lnSpc>
                 <a:spcPct val="115000"/>
               </a:lnSpc>
@@ -9476,7 +9477,7 @@
                 <a:sym typeface="Lato"/>
               </a:defRPr>
             </a:lvl1pPr>
-            <a:lvl2pPr indent="-298450" lvl="1" marL="914400">
+            <a:lvl2pPr marL="914400" lvl="1" indent="-298450">
               <a:lnSpc>
                 <a:spcPct val="115000"/>
               </a:lnSpc>
@@ -9502,7 +9503,7 @@
                 <a:sym typeface="Lato"/>
               </a:defRPr>
             </a:lvl2pPr>
-            <a:lvl3pPr indent="-298450" lvl="2" marL="1371600">
+            <a:lvl3pPr marL="1371600" lvl="2" indent="-298450">
               <a:lnSpc>
                 <a:spcPct val="115000"/>
               </a:lnSpc>
@@ -9528,7 +9529,7 @@
                 <a:sym typeface="Lato"/>
               </a:defRPr>
             </a:lvl3pPr>
-            <a:lvl4pPr indent="-298450" lvl="3" marL="1828800">
+            <a:lvl4pPr marL="1828800" lvl="3" indent="-298450">
               <a:lnSpc>
                 <a:spcPct val="115000"/>
               </a:lnSpc>
@@ -9554,7 +9555,7 @@
                 <a:sym typeface="Lato"/>
               </a:defRPr>
             </a:lvl4pPr>
-            <a:lvl5pPr indent="-298450" lvl="4" marL="2286000">
+            <a:lvl5pPr marL="2286000" lvl="4" indent="-298450">
               <a:lnSpc>
                 <a:spcPct val="115000"/>
               </a:lnSpc>
@@ -9580,7 +9581,7 @@
                 <a:sym typeface="Lato"/>
               </a:defRPr>
             </a:lvl5pPr>
-            <a:lvl6pPr indent="-298450" lvl="5" marL="2743200">
+            <a:lvl6pPr marL="2743200" lvl="5" indent="-298450">
               <a:lnSpc>
                 <a:spcPct val="115000"/>
               </a:lnSpc>
@@ -9606,7 +9607,7 @@
                 <a:sym typeface="Lato"/>
               </a:defRPr>
             </a:lvl6pPr>
-            <a:lvl7pPr indent="-298450" lvl="6" marL="3200400">
+            <a:lvl7pPr marL="3200400" lvl="6" indent="-298450">
               <a:lnSpc>
                 <a:spcPct val="115000"/>
               </a:lnSpc>
@@ -9632,7 +9633,7 @@
                 <a:sym typeface="Lato"/>
               </a:defRPr>
             </a:lvl7pPr>
-            <a:lvl8pPr indent="-298450" lvl="7" marL="3657600">
+            <a:lvl8pPr marL="3657600" lvl="7" indent="-298450">
               <a:lnSpc>
                 <a:spcPct val="115000"/>
               </a:lnSpc>
@@ -9658,7 +9659,7 @@
                 <a:sym typeface="Lato"/>
               </a:defRPr>
             </a:lvl8pPr>
-            <a:lvl9pPr indent="-298450" lvl="8" marL="4114800">
+            <a:lvl9pPr marL="4114800" lvl="8" indent="-298450">
               <a:lnSpc>
                 <a:spcPct val="115000"/>
               </a:lnSpc>
@@ -9685,15 +9686,19 @@
               </a:defRPr>
             </a:lvl9pPr>
           </a:lstStyle>
-          <a:p/>
+          <a:p>
+            <a:endParaRPr/>
+          </a:p>
         </p:txBody>
       </p:sp>
       <p:sp>
         <p:nvSpPr>
           <p:cNvPr id="8" name="Google Shape;8;p1"/>
-          <p:cNvSpPr txBox="1"/>
+          <p:cNvSpPr txBox="1">
+            <a:spLocks noGrp="1"/>
+          </p:cNvSpPr>
           <p:nvPr>
-            <p:ph idx="12" type="sldNum"/>
+            <p:ph type="sldNum" idx="12"/>
           </p:nvPr>
         </p:nvSpPr>
         <p:spPr>
@@ -9710,7 +9715,7 @@
           </a:ln>
         </p:spPr>
         <p:txBody>
-          <a:bodyPr anchorCtr="0" anchor="ctr" bIns="91425" lIns="91425" spcFirstLastPara="1" rIns="91425" wrap="square" tIns="91425">
+          <a:bodyPr spcFirstLastPara="1" wrap="square" lIns="91425" tIns="91425" rIns="91425" bIns="91425" anchor="ctr" anchorCtr="0">
             <a:normAutofit/>
           </a:bodyPr>
           <a:lstStyle>
@@ -9824,7 +9829,7 @@
             </a:lvl9pPr>
           </a:lstStyle>
           <a:p>
-            <a:pPr indent="0" lvl="0" marL="0" rtl="0" algn="r">
+            <a:pPr marL="0" lvl="0" indent="0" algn="r" rtl="0">
               <a:spcBef>
                 <a:spcPts val="0"/>
               </a:spcBef>
@@ -9843,7 +9848,7 @@
       </p:sp>
     </p:spTree>
   </p:cSld>
-  <p:clrMap accent1="accent1" accent2="accent2" accent3="accent3" accent4="accent4" accent5="accent5" accent6="accent6" bg1="lt1" bg2="dk2" tx1="dk1" tx2="lt2" folHlink="folHlink" hlink="hlink"/>
+  <p:clrMap bg1="lt1" tx1="dk1" bg2="dk2" tx2="lt2" accent1="accent1" accent2="accent2" accent3="accent3" accent4="accent4" accent5="accent5" accent6="accent6" hlink="hlink" folHlink="folHlink"/>
   <p:sldLayoutIdLst>
     <p:sldLayoutId id="2147483648" r:id="rId1"/>
     <p:sldLayoutId id="2147483649" r:id="rId2"/>
@@ -9857,10 +9862,10 @@
     <p:sldLayoutId id="2147483657" r:id="rId10"/>
     <p:sldLayoutId id="2147483658" r:id="rId11"/>
   </p:sldLayoutIdLst>
-  <p:hf dt="0" ftr="0" hdr="0" sldNum="0"/>
+  <p:hf sldNum="0" hdr="0" ftr="0" dt="0"/>
   <p:txStyles>
     <p:titleStyle>
-      <a:defPPr lvl="0" marR="0" rtl="0" algn="l">
+      <a:defPPr marR="0" lvl="0" algn="l" rtl="0">
         <a:lnSpc>
           <a:spcPct val="100000"/>
         </a:lnSpc>
@@ -9871,7 +9876,7 @@
           <a:spcPts val="0"/>
         </a:spcAft>
       </a:defPPr>
-      <a:lvl1pPr lvl="0" marR="0" rtl="0" algn="l">
+      <a:lvl1pPr marR="0" lvl="0" algn="l" rtl="0">
         <a:lnSpc>
           <a:spcPct val="100000"/>
         </a:lnSpc>
@@ -9885,7 +9890,7 @@
           <a:srgbClr val="000000"/>
         </a:buClr>
         <a:buFont typeface="Arial"/>
-        <a:defRPr b="0" i="0" sz="1400" u="none" cap="none" strike="noStrike">
+        <a:defRPr sz="1400" b="0" i="0" u="none" strike="noStrike" cap="none">
           <a:solidFill>
             <a:srgbClr val="000000"/>
           </a:solidFill>
@@ -9895,7 +9900,7 @@
           <a:sym typeface="Arial"/>
         </a:defRPr>
       </a:lvl1pPr>
-      <a:lvl2pPr lvl="1" marR="0" rtl="0" algn="l">
+      <a:lvl2pPr marR="0" lvl="1" algn="l" rtl="0">
         <a:lnSpc>
           <a:spcPct val="100000"/>
         </a:lnSpc>
@@ -9909,7 +9914,7 @@
           <a:srgbClr val="000000"/>
         </a:buClr>
         <a:buFont typeface="Arial"/>
-        <a:defRPr b="0" i="0" sz="1400" u="none" cap="none" strike="noStrike">
+        <a:defRPr sz="1400" b="0" i="0" u="none" strike="noStrike" cap="none">
           <a:solidFill>
             <a:srgbClr val="000000"/>
           </a:solidFill>
@@ -9919,7 +9924,7 @@
           <a:sym typeface="Arial"/>
         </a:defRPr>
       </a:lvl2pPr>
-      <a:lvl3pPr lvl="2" marR="0" rtl="0" algn="l">
+      <a:lvl3pPr marR="0" lvl="2" algn="l" rtl="0">
         <a:lnSpc>
           <a:spcPct val="100000"/>
         </a:lnSpc>
@@ -9933,7 +9938,7 @@
           <a:srgbClr val="000000"/>
         </a:buClr>
         <a:buFont typeface="Arial"/>
-        <a:defRPr b="0" i="0" sz="1400" u="none" cap="none" strike="noStrike">
+        <a:defRPr sz="1400" b="0" i="0" u="none" strike="noStrike" cap="none">
           <a:solidFill>
             <a:srgbClr val="000000"/>
           </a:solidFill>
@@ -9943,7 +9948,7 @@
           <a:sym typeface="Arial"/>
         </a:defRPr>
       </a:lvl3pPr>
-      <a:lvl4pPr lvl="3" marR="0" rtl="0" algn="l">
+      <a:lvl4pPr marR="0" lvl="3" algn="l" rtl="0">
         <a:lnSpc>
           <a:spcPct val="100000"/>
         </a:lnSpc>
@@ -9957,7 +9962,7 @@
           <a:srgbClr val="000000"/>
         </a:buClr>
         <a:buFont typeface="Arial"/>
-        <a:defRPr b="0" i="0" sz="1400" u="none" cap="none" strike="noStrike">
+        <a:defRPr sz="1400" b="0" i="0" u="none" strike="noStrike" cap="none">
           <a:solidFill>
             <a:srgbClr val="000000"/>
           </a:solidFill>
@@ -9967,7 +9972,7 @@
           <a:sym typeface="Arial"/>
         </a:defRPr>
       </a:lvl4pPr>
-      <a:lvl5pPr lvl="4" marR="0" rtl="0" algn="l">
+      <a:lvl5pPr marR="0" lvl="4" algn="l" rtl="0">
         <a:lnSpc>
           <a:spcPct val="100000"/>
         </a:lnSpc>
@@ -9981,7 +9986,7 @@
           <a:srgbClr val="000000"/>
         </a:buClr>
         <a:buFont typeface="Arial"/>
-        <a:defRPr b="0" i="0" sz="1400" u="none" cap="none" strike="noStrike">
+        <a:defRPr sz="1400" b="0" i="0" u="none" strike="noStrike" cap="none">
           <a:solidFill>
             <a:srgbClr val="000000"/>
           </a:solidFill>
@@ -9991,7 +9996,7 @@
           <a:sym typeface="Arial"/>
         </a:defRPr>
       </a:lvl5pPr>
-      <a:lvl6pPr lvl="5" marR="0" rtl="0" algn="l">
+      <a:lvl6pPr marR="0" lvl="5" algn="l" rtl="0">
         <a:lnSpc>
           <a:spcPct val="100000"/>
         </a:lnSpc>
@@ -10005,7 +10010,7 @@
           <a:srgbClr val="000000"/>
         </a:buClr>
         <a:buFont typeface="Arial"/>
-        <a:defRPr b="0" i="0" sz="1400" u="none" cap="none" strike="noStrike">
+        <a:defRPr sz="1400" b="0" i="0" u="none" strike="noStrike" cap="none">
           <a:solidFill>
             <a:srgbClr val="000000"/>
           </a:solidFill>
@@ -10015,7 +10020,7 @@
           <a:sym typeface="Arial"/>
         </a:defRPr>
       </a:lvl6pPr>
-      <a:lvl7pPr lvl="6" marR="0" rtl="0" algn="l">
+      <a:lvl7pPr marR="0" lvl="6" algn="l" rtl="0">
         <a:lnSpc>
           <a:spcPct val="100000"/>
         </a:lnSpc>
@@ -10029,7 +10034,7 @@
           <a:srgbClr val="000000"/>
         </a:buClr>
         <a:buFont typeface="Arial"/>
-        <a:defRPr b="0" i="0" sz="1400" u="none" cap="none" strike="noStrike">
+        <a:defRPr sz="1400" b="0" i="0" u="none" strike="noStrike" cap="none">
           <a:solidFill>
             <a:srgbClr val="000000"/>
           </a:solidFill>
@@ -10039,7 +10044,7 @@
           <a:sym typeface="Arial"/>
         </a:defRPr>
       </a:lvl7pPr>
-      <a:lvl8pPr lvl="7" marR="0" rtl="0" algn="l">
+      <a:lvl8pPr marR="0" lvl="7" algn="l" rtl="0">
         <a:lnSpc>
           <a:spcPct val="100000"/>
         </a:lnSpc>
@@ -10053,7 +10058,7 @@
           <a:srgbClr val="000000"/>
         </a:buClr>
         <a:buFont typeface="Arial"/>
-        <a:defRPr b="0" i="0" sz="1400" u="none" cap="none" strike="noStrike">
+        <a:defRPr sz="1400" b="0" i="0" u="none" strike="noStrike" cap="none">
           <a:solidFill>
             <a:srgbClr val="000000"/>
           </a:solidFill>
@@ -10063,7 +10068,7 @@
           <a:sym typeface="Arial"/>
         </a:defRPr>
       </a:lvl8pPr>
-      <a:lvl9pPr lvl="8" marR="0" rtl="0" algn="l">
+      <a:lvl9pPr marR="0" lvl="8" algn="l" rtl="0">
         <a:lnSpc>
           <a:spcPct val="100000"/>
         </a:lnSpc>
@@ -10077,7 +10082,7 @@
           <a:srgbClr val="000000"/>
         </a:buClr>
         <a:buFont typeface="Arial"/>
-        <a:defRPr b="0" i="0" sz="1400" u="none" cap="none" strike="noStrike">
+        <a:defRPr sz="1400" b="0" i="0" u="none" strike="noStrike" cap="none">
           <a:solidFill>
             <a:srgbClr val="000000"/>
           </a:solidFill>
@@ -10089,7 +10094,7 @@
       </a:lvl9pPr>
     </p:titleStyle>
     <p:bodyStyle>
-      <a:defPPr lvl="0" marR="0" rtl="0" algn="l">
+      <a:defPPr marR="0" lvl="0" algn="l" rtl="0">
         <a:lnSpc>
           <a:spcPct val="100000"/>
         </a:lnSpc>
@@ -10100,7 +10105,7 @@
           <a:spcPts val="0"/>
         </a:spcAft>
       </a:defPPr>
-      <a:lvl1pPr lvl="0" marR="0" rtl="0" algn="l">
+      <a:lvl1pPr marR="0" lvl="0" algn="l" rtl="0">
         <a:lnSpc>
           <a:spcPct val="100000"/>
         </a:lnSpc>
@@ -10114,7 +10119,7 @@
           <a:srgbClr val="000000"/>
         </a:buClr>
         <a:buFont typeface="Arial"/>
-        <a:defRPr b="0" i="0" sz="1400" u="none" cap="none" strike="noStrike">
+        <a:defRPr sz="1400" b="0" i="0" u="none" strike="noStrike" cap="none">
           <a:solidFill>
             <a:srgbClr val="000000"/>
           </a:solidFill>
@@ -10124,7 +10129,7 @@
           <a:sym typeface="Arial"/>
         </a:defRPr>
       </a:lvl1pPr>
-      <a:lvl2pPr lvl="1" marR="0" rtl="0" algn="l">
+      <a:lvl2pPr marR="0" lvl="1" algn="l" rtl="0">
         <a:lnSpc>
           <a:spcPct val="100000"/>
         </a:lnSpc>
@@ -10138,7 +10143,7 @@
           <a:srgbClr val="000000"/>
         </a:buClr>
         <a:buFont typeface="Arial"/>
-        <a:defRPr b="0" i="0" sz="1400" u="none" cap="none" strike="noStrike">
+        <a:defRPr sz="1400" b="0" i="0" u="none" strike="noStrike" cap="none">
           <a:solidFill>
             <a:srgbClr val="000000"/>
           </a:solidFill>
@@ -10148,7 +10153,7 @@
           <a:sym typeface="Arial"/>
         </a:defRPr>
       </a:lvl2pPr>
-      <a:lvl3pPr lvl="2" marR="0" rtl="0" algn="l">
+      <a:lvl3pPr marR="0" lvl="2" algn="l" rtl="0">
         <a:lnSpc>
           <a:spcPct val="100000"/>
         </a:lnSpc>
@@ -10162,7 +10167,7 @@
           <a:srgbClr val="000000"/>
         </a:buClr>
         <a:buFont typeface="Arial"/>
-        <a:defRPr b="0" i="0" sz="1400" u="none" cap="none" strike="noStrike">
+        <a:defRPr sz="1400" b="0" i="0" u="none" strike="noStrike" cap="none">
           <a:solidFill>
             <a:srgbClr val="000000"/>
           </a:solidFill>
@@ -10172,7 +10177,7 @@
           <a:sym typeface="Arial"/>
         </a:defRPr>
       </a:lvl3pPr>
-      <a:lvl4pPr lvl="3" marR="0" rtl="0" algn="l">
+      <a:lvl4pPr marR="0" lvl="3" algn="l" rtl="0">
         <a:lnSpc>
           <a:spcPct val="100000"/>
         </a:lnSpc>
@@ -10186,7 +10191,7 @@
           <a:srgbClr val="000000"/>
         </a:buClr>
         <a:buFont typeface="Arial"/>
-        <a:defRPr b="0" i="0" sz="1400" u="none" cap="none" strike="noStrike">
+        <a:defRPr sz="1400" b="0" i="0" u="none" strike="noStrike" cap="none">
           <a:solidFill>
             <a:srgbClr val="000000"/>
           </a:solidFill>
@@ -10196,7 +10201,7 @@
           <a:sym typeface="Arial"/>
         </a:defRPr>
       </a:lvl4pPr>
-      <a:lvl5pPr lvl="4" marR="0" rtl="0" algn="l">
+      <a:lvl5pPr marR="0" lvl="4" algn="l" rtl="0">
         <a:lnSpc>
           <a:spcPct val="100000"/>
         </a:lnSpc>
@@ -10210,7 +10215,7 @@
           <a:srgbClr val="000000"/>
         </a:buClr>
         <a:buFont typeface="Arial"/>
-        <a:defRPr b="0" i="0" sz="1400" u="none" cap="none" strike="noStrike">
+        <a:defRPr sz="1400" b="0" i="0" u="none" strike="noStrike" cap="none">
           <a:solidFill>
             <a:srgbClr val="000000"/>
           </a:solidFill>
@@ -10220,7 +10225,7 @@
           <a:sym typeface="Arial"/>
         </a:defRPr>
       </a:lvl5pPr>
-      <a:lvl6pPr lvl="5" marR="0" rtl="0" algn="l">
+      <a:lvl6pPr marR="0" lvl="5" algn="l" rtl="0">
         <a:lnSpc>
           <a:spcPct val="100000"/>
         </a:lnSpc>
@@ -10234,7 +10239,7 @@
           <a:srgbClr val="000000"/>
         </a:buClr>
         <a:buFont typeface="Arial"/>
-        <a:defRPr b="0" i="0" sz="1400" u="none" cap="none" strike="noStrike">
+        <a:defRPr sz="1400" b="0" i="0" u="none" strike="noStrike" cap="none">
           <a:solidFill>
             <a:srgbClr val="000000"/>
           </a:solidFill>
@@ -10244,7 +10249,7 @@
           <a:sym typeface="Arial"/>
         </a:defRPr>
       </a:lvl6pPr>
-      <a:lvl7pPr lvl="6" marR="0" rtl="0" algn="l">
+      <a:lvl7pPr marR="0" lvl="6" algn="l" rtl="0">
         <a:lnSpc>
           <a:spcPct val="100000"/>
         </a:lnSpc>
@@ -10258,7 +10263,7 @@
           <a:srgbClr val="000000"/>
         </a:buClr>
         <a:buFont typeface="Arial"/>
-        <a:defRPr b="0" i="0" sz="1400" u="none" cap="none" strike="noStrike">
+        <a:defRPr sz="1400" b="0" i="0" u="none" strike="noStrike" cap="none">
           <a:solidFill>
             <a:srgbClr val="000000"/>
           </a:solidFill>
@@ -10268,7 +10273,7 @@
           <a:sym typeface="Arial"/>
         </a:defRPr>
       </a:lvl7pPr>
-      <a:lvl8pPr lvl="7" marR="0" rtl="0" algn="l">
+      <a:lvl8pPr marR="0" lvl="7" algn="l" rtl="0">
         <a:lnSpc>
           <a:spcPct val="100000"/>
         </a:lnSpc>
@@ -10282,7 +10287,7 @@
           <a:srgbClr val="000000"/>
         </a:buClr>
         <a:buFont typeface="Arial"/>
-        <a:defRPr b="0" i="0" sz="1400" u="none" cap="none" strike="noStrike">
+        <a:defRPr sz="1400" b="0" i="0" u="none" strike="noStrike" cap="none">
           <a:solidFill>
             <a:srgbClr val="000000"/>
           </a:solidFill>
@@ -10292,7 +10297,7 @@
           <a:sym typeface="Arial"/>
         </a:defRPr>
       </a:lvl8pPr>
-      <a:lvl9pPr lvl="8" marR="0" rtl="0" algn="l">
+      <a:lvl9pPr marR="0" lvl="8" algn="l" rtl="0">
         <a:lnSpc>
           <a:spcPct val="100000"/>
         </a:lnSpc>
@@ -10306,7 +10311,7 @@
           <a:srgbClr val="000000"/>
         </a:buClr>
         <a:buFont typeface="Arial"/>
-        <a:defRPr b="0" i="0" sz="1400" u="none" cap="none" strike="noStrike">
+        <a:defRPr sz="1400" b="0" i="0" u="none" strike="noStrike" cap="none">
           <a:solidFill>
             <a:srgbClr val="000000"/>
           </a:solidFill>
@@ -10318,7 +10323,7 @@
       </a:lvl9pPr>
     </p:bodyStyle>
     <p:otherStyle>
-      <a:defPPr lvl="0" marR="0" rtl="0" algn="l">
+      <a:defPPr marR="0" lvl="0" algn="l" rtl="0">
         <a:lnSpc>
           <a:spcPct val="100000"/>
         </a:lnSpc>
@@ -10329,7 +10334,7 @@
           <a:spcPts val="0"/>
         </a:spcAft>
       </a:defPPr>
-      <a:lvl1pPr lvl="0" marR="0" rtl="0" algn="l">
+      <a:lvl1pPr marR="0" lvl="0" algn="l" rtl="0">
         <a:lnSpc>
           <a:spcPct val="100000"/>
         </a:lnSpc>
@@ -10343,7 +10348,7 @@
           <a:srgbClr val="000000"/>
         </a:buClr>
         <a:buFont typeface="Arial"/>
-        <a:defRPr b="0" i="0" sz="1400" u="none" cap="none" strike="noStrike">
+        <a:defRPr sz="1400" b="0" i="0" u="none" strike="noStrike" cap="none">
           <a:solidFill>
             <a:srgbClr val="000000"/>
           </a:solidFill>
@@ -10353,7 +10358,7 @@
           <a:sym typeface="Arial"/>
         </a:defRPr>
       </a:lvl1pPr>
-      <a:lvl2pPr lvl="1" marR="0" rtl="0" algn="l">
+      <a:lvl2pPr marR="0" lvl="1" algn="l" rtl="0">
         <a:lnSpc>
           <a:spcPct val="100000"/>
         </a:lnSpc>
@@ -10367,7 +10372,7 @@
           <a:srgbClr val="000000"/>
         </a:buClr>
         <a:buFont typeface="Arial"/>
-        <a:defRPr b="0" i="0" sz="1400" u="none" cap="none" strike="noStrike">
+        <a:defRPr sz="1400" b="0" i="0" u="none" strike="noStrike" cap="none">
           <a:solidFill>
             <a:srgbClr val="000000"/>
           </a:solidFill>
@@ -10377,7 +10382,7 @@
           <a:sym typeface="Arial"/>
         </a:defRPr>
       </a:lvl2pPr>
-      <a:lvl3pPr lvl="2" marR="0" rtl="0" algn="l">
+      <a:lvl3pPr marR="0" lvl="2" algn="l" rtl="0">
         <a:lnSpc>
           <a:spcPct val="100000"/>
         </a:lnSpc>
@@ -10391,7 +10396,7 @@
           <a:srgbClr val="000000"/>
         </a:buClr>
         <a:buFont typeface="Arial"/>
-        <a:defRPr b="0" i="0" sz="1400" u="none" cap="none" strike="noStrike">
+        <a:defRPr sz="1400" b="0" i="0" u="none" strike="noStrike" cap="none">
           <a:solidFill>
             <a:srgbClr val="000000"/>
           </a:solidFill>
@@ -10401,7 +10406,7 @@
           <a:sym typeface="Arial"/>
         </a:defRPr>
       </a:lvl3pPr>
-      <a:lvl4pPr lvl="3" marR="0" rtl="0" algn="l">
+      <a:lvl4pPr marR="0" lvl="3" algn="l" rtl="0">
         <a:lnSpc>
           <a:spcPct val="100000"/>
         </a:lnSpc>
@@ -10415,7 +10420,7 @@
           <a:srgbClr val="000000"/>
         </a:buClr>
         <a:buFont typeface="Arial"/>
-        <a:defRPr b="0" i="0" sz="1400" u="none" cap="none" strike="noStrike">
+        <a:defRPr sz="1400" b="0" i="0" u="none" strike="noStrike" cap="none">
           <a:solidFill>
             <a:srgbClr val="000000"/>
           </a:solidFill>
@@ -10425,7 +10430,7 @@
           <a:sym typeface="Arial"/>
         </a:defRPr>
       </a:lvl4pPr>
-      <a:lvl5pPr lvl="4" marR="0" rtl="0" algn="l">
+      <a:lvl5pPr marR="0" lvl="4" algn="l" rtl="0">
         <a:lnSpc>
           <a:spcPct val="100000"/>
         </a:lnSpc>
@@ -10439,7 +10444,7 @@
           <a:srgbClr val="000000"/>
         </a:buClr>
         <a:buFont typeface="Arial"/>
-        <a:defRPr b="0" i="0" sz="1400" u="none" cap="none" strike="noStrike">
+        <a:defRPr sz="1400" b="0" i="0" u="none" strike="noStrike" cap="none">
           <a:solidFill>
             <a:srgbClr val="000000"/>
           </a:solidFill>
@@ -10449,7 +10454,7 @@
           <a:sym typeface="Arial"/>
         </a:defRPr>
       </a:lvl5pPr>
-      <a:lvl6pPr lvl="5" marR="0" rtl="0" algn="l">
+      <a:lvl6pPr marR="0" lvl="5" algn="l" rtl="0">
         <a:lnSpc>
           <a:spcPct val="100000"/>
         </a:lnSpc>
@@ -10463,7 +10468,7 @@
           <a:srgbClr val="000000"/>
         </a:buClr>
         <a:buFont typeface="Arial"/>
-        <a:defRPr b="0" i="0" sz="1400" u="none" cap="none" strike="noStrike">
+        <a:defRPr sz="1400" b="0" i="0" u="none" strike="noStrike" cap="none">
           <a:solidFill>
             <a:srgbClr val="000000"/>
           </a:solidFill>
@@ -10473,7 +10478,7 @@
           <a:sym typeface="Arial"/>
         </a:defRPr>
       </a:lvl6pPr>
-      <a:lvl7pPr lvl="6" marR="0" rtl="0" algn="l">
+      <a:lvl7pPr marR="0" lvl="6" algn="l" rtl="0">
         <a:lnSpc>
           <a:spcPct val="100000"/>
         </a:lnSpc>
@@ -10487,7 +10492,7 @@
           <a:srgbClr val="000000"/>
         </a:buClr>
         <a:buFont typeface="Arial"/>
-        <a:defRPr b="0" i="0" sz="1400" u="none" cap="none" strike="noStrike">
+        <a:defRPr sz="1400" b="0" i="0" u="none" strike="noStrike" cap="none">
           <a:solidFill>
             <a:srgbClr val="000000"/>
           </a:solidFill>
@@ -10497,7 +10502,7 @@
           <a:sym typeface="Arial"/>
         </a:defRPr>
       </a:lvl7pPr>
-      <a:lvl8pPr lvl="7" marR="0" rtl="0" algn="l">
+      <a:lvl8pPr marR="0" lvl="7" algn="l" rtl="0">
         <a:lnSpc>
           <a:spcPct val="100000"/>
         </a:lnSpc>
@@ -10511,7 +10516,7 @@
           <a:srgbClr val="000000"/>
         </a:buClr>
         <a:buFont typeface="Arial"/>
-        <a:defRPr b="0" i="0" sz="1400" u="none" cap="none" strike="noStrike">
+        <a:defRPr sz="1400" b="0" i="0" u="none" strike="noStrike" cap="none">
           <a:solidFill>
             <a:srgbClr val="000000"/>
           </a:solidFill>
@@ -10521,7 +10526,7 @@
           <a:sym typeface="Arial"/>
         </a:defRPr>
       </a:lvl8pPr>
-      <a:lvl9pPr lvl="8" marR="0" rtl="0" algn="l">
+      <a:lvl9pPr marR="0" lvl="8" algn="l" rtl="0">
         <a:lnSpc>
           <a:spcPct val="100000"/>
         </a:lnSpc>
@@ -10535,7 +10540,7 @@
           <a:srgbClr val="000000"/>
         </a:buClr>
         <a:buFont typeface="Arial"/>
-        <a:defRPr b="0" i="0" sz="1400" u="none" cap="none" strike="noStrike">
+        <a:defRPr sz="1400" b="0" i="0" u="none" strike="noStrike" cap="none">
           <a:solidFill>
             <a:srgbClr val="000000"/>
           </a:solidFill>
@@ -10551,11 +10556,11 @@
 </file>
 
 <file path=ppt/slides/slide1.xml><?xml version="1.0" encoding="utf-8"?>
-<p:sld xmlns:a="http://schemas.openxmlformats.org/drawingml/2006/main" xmlns:r="http://schemas.openxmlformats.org/officeDocument/2006/relationships" xmlns:mc="http://schemas.openxmlformats.org/markup-compatibility/2006" xmlns:mv="urn:schemas-microsoft-com:mac:vml" xmlns:p="http://schemas.openxmlformats.org/presentationml/2006/main" xmlns:c="http://schemas.openxmlformats.org/drawingml/2006/chart" xmlns:dgm="http://schemas.openxmlformats.org/drawingml/2006/diagram" xmlns:o="urn:schemas-microsoft-com:office:office" xmlns:v="urn:schemas-microsoft-com:vml" xmlns:pvml="urn:schemas-microsoft-com:office:powerpoint" xmlns:com="http://schemas.openxmlformats.org/drawingml/2006/compatibility" xmlns:p14="http://schemas.microsoft.com/office/powerpoint/2010/main" xmlns:p15="http://schemas.microsoft.com/office/powerpoint/2012/main" xmlns:ahyp="http://schemas.microsoft.com/office/drawing/2018/hyperlinkcolor">
+<p:sld xmlns:a="http://schemas.openxmlformats.org/drawingml/2006/main" xmlns:r="http://schemas.openxmlformats.org/officeDocument/2006/relationships" xmlns:p="http://schemas.openxmlformats.org/presentationml/2006/main">
   <p:cSld>
     <p:spTree>
       <p:nvGrpSpPr>
-        <p:cNvPr id="133" name="Shape 133"/>
+        <p:cNvPr id="1" name="Shape 133"/>
         <p:cNvGrpSpPr/>
         <p:nvPr/>
       </p:nvGrpSpPr>
@@ -10570,7 +10575,9 @@
       <p:sp>
         <p:nvSpPr>
           <p:cNvPr id="134" name="Google Shape;134;p13"/>
-          <p:cNvSpPr txBox="1"/>
+          <p:cNvSpPr txBox="1">
+            <a:spLocks noGrp="1"/>
+          </p:cNvSpPr>
           <p:nvPr>
             <p:ph type="ctrTitle"/>
           </p:nvPr>
@@ -10585,12 +10592,12 @@
           </a:prstGeom>
         </p:spPr>
         <p:txBody>
-          <a:bodyPr anchorCtr="0" anchor="t" bIns="91425" lIns="91425" spcFirstLastPara="1" rIns="91425" wrap="square" tIns="91425">
+          <a:bodyPr spcFirstLastPara="1" wrap="square" lIns="91425" tIns="91425" rIns="91425" bIns="91425" anchor="t" anchorCtr="0">
             <a:normAutofit/>
           </a:bodyPr>
           <a:lstStyle/>
           <a:p>
-            <a:pPr indent="0" lvl="0" marL="0" rtl="0" algn="l">
+            <a:pPr marL="0" lvl="0" indent="0" algn="l" rtl="0">
               <a:spcBef>
                 <a:spcPts val="0"/>
               </a:spcBef>
@@ -10606,7 +10613,7 @@
             <a:endParaRPr/>
           </a:p>
           <a:p>
-            <a:pPr indent="0" lvl="0" marL="0" rtl="0" algn="l">
+            <a:pPr marL="0" lvl="0" indent="0" algn="l" rtl="0">
               <a:spcBef>
                 <a:spcPts val="0"/>
               </a:spcBef>
@@ -10626,9 +10633,11 @@
       <p:sp>
         <p:nvSpPr>
           <p:cNvPr id="135" name="Google Shape;135;p13"/>
-          <p:cNvSpPr txBox="1"/>
+          <p:cNvSpPr txBox="1">
+            <a:spLocks noGrp="1"/>
+          </p:cNvSpPr>
           <p:nvPr>
-            <p:ph idx="1" type="subTitle"/>
+            <p:ph type="subTitle" idx="1"/>
           </p:nvPr>
         </p:nvSpPr>
         <p:spPr>
@@ -10641,12 +10650,12 @@
           </a:prstGeom>
         </p:spPr>
         <p:txBody>
-          <a:bodyPr anchorCtr="0" anchor="t" bIns="91425" lIns="91425" spcFirstLastPara="1" rIns="91425" wrap="square" tIns="91425">
+          <a:bodyPr spcFirstLastPara="1" wrap="square" lIns="91425" tIns="91425" rIns="91425" bIns="91425" anchor="t" anchorCtr="0">
             <a:normAutofit lnSpcReduction="20000"/>
           </a:bodyPr>
           <a:lstStyle/>
           <a:p>
-            <a:pPr indent="0" lvl="0" marL="0" rtl="0" algn="l">
+            <a:pPr marL="0" lvl="0" indent="0" algn="l" rtl="0">
               <a:spcBef>
                 <a:spcPts val="0"/>
               </a:spcBef>
@@ -10657,15 +10666,7 @@
             </a:pPr>
             <a:r>
               <a:rPr lang="en"/>
-              <a:t>Mosa Hasen, </a:t>
-            </a:r>
-            <a:r>
-              <a:rPr lang="en"/>
-              <a:t>Abdullah Jaura, </a:t>
-            </a:r>
-            <a:r>
-              <a:rPr lang="en"/>
-              <a:t>Imen Najar, Katherine Young</a:t>
+              <a:t>Mosa Hasen, Abdullah Jaura, Imen Najar, Katherine Young</a:t>
             </a:r>
             <a:endParaRPr/>
           </a:p>
@@ -10680,11 +10681,11 @@
 </file>
 
 <file path=ppt/slides/slide10.xml><?xml version="1.0" encoding="utf-8"?>
-<p:sld xmlns:a="http://schemas.openxmlformats.org/drawingml/2006/main" xmlns:r="http://schemas.openxmlformats.org/officeDocument/2006/relationships" xmlns:mc="http://schemas.openxmlformats.org/markup-compatibility/2006" xmlns:mv="urn:schemas-microsoft-com:mac:vml" xmlns:p="http://schemas.openxmlformats.org/presentationml/2006/main" xmlns:c="http://schemas.openxmlformats.org/drawingml/2006/chart" xmlns:dgm="http://schemas.openxmlformats.org/drawingml/2006/diagram" xmlns:o="urn:schemas-microsoft-com:office:office" xmlns:v="urn:schemas-microsoft-com:vml" xmlns:pvml="urn:schemas-microsoft-com:office:powerpoint" xmlns:com="http://schemas.openxmlformats.org/drawingml/2006/compatibility" xmlns:p14="http://schemas.microsoft.com/office/powerpoint/2010/main" xmlns:p15="http://schemas.microsoft.com/office/powerpoint/2012/main" xmlns:ahyp="http://schemas.microsoft.com/office/drawing/2018/hyperlinkcolor">
+<p:sld xmlns:a="http://schemas.openxmlformats.org/drawingml/2006/main" xmlns:r="http://schemas.openxmlformats.org/officeDocument/2006/relationships" xmlns:p="http://schemas.openxmlformats.org/presentationml/2006/main">
   <p:cSld>
     <p:spTree>
       <p:nvGrpSpPr>
-        <p:cNvPr id="191" name="Shape 191"/>
+        <p:cNvPr id="1" name="Shape 191"/>
         <p:cNvGrpSpPr/>
         <p:nvPr/>
       </p:nvGrpSpPr>
@@ -10699,9 +10700,11 @@
       <p:sp>
         <p:nvSpPr>
           <p:cNvPr id="192" name="Google Shape;192;p22"/>
-          <p:cNvSpPr txBox="1"/>
+          <p:cNvSpPr txBox="1">
+            <a:spLocks noGrp="1"/>
+          </p:cNvSpPr>
           <p:nvPr>
-            <p:ph idx="1" type="body"/>
+            <p:ph type="body" idx="1"/>
           </p:nvPr>
         </p:nvSpPr>
         <p:spPr>
@@ -10714,12 +10717,12 @@
           </a:prstGeom>
         </p:spPr>
         <p:txBody>
-          <a:bodyPr anchorCtr="0" anchor="t" bIns="91425" lIns="91425" spcFirstLastPara="1" rIns="91425" wrap="square" tIns="91425">
+          <a:bodyPr spcFirstLastPara="1" wrap="square" lIns="91425" tIns="91425" rIns="91425" bIns="91425" anchor="t" anchorCtr="0">
             <a:normAutofit/>
           </a:bodyPr>
           <a:lstStyle/>
           <a:p>
-            <a:pPr indent="0" lvl="0" marL="0" rtl="0" algn="just">
+            <a:pPr marL="0" lvl="0" indent="0" algn="just" rtl="0">
               <a:spcBef>
                 <a:spcPts val="1200"/>
               </a:spcBef>
@@ -10735,7 +10738,7 @@
             <a:endParaRPr/>
           </a:p>
           <a:p>
-            <a:pPr indent="0" lvl="0" marL="457200" rtl="0" algn="just">
+            <a:pPr marL="457200" lvl="0" indent="0" algn="just" rtl="0">
               <a:spcBef>
                 <a:spcPts val="1200"/>
               </a:spcBef>
@@ -10744,13 +10747,10 @@
               </a:spcAft>
               <a:buNone/>
             </a:pPr>
-            <a:r>
-              <a:t/>
-            </a:r>
             <a:endParaRPr/>
           </a:p>
           <a:p>
-            <a:pPr indent="0" lvl="0" marL="0" rtl="0" algn="just">
+            <a:pPr marL="0" lvl="0" indent="0" algn="just" rtl="0">
               <a:spcBef>
                 <a:spcPts val="1200"/>
               </a:spcBef>
@@ -10766,7 +10766,7 @@
             <a:endParaRPr/>
           </a:p>
           <a:p>
-            <a:pPr indent="0" lvl="0" marL="0" rtl="0" algn="l">
+            <a:pPr marL="0" lvl="0" indent="0" algn="l" rtl="0">
               <a:spcBef>
                 <a:spcPts val="1200"/>
               </a:spcBef>
@@ -10775,9 +10775,6 @@
               </a:spcAft>
               <a:buNone/>
             </a:pPr>
-            <a:r>
-              <a:t/>
-            </a:r>
             <a:endParaRPr/>
           </a:p>
         </p:txBody>
@@ -10813,7 +10810,9 @@
       <p:sp>
         <p:nvSpPr>
           <p:cNvPr id="194" name="Google Shape;194;p22"/>
-          <p:cNvSpPr txBox="1"/>
+          <p:cNvSpPr txBox="1">
+            <a:spLocks noGrp="1"/>
+          </p:cNvSpPr>
           <p:nvPr>
             <p:ph type="title"/>
           </p:nvPr>
@@ -10828,12 +10827,12 @@
           </a:prstGeom>
         </p:spPr>
         <p:txBody>
-          <a:bodyPr anchorCtr="0" anchor="t" bIns="91425" lIns="91425" spcFirstLastPara="1" rIns="91425" wrap="square" tIns="91425">
+          <a:bodyPr spcFirstLastPara="1" wrap="square" lIns="91425" tIns="91425" rIns="91425" bIns="91425" anchor="t" anchorCtr="0">
             <a:noAutofit/>
           </a:bodyPr>
           <a:lstStyle/>
           <a:p>
-            <a:pPr indent="0" lvl="0" marL="0" rtl="0" algn="just">
+            <a:pPr marL="0" lvl="0" indent="0" algn="just" rtl="0">
               <a:spcBef>
                 <a:spcPts val="0"/>
               </a:spcBef>
@@ -10849,7 +10848,7 @@
             <a:endParaRPr/>
           </a:p>
           <a:p>
-            <a:pPr indent="0" lvl="0" marL="0" rtl="0" algn="just">
+            <a:pPr marL="0" lvl="0" indent="0" algn="just" rtl="0">
               <a:spcBef>
                 <a:spcPts val="0"/>
               </a:spcBef>
@@ -10875,11 +10874,11 @@
 </file>
 
 <file path=ppt/slides/slide11.xml><?xml version="1.0" encoding="utf-8"?>
-<p:sld xmlns:a="http://schemas.openxmlformats.org/drawingml/2006/main" xmlns:r="http://schemas.openxmlformats.org/officeDocument/2006/relationships" xmlns:mc="http://schemas.openxmlformats.org/markup-compatibility/2006" xmlns:mv="urn:schemas-microsoft-com:mac:vml" xmlns:p="http://schemas.openxmlformats.org/presentationml/2006/main" xmlns:c="http://schemas.openxmlformats.org/drawingml/2006/chart" xmlns:dgm="http://schemas.openxmlformats.org/drawingml/2006/diagram" xmlns:o="urn:schemas-microsoft-com:office:office" xmlns:v="urn:schemas-microsoft-com:vml" xmlns:pvml="urn:schemas-microsoft-com:office:powerpoint" xmlns:com="http://schemas.openxmlformats.org/drawingml/2006/compatibility" xmlns:p14="http://schemas.microsoft.com/office/powerpoint/2010/main" xmlns:p15="http://schemas.microsoft.com/office/powerpoint/2012/main" xmlns:ahyp="http://schemas.microsoft.com/office/drawing/2018/hyperlinkcolor">
+<p:sld xmlns:a="http://schemas.openxmlformats.org/drawingml/2006/main" xmlns:r="http://schemas.openxmlformats.org/officeDocument/2006/relationships" xmlns:p="http://schemas.openxmlformats.org/presentationml/2006/main">
   <p:cSld>
     <p:spTree>
       <p:nvGrpSpPr>
-        <p:cNvPr id="198" name="Shape 198"/>
+        <p:cNvPr id="1" name="Shape 198"/>
         <p:cNvGrpSpPr/>
         <p:nvPr/>
       </p:nvGrpSpPr>
@@ -10894,7 +10893,9 @@
       <p:sp>
         <p:nvSpPr>
           <p:cNvPr id="199" name="Google Shape;199;p23"/>
-          <p:cNvSpPr txBox="1"/>
+          <p:cNvSpPr txBox="1">
+            <a:spLocks noGrp="1"/>
+          </p:cNvSpPr>
           <p:nvPr>
             <p:ph type="title"/>
           </p:nvPr>
@@ -10909,12 +10910,12 @@
           </a:prstGeom>
         </p:spPr>
         <p:txBody>
-          <a:bodyPr anchorCtr="0" anchor="t" bIns="91425" lIns="91425" spcFirstLastPara="1" rIns="91425" wrap="square" tIns="91425">
+          <a:bodyPr spcFirstLastPara="1" wrap="square" lIns="91425" tIns="91425" rIns="91425" bIns="91425" anchor="t" anchorCtr="0">
             <a:normAutofit fontScale="90000"/>
           </a:bodyPr>
           <a:lstStyle/>
           <a:p>
-            <a:pPr indent="0" lvl="0" marL="0" rtl="0" algn="l">
+            <a:pPr marL="0" lvl="0" indent="0" algn="l" rtl="0">
               <a:spcBef>
                 <a:spcPts val="0"/>
               </a:spcBef>
@@ -10925,11 +10926,7 @@
             </a:pPr>
             <a:r>
               <a:rPr lang="en"/>
-              <a:t>Relationship between </a:t>
-            </a:r>
-            <a:r>
-              <a:rPr lang="en"/>
-              <a:t>Median Debt at Graduation and Debt Repayment Rate - 5 years</a:t>
+              <a:t>Relationship between Median Debt at Graduation and Debt Repayment Rate - 5 years</a:t>
             </a:r>
             <a:endParaRPr/>
           </a:p>
@@ -10938,9 +10935,11 @@
       <p:sp>
         <p:nvSpPr>
           <p:cNvPr id="200" name="Google Shape;200;p23"/>
-          <p:cNvSpPr txBox="1"/>
+          <p:cNvSpPr txBox="1">
+            <a:spLocks noGrp="1"/>
+          </p:cNvSpPr>
           <p:nvPr>
-            <p:ph idx="1" type="body"/>
+            <p:ph type="body" idx="1"/>
           </p:nvPr>
         </p:nvSpPr>
         <p:spPr>
@@ -10953,12 +10952,12 @@
           </a:prstGeom>
         </p:spPr>
         <p:txBody>
-          <a:bodyPr anchorCtr="0" anchor="t" bIns="91425" lIns="91425" spcFirstLastPara="1" rIns="91425" wrap="square" tIns="91425">
+          <a:bodyPr spcFirstLastPara="1" wrap="square" lIns="91425" tIns="91425" rIns="91425" bIns="91425" anchor="t" anchorCtr="0">
             <a:noAutofit/>
           </a:bodyPr>
           <a:lstStyle/>
           <a:p>
-            <a:pPr indent="0" lvl="0" marL="0" rtl="0" algn="l">
+            <a:pPr marL="0" lvl="0" indent="0" algn="l" rtl="0">
               <a:spcBef>
                 <a:spcPts val="0"/>
               </a:spcBef>
@@ -10974,7 +10973,7 @@
             <a:endParaRPr sz="1550"/>
           </a:p>
           <a:p>
-            <a:pPr indent="0" lvl="0" marL="0" rtl="0" algn="l">
+            <a:pPr marL="0" lvl="0" indent="0" algn="l" rtl="0">
               <a:spcBef>
                 <a:spcPts val="1200"/>
               </a:spcBef>
@@ -11002,7 +11001,7 @@
             <a:endParaRPr sz="1550"/>
           </a:p>
           <a:p>
-            <a:pPr indent="0" lvl="0" marL="0" rtl="0" algn="l">
+            <a:pPr marL="0" lvl="0" indent="0" algn="l" rtl="0">
               <a:spcBef>
                 <a:spcPts val="1200"/>
               </a:spcBef>
@@ -11056,11 +11055,11 @@
 </file>
 
 <file path=ppt/slides/slide12.xml><?xml version="1.0" encoding="utf-8"?>
-<p:sld xmlns:a="http://schemas.openxmlformats.org/drawingml/2006/main" xmlns:r="http://schemas.openxmlformats.org/officeDocument/2006/relationships" xmlns:mc="http://schemas.openxmlformats.org/markup-compatibility/2006" xmlns:mv="urn:schemas-microsoft-com:mac:vml" xmlns:p="http://schemas.openxmlformats.org/presentationml/2006/main" xmlns:c="http://schemas.openxmlformats.org/drawingml/2006/chart" xmlns:dgm="http://schemas.openxmlformats.org/drawingml/2006/diagram" xmlns:o="urn:schemas-microsoft-com:office:office" xmlns:v="urn:schemas-microsoft-com:vml" xmlns:pvml="urn:schemas-microsoft-com:office:powerpoint" xmlns:com="http://schemas.openxmlformats.org/drawingml/2006/compatibility" xmlns:p14="http://schemas.microsoft.com/office/powerpoint/2010/main" xmlns:p15="http://schemas.microsoft.com/office/powerpoint/2012/main" xmlns:ahyp="http://schemas.microsoft.com/office/drawing/2018/hyperlinkcolor">
+<p:sld xmlns:a="http://schemas.openxmlformats.org/drawingml/2006/main" xmlns:r="http://schemas.openxmlformats.org/officeDocument/2006/relationships" xmlns:p="http://schemas.openxmlformats.org/presentationml/2006/main">
   <p:cSld>
     <p:spTree>
       <p:nvGrpSpPr>
-        <p:cNvPr id="205" name="Shape 205"/>
+        <p:cNvPr id="1" name="Shape 205"/>
         <p:cNvGrpSpPr/>
         <p:nvPr/>
       </p:nvGrpSpPr>
@@ -11075,9 +11074,11 @@
       <p:sp>
         <p:nvSpPr>
           <p:cNvPr id="206" name="Google Shape;206;p24"/>
-          <p:cNvSpPr txBox="1"/>
+          <p:cNvSpPr txBox="1">
+            <a:spLocks noGrp="1"/>
+          </p:cNvSpPr>
           <p:nvPr>
-            <p:ph idx="1" type="body"/>
+            <p:ph type="body" idx="1"/>
           </p:nvPr>
         </p:nvSpPr>
         <p:spPr>
@@ -11090,12 +11091,12 @@
           </a:prstGeom>
         </p:spPr>
         <p:txBody>
-          <a:bodyPr anchorCtr="0" anchor="t" bIns="91425" lIns="91425" spcFirstLastPara="1" rIns="91425" wrap="square" tIns="91425">
+          <a:bodyPr spcFirstLastPara="1" wrap="square" lIns="91425" tIns="91425" rIns="91425" bIns="91425" anchor="t" anchorCtr="0">
             <a:normAutofit/>
           </a:bodyPr>
           <a:lstStyle/>
           <a:p>
-            <a:pPr indent="0" lvl="0" marL="0" rtl="0" algn="l">
+            <a:pPr marL="0" lvl="0" indent="0" algn="l" rtl="0">
               <a:spcBef>
                 <a:spcPts val="0"/>
               </a:spcBef>
@@ -11106,16 +11107,12 @@
             </a:pPr>
             <a:r>
               <a:rPr lang="en"/>
-              <a:t>Majority of  the Tuition cost generally stays under $40,000 with most </a:t>
-            </a:r>
-            <a:r>
-              <a:rPr lang="en"/>
-              <a:t>graduates making less than $60,000</a:t>
+              <a:t>Majority of  the Tuition cost generally stays under $40,000 with most graduates making less than $60,000</a:t>
             </a:r>
             <a:endParaRPr/>
           </a:p>
           <a:p>
-            <a:pPr indent="0" lvl="0" marL="0" rtl="0" algn="l">
+            <a:pPr marL="0" lvl="0" indent="0" algn="l" rtl="0">
               <a:spcBef>
                 <a:spcPts val="1200"/>
               </a:spcBef>
@@ -11131,7 +11128,7 @@
             <a:endParaRPr/>
           </a:p>
           <a:p>
-            <a:pPr indent="0" lvl="0" marL="0" rtl="0" algn="l">
+            <a:pPr marL="0" lvl="0" indent="0" algn="l" rtl="0">
               <a:spcBef>
                 <a:spcPts val="1200"/>
               </a:spcBef>
@@ -11196,12 +11193,12 @@
           </a:ln>
         </p:spPr>
         <p:txBody>
-          <a:bodyPr anchorCtr="0" anchor="t" bIns="91425" lIns="91425" spcFirstLastPara="1" rIns="91425" wrap="square" tIns="91425">
+          <a:bodyPr spcFirstLastPara="1" wrap="square" lIns="91425" tIns="91425" rIns="91425" bIns="91425" anchor="t" anchorCtr="0">
             <a:noAutofit/>
           </a:bodyPr>
           <a:lstStyle/>
           <a:p>
-            <a:pPr indent="0" lvl="0" marL="0" rtl="0" algn="l">
+            <a:pPr marL="0" lvl="0" indent="0" algn="l" rtl="0">
               <a:lnSpc>
                 <a:spcPct val="110795"/>
               </a:lnSpc>
@@ -11214,7 +11211,7 @@
               <a:buNone/>
             </a:pPr>
             <a:r>
-              <a:rPr b="1" lang="en" sz="1300">
+              <a:rPr lang="en" sz="1300" b="1">
                 <a:solidFill>
                   <a:srgbClr val="FF0000"/>
                 </a:solidFill>
@@ -11224,7 +11221,7 @@
               </a:rPr>
               <a:t>y = 0.50x + 811.35</a:t>
             </a:r>
-            <a:endParaRPr b="1" sz="1600">
+            <a:endParaRPr sz="1600" b="1">
               <a:solidFill>
                 <a:srgbClr val="FF0000"/>
               </a:solidFill>
@@ -11239,7 +11236,9 @@
       <p:sp>
         <p:nvSpPr>
           <p:cNvPr id="209" name="Google Shape;209;p24"/>
-          <p:cNvSpPr txBox="1"/>
+          <p:cNvSpPr txBox="1">
+            <a:spLocks noGrp="1"/>
+          </p:cNvSpPr>
           <p:nvPr>
             <p:ph type="title"/>
           </p:nvPr>
@@ -11254,12 +11253,12 @@
           </a:prstGeom>
         </p:spPr>
         <p:txBody>
-          <a:bodyPr anchorCtr="0" anchor="t" bIns="91425" lIns="91425" spcFirstLastPara="1" rIns="91425" wrap="square" tIns="91425">
+          <a:bodyPr spcFirstLastPara="1" wrap="square" lIns="91425" tIns="91425" rIns="91425" bIns="91425" anchor="t" anchorCtr="0">
             <a:noAutofit/>
           </a:bodyPr>
           <a:lstStyle/>
           <a:p>
-            <a:pPr indent="0" lvl="0" marL="0" rtl="0" algn="l">
+            <a:pPr marL="0" lvl="0" indent="0" algn="l" rtl="0">
               <a:spcBef>
                 <a:spcPts val="0"/>
               </a:spcBef>
@@ -11285,11 +11284,11 @@
 </file>
 
 <file path=ppt/slides/slide13.xml><?xml version="1.0" encoding="utf-8"?>
-<p:sld xmlns:a="http://schemas.openxmlformats.org/drawingml/2006/main" xmlns:r="http://schemas.openxmlformats.org/officeDocument/2006/relationships" xmlns:mc="http://schemas.openxmlformats.org/markup-compatibility/2006" xmlns:mv="urn:schemas-microsoft-com:mac:vml" xmlns:p="http://schemas.openxmlformats.org/presentationml/2006/main" xmlns:c="http://schemas.openxmlformats.org/drawingml/2006/chart" xmlns:dgm="http://schemas.openxmlformats.org/drawingml/2006/diagram" xmlns:o="urn:schemas-microsoft-com:office:office" xmlns:v="urn:schemas-microsoft-com:vml" xmlns:pvml="urn:schemas-microsoft-com:office:powerpoint" xmlns:com="http://schemas.openxmlformats.org/drawingml/2006/compatibility" xmlns:p14="http://schemas.microsoft.com/office/powerpoint/2010/main" xmlns:p15="http://schemas.microsoft.com/office/powerpoint/2012/main" xmlns:ahyp="http://schemas.microsoft.com/office/drawing/2018/hyperlinkcolor">
+<p:sld xmlns:a="http://schemas.openxmlformats.org/drawingml/2006/main" xmlns:r="http://schemas.openxmlformats.org/officeDocument/2006/relationships" xmlns:p="http://schemas.openxmlformats.org/presentationml/2006/main">
   <p:cSld>
     <p:spTree>
       <p:nvGrpSpPr>
-        <p:cNvPr id="213" name="Shape 213"/>
+        <p:cNvPr id="1" name="Shape 213"/>
         <p:cNvGrpSpPr/>
         <p:nvPr/>
       </p:nvGrpSpPr>
@@ -11304,7 +11303,9 @@
       <p:sp>
         <p:nvSpPr>
           <p:cNvPr id="214" name="Google Shape;214;p25"/>
-          <p:cNvSpPr txBox="1"/>
+          <p:cNvSpPr txBox="1">
+            <a:spLocks noGrp="1"/>
+          </p:cNvSpPr>
           <p:nvPr>
             <p:ph type="title"/>
           </p:nvPr>
@@ -11319,12 +11320,12 @@
           </a:prstGeom>
         </p:spPr>
         <p:txBody>
-          <a:bodyPr anchorCtr="0" anchor="t" bIns="91425" lIns="91425" spcFirstLastPara="1" rIns="91425" wrap="square" tIns="91425">
+          <a:bodyPr spcFirstLastPara="1" wrap="square" lIns="91425" tIns="91425" rIns="91425" bIns="91425" anchor="t" anchorCtr="0">
             <a:noAutofit/>
           </a:bodyPr>
           <a:lstStyle/>
           <a:p>
-            <a:pPr indent="0" lvl="0" marL="0" rtl="0" algn="l">
+            <a:pPr marL="0" lvl="0" indent="0" algn="l" rtl="0">
               <a:spcBef>
                 <a:spcPts val="0"/>
               </a:spcBef>
@@ -11348,9 +11349,11 @@
       <p:sp>
         <p:nvSpPr>
           <p:cNvPr id="215" name="Google Shape;215;p25"/>
-          <p:cNvSpPr txBox="1"/>
+          <p:cNvSpPr txBox="1">
+            <a:spLocks noGrp="1"/>
+          </p:cNvSpPr>
           <p:nvPr>
-            <p:ph idx="1" type="body"/>
+            <p:ph type="body" idx="1"/>
           </p:nvPr>
         </p:nvSpPr>
         <p:spPr>
@@ -11363,12 +11366,12 @@
           </a:prstGeom>
         </p:spPr>
         <p:txBody>
-          <a:bodyPr anchorCtr="0" anchor="t" bIns="91425" lIns="91425" spcFirstLastPara="1" rIns="91425" wrap="square" tIns="91425">
+          <a:bodyPr spcFirstLastPara="1" wrap="square" lIns="91425" tIns="91425" rIns="91425" bIns="91425" anchor="t" anchorCtr="0">
             <a:normAutofit/>
           </a:bodyPr>
           <a:lstStyle/>
           <a:p>
-            <a:pPr indent="0" lvl="0" marL="0" rtl="0" algn="l">
+            <a:pPr marL="0" lvl="0" indent="0" algn="l" rtl="0">
               <a:spcBef>
                 <a:spcPts val="0"/>
               </a:spcBef>
@@ -11384,7 +11387,7 @@
             <a:endParaRPr/>
           </a:p>
           <a:p>
-            <a:pPr indent="0" lvl="0" marL="0" rtl="0" algn="l">
+            <a:pPr marL="0" lvl="0" indent="0" algn="l" rtl="0">
               <a:spcBef>
                 <a:spcPts val="1200"/>
               </a:spcBef>
@@ -11438,11 +11441,11 @@
 </file>
 
 <file path=ppt/slides/slide14.xml><?xml version="1.0" encoding="utf-8"?>
-<p:sld xmlns:a="http://schemas.openxmlformats.org/drawingml/2006/main" xmlns:r="http://schemas.openxmlformats.org/officeDocument/2006/relationships" xmlns:mc="http://schemas.openxmlformats.org/markup-compatibility/2006" xmlns:mv="urn:schemas-microsoft-com:mac:vml" xmlns:p="http://schemas.openxmlformats.org/presentationml/2006/main" xmlns:c="http://schemas.openxmlformats.org/drawingml/2006/chart" xmlns:dgm="http://schemas.openxmlformats.org/drawingml/2006/diagram" xmlns:o="urn:schemas-microsoft-com:office:office" xmlns:v="urn:schemas-microsoft-com:vml" xmlns:pvml="urn:schemas-microsoft-com:office:powerpoint" xmlns:com="http://schemas.openxmlformats.org/drawingml/2006/compatibility" xmlns:p14="http://schemas.microsoft.com/office/powerpoint/2010/main" xmlns:p15="http://schemas.microsoft.com/office/powerpoint/2012/main" xmlns:ahyp="http://schemas.microsoft.com/office/drawing/2018/hyperlinkcolor">
+<p:sld xmlns:a="http://schemas.openxmlformats.org/drawingml/2006/main" xmlns:r="http://schemas.openxmlformats.org/officeDocument/2006/relationships" xmlns:p="http://schemas.openxmlformats.org/presentationml/2006/main">
   <p:cSld>
     <p:spTree>
       <p:nvGrpSpPr>
-        <p:cNvPr id="220" name="Shape 220"/>
+        <p:cNvPr id="1" name="Shape 220"/>
         <p:cNvGrpSpPr/>
         <p:nvPr/>
       </p:nvGrpSpPr>
@@ -11457,7 +11460,9 @@
       <p:sp>
         <p:nvSpPr>
           <p:cNvPr id="221" name="Google Shape;221;p26"/>
-          <p:cNvSpPr txBox="1"/>
+          <p:cNvSpPr txBox="1">
+            <a:spLocks noGrp="1"/>
+          </p:cNvSpPr>
           <p:nvPr>
             <p:ph type="title"/>
           </p:nvPr>
@@ -11472,12 +11477,12 @@
           </a:prstGeom>
         </p:spPr>
         <p:txBody>
-          <a:bodyPr anchorCtr="0" anchor="ctr" bIns="91425" lIns="91425" spcFirstLastPara="1" rIns="91425" wrap="square" tIns="91425">
+          <a:bodyPr spcFirstLastPara="1" wrap="square" lIns="91425" tIns="91425" rIns="91425" bIns="91425" anchor="ctr" anchorCtr="0">
             <a:normAutofit/>
           </a:bodyPr>
           <a:lstStyle/>
           <a:p>
-            <a:pPr indent="0" lvl="0" marL="0" rtl="0" algn="l">
+            <a:pPr marL="0" lvl="0" indent="0" algn="l" rtl="0">
               <a:spcBef>
                 <a:spcPts val="0"/>
               </a:spcBef>
@@ -11503,11 +11508,11 @@
 </file>
 
 <file path=ppt/slides/slide15.xml><?xml version="1.0" encoding="utf-8"?>
-<p:sld xmlns:a="http://schemas.openxmlformats.org/drawingml/2006/main" xmlns:r="http://schemas.openxmlformats.org/officeDocument/2006/relationships" xmlns:mc="http://schemas.openxmlformats.org/markup-compatibility/2006" xmlns:mv="urn:schemas-microsoft-com:mac:vml" xmlns:p="http://schemas.openxmlformats.org/presentationml/2006/main" xmlns:c="http://schemas.openxmlformats.org/drawingml/2006/chart" xmlns:dgm="http://schemas.openxmlformats.org/drawingml/2006/diagram" xmlns:o="urn:schemas-microsoft-com:office:office" xmlns:v="urn:schemas-microsoft-com:vml" xmlns:pvml="urn:schemas-microsoft-com:office:powerpoint" xmlns:com="http://schemas.openxmlformats.org/drawingml/2006/compatibility" xmlns:p14="http://schemas.microsoft.com/office/powerpoint/2010/main" xmlns:p15="http://schemas.microsoft.com/office/powerpoint/2012/main" xmlns:ahyp="http://schemas.microsoft.com/office/drawing/2018/hyperlinkcolor">
+<p:sld xmlns:a="http://schemas.openxmlformats.org/drawingml/2006/main" xmlns:r="http://schemas.openxmlformats.org/officeDocument/2006/relationships" xmlns:p="http://schemas.openxmlformats.org/presentationml/2006/main">
   <p:cSld>
     <p:spTree>
       <p:nvGrpSpPr>
-        <p:cNvPr id="225" name="Shape 225"/>
+        <p:cNvPr id="1" name="Shape 225"/>
         <p:cNvGrpSpPr/>
         <p:nvPr/>
       </p:nvGrpSpPr>
@@ -11522,7 +11527,9 @@
       <p:sp>
         <p:nvSpPr>
           <p:cNvPr id="226" name="Google Shape;226;p27"/>
-          <p:cNvSpPr txBox="1"/>
+          <p:cNvSpPr txBox="1">
+            <a:spLocks noGrp="1"/>
+          </p:cNvSpPr>
           <p:nvPr>
             <p:ph type="title"/>
           </p:nvPr>
@@ -11537,12 +11544,12 @@
           </a:prstGeom>
         </p:spPr>
         <p:txBody>
-          <a:bodyPr anchorCtr="0" anchor="t" bIns="91425" lIns="91425" spcFirstLastPara="1" rIns="91425" wrap="square" tIns="91425">
+          <a:bodyPr spcFirstLastPara="1" wrap="square" lIns="91425" tIns="91425" rIns="91425" bIns="91425" anchor="t" anchorCtr="0">
             <a:normAutofit/>
           </a:bodyPr>
           <a:lstStyle/>
           <a:p>
-            <a:pPr indent="0" lvl="0" marL="0" rtl="0" algn="l">
+            <a:pPr marL="0" lvl="0" indent="0" algn="l" rtl="0">
               <a:spcBef>
                 <a:spcPts val="0"/>
               </a:spcBef>
@@ -11566,9 +11573,11 @@
       <p:sp>
         <p:nvSpPr>
           <p:cNvPr id="227" name="Google Shape;227;p27"/>
-          <p:cNvSpPr txBox="1"/>
+          <p:cNvSpPr txBox="1">
+            <a:spLocks noGrp="1"/>
+          </p:cNvSpPr>
           <p:nvPr>
-            <p:ph idx="1" type="body"/>
+            <p:ph type="body" idx="1"/>
           </p:nvPr>
         </p:nvSpPr>
         <p:spPr>
@@ -11581,12 +11590,12 @@
           </a:prstGeom>
         </p:spPr>
         <p:txBody>
-          <a:bodyPr anchorCtr="0" anchor="t" bIns="91425" lIns="91425" spcFirstLastPara="1" rIns="91425" wrap="square" tIns="91425">
+          <a:bodyPr spcFirstLastPara="1" wrap="square" lIns="91425" tIns="91425" rIns="91425" bIns="91425" anchor="t" anchorCtr="0">
             <a:normAutofit lnSpcReduction="10000"/>
           </a:bodyPr>
           <a:lstStyle/>
           <a:p>
-            <a:pPr indent="-311150" lvl="0" marL="457200" rtl="0" algn="l">
+            <a:pPr marL="457200" lvl="0" indent="-311150" algn="l" rtl="0">
               <a:spcBef>
                 <a:spcPts val="0"/>
               </a:spcBef>
@@ -11600,13 +11609,17 @@
               <a:buChar char="●"/>
             </a:pPr>
             <a:r>
+              <a:rPr lang="en" dirty="0"/>
+              <a:t>The cost of education is not the same across the US. Depending on where students study, students will pay higher tuition rates, by </a:t>
+            </a:r>
+            <a:r>
               <a:rPr lang="en"/>
-              <a:t>The cost of education is not the same across the US. Depending on where students study, students will pay higher tuition rates, by region.\</a:t>
+              <a:t>region.</a:t>
             </a:r>
-            <a:endParaRPr/>
+            <a:endParaRPr dirty="0"/>
           </a:p>
           <a:p>
-            <a:pPr indent="-311150" lvl="0" marL="457200" rtl="0" algn="l">
+            <a:pPr marL="457200" lvl="0" indent="-311150" algn="l" rtl="0">
               <a:spcBef>
                 <a:spcPts val="0"/>
               </a:spcBef>
@@ -11617,13 +11630,13 @@
               <a:buChar char="●"/>
             </a:pPr>
             <a:r>
-              <a:rPr lang="en"/>
+              <a:rPr lang="en" dirty="0"/>
               <a:t>Debt at graduation is fairly consistent. Even though some schools cost more, debt across regions is consistent. </a:t>
             </a:r>
-            <a:endParaRPr/>
+            <a:endParaRPr dirty="0"/>
           </a:p>
           <a:p>
-            <a:pPr indent="-311150" lvl="0" marL="457200" rtl="0" algn="l">
+            <a:pPr marL="457200" lvl="0" indent="-311150" algn="l" rtl="0">
               <a:spcBef>
                 <a:spcPts val="0"/>
               </a:spcBef>
@@ -11634,13 +11647,13 @@
               <a:buChar char="●"/>
             </a:pPr>
             <a:r>
-              <a:rPr lang="en"/>
+              <a:rPr lang="en" dirty="0"/>
               <a:t>Attending a higher tuition school may improve your odds for a more lucrative job.</a:t>
             </a:r>
-            <a:endParaRPr/>
+            <a:endParaRPr dirty="0"/>
           </a:p>
           <a:p>
-            <a:pPr indent="-311150" lvl="0" marL="457200" rtl="0" algn="l">
+            <a:pPr marL="457200" lvl="0" indent="-311150" algn="l" rtl="0">
               <a:spcBef>
                 <a:spcPts val="0"/>
               </a:spcBef>
@@ -11651,13 +11664,13 @@
               <a:buChar char="●"/>
             </a:pPr>
             <a:r>
-              <a:rPr lang="en"/>
+              <a:rPr lang="en" dirty="0"/>
               <a:t>Because debt is mostly constant, income post-graduation significantly impacts speed of debt repayment.</a:t>
             </a:r>
-            <a:endParaRPr/>
+            <a:endParaRPr dirty="0"/>
           </a:p>
           <a:p>
-            <a:pPr indent="0" lvl="0" marL="0" rtl="0" algn="l">
+            <a:pPr marL="0" lvl="0" indent="0" algn="l" rtl="0">
               <a:spcBef>
                 <a:spcPts val="1200"/>
               </a:spcBef>
@@ -11667,13 +11680,13 @@
               <a:buNone/>
             </a:pPr>
             <a:r>
-              <a:rPr lang="en"/>
+              <a:rPr lang="en" dirty="0"/>
               <a:t>Excluding US Territories, </a:t>
             </a:r>
-            <a:endParaRPr/>
+            <a:endParaRPr dirty="0"/>
           </a:p>
           <a:p>
-            <a:pPr indent="-311150" lvl="0" marL="457200" rtl="0" algn="l">
+            <a:pPr marL="457200" lvl="0" indent="-311150" algn="l" rtl="0">
               <a:spcBef>
                 <a:spcPts val="1200"/>
               </a:spcBef>
@@ -11684,17 +11697,13 @@
               <a:buChar char="●"/>
             </a:pPr>
             <a:r>
-              <a:rPr lang="en"/>
-              <a:t>College is generally most affordable in the North Central US (</a:t>
+              <a:rPr lang="en" dirty="0"/>
+              <a:t>College is generally most affordable in the North Central US (CO, ID, MT, UT, WY)</a:t>
             </a:r>
-            <a:r>
-              <a:rPr lang="en"/>
-              <a:t>CO, ID, MT, UT, WY)</a:t>
-            </a:r>
-            <a:endParaRPr/>
+            <a:endParaRPr dirty="0"/>
           </a:p>
           <a:p>
-            <a:pPr indent="-311150" lvl="0" marL="457200" rtl="0" algn="l">
+            <a:pPr marL="457200" lvl="0" indent="-311150" algn="l" rtl="0">
               <a:spcBef>
                 <a:spcPts val="0"/>
               </a:spcBef>
@@ -11705,11 +11714,11 @@
               <a:buChar char="●"/>
             </a:pPr>
             <a:r>
-              <a:rPr lang="en"/>
+              <a:rPr lang="en" dirty="0"/>
               <a:t>Earnings after graduation are highest in New England (</a:t>
             </a:r>
             <a:r>
-              <a:rPr lang="en" sz="1250">
+              <a:rPr lang="en" sz="1250" dirty="0">
                 <a:latin typeface="Arial"/>
                 <a:ea typeface="Arial"/>
                 <a:cs typeface="Arial"/>
@@ -11718,13 +11727,13 @@
               <a:t>CT, ME, MA, NH, RI, VT</a:t>
             </a:r>
             <a:r>
-              <a:rPr lang="en" sz="1250"/>
+              <a:rPr lang="en" sz="1250" dirty="0"/>
               <a:t>)</a:t>
             </a:r>
-            <a:endParaRPr/>
+            <a:endParaRPr dirty="0"/>
           </a:p>
           <a:p>
-            <a:pPr indent="-311150" lvl="0" marL="457200" rtl="0" algn="l">
+            <a:pPr marL="457200" lvl="0" indent="-311150" algn="l" rtl="0">
               <a:spcBef>
                 <a:spcPts val="0"/>
               </a:spcBef>
@@ -11735,14 +11744,14 @@
               <a:buChar char="●"/>
             </a:pPr>
             <a:r>
-              <a:rPr lang="en"/>
+              <a:rPr lang="en" dirty="0"/>
               <a:t>But the best ROI (in this case debt repayment speed) is in the Western US (</a:t>
             </a:r>
             <a:r>
-              <a:rPr lang="en" sz="1250"/>
+              <a:rPr lang="en" sz="1250" dirty="0"/>
               <a:t>AK, CA, HI, NV, OR, WA)</a:t>
             </a:r>
-            <a:endParaRPr/>
+            <a:endParaRPr dirty="0"/>
           </a:p>
         </p:txBody>
       </p:sp>
@@ -11755,11 +11764,11 @@
 </file>
 
 <file path=ppt/slides/slide16.xml><?xml version="1.0" encoding="utf-8"?>
-<p:sld xmlns:a="http://schemas.openxmlformats.org/drawingml/2006/main" xmlns:r="http://schemas.openxmlformats.org/officeDocument/2006/relationships" xmlns:mc="http://schemas.openxmlformats.org/markup-compatibility/2006" xmlns:mv="urn:schemas-microsoft-com:mac:vml" xmlns:p="http://schemas.openxmlformats.org/presentationml/2006/main" xmlns:c="http://schemas.openxmlformats.org/drawingml/2006/chart" xmlns:dgm="http://schemas.openxmlformats.org/drawingml/2006/diagram" xmlns:o="urn:schemas-microsoft-com:office:office" xmlns:v="urn:schemas-microsoft-com:vml" xmlns:pvml="urn:schemas-microsoft-com:office:powerpoint" xmlns:com="http://schemas.openxmlformats.org/drawingml/2006/compatibility" xmlns:p14="http://schemas.microsoft.com/office/powerpoint/2010/main" xmlns:p15="http://schemas.microsoft.com/office/powerpoint/2012/main" xmlns:ahyp="http://schemas.microsoft.com/office/drawing/2018/hyperlinkcolor">
+<p:sld xmlns:a="http://schemas.openxmlformats.org/drawingml/2006/main" xmlns:r="http://schemas.openxmlformats.org/officeDocument/2006/relationships" xmlns:p="http://schemas.openxmlformats.org/presentationml/2006/main">
   <p:cSld>
     <p:spTree>
       <p:nvGrpSpPr>
-        <p:cNvPr id="231" name="Shape 231"/>
+        <p:cNvPr id="1" name="Shape 231"/>
         <p:cNvGrpSpPr/>
         <p:nvPr/>
       </p:nvGrpSpPr>
@@ -11774,9 +11783,11 @@
       <p:sp>
         <p:nvSpPr>
           <p:cNvPr id="232" name="Google Shape;232;p28"/>
-          <p:cNvSpPr txBox="1"/>
+          <p:cNvSpPr txBox="1">
+            <a:spLocks noGrp="1"/>
+          </p:cNvSpPr>
           <p:nvPr>
-            <p:ph idx="1" type="body"/>
+            <p:ph type="body" idx="1"/>
           </p:nvPr>
         </p:nvSpPr>
         <p:spPr>
@@ -11789,12 +11800,12 @@
           </a:prstGeom>
         </p:spPr>
         <p:txBody>
-          <a:bodyPr anchorCtr="0" anchor="ctr" bIns="91425" lIns="91425" spcFirstLastPara="1" rIns="91425" wrap="square" tIns="91425">
+          <a:bodyPr spcFirstLastPara="1" wrap="square" lIns="91425" tIns="91425" rIns="91425" bIns="91425" anchor="ctr" anchorCtr="0">
             <a:normAutofit/>
           </a:bodyPr>
           <a:lstStyle/>
           <a:p>
-            <a:pPr indent="0" lvl="0" marL="0" rtl="0" algn="l">
+            <a:pPr marL="0" lvl="0" indent="0" algn="l" rtl="0">
               <a:spcBef>
                 <a:spcPts val="0"/>
               </a:spcBef>
@@ -11820,11 +11831,11 @@
 </file>
 
 <file path=ppt/slides/slide2.xml><?xml version="1.0" encoding="utf-8"?>
-<p:sld xmlns:a="http://schemas.openxmlformats.org/drawingml/2006/main" xmlns:r="http://schemas.openxmlformats.org/officeDocument/2006/relationships" xmlns:mc="http://schemas.openxmlformats.org/markup-compatibility/2006" xmlns:mv="urn:schemas-microsoft-com:mac:vml" xmlns:p="http://schemas.openxmlformats.org/presentationml/2006/main" xmlns:c="http://schemas.openxmlformats.org/drawingml/2006/chart" xmlns:dgm="http://schemas.openxmlformats.org/drawingml/2006/diagram" xmlns:o="urn:schemas-microsoft-com:office:office" xmlns:v="urn:schemas-microsoft-com:vml" xmlns:pvml="urn:schemas-microsoft-com:office:powerpoint" xmlns:com="http://schemas.openxmlformats.org/drawingml/2006/compatibility" xmlns:p14="http://schemas.microsoft.com/office/powerpoint/2010/main" xmlns:p15="http://schemas.microsoft.com/office/powerpoint/2012/main" xmlns:ahyp="http://schemas.microsoft.com/office/drawing/2018/hyperlinkcolor">
+<p:sld xmlns:a="http://schemas.openxmlformats.org/drawingml/2006/main" xmlns:r="http://schemas.openxmlformats.org/officeDocument/2006/relationships" xmlns:p="http://schemas.openxmlformats.org/presentationml/2006/main">
   <p:cSld>
     <p:spTree>
       <p:nvGrpSpPr>
-        <p:cNvPr id="139" name="Shape 139"/>
+        <p:cNvPr id="1" name="Shape 139"/>
         <p:cNvGrpSpPr/>
         <p:nvPr/>
       </p:nvGrpSpPr>
@@ -11839,7 +11850,9 @@
       <p:sp>
         <p:nvSpPr>
           <p:cNvPr id="140" name="Google Shape;140;p14"/>
-          <p:cNvSpPr txBox="1"/>
+          <p:cNvSpPr txBox="1">
+            <a:spLocks noGrp="1"/>
+          </p:cNvSpPr>
           <p:nvPr>
             <p:ph type="title"/>
           </p:nvPr>
@@ -11854,12 +11867,12 @@
           </a:prstGeom>
         </p:spPr>
         <p:txBody>
-          <a:bodyPr anchorCtr="0" anchor="t" bIns="91425" lIns="91425" spcFirstLastPara="1" rIns="91425" wrap="square" tIns="91425">
+          <a:bodyPr spcFirstLastPara="1" wrap="square" lIns="91425" tIns="91425" rIns="91425" bIns="91425" anchor="t" anchorCtr="0">
             <a:normAutofit/>
           </a:bodyPr>
           <a:lstStyle/>
           <a:p>
-            <a:pPr indent="0" lvl="0" marL="0" rtl="0" algn="l">
+            <a:pPr marL="0" lvl="0" indent="0" algn="l" rtl="0">
               <a:spcBef>
                 <a:spcPts val="0"/>
               </a:spcBef>
@@ -11887,9 +11900,11 @@
       <p:sp>
         <p:nvSpPr>
           <p:cNvPr id="141" name="Google Shape;141;p14"/>
-          <p:cNvSpPr txBox="1"/>
+          <p:cNvSpPr txBox="1">
+            <a:spLocks noGrp="1"/>
+          </p:cNvSpPr>
           <p:nvPr>
-            <p:ph idx="1" type="body"/>
+            <p:ph type="body" idx="1"/>
           </p:nvPr>
         </p:nvSpPr>
         <p:spPr>
@@ -11902,12 +11917,12 @@
           </a:prstGeom>
         </p:spPr>
         <p:txBody>
-          <a:bodyPr anchorCtr="0" anchor="t" bIns="91425" lIns="91425" spcFirstLastPara="1" rIns="91425" wrap="square" tIns="91425">
+          <a:bodyPr spcFirstLastPara="1" wrap="square" lIns="91425" tIns="91425" rIns="91425" bIns="91425" anchor="t" anchorCtr="0">
             <a:normAutofit/>
           </a:bodyPr>
           <a:lstStyle/>
           <a:p>
-            <a:pPr indent="0" lvl="0" marL="0" rtl="0" algn="l">
+            <a:pPr marL="0" lvl="0" indent="0" algn="l" rtl="0">
               <a:spcBef>
                 <a:spcPts val="0"/>
               </a:spcBef>
@@ -11923,7 +11938,7 @@
             <a:endParaRPr sz="1150"/>
           </a:p>
           <a:p>
-            <a:pPr indent="0" lvl="0" marL="0" rtl="0" algn="l">
+            <a:pPr marL="0" lvl="0" indent="0" algn="l" rtl="0">
               <a:spcBef>
                 <a:spcPts val="0"/>
               </a:spcBef>
@@ -11932,13 +11947,10 @@
               </a:spcAft>
               <a:buNone/>
             </a:pPr>
-            <a:r>
-              <a:t/>
-            </a:r>
             <a:endParaRPr sz="1150"/>
           </a:p>
           <a:p>
-            <a:pPr indent="0" lvl="0" marL="0" rtl="0" algn="l">
+            <a:pPr marL="0" lvl="0" indent="0" algn="l" rtl="0">
               <a:spcBef>
                 <a:spcPts val="0"/>
               </a:spcBef>
@@ -11954,7 +11966,7 @@
             <a:endParaRPr sz="1150"/>
           </a:p>
           <a:p>
-            <a:pPr indent="-301625" lvl="0" marL="457200" rtl="0" algn="l">
+            <a:pPr marL="457200" lvl="0" indent="-301625" algn="l" rtl="0">
               <a:spcBef>
                 <a:spcPts val="0"/>
               </a:spcBef>
@@ -11971,7 +11983,7 @@
             <a:endParaRPr sz="1150"/>
           </a:p>
           <a:p>
-            <a:pPr indent="-301625" lvl="0" marL="457200" rtl="0" algn="l">
+            <a:pPr marL="457200" lvl="0" indent="-301625" algn="l" rtl="0">
               <a:spcBef>
                 <a:spcPts val="0"/>
               </a:spcBef>
@@ -11988,7 +12000,7 @@
             <a:endParaRPr sz="1150"/>
           </a:p>
           <a:p>
-            <a:pPr indent="-301625" lvl="0" marL="457200" rtl="0" algn="l">
+            <a:pPr marL="457200" lvl="0" indent="-301625" algn="l" rtl="0">
               <a:spcBef>
                 <a:spcPts val="0"/>
               </a:spcBef>
@@ -12005,7 +12017,7 @@
             <a:endParaRPr sz="1150"/>
           </a:p>
           <a:p>
-            <a:pPr indent="-301625" lvl="0" marL="457200" rtl="0" algn="l">
+            <a:pPr marL="457200" lvl="0" indent="-301625" algn="l" rtl="0">
               <a:spcBef>
                 <a:spcPts val="0"/>
               </a:spcBef>
@@ -12032,11 +12044,11 @@
 </file>
 
 <file path=ppt/slides/slide3.xml><?xml version="1.0" encoding="utf-8"?>
-<p:sld xmlns:a="http://schemas.openxmlformats.org/drawingml/2006/main" xmlns:r="http://schemas.openxmlformats.org/officeDocument/2006/relationships" xmlns:mc="http://schemas.openxmlformats.org/markup-compatibility/2006" xmlns:mv="urn:schemas-microsoft-com:mac:vml" xmlns:p="http://schemas.openxmlformats.org/presentationml/2006/main" xmlns:c="http://schemas.openxmlformats.org/drawingml/2006/chart" xmlns:dgm="http://schemas.openxmlformats.org/drawingml/2006/diagram" xmlns:o="urn:schemas-microsoft-com:office:office" xmlns:v="urn:schemas-microsoft-com:vml" xmlns:pvml="urn:schemas-microsoft-com:office:powerpoint" xmlns:com="http://schemas.openxmlformats.org/drawingml/2006/compatibility" xmlns:p14="http://schemas.microsoft.com/office/powerpoint/2010/main" xmlns:p15="http://schemas.microsoft.com/office/powerpoint/2012/main" xmlns:ahyp="http://schemas.microsoft.com/office/drawing/2018/hyperlinkcolor">
+<p:sld xmlns:a="http://schemas.openxmlformats.org/drawingml/2006/main" xmlns:r="http://schemas.openxmlformats.org/officeDocument/2006/relationships" xmlns:p="http://schemas.openxmlformats.org/presentationml/2006/main">
   <p:cSld>
     <p:spTree>
       <p:nvGrpSpPr>
-        <p:cNvPr id="145" name="Shape 145"/>
+        <p:cNvPr id="1" name="Shape 145"/>
         <p:cNvGrpSpPr/>
         <p:nvPr/>
       </p:nvGrpSpPr>
@@ -12051,7 +12063,9 @@
       <p:sp>
         <p:nvSpPr>
           <p:cNvPr id="146" name="Google Shape;146;p15"/>
-          <p:cNvSpPr txBox="1"/>
+          <p:cNvSpPr txBox="1">
+            <a:spLocks noGrp="1"/>
+          </p:cNvSpPr>
           <p:nvPr>
             <p:ph type="title"/>
           </p:nvPr>
@@ -12066,12 +12080,12 @@
           </a:prstGeom>
         </p:spPr>
         <p:txBody>
-          <a:bodyPr anchorCtr="0" anchor="t" bIns="91425" lIns="91425" spcFirstLastPara="1" rIns="91425" wrap="square" tIns="91425">
+          <a:bodyPr spcFirstLastPara="1" wrap="square" lIns="91425" tIns="91425" rIns="91425" bIns="91425" anchor="t" anchorCtr="0">
             <a:normAutofit/>
           </a:bodyPr>
           <a:lstStyle/>
           <a:p>
-            <a:pPr indent="0" lvl="0" marL="0" rtl="0" algn="l">
+            <a:pPr marL="0" lvl="0" indent="0" algn="l" rtl="0">
               <a:spcBef>
                 <a:spcPts val="0"/>
               </a:spcBef>
@@ -12103,9 +12117,11 @@
       <p:sp>
         <p:nvSpPr>
           <p:cNvPr id="147" name="Google Shape;147;p15"/>
-          <p:cNvSpPr txBox="1"/>
+          <p:cNvSpPr txBox="1">
+            <a:spLocks noGrp="1"/>
+          </p:cNvSpPr>
           <p:nvPr>
-            <p:ph idx="1" type="body"/>
+            <p:ph type="body" idx="1"/>
           </p:nvPr>
         </p:nvSpPr>
         <p:spPr>
@@ -12118,12 +12134,12 @@
           </a:prstGeom>
         </p:spPr>
         <p:txBody>
-          <a:bodyPr anchorCtr="0" anchor="t" bIns="91425" lIns="91425" spcFirstLastPara="1" rIns="91425" wrap="square" tIns="91425">
+          <a:bodyPr spcFirstLastPara="1" wrap="square" lIns="91425" tIns="91425" rIns="91425" bIns="91425" anchor="t" anchorCtr="0">
             <a:normAutofit/>
           </a:bodyPr>
           <a:lstStyle/>
           <a:p>
-            <a:pPr indent="0" lvl="0" marL="0" rtl="0" algn="l">
+            <a:pPr marL="0" lvl="0" indent="0" algn="l" rtl="0">
               <a:spcBef>
                 <a:spcPts val="0"/>
               </a:spcBef>
@@ -12134,16 +12150,12 @@
             </a:pPr>
             <a:r>
               <a:rPr lang="en" sz="1200"/>
-              <a:t>The data was sourced from the U.S. Department of Education College </a:t>
-            </a:r>
-            <a:r>
-              <a:rPr lang="en" sz="1200"/>
-              <a:t>Scorecard</a:t>
+              <a:t>The data was sourced from the U.S. Department of Education College Scorecard</a:t>
             </a:r>
             <a:endParaRPr sz="1200"/>
           </a:p>
           <a:p>
-            <a:pPr indent="-304800" lvl="0" marL="457200" rtl="0" algn="l">
+            <a:pPr marL="457200" lvl="0" indent="-304800" algn="l" rtl="0">
               <a:spcBef>
                 <a:spcPts val="0"/>
               </a:spcBef>
@@ -12165,7 +12177,7 @@
             <a:endParaRPr sz="1200"/>
           </a:p>
           <a:p>
-            <a:pPr indent="0" lvl="0" marL="457200" rtl="0" algn="l">
+            <a:pPr marL="457200" lvl="0" indent="0" algn="l" rtl="0">
               <a:spcBef>
                 <a:spcPts val="0"/>
               </a:spcBef>
@@ -12174,13 +12186,10 @@
               </a:spcAft>
               <a:buNone/>
             </a:pPr>
-            <a:r>
-              <a:t/>
-            </a:r>
             <a:endParaRPr sz="1200"/>
           </a:p>
           <a:p>
-            <a:pPr indent="0" lvl="0" marL="0" rtl="0" algn="l">
+            <a:pPr marL="0" lvl="0" indent="0" algn="l" rtl="0">
               <a:spcBef>
                 <a:spcPts val="0"/>
               </a:spcBef>
@@ -12196,7 +12205,7 @@
             <a:endParaRPr sz="1200"/>
           </a:p>
           <a:p>
-            <a:pPr indent="-292100" lvl="0" marL="457200" rtl="0" algn="l">
+            <a:pPr marL="457200" lvl="0" indent="-292100" algn="l" rtl="0">
               <a:spcBef>
                 <a:spcPts val="0"/>
               </a:spcBef>
@@ -12213,7 +12222,7 @@
             <a:endParaRPr sz="1000"/>
           </a:p>
           <a:p>
-            <a:pPr indent="0" lvl="0" marL="457200" rtl="0" algn="l">
+            <a:pPr marL="457200" lvl="0" indent="0" algn="l" rtl="0">
               <a:spcBef>
                 <a:spcPts val="0"/>
               </a:spcBef>
@@ -12222,13 +12231,10 @@
               </a:spcAft>
               <a:buNone/>
             </a:pPr>
-            <a:r>
-              <a:t/>
-            </a:r>
             <a:endParaRPr sz="1000"/>
           </a:p>
           <a:p>
-            <a:pPr indent="0" lvl="0" marL="0" rtl="0" algn="l">
+            <a:pPr marL="0" lvl="0" indent="0" algn="l" rtl="0">
               <a:spcBef>
                 <a:spcPts val="0"/>
               </a:spcBef>
@@ -12244,7 +12250,7 @@
             <a:endParaRPr sz="1200"/>
           </a:p>
           <a:p>
-            <a:pPr indent="-304800" lvl="0" marL="457200" rtl="0" algn="l">
+            <a:pPr marL="457200" lvl="0" indent="-304800" algn="l" rtl="0">
               <a:spcBef>
                 <a:spcPts val="0"/>
               </a:spcBef>
@@ -12261,7 +12267,7 @@
             <a:endParaRPr sz="1200"/>
           </a:p>
           <a:p>
-            <a:pPr indent="-304800" lvl="0" marL="457200" rtl="0" algn="l">
+            <a:pPr marL="457200" lvl="0" indent="-304800" algn="l" rtl="0">
               <a:spcBef>
                 <a:spcPts val="0"/>
               </a:spcBef>
@@ -12278,7 +12284,7 @@
             <a:endParaRPr sz="1200"/>
           </a:p>
           <a:p>
-            <a:pPr indent="-304800" lvl="0" marL="457200" rtl="0" algn="l">
+            <a:pPr marL="457200" lvl="0" indent="-304800" algn="l" rtl="0">
               <a:spcBef>
                 <a:spcPts val="0"/>
               </a:spcBef>
@@ -12295,7 +12301,7 @@
             <a:endParaRPr sz="1200"/>
           </a:p>
           <a:p>
-            <a:pPr indent="-304800" lvl="0" marL="457200" rtl="0" algn="l">
+            <a:pPr marL="457200" lvl="0" indent="-304800" algn="l" rtl="0">
               <a:lnSpc>
                 <a:spcPct val="100000"/>
               </a:lnSpc>
@@ -12315,7 +12321,7 @@
             <a:endParaRPr sz="1200"/>
           </a:p>
           <a:p>
-            <a:pPr indent="-304800" lvl="0" marL="457200" rtl="0" algn="l">
+            <a:pPr marL="457200" lvl="0" indent="-304800" algn="l" rtl="0">
               <a:lnSpc>
                 <a:spcPct val="100000"/>
               </a:lnSpc>
@@ -12345,11 +12351,11 @@
 </file>
 
 <file path=ppt/slides/slide4.xml><?xml version="1.0" encoding="utf-8"?>
-<p:sld xmlns:a="http://schemas.openxmlformats.org/drawingml/2006/main" xmlns:r="http://schemas.openxmlformats.org/officeDocument/2006/relationships" xmlns:mc="http://schemas.openxmlformats.org/markup-compatibility/2006" xmlns:mv="urn:schemas-microsoft-com:mac:vml" xmlns:p="http://schemas.openxmlformats.org/presentationml/2006/main" xmlns:c="http://schemas.openxmlformats.org/drawingml/2006/chart" xmlns:dgm="http://schemas.openxmlformats.org/drawingml/2006/diagram" xmlns:o="urn:schemas-microsoft-com:office:office" xmlns:v="urn:schemas-microsoft-com:vml" xmlns:pvml="urn:schemas-microsoft-com:office:powerpoint" xmlns:com="http://schemas.openxmlformats.org/drawingml/2006/compatibility" xmlns:p14="http://schemas.microsoft.com/office/powerpoint/2010/main" xmlns:p15="http://schemas.microsoft.com/office/powerpoint/2012/main" xmlns:ahyp="http://schemas.microsoft.com/office/drawing/2018/hyperlinkcolor">
+<p:sld xmlns:a="http://schemas.openxmlformats.org/drawingml/2006/main" xmlns:r="http://schemas.openxmlformats.org/officeDocument/2006/relationships" xmlns:p="http://schemas.openxmlformats.org/presentationml/2006/main">
   <p:cSld>
     <p:spTree>
       <p:nvGrpSpPr>
-        <p:cNvPr id="151" name="Shape 151"/>
+        <p:cNvPr id="1" name="Shape 151"/>
         <p:cNvGrpSpPr/>
         <p:nvPr/>
       </p:nvGrpSpPr>
@@ -12364,7 +12370,9 @@
       <p:sp>
         <p:nvSpPr>
           <p:cNvPr id="152" name="Google Shape;152;p16"/>
-          <p:cNvSpPr txBox="1"/>
+          <p:cNvSpPr txBox="1">
+            <a:spLocks noGrp="1"/>
+          </p:cNvSpPr>
           <p:nvPr>
             <p:ph type="title"/>
           </p:nvPr>
@@ -12379,12 +12387,12 @@
           </a:prstGeom>
         </p:spPr>
         <p:txBody>
-          <a:bodyPr anchorCtr="0" anchor="t" bIns="91425" lIns="91425" spcFirstLastPara="1" rIns="91425" wrap="square" tIns="91425">
+          <a:bodyPr spcFirstLastPara="1" wrap="square" lIns="91425" tIns="91425" rIns="91425" bIns="91425" anchor="t" anchorCtr="0">
             <a:normAutofit/>
           </a:bodyPr>
           <a:lstStyle/>
           <a:p>
-            <a:pPr indent="0" lvl="0" marL="0" rtl="0" algn="l">
+            <a:pPr marL="0" lvl="0" indent="0" algn="l" rtl="0">
               <a:spcBef>
                 <a:spcPts val="0"/>
               </a:spcBef>
@@ -12453,12 +12461,12 @@
           </a:ln>
         </p:spPr>
         <p:txBody>
-          <a:bodyPr anchorCtr="0" anchor="t" bIns="91425" lIns="91425" spcFirstLastPara="1" rIns="91425" wrap="square" tIns="91425">
+          <a:bodyPr spcFirstLastPara="1" wrap="square" lIns="91425" tIns="91425" rIns="91425" bIns="91425" anchor="t" anchorCtr="0">
             <a:noAutofit/>
           </a:bodyPr>
           <a:lstStyle/>
           <a:p>
-            <a:pPr indent="0" lvl="0" marL="0" rtl="0" algn="l">
+            <a:pPr marL="0" lvl="0" indent="0" algn="l" rtl="0">
               <a:spcBef>
                 <a:spcPts val="0"/>
               </a:spcBef>
@@ -12477,19 +12485,7 @@
                 <a:cs typeface="Lato"/>
                 <a:sym typeface="Lato"/>
               </a:rPr>
-              <a:t>Map created</a:t>
-            </a:r>
-            <a:r>
-              <a:rPr lang="en" sz="1200">
-                <a:solidFill>
-                  <a:schemeClr val="lt1"/>
-                </a:solidFill>
-                <a:latin typeface="Lato"/>
-                <a:ea typeface="Lato"/>
-                <a:cs typeface="Lato"/>
-                <a:sym typeface="Lato"/>
-              </a:rPr>
-              <a:t> on: https://www.mapchart.net/usa.html</a:t>
+              <a:t>Map created on: https://www.mapchart.net/usa.html</a:t>
             </a:r>
             <a:endParaRPr sz="1200">
               <a:solidFill>
@@ -12512,11 +12508,11 @@
 </file>
 
 <file path=ppt/slides/slide5.xml><?xml version="1.0" encoding="utf-8"?>
-<p:sld xmlns:a="http://schemas.openxmlformats.org/drawingml/2006/main" xmlns:r="http://schemas.openxmlformats.org/officeDocument/2006/relationships" xmlns:mc="http://schemas.openxmlformats.org/markup-compatibility/2006" xmlns:mv="urn:schemas-microsoft-com:mac:vml" xmlns:p="http://schemas.openxmlformats.org/presentationml/2006/main" xmlns:c="http://schemas.openxmlformats.org/drawingml/2006/chart" xmlns:dgm="http://schemas.openxmlformats.org/drawingml/2006/diagram" xmlns:o="urn:schemas-microsoft-com:office:office" xmlns:v="urn:schemas-microsoft-com:vml" xmlns:pvml="urn:schemas-microsoft-com:office:powerpoint" xmlns:com="http://schemas.openxmlformats.org/drawingml/2006/compatibility" xmlns:p14="http://schemas.microsoft.com/office/powerpoint/2010/main" xmlns:p15="http://schemas.microsoft.com/office/powerpoint/2012/main" xmlns:ahyp="http://schemas.microsoft.com/office/drawing/2018/hyperlinkcolor">
+<p:sld xmlns:a="http://schemas.openxmlformats.org/drawingml/2006/main" xmlns:r="http://schemas.openxmlformats.org/officeDocument/2006/relationships" xmlns:p="http://schemas.openxmlformats.org/presentationml/2006/main">
   <p:cSld>
     <p:spTree>
       <p:nvGrpSpPr>
-        <p:cNvPr id="158" name="Shape 158"/>
+        <p:cNvPr id="1" name="Shape 158"/>
         <p:cNvGrpSpPr/>
         <p:nvPr/>
       </p:nvGrpSpPr>
@@ -12531,7 +12527,9 @@
       <p:sp>
         <p:nvSpPr>
           <p:cNvPr id="159" name="Google Shape;159;p17"/>
-          <p:cNvSpPr txBox="1"/>
+          <p:cNvSpPr txBox="1">
+            <a:spLocks noGrp="1"/>
+          </p:cNvSpPr>
           <p:nvPr>
             <p:ph type="title"/>
           </p:nvPr>
@@ -12546,12 +12544,12 @@
           </a:prstGeom>
         </p:spPr>
         <p:txBody>
-          <a:bodyPr anchorCtr="0" anchor="ctr" bIns="91425" lIns="91425" spcFirstLastPara="1" rIns="91425" wrap="square" tIns="91425">
+          <a:bodyPr spcFirstLastPara="1" wrap="square" lIns="91425" tIns="91425" rIns="91425" bIns="91425" anchor="ctr" anchorCtr="0">
             <a:normAutofit/>
           </a:bodyPr>
           <a:lstStyle/>
           <a:p>
-            <a:pPr indent="0" lvl="0" marL="0" rtl="0" algn="l">
+            <a:pPr marL="0" lvl="0" indent="0" algn="l" rtl="0">
               <a:spcBef>
                 <a:spcPts val="0"/>
               </a:spcBef>
@@ -12577,11 +12575,11 @@
 </file>
 
 <file path=ppt/slides/slide6.xml><?xml version="1.0" encoding="utf-8"?>
-<p:sld xmlns:a="http://schemas.openxmlformats.org/drawingml/2006/main" xmlns:r="http://schemas.openxmlformats.org/officeDocument/2006/relationships" xmlns:mc="http://schemas.openxmlformats.org/markup-compatibility/2006" xmlns:mv="urn:schemas-microsoft-com:mac:vml" xmlns:p="http://schemas.openxmlformats.org/presentationml/2006/main" xmlns:c="http://schemas.openxmlformats.org/drawingml/2006/chart" xmlns:dgm="http://schemas.openxmlformats.org/drawingml/2006/diagram" xmlns:o="urn:schemas-microsoft-com:office:office" xmlns:v="urn:schemas-microsoft-com:vml" xmlns:pvml="urn:schemas-microsoft-com:office:powerpoint" xmlns:com="http://schemas.openxmlformats.org/drawingml/2006/compatibility" xmlns:p14="http://schemas.microsoft.com/office/powerpoint/2010/main" xmlns:p15="http://schemas.microsoft.com/office/powerpoint/2012/main" xmlns:ahyp="http://schemas.microsoft.com/office/drawing/2018/hyperlinkcolor">
+<p:sld xmlns:a="http://schemas.openxmlformats.org/drawingml/2006/main" xmlns:r="http://schemas.openxmlformats.org/officeDocument/2006/relationships" xmlns:p="http://schemas.openxmlformats.org/presentationml/2006/main">
   <p:cSld>
     <p:spTree>
       <p:nvGrpSpPr>
-        <p:cNvPr id="163" name="Shape 163"/>
+        <p:cNvPr id="1" name="Shape 163"/>
         <p:cNvGrpSpPr/>
         <p:nvPr/>
       </p:nvGrpSpPr>
@@ -12596,9 +12594,11 @@
       <p:sp>
         <p:nvSpPr>
           <p:cNvPr id="164" name="Google Shape;164;p18"/>
-          <p:cNvSpPr txBox="1"/>
+          <p:cNvSpPr txBox="1">
+            <a:spLocks noGrp="1"/>
+          </p:cNvSpPr>
           <p:nvPr>
-            <p:ph idx="1" type="body"/>
+            <p:ph type="body" idx="1"/>
           </p:nvPr>
         </p:nvSpPr>
         <p:spPr>
@@ -12611,12 +12611,12 @@
           </a:prstGeom>
         </p:spPr>
         <p:txBody>
-          <a:bodyPr anchorCtr="0" anchor="t" bIns="91425" lIns="91425" spcFirstLastPara="1" rIns="91425" wrap="square" tIns="91425">
+          <a:bodyPr spcFirstLastPara="1" wrap="square" lIns="91425" tIns="91425" rIns="91425" bIns="91425" anchor="t" anchorCtr="0">
             <a:normAutofit/>
           </a:bodyPr>
           <a:lstStyle/>
           <a:p>
-            <a:pPr indent="0" lvl="0" marL="0" rtl="0" algn="just">
+            <a:pPr marL="0" lvl="0" indent="0" algn="just" rtl="0">
               <a:spcBef>
                 <a:spcPts val="1200"/>
               </a:spcBef>
@@ -12627,20 +12627,12 @@
             </a:pPr>
             <a:r>
               <a:rPr lang="en"/>
-              <a:t>There is a </a:t>
-            </a:r>
-            <a:r>
-              <a:rPr lang="en"/>
-              <a:t>significant</a:t>
-            </a:r>
-            <a:r>
-              <a:rPr lang="en"/>
-              <a:t> difference in tuition cost across regions  (p-value=1.12e-35)</a:t>
+              <a:t>There is a significant difference in tuition cost across regions  (p-value=1.12e-35)</a:t>
             </a:r>
             <a:endParaRPr/>
           </a:p>
           <a:p>
-            <a:pPr indent="0" lvl="0" marL="0" rtl="0" algn="just">
+            <a:pPr marL="0" lvl="0" indent="0" algn="just" rtl="0">
               <a:spcBef>
                 <a:spcPts val="1200"/>
               </a:spcBef>
@@ -12649,13 +12641,10 @@
               </a:spcAft>
               <a:buNone/>
             </a:pPr>
-            <a:r>
-              <a:t/>
-            </a:r>
             <a:endParaRPr/>
           </a:p>
           <a:p>
-            <a:pPr indent="0" lvl="0" marL="0" rtl="0" algn="just">
+            <a:pPr marL="0" lvl="0" indent="0" algn="just" rtl="0">
               <a:spcBef>
                 <a:spcPts val="1200"/>
               </a:spcBef>
@@ -12671,7 +12660,7 @@
             <a:endParaRPr/>
           </a:p>
           <a:p>
-            <a:pPr indent="0" lvl="0" marL="0" rtl="0" algn="l">
+            <a:pPr marL="0" lvl="0" indent="0" algn="l" rtl="0">
               <a:spcBef>
                 <a:spcPts val="1200"/>
               </a:spcBef>
@@ -12680,9 +12669,6 @@
               </a:spcAft>
               <a:buNone/>
             </a:pPr>
-            <a:r>
-              <a:t/>
-            </a:r>
             <a:endParaRPr/>
           </a:p>
         </p:txBody>
@@ -12718,7 +12704,9 @@
       <p:sp>
         <p:nvSpPr>
           <p:cNvPr id="166" name="Google Shape;166;p18"/>
-          <p:cNvSpPr txBox="1"/>
+          <p:cNvSpPr txBox="1">
+            <a:spLocks noGrp="1"/>
+          </p:cNvSpPr>
           <p:nvPr>
             <p:ph type="title"/>
           </p:nvPr>
@@ -12733,12 +12721,12 @@
           </a:prstGeom>
         </p:spPr>
         <p:txBody>
-          <a:bodyPr anchorCtr="0" anchor="t" bIns="91425" lIns="91425" spcFirstLastPara="1" rIns="91425" wrap="square" tIns="91425">
+          <a:bodyPr spcFirstLastPara="1" wrap="square" lIns="91425" tIns="91425" rIns="91425" bIns="91425" anchor="t" anchorCtr="0">
             <a:normAutofit/>
           </a:bodyPr>
           <a:lstStyle/>
           <a:p>
-            <a:pPr indent="0" lvl="0" marL="0" rtl="0" algn="just">
+            <a:pPr marL="0" lvl="0" indent="0" algn="just" rtl="0">
               <a:spcBef>
                 <a:spcPts val="0"/>
               </a:spcBef>
@@ -12764,11 +12752,11 @@
 </file>
 
 <file path=ppt/slides/slide7.xml><?xml version="1.0" encoding="utf-8"?>
-<p:sld xmlns:a="http://schemas.openxmlformats.org/drawingml/2006/main" xmlns:r="http://schemas.openxmlformats.org/officeDocument/2006/relationships" xmlns:mc="http://schemas.openxmlformats.org/markup-compatibility/2006" xmlns:mv="urn:schemas-microsoft-com:mac:vml" xmlns:p="http://schemas.openxmlformats.org/presentationml/2006/main" xmlns:c="http://schemas.openxmlformats.org/drawingml/2006/chart" xmlns:dgm="http://schemas.openxmlformats.org/drawingml/2006/diagram" xmlns:o="urn:schemas-microsoft-com:office:office" xmlns:v="urn:schemas-microsoft-com:vml" xmlns:pvml="urn:schemas-microsoft-com:office:powerpoint" xmlns:com="http://schemas.openxmlformats.org/drawingml/2006/compatibility" xmlns:p14="http://schemas.microsoft.com/office/powerpoint/2010/main" xmlns:p15="http://schemas.microsoft.com/office/powerpoint/2012/main" xmlns:ahyp="http://schemas.microsoft.com/office/drawing/2018/hyperlinkcolor">
+<p:sld xmlns:a="http://schemas.openxmlformats.org/drawingml/2006/main" xmlns:r="http://schemas.openxmlformats.org/officeDocument/2006/relationships" xmlns:p="http://schemas.openxmlformats.org/presentationml/2006/main">
   <p:cSld>
     <p:spTree>
       <p:nvGrpSpPr>
-        <p:cNvPr id="170" name="Shape 170"/>
+        <p:cNvPr id="1" name="Shape 170"/>
         <p:cNvGrpSpPr/>
         <p:nvPr/>
       </p:nvGrpSpPr>
@@ -12783,7 +12771,9 @@
       <p:sp>
         <p:nvSpPr>
           <p:cNvPr id="171" name="Google Shape;171;p19"/>
-          <p:cNvSpPr txBox="1"/>
+          <p:cNvSpPr txBox="1">
+            <a:spLocks noGrp="1"/>
+          </p:cNvSpPr>
           <p:nvPr>
             <p:ph type="title"/>
           </p:nvPr>
@@ -12798,12 +12788,12 @@
           </a:prstGeom>
         </p:spPr>
         <p:txBody>
-          <a:bodyPr anchorCtr="0" anchor="t" bIns="91425" lIns="91425" spcFirstLastPara="1" rIns="91425" wrap="square" tIns="91425">
+          <a:bodyPr spcFirstLastPara="1" wrap="square" lIns="91425" tIns="91425" rIns="91425" bIns="91425" anchor="t" anchorCtr="0">
             <a:normAutofit/>
           </a:bodyPr>
           <a:lstStyle/>
           <a:p>
-            <a:pPr indent="0" lvl="0" marL="0" rtl="0" algn="l">
+            <a:pPr marL="0" lvl="0" indent="0" algn="l" rtl="0">
               <a:spcBef>
                 <a:spcPts val="0"/>
               </a:spcBef>
@@ -12823,9 +12813,11 @@
       <p:sp>
         <p:nvSpPr>
           <p:cNvPr id="172" name="Google Shape;172;p19"/>
-          <p:cNvSpPr txBox="1"/>
+          <p:cNvSpPr txBox="1">
+            <a:spLocks noGrp="1"/>
+          </p:cNvSpPr>
           <p:nvPr>
-            <p:ph idx="1" type="body"/>
+            <p:ph type="body" idx="1"/>
           </p:nvPr>
         </p:nvSpPr>
         <p:spPr>
@@ -12838,12 +12830,12 @@
           </a:prstGeom>
         </p:spPr>
         <p:txBody>
-          <a:bodyPr anchorCtr="0" anchor="t" bIns="91425" lIns="91425" spcFirstLastPara="1" rIns="91425" wrap="square" tIns="91425">
+          <a:bodyPr spcFirstLastPara="1" wrap="square" lIns="91425" tIns="91425" rIns="91425" bIns="91425" anchor="t" anchorCtr="0">
             <a:normAutofit lnSpcReduction="10000"/>
           </a:bodyPr>
           <a:lstStyle/>
           <a:p>
-            <a:pPr indent="0" lvl="0" marL="0" rtl="0" algn="l">
+            <a:pPr marL="0" lvl="0" indent="0" algn="l" rtl="0">
               <a:spcBef>
                 <a:spcPts val="0"/>
               </a:spcBef>
@@ -12854,20 +12846,12 @@
             </a:pPr>
             <a:r>
               <a:rPr lang="en" sz="1124"/>
-              <a:t>The Mid-Atlantic,  East North Central, New England, West North Central and Southeast have the largest average debt, at more than $20,000.  The average debt at Graduation in North Central, Southwest and West is slightly less than $20,000. Unlike the rest, the average</a:t>
-            </a:r>
-            <a:r>
-              <a:rPr lang="en" sz="1124"/>
-              <a:t> Debt at Graduation in the </a:t>
-            </a:r>
-            <a:r>
-              <a:rPr lang="en" sz="1124"/>
-              <a:t> US Territories is very low, less than $10,000. </a:t>
+              <a:t>The Mid-Atlantic,  East North Central, New England, West North Central and Southeast have the largest average debt, at more than $20,000.  The average debt at Graduation in North Central, Southwest and West is slightly less than $20,000. Unlike the rest, the average Debt at Graduation in the  US Territories is very low, less than $10,000. </a:t>
             </a:r>
             <a:endParaRPr sz="1124"/>
           </a:p>
           <a:p>
-            <a:pPr indent="0" lvl="0" marL="0" rtl="0" algn="l">
+            <a:pPr marL="0" lvl="0" indent="0" algn="l" rtl="0">
               <a:spcBef>
                 <a:spcPts val="1200"/>
               </a:spcBef>
@@ -12887,7 +12871,7 @@
             <a:endParaRPr sz="1100"/>
           </a:p>
           <a:p>
-            <a:pPr indent="0" lvl="0" marL="0" rtl="0" algn="l">
+            <a:pPr marL="0" lvl="0" indent="0" algn="l" rtl="0">
               <a:spcBef>
                 <a:spcPts val="1200"/>
               </a:spcBef>
@@ -12898,15 +12882,7 @@
             </a:pPr>
             <a:r>
               <a:rPr lang="en" sz="1100"/>
-              <a:t>Across all regions there are statistical differences (p-value=0.00027), but grouping specific regions together, for example the Mid-Atlantic, East North Central and New England, there is no difference in debt </a:t>
-            </a:r>
-            <a:r>
-              <a:rPr lang="en" sz="1100"/>
-              <a:t>(p-value=0.63)</a:t>
-            </a:r>
-            <a:r>
-              <a:rPr lang="en" sz="1100"/>
-              <a:t>.</a:t>
+              <a:t>Across all regions there are statistical differences (p-value=0.00027), but grouping specific regions together, for example the Mid-Atlantic, East North Central and New England, there is no difference in debt (p-value=0.63).</a:t>
             </a:r>
             <a:endParaRPr sz="1100"/>
           </a:p>
@@ -12949,11 +12925,11 @@
 </file>
 
 <file path=ppt/slides/slide8.xml><?xml version="1.0" encoding="utf-8"?>
-<p:sld xmlns:a="http://schemas.openxmlformats.org/drawingml/2006/main" xmlns:r="http://schemas.openxmlformats.org/officeDocument/2006/relationships" xmlns:mc="http://schemas.openxmlformats.org/markup-compatibility/2006" xmlns:mv="urn:schemas-microsoft-com:mac:vml" xmlns:p="http://schemas.openxmlformats.org/presentationml/2006/main" xmlns:c="http://schemas.openxmlformats.org/drawingml/2006/chart" xmlns:dgm="http://schemas.openxmlformats.org/drawingml/2006/diagram" xmlns:o="urn:schemas-microsoft-com:office:office" xmlns:v="urn:schemas-microsoft-com:vml" xmlns:pvml="urn:schemas-microsoft-com:office:powerpoint" xmlns:com="http://schemas.openxmlformats.org/drawingml/2006/compatibility" xmlns:p14="http://schemas.microsoft.com/office/powerpoint/2010/main" xmlns:p15="http://schemas.microsoft.com/office/powerpoint/2012/main" xmlns:ahyp="http://schemas.microsoft.com/office/drawing/2018/hyperlinkcolor">
+<p:sld xmlns:a="http://schemas.openxmlformats.org/drawingml/2006/main" xmlns:r="http://schemas.openxmlformats.org/officeDocument/2006/relationships" xmlns:p="http://schemas.openxmlformats.org/presentationml/2006/main">
   <p:cSld>
     <p:spTree>
       <p:nvGrpSpPr>
-        <p:cNvPr id="177" name="Shape 177"/>
+        <p:cNvPr id="1" name="Shape 177"/>
         <p:cNvGrpSpPr/>
         <p:nvPr/>
       </p:nvGrpSpPr>
@@ -12968,9 +12944,11 @@
       <p:sp>
         <p:nvSpPr>
           <p:cNvPr id="178" name="Google Shape;178;p20"/>
-          <p:cNvSpPr txBox="1"/>
+          <p:cNvSpPr txBox="1">
+            <a:spLocks noGrp="1"/>
+          </p:cNvSpPr>
           <p:nvPr>
-            <p:ph idx="1" type="body"/>
+            <p:ph type="body" idx="1"/>
           </p:nvPr>
         </p:nvSpPr>
         <p:spPr>
@@ -12983,12 +12961,12 @@
           </a:prstGeom>
         </p:spPr>
         <p:txBody>
-          <a:bodyPr anchorCtr="0" anchor="t" bIns="91425" lIns="91425" spcFirstLastPara="1" rIns="91425" wrap="square" tIns="91425">
+          <a:bodyPr spcFirstLastPara="1" wrap="square" lIns="91425" tIns="91425" rIns="91425" bIns="91425" anchor="t" anchorCtr="0">
             <a:normAutofit fontScale="92500" lnSpcReduction="20000"/>
           </a:bodyPr>
           <a:lstStyle/>
           <a:p>
-            <a:pPr indent="0" lvl="0" marL="0" rtl="0" algn="l">
+            <a:pPr marL="0" lvl="0" indent="0" algn="l" rtl="0">
               <a:spcBef>
                 <a:spcPts val="0"/>
               </a:spcBef>
@@ -13004,7 +12982,7 @@
             <a:endParaRPr/>
           </a:p>
           <a:p>
-            <a:pPr indent="0" lvl="0" marL="0" rtl="0" algn="l">
+            <a:pPr marL="0" lvl="0" indent="0" algn="l" rtl="0">
               <a:spcBef>
                 <a:spcPts val="1200"/>
               </a:spcBef>
@@ -13015,28 +12993,12 @@
             </a:pPr>
             <a:r>
               <a:rPr lang="en"/>
-              <a:t>More </a:t>
-            </a:r>
-            <a:r>
-              <a:rPr lang="en"/>
-              <a:t>industry</a:t>
-            </a:r>
-            <a:r>
-              <a:rPr lang="en"/>
-              <a:t> and market </a:t>
-            </a:r>
-            <a:r>
-              <a:rPr lang="en"/>
-              <a:t>presence</a:t>
-            </a:r>
-            <a:r>
-              <a:rPr lang="en"/>
-              <a:t> in some regions</a:t>
+              <a:t>More industry and market presence in some regions</a:t>
             </a:r>
             <a:endParaRPr/>
           </a:p>
           <a:p>
-            <a:pPr indent="0" lvl="0" marL="0" rtl="0" algn="l">
+            <a:pPr marL="0" lvl="0" indent="0" algn="l" rtl="0">
               <a:spcBef>
                 <a:spcPts val="1200"/>
               </a:spcBef>
@@ -13052,7 +13014,7 @@
             <a:endParaRPr/>
           </a:p>
           <a:p>
-            <a:pPr indent="0" lvl="0" marL="0" rtl="0" algn="l">
+            <a:pPr marL="0" lvl="0" indent="0" algn="l" rtl="0">
               <a:spcBef>
                 <a:spcPts val="1200"/>
               </a:spcBef>
@@ -13068,7 +13030,7 @@
             <a:endParaRPr/>
           </a:p>
           <a:p>
-            <a:pPr indent="0" lvl="0" marL="0" rtl="0" algn="l">
+            <a:pPr marL="0" lvl="0" indent="0" algn="l" rtl="0">
               <a:spcBef>
                 <a:spcPts val="1200"/>
               </a:spcBef>
@@ -13079,24 +13041,12 @@
             </a:pPr>
             <a:r>
               <a:rPr lang="en"/>
-              <a:t>Excluding U.S Territories, North Central yields the least earning with a lower </a:t>
-            </a:r>
-            <a:r>
-              <a:rPr lang="en"/>
-              <a:t>education</a:t>
-            </a:r>
-            <a:r>
-              <a:rPr lang="en"/>
-              <a:t> system and industry </a:t>
-            </a:r>
-            <a:r>
-              <a:rPr lang="en"/>
-              <a:t>opportunities</a:t>
+              <a:t>Excluding U.S Territories, North Central yields the least earning with a lower education system and industry opportunities</a:t>
             </a:r>
             <a:endParaRPr/>
           </a:p>
           <a:p>
-            <a:pPr indent="0" lvl="0" marL="0" rtl="0" algn="l">
+            <a:pPr marL="0" lvl="0" indent="0" algn="l" rtl="0">
               <a:spcBef>
                 <a:spcPts val="1200"/>
               </a:spcBef>
@@ -13123,7 +13073,7 @@
           <a:blip r:embed="rId3">
             <a:alphaModFix/>
           </a:blip>
-          <a:srcRect b="0" l="0" r="0" t="0"/>
+          <a:srcRect/>
           <a:stretch/>
         </p:blipFill>
         <p:spPr>
@@ -13143,7 +13093,9 @@
       <p:sp>
         <p:nvSpPr>
           <p:cNvPr id="180" name="Google Shape;180;p20"/>
-          <p:cNvSpPr txBox="1"/>
+          <p:cNvSpPr txBox="1">
+            <a:spLocks noGrp="1"/>
+          </p:cNvSpPr>
           <p:nvPr>
             <p:ph type="title"/>
           </p:nvPr>
@@ -13158,12 +13110,12 @@
           </a:prstGeom>
         </p:spPr>
         <p:txBody>
-          <a:bodyPr anchorCtr="0" anchor="t" bIns="91425" lIns="91425" spcFirstLastPara="1" rIns="91425" wrap="square" tIns="91425">
+          <a:bodyPr spcFirstLastPara="1" wrap="square" lIns="91425" tIns="91425" rIns="91425" bIns="91425" anchor="t" anchorCtr="0">
             <a:normAutofit/>
           </a:bodyPr>
           <a:lstStyle/>
           <a:p>
-            <a:pPr indent="0" lvl="0" marL="0" rtl="0" algn="l">
+            <a:pPr marL="0" lvl="0" indent="0" algn="l" rtl="0">
               <a:spcBef>
                 <a:spcPts val="0"/>
               </a:spcBef>
@@ -13194,11 +13146,11 @@
 </file>
 
 <file path=ppt/slides/slide9.xml><?xml version="1.0" encoding="utf-8"?>
-<p:sld xmlns:a="http://schemas.openxmlformats.org/drawingml/2006/main" xmlns:r="http://schemas.openxmlformats.org/officeDocument/2006/relationships" xmlns:mc="http://schemas.openxmlformats.org/markup-compatibility/2006" xmlns:mv="urn:schemas-microsoft-com:mac:vml" xmlns:p="http://schemas.openxmlformats.org/presentationml/2006/main" xmlns:c="http://schemas.openxmlformats.org/drawingml/2006/chart" xmlns:dgm="http://schemas.openxmlformats.org/drawingml/2006/diagram" xmlns:o="urn:schemas-microsoft-com:office:office" xmlns:v="urn:schemas-microsoft-com:vml" xmlns:pvml="urn:schemas-microsoft-com:office:powerpoint" xmlns:com="http://schemas.openxmlformats.org/drawingml/2006/compatibility" xmlns:p14="http://schemas.microsoft.com/office/powerpoint/2010/main" xmlns:p15="http://schemas.microsoft.com/office/powerpoint/2012/main" xmlns:ahyp="http://schemas.microsoft.com/office/drawing/2018/hyperlinkcolor">
+<p:sld xmlns:a="http://schemas.openxmlformats.org/drawingml/2006/main" xmlns:r="http://schemas.openxmlformats.org/officeDocument/2006/relationships" xmlns:p="http://schemas.openxmlformats.org/presentationml/2006/main">
   <p:cSld>
     <p:spTree>
       <p:nvGrpSpPr>
-        <p:cNvPr id="184" name="Shape 184"/>
+        <p:cNvPr id="1" name="Shape 184"/>
         <p:cNvGrpSpPr/>
         <p:nvPr/>
       </p:nvGrpSpPr>
@@ -13213,7 +13165,9 @@
       <p:sp>
         <p:nvSpPr>
           <p:cNvPr id="185" name="Google Shape;185;p21"/>
-          <p:cNvSpPr txBox="1"/>
+          <p:cNvSpPr txBox="1">
+            <a:spLocks noGrp="1"/>
+          </p:cNvSpPr>
           <p:nvPr>
             <p:ph type="title"/>
           </p:nvPr>
@@ -13228,12 +13182,12 @@
           </a:prstGeom>
         </p:spPr>
         <p:txBody>
-          <a:bodyPr anchorCtr="0" anchor="t" bIns="91425" lIns="91425" spcFirstLastPara="1" rIns="91425" wrap="square" tIns="91425">
+          <a:bodyPr spcFirstLastPara="1" wrap="square" lIns="91425" tIns="91425" rIns="91425" bIns="91425" anchor="t" anchorCtr="0">
             <a:noAutofit/>
           </a:bodyPr>
           <a:lstStyle/>
           <a:p>
-            <a:pPr indent="0" lvl="0" marL="0" rtl="0" algn="l">
+            <a:pPr marL="0" lvl="0" indent="0" algn="l" rtl="0">
               <a:spcBef>
                 <a:spcPts val="0"/>
               </a:spcBef>
@@ -13285,9 +13239,11 @@
       <p:sp>
         <p:nvSpPr>
           <p:cNvPr id="187" name="Google Shape;187;p21"/>
-          <p:cNvSpPr txBox="1"/>
+          <p:cNvSpPr txBox="1">
+            <a:spLocks noGrp="1"/>
+          </p:cNvSpPr>
           <p:nvPr>
-            <p:ph idx="1" type="body"/>
+            <p:ph type="body" idx="1"/>
           </p:nvPr>
         </p:nvSpPr>
         <p:spPr>
@@ -13300,12 +13256,12 @@
           </a:prstGeom>
         </p:spPr>
         <p:txBody>
-          <a:bodyPr anchorCtr="0" anchor="t" bIns="91425" lIns="91425" spcFirstLastPara="1" rIns="91425" wrap="square" tIns="91425">
+          <a:bodyPr spcFirstLastPara="1" wrap="square" lIns="91425" tIns="91425" rIns="91425" bIns="91425" anchor="t" anchorCtr="0">
             <a:normAutofit lnSpcReduction="10000"/>
           </a:bodyPr>
           <a:lstStyle/>
           <a:p>
-            <a:pPr indent="0" lvl="0" marL="0" rtl="0" algn="l">
+            <a:pPr marL="0" lvl="0" indent="0" algn="l" rtl="0">
               <a:spcBef>
                 <a:spcPts val="0"/>
               </a:spcBef>
@@ -13321,7 +13277,19 @@
             <a:endParaRPr/>
           </a:p>
           <a:p>
-            <a:pPr indent="0" lvl="0" marL="0" rtl="0" algn="l">
+            <a:pPr marL="0" lvl="0" indent="0" algn="l" rtl="0">
+              <a:spcBef>
+                <a:spcPts val="1200"/>
+              </a:spcBef>
+              <a:spcAft>
+                <a:spcPts val="0"/>
+              </a:spcAft>
+              <a:buNone/>
+            </a:pPr>
+            <a:endParaRPr/>
+          </a:p>
+          <a:p>
+            <a:pPr marL="0" lvl="0" indent="0" algn="l" rtl="0">
               <a:spcBef>
                 <a:spcPts val="1200"/>
               </a:spcBef>
@@ -13331,32 +13299,13 @@
               <a:buNone/>
             </a:pPr>
             <a:r>
-              <a:t/>
+              <a:rPr lang="en"/>
+              <a:t>Testing statistical significance across all regions, there is a significant difference in time to pay off debt. (p-value =3.16e-13).</a:t>
             </a:r>
             <a:endParaRPr/>
           </a:p>
           <a:p>
-            <a:pPr indent="0" lvl="0" marL="0" rtl="0" algn="l">
-              <a:spcBef>
-                <a:spcPts val="1200"/>
-              </a:spcBef>
-              <a:spcAft>
-                <a:spcPts val="0"/>
-              </a:spcAft>
-              <a:buNone/>
-            </a:pPr>
-            <a:r>
-              <a:rPr lang="en"/>
-              <a:t>Testing statistical significance across all regions, there is a significant difference in time to pay off debt. (p-value =</a:t>
-            </a:r>
-            <a:r>
-              <a:rPr lang="en"/>
-              <a:t>3.16e-13).</a:t>
-            </a:r>
-            <a:endParaRPr/>
-          </a:p>
-          <a:p>
-            <a:pPr indent="0" lvl="0" marL="0" rtl="0" algn="l">
+            <a:pPr marL="0" lvl="0" indent="0" algn="l" rtl="0">
               <a:spcBef>
                 <a:spcPts val="1200"/>
               </a:spcBef>
@@ -13382,7 +13331,7 @@
 </file>
 
 <file path=ppt/theme/theme1.xml><?xml version="1.0" encoding="utf-8"?>
-<a:theme xmlns:a="http://schemas.openxmlformats.org/drawingml/2006/main" xmlns:r="http://schemas.openxmlformats.org/officeDocument/2006/relationships" name="Focus">
+<a:theme xmlns:a="http://schemas.openxmlformats.org/drawingml/2006/main" name="Focus">
   <a:themeElements>
     <a:clrScheme name="Focus">
       <a:dk1>
@@ -13657,11 +13606,13 @@
       </a:bgFillStyleLst>
     </a:fmtScheme>
   </a:themeElements>
+  <a:objectDefaults/>
+  <a:extraClrSchemeLst/>
 </a:theme>
 </file>
 
 <file path=ppt/theme/theme2.xml><?xml version="1.0" encoding="utf-8"?>
-<a:theme xmlns:a="http://schemas.openxmlformats.org/drawingml/2006/main" xmlns:r="http://schemas.openxmlformats.org/officeDocument/2006/relationships">
+<a:theme xmlns:a="http://schemas.openxmlformats.org/drawingml/2006/main">
   <a:themeElements>
     <a:clrScheme name="Default">
       <a:dk1>
@@ -13936,5 +13887,7 @@
       </a:bgFillStyleLst>
     </a:fmtScheme>
   </a:themeElements>
+  <a:objectDefaults/>
+  <a:extraClrSchemeLst/>
 </a:theme>
 </file>